--- a/REA 1/Présentation Projet personnel_V2.pptx
+++ b/REA 1/Présentation Projet personnel_V2.pptx
@@ -5,23 +5,28 @@
     <p:sldMasterId id="2147483672" r:id="rId1"/>
   </p:sldMasterIdLst>
   <p:notesMasterIdLst>
-    <p:notesMasterId r:id="rId16"/>
+    <p:notesMasterId r:id="rId21"/>
   </p:notesMasterIdLst>
   <p:sldIdLst>
     <p:sldId id="271" r:id="rId2"/>
     <p:sldId id="257" r:id="rId3"/>
     <p:sldId id="270" r:id="rId4"/>
     <p:sldId id="258" r:id="rId5"/>
-    <p:sldId id="260" r:id="rId6"/>
-    <p:sldId id="261" r:id="rId7"/>
+    <p:sldId id="261" r:id="rId6"/>
+    <p:sldId id="274" r:id="rId7"/>
     <p:sldId id="262" r:id="rId8"/>
     <p:sldId id="264" r:id="rId9"/>
     <p:sldId id="265" r:id="rId10"/>
-    <p:sldId id="267" r:id="rId11"/>
-    <p:sldId id="266" r:id="rId12"/>
-    <p:sldId id="269" r:id="rId13"/>
-    <p:sldId id="268" r:id="rId14"/>
-    <p:sldId id="272" r:id="rId15"/>
+    <p:sldId id="275" r:id="rId11"/>
+    <p:sldId id="267" r:id="rId12"/>
+    <p:sldId id="277" r:id="rId13"/>
+    <p:sldId id="266" r:id="rId14"/>
+    <p:sldId id="278" r:id="rId15"/>
+    <p:sldId id="276" r:id="rId16"/>
+    <p:sldId id="269" r:id="rId17"/>
+    <p:sldId id="268" r:id="rId18"/>
+    <p:sldId id="273" r:id="rId19"/>
+    <p:sldId id="272" r:id="rId20"/>
   </p:sldIdLst>
   <p:sldSz cx="12192000" cy="6858000"/>
   <p:notesSz cx="6858000" cy="9144000"/>
@@ -130,7 +135,7 @@
 
 <file path=ppt/commentAuthors.xml><?xml version="1.0" encoding="utf-8"?>
 <p:cmAuthorLst xmlns:a="http://schemas.openxmlformats.org/drawingml/2006/main" xmlns:r="http://schemas.openxmlformats.org/officeDocument/2006/relationships" xmlns:p="http://schemas.openxmlformats.org/presentationml/2006/main">
-  <p:cmAuthor id="1" name="admin" initials="a" lastIdx="6" clrIdx="0">
+  <p:cmAuthor id="1" name="admin" initials="a" lastIdx="25" clrIdx="0">
     <p:extLst>
       <p:ext uri="{19B8F6BF-5375-455C-9EA6-DF929625EA0E}">
         <p15:presenceInfo xmlns:p15="http://schemas.microsoft.com/office/powerpoint/2012/main" userId="admin" providerId="None"/>
@@ -154,14 +159,127 @@
 </p:cmLst>
 </file>
 
+<file path=ppt/comments/comment10.xml><?xml version="1.0" encoding="utf-8"?>
+<p:cmLst xmlns:a="http://schemas.openxmlformats.org/drawingml/2006/main" xmlns:r="http://schemas.openxmlformats.org/officeDocument/2006/relationships" xmlns:p="http://schemas.openxmlformats.org/presentationml/2006/main">
+  <p:cm authorId="1" dt="2021-11-24T11:16:43.847" idx="22">
+    <p:pos x="10" y="10"/>
+    <p:text>Ici on visualise les clés étrangères qui sont dans les tables d'associations</p:text>
+    <p:extLst>
+      <p:ext uri="{C676402C-5697-4E1C-873F-D02D1690AC5C}">
+        <p15:threadingInfo xmlns:p15="http://schemas.microsoft.com/office/powerpoint/2012/main" timeZoneBias="-60"/>
+      </p:ext>
+    </p:extLst>
+  </p:cm>
+  <p:cm authorId="1" dt="2021-11-24T11:24:40.743" idx="25">
+    <p:pos x="10" y="146"/>
+    <p:text>La clé primaire est composée de 2 clés étrangères qui sont composées des tables voisines</p:text>
+    <p:extLst>
+      <p:ext uri="{C676402C-5697-4E1C-873F-D02D1690AC5C}">
+        <p15:threadingInfo xmlns:p15="http://schemas.microsoft.com/office/powerpoint/2012/main" timeZoneBias="-60">
+          <p15:parentCm authorId="1" idx="22"/>
+        </p15:threadingInfo>
+      </p:ext>
+    </p:extLst>
+  </p:cm>
+</p:cmLst>
+</file>
+
+<file path=ppt/comments/comment11.xml><?xml version="1.0" encoding="utf-8"?>
+<p:cmLst xmlns:a="http://schemas.openxmlformats.org/drawingml/2006/main" xmlns:r="http://schemas.openxmlformats.org/officeDocument/2006/relationships" xmlns:p="http://schemas.openxmlformats.org/presentationml/2006/main">
+  <p:cm authorId="1" dt="2021-11-19T16:10:27.921" idx="3">
+    <p:pos x="10" y="10"/>
+    <p:text/>
+    <p:extLst>
+      <p:ext uri="{C676402C-5697-4E1C-873F-D02D1690AC5C}">
+        <p15:threadingInfo xmlns:p15="http://schemas.microsoft.com/office/powerpoint/2012/main" timeZoneBias="-60"/>
+      </p:ext>
+    </p:extLst>
+  </p:cm>
+</p:cmLst>
+</file>
+
 <file path=ppt/comments/comment2.xml><?xml version="1.0" encoding="utf-8"?>
+<p:cmLst xmlns:a="http://schemas.openxmlformats.org/drawingml/2006/main" xmlns:r="http://schemas.openxmlformats.org/officeDocument/2006/relationships" xmlns:p="http://schemas.openxmlformats.org/presentationml/2006/main">
+  <p:cm authorId="1" dt="2021-11-24T09:35:17.015" idx="7">
+    <p:pos x="10" y="10"/>
+    <p:text>Le projet s’articule sur la création d’un blog de cuisine associé un foodtruck qui distribuerai les plats issus des recettes du blog pour de la vente à emporter avec un système de réservation des plats.</p:text>
+    <p:extLst>
+      <p:ext uri="{C676402C-5697-4E1C-873F-D02D1690AC5C}">
+        <p15:threadingInfo xmlns:p15="http://schemas.microsoft.com/office/powerpoint/2012/main" timeZoneBias="-60"/>
+      </p:ext>
+    </p:extLst>
+  </p:cm>
+  <p:cm authorId="1" dt="2021-11-24T09:54:51.711" idx="10">
+    <p:pos x="10" y="146"/>
+    <p:text>Etude du besoin 
+Le besoin du client est la mise en place d’un site web pour la partie blog et d’une possibilité de réservation de produits en ligne (e-commerce). Il n’y a actuellement aucun site existant.</p:text>
+    <p:extLst>
+      <p:ext uri="{C676402C-5697-4E1C-873F-D02D1690AC5C}">
+        <p15:threadingInfo xmlns:p15="http://schemas.microsoft.com/office/powerpoint/2012/main" timeZoneBias="-60">
+          <p15:parentCm authorId="1" idx="7"/>
+        </p15:threadingInfo>
+      </p:ext>
+    </p:extLst>
+  </p:cm>
+  <p:cm authorId="1" dt="2021-11-24T09:52:42.054" idx="8">
+    <p:pos x="146" y="146"/>
+    <p:text>La concurrence est très importante pour les blogs de cuisine mais pour les foodtrucks cela s’avère être moins sévère. Le marché de l’alimentation végétale est en plein essor et les propositions des foodtrucks d’alimentation saine et de qualité sur la métropole toulousaine est actuellement peu nombreuse. Le secteur géographique visé est celui des zones industrielles du pourtour toulousain.
+Le service traiteur du foodtruck est tout d’abord envisagé pour le service du midi.</p:text>
+    <p:extLst>
+      <p:ext uri="{C676402C-5697-4E1C-873F-D02D1690AC5C}">
+        <p15:threadingInfo xmlns:p15="http://schemas.microsoft.com/office/powerpoint/2012/main" timeZoneBias="-60"/>
+      </p:ext>
+    </p:extLst>
+  </p:cm>
+  <p:cm authorId="1" dt="2021-11-24T09:53:07.487" idx="9">
+    <p:pos x="282" y="282"/>
+    <p:text>SWOT 
+Force : concept original
+Faiblesses : peu de moyens mis à disposition
+Opportunités: pouvoir s’installer sur un marché non encore saturé de l’alimentation végétale du midi
+Menaces : non décollage de l’activité et cessation de l’activité et être noyé dans la masse des blogs de cuisine</p:text>
+    <p:extLst>
+      <p:ext uri="{C676402C-5697-4E1C-873F-D02D1690AC5C}">
+        <p15:threadingInfo xmlns:p15="http://schemas.microsoft.com/office/powerpoint/2012/main" timeZoneBias="-60"/>
+      </p:ext>
+    </p:extLst>
+  </p:cm>
+</p:cmLst>
+</file>
+
+<file path=ppt/comments/comment3.xml><?xml version="1.0" encoding="utf-8"?>
+<p:cmLst xmlns:a="http://schemas.openxmlformats.org/drawingml/2006/main" xmlns:r="http://schemas.openxmlformats.org/officeDocument/2006/relationships" xmlns:p="http://schemas.openxmlformats.org/presentationml/2006/main">
+  <p:cm authorId="1" dt="2021-11-19T16:10:27.921" idx="3">
+    <p:pos x="10" y="10"/>
+    <p:text/>
+    <p:extLst>
+      <p:ext uri="{C676402C-5697-4E1C-873F-D02D1690AC5C}">
+        <p15:threadingInfo xmlns:p15="http://schemas.microsoft.com/office/powerpoint/2012/main" timeZoneBias="-60"/>
+      </p:ext>
+    </p:extLst>
+  </p:cm>
+  <p:cm authorId="1" dt="2021-11-24T10:17:47.037" idx="12">
+    <p:pos x="10" y="146"/>
+    <p:text>l'analyse fonctionnelle est la description des fonctionnalités de l'applicaton</p:text>
+    <p:extLst>
+      <p:ext uri="{C676402C-5697-4E1C-873F-D02D1690AC5C}">
+        <p15:threadingInfo xmlns:p15="http://schemas.microsoft.com/office/powerpoint/2012/main" timeZoneBias="-60">
+          <p15:parentCm authorId="1" idx="3"/>
+        </p15:threadingInfo>
+      </p:ext>
+    </p:extLst>
+  </p:cm>
+</p:cmLst>
+</file>
+
+<file path=ppt/comments/comment4.xml><?xml version="1.0" encoding="utf-8"?>
 <p:cmLst xmlns:a="http://schemas.openxmlformats.org/drawingml/2006/main" xmlns:r="http://schemas.openxmlformats.org/officeDocument/2006/relationships" xmlns:p="http://schemas.openxmlformats.org/presentationml/2006/main">
   <p:cm authorId="1" dt="2021-11-19T16:00:11.535" idx="1">
     <p:pos x="10" y="10"/>
     <p:text>Le use case représente l'ensemble des fonctionnalités du site 
-Chaque cas d'utilisationcorrespond à une fonctionnalité du site.
+Chaque cas d'utilisation correspond à une fonctionnalité du site.
 Les acteurs représentent un type d'utilisateur</p:text>
-    <p:extLst>
+    <p:extLst mod="1">
       <p:ext uri="{C676402C-5697-4E1C-873F-D02D1690AC5C}">
         <p15:threadingInfo xmlns:p15="http://schemas.microsoft.com/office/powerpoint/2012/main" timeZoneBias="-60"/>
       </p:ext>
@@ -179,14 +297,25 @@
 </p:cmLst>
 </file>
 
-<file path=ppt/comments/comment3.xml><?xml version="1.0" encoding="utf-8"?>
+<file path=ppt/comments/comment5.xml><?xml version="1.0" encoding="utf-8"?>
 <p:cmLst xmlns:a="http://schemas.openxmlformats.org/drawingml/2006/main" xmlns:r="http://schemas.openxmlformats.org/officeDocument/2006/relationships" xmlns:p="http://schemas.openxmlformats.org/presentationml/2006/main">
   <p:cm authorId="1" dt="2021-11-19T16:24:28.552" idx="4">
     <p:pos x="10" y="10"/>
+    <p:text>Le diagramme d'activité est la représentation chronologique d'un cas d'utilisation.</p:text>
+    <p:extLst mod="1">
+      <p:ext uri="{C676402C-5697-4E1C-873F-D02D1690AC5C}">
+        <p15:threadingInfo xmlns:p15="http://schemas.microsoft.com/office/powerpoint/2012/main" timeZoneBias="-60"/>
+      </p:ext>
+    </p:extLst>
+  </p:cm>
+  <p:cm authorId="1" dt="2021-11-24T10:15:55.108" idx="11">
+    <p:pos x="10" y="146"/>
     <p:text>Le flow intial commence au serveur qui est en attente d'une requete de l'utilisateur identifié</p:text>
     <p:extLst>
       <p:ext uri="{C676402C-5697-4E1C-873F-D02D1690AC5C}">
-        <p15:threadingInfo xmlns:p15="http://schemas.microsoft.com/office/powerpoint/2012/main" timeZoneBias="-60"/>
+        <p15:threadingInfo xmlns:p15="http://schemas.microsoft.com/office/powerpoint/2012/main" timeZoneBias="-60">
+          <p15:parentCm authorId="1" idx="4"/>
+        </p15:threadingInfo>
       </p:ext>
     </p:extLst>
   </p:cm>
@@ -201,10 +330,142 @@
   </p:cm>
   <p:cm authorId="1" dt="2021-11-19T16:25:46.619" idx="6">
     <p:pos x="282" y="282"/>
-    <p:text>Le diagramme d'activité est la représentation chronologique d'un cas d'utilisation.</p:text>
+    <p:text/>
+    <p:extLst mod="1">
+      <p:ext uri="{C676402C-5697-4E1C-873F-D02D1690AC5C}">
+        <p15:threadingInfo xmlns:p15="http://schemas.microsoft.com/office/powerpoint/2012/main" timeZoneBias="-60"/>
+      </p:ext>
+    </p:extLst>
+  </p:cm>
+  <p:cm authorId="1" dt="2021-11-24T10:19:50.446" idx="15">
+    <p:pos x="282" y="418"/>
+    <p:text>dans ce cas précis il faut être un user identified</p:text>
+    <p:extLst>
+      <p:ext uri="{C676402C-5697-4E1C-873F-D02D1690AC5C}">
+        <p15:threadingInfo xmlns:p15="http://schemas.microsoft.com/office/powerpoint/2012/main" timeZoneBias="-60">
+          <p15:parentCm authorId="1" idx="6"/>
+        </p15:threadingInfo>
+      </p:ext>
+    </p:extLst>
+  </p:cm>
+</p:cmLst>
+</file>
+
+<file path=ppt/comments/comment6.xml><?xml version="1.0" encoding="utf-8"?>
+<p:cmLst xmlns:a="http://schemas.openxmlformats.org/drawingml/2006/main" xmlns:r="http://schemas.openxmlformats.org/officeDocument/2006/relationships" xmlns:p="http://schemas.openxmlformats.org/presentationml/2006/main">
+  <p:cm authorId="1" dt="2021-11-24T10:20:36.357" idx="16">
+    <p:pos x="10" y="10"/>
+    <p:text>C'est la représentation de l'activité ici frigo de manière chronologique. C'est le scénario nomimal</p:text>
     <p:extLst>
       <p:ext uri="{C676402C-5697-4E1C-873F-D02D1690AC5C}">
         <p15:threadingInfo xmlns:p15="http://schemas.microsoft.com/office/powerpoint/2012/main" timeZoneBias="-60"/>
+      </p:ext>
+    </p:extLst>
+  </p:cm>
+  <p:cm authorId="1" dt="2021-11-24T10:22:47.793" idx="17">
+    <p:pos x="146" y="146"/>
+    <p:text>Il y a également mention des scénarios alternatifs</p:text>
+    <p:extLst>
+      <p:ext uri="{C676402C-5697-4E1C-873F-D02D1690AC5C}">
+        <p15:threadingInfo xmlns:p15="http://schemas.microsoft.com/office/powerpoint/2012/main" timeZoneBias="-60"/>
+      </p:ext>
+    </p:extLst>
+  </p:cm>
+</p:cmLst>
+</file>
+
+<file path=ppt/comments/comment7.xml><?xml version="1.0" encoding="utf-8"?>
+<p:cmLst xmlns:a="http://schemas.openxmlformats.org/drawingml/2006/main" xmlns:r="http://schemas.openxmlformats.org/officeDocument/2006/relationships" xmlns:p="http://schemas.openxmlformats.org/presentationml/2006/main">
+  <p:cm authorId="1" dt="2021-11-19T16:10:27.921" idx="3">
+    <p:pos x="10" y="10"/>
+    <p:text/>
+    <p:extLst>
+      <p:ext uri="{C676402C-5697-4E1C-873F-D02D1690AC5C}">
+        <p15:threadingInfo xmlns:p15="http://schemas.microsoft.com/office/powerpoint/2012/main" timeZoneBias="-60"/>
+      </p:ext>
+    </p:extLst>
+  </p:cm>
+  <p:cm authorId="1" dt="2021-11-24T10:18:32.065" idx="14">
+    <p:pos x="10" y="146"/>
+    <p:text>la conception est orientée données. C'est la représentation de l'organisation des données</p:text>
+    <p:extLst>
+      <p:ext uri="{C676402C-5697-4E1C-873F-D02D1690AC5C}">
+        <p15:threadingInfo xmlns:p15="http://schemas.microsoft.com/office/powerpoint/2012/main" timeZoneBias="-60">
+          <p15:parentCm authorId="1" idx="3"/>
+        </p15:threadingInfo>
+      </p:ext>
+    </p:extLst>
+  </p:cm>
+  <p:cm authorId="1" dt="2021-11-24T10:26:52.801" idx="18">
+    <p:pos x="10" y="282"/>
+    <p:text>c'est la 1ère étape du support physique</p:text>
+    <p:extLst>
+      <p:ext uri="{C676402C-5697-4E1C-873F-D02D1690AC5C}">
+        <p15:threadingInfo xmlns:p15="http://schemas.microsoft.com/office/powerpoint/2012/main" timeZoneBias="-60">
+          <p15:parentCm authorId="1" idx="3"/>
+        </p15:threadingInfo>
+      </p:ext>
+    </p:extLst>
+  </p:cm>
+  <p:cm authorId="1" dt="2021-11-24T10:28:50.962" idx="19">
+    <p:pos x="10" y="418"/>
+    <p:text>Le but est de stocker les données dans un Système de Gestion de Base de Données Relationnelle</p:text>
+    <p:extLst>
+      <p:ext uri="{C676402C-5697-4E1C-873F-D02D1690AC5C}">
+        <p15:threadingInfo xmlns:p15="http://schemas.microsoft.com/office/powerpoint/2012/main" timeZoneBias="-60">
+          <p15:parentCm authorId="1" idx="3"/>
+        </p15:threadingInfo>
+      </p:ext>
+    </p:extLst>
+  </p:cm>
+  <p:cm authorId="1" dt="2021-11-24T10:29:40.478" idx="20">
+    <p:pos x="10" y="554"/>
+    <p:text>La première étape est le modèle conceptuel de données
+puis le modèle logique de données</p:text>
+    <p:extLst>
+      <p:ext uri="{C676402C-5697-4E1C-873F-D02D1690AC5C}">
+        <p15:threadingInfo xmlns:p15="http://schemas.microsoft.com/office/powerpoint/2012/main" timeZoneBias="-60">
+          <p15:parentCm authorId="1" idx="3"/>
+        </p15:threadingInfo>
+      </p:ext>
+    </p:extLst>
+  </p:cm>
+</p:cmLst>
+</file>
+
+<file path=ppt/comments/comment8.xml><?xml version="1.0" encoding="utf-8"?>
+<p:cmLst xmlns:a="http://schemas.openxmlformats.org/drawingml/2006/main" xmlns:r="http://schemas.openxmlformats.org/officeDocument/2006/relationships" xmlns:p="http://schemas.openxmlformats.org/presentationml/2006/main">
+  <p:cm authorId="1" dt="2021-11-24T10:51:45.197" idx="21">
+    <p:pos x="10" y="10"/>
+    <p:text>Sont décrite ici les tables qui organisent les données de l'application.</p:text>
+    <p:extLst>
+      <p:ext uri="{C676402C-5697-4E1C-873F-D02D1690AC5C}">
+        <p15:threadingInfo xmlns:p15="http://schemas.microsoft.com/office/powerpoint/2012/main" timeZoneBias="-60"/>
+      </p:ext>
+    </p:extLst>
+  </p:cm>
+</p:cmLst>
+</file>
+
+<file path=ppt/comments/comment9.xml><?xml version="1.0" encoding="utf-8"?>
+<p:cmLst xmlns:a="http://schemas.openxmlformats.org/drawingml/2006/main" xmlns:r="http://schemas.openxmlformats.org/officeDocument/2006/relationships" xmlns:p="http://schemas.openxmlformats.org/presentationml/2006/main">
+  <p:cm authorId="1" dt="2021-11-24T11:18:36.620" idx="23">
+    <p:pos x="10" y="10"/>
+    <p:text>id</p:text>
+    <p:extLst>
+      <p:ext uri="{C676402C-5697-4E1C-873F-D02D1690AC5C}">
+        <p15:threadingInfo xmlns:p15="http://schemas.microsoft.com/office/powerpoint/2012/main" timeZoneBias="-60"/>
+      </p:ext>
+    </p:extLst>
+  </p:cm>
+  <p:cm authorId="1" dt="2021-11-24T11:18:46.659" idx="24">
+    <p:pos x="10" y="146"/>
+    <p:text>attribut</p:text>
+    <p:extLst>
+      <p:ext uri="{C676402C-5697-4E1C-873F-D02D1690AC5C}">
+        <p15:threadingInfo xmlns:p15="http://schemas.microsoft.com/office/powerpoint/2012/main" timeZoneBias="-60">
+          <p15:parentCm authorId="1" idx="23"/>
+        </p15:threadingInfo>
       </p:ext>
     </p:extLst>
   </p:cm>
@@ -293,7 +554,7 @@
           <a:p>
             <a:fld id="{5EC2866B-F6B3-44EA-9286-D314C87D3227}" type="datetimeFigureOut">
               <a:rPr lang="fr-FR" smtClean="0"/>
-              <a:t>19/11/2021</a:t>
+              <a:t>24/11/2021</a:t>
             </a:fld>
             <a:endParaRPr lang="fr-FR"/>
           </a:p>
@@ -9522,7 +9783,7 @@
           <a:p>
             <a:fld id="{2B4665BA-7A2B-4F16-816B-E47C8F766DFE}" type="datetime1">
               <a:rPr lang="fr-FR" smtClean="0"/>
-              <a:t>19/11/2021</a:t>
+              <a:t>24/11/2021</a:t>
             </a:fld>
             <a:endParaRPr lang="fr-FR"/>
           </a:p>
@@ -9729,7 +9990,7 @@
           <a:p>
             <a:fld id="{30CF1AE6-4298-4C14-A323-96FAC1DDD664}" type="datetime1">
               <a:rPr lang="fr-FR" smtClean="0"/>
-              <a:t>19/11/2021</a:t>
+              <a:t>24/11/2021</a:t>
             </a:fld>
             <a:endParaRPr lang="fr-FR"/>
           </a:p>
@@ -9909,7 +10170,7 @@
           <a:p>
             <a:fld id="{84465823-26AB-477C-96B9-E7FB366E6F70}" type="datetime1">
               <a:rPr lang="fr-FR" smtClean="0"/>
-              <a:t>19/11/2021</a:t>
+              <a:t>24/11/2021</a:t>
             </a:fld>
             <a:endParaRPr lang="fr-FR"/>
           </a:p>
@@ -10114,7 +10375,7 @@
           <a:p>
             <a:fld id="{D0C6BE80-0A8B-4250-82D7-1A49EA50492A}" type="datetime1">
               <a:rPr lang="fr-FR" smtClean="0"/>
-              <a:t>19/11/2021</a:t>
+              <a:t>24/11/2021</a:t>
             </a:fld>
             <a:endParaRPr lang="fr-FR"/>
           </a:p>
@@ -19012,7 +19273,7 @@
           <a:p>
             <a:fld id="{44B58F3C-9A88-47FF-BE63-AD1F01C3E0FE}" type="datetime1">
               <a:rPr lang="fr-FR" smtClean="0"/>
-              <a:t>19/11/2021</a:t>
+              <a:t>24/11/2021</a:t>
             </a:fld>
             <a:endParaRPr lang="fr-FR"/>
           </a:p>
@@ -19286,7 +19547,7 @@
           <a:p>
             <a:fld id="{25A55C94-572F-4F19-BBB7-EF9089E65C10}" type="datetime1">
               <a:rPr lang="fr-FR" smtClean="0"/>
-              <a:t>19/11/2021</a:t>
+              <a:t>24/11/2021</a:t>
             </a:fld>
             <a:endParaRPr lang="fr-FR"/>
           </a:p>
@@ -19684,7 +19945,7 @@
           <a:p>
             <a:fld id="{FEB63208-D70F-46E4-97AA-CC1A2E7674F0}" type="datetime1">
               <a:rPr lang="fr-FR" smtClean="0"/>
-              <a:t>19/11/2021</a:t>
+              <a:t>24/11/2021</a:t>
             </a:fld>
             <a:endParaRPr lang="fr-FR"/>
           </a:p>
@@ -19802,7 +20063,7 @@
           <a:p>
             <a:fld id="{AB5A4DB2-82FF-4B96-BB10-8989BD08B986}" type="datetime1">
               <a:rPr lang="fr-FR" smtClean="0"/>
-              <a:t>19/11/2021</a:t>
+              <a:t>24/11/2021</a:t>
             </a:fld>
             <a:endParaRPr lang="fr-FR"/>
           </a:p>
@@ -19897,7 +20158,7 @@
           <a:p>
             <a:fld id="{4FAAB650-E8F6-49C7-B8C5-4CBBECF5BC1C}" type="datetime1">
               <a:rPr lang="fr-FR" smtClean="0"/>
-              <a:t>19/11/2021</a:t>
+              <a:t>24/11/2021</a:t>
             </a:fld>
             <a:endParaRPr lang="fr-FR"/>
           </a:p>
@@ -20187,7 +20448,7 @@
           <a:p>
             <a:fld id="{DAF59671-4ADA-4997-B412-801EF0D150DC}" type="datetime1">
               <a:rPr lang="fr-FR" smtClean="0"/>
-              <a:t>19/11/2021</a:t>
+              <a:t>24/11/2021</a:t>
             </a:fld>
             <a:endParaRPr lang="fr-FR"/>
           </a:p>
@@ -20467,7 +20728,7 @@
           <a:p>
             <a:fld id="{403DF1DD-FD2D-4D76-B8B0-1E3B4781F81C}" type="datetime1">
               <a:rPr lang="fr-FR" smtClean="0"/>
-              <a:t>19/11/2021</a:t>
+              <a:t>24/11/2021</a:t>
             </a:fld>
             <a:endParaRPr lang="fr-FR"/>
           </a:p>
@@ -20717,7 +20978,7 @@
           <a:p>
             <a:fld id="{451C6FBD-F756-425B-ABAA-03B3413F0D01}" type="datetime1">
               <a:rPr lang="fr-FR" smtClean="0"/>
-              <a:t>19/11/2021</a:t>
+              <a:t>24/11/2021</a:t>
             </a:fld>
             <a:endParaRPr lang="fr-FR"/>
           </a:p>
@@ -21418,6 +21679,314 @@
           <a:chExt cx="0" cy="0"/>
         </a:xfrm>
       </p:grpSpPr>
+      <p:sp>
+        <p:nvSpPr>
+          <p:cNvPr id="2" name="ZoneTexte 1"/>
+          <p:cNvSpPr txBox="1"/>
+          <p:nvPr/>
+        </p:nvSpPr>
+        <p:spPr>
+          <a:xfrm>
+            <a:off x="596901" y="421555"/>
+            <a:ext cx="4025900" cy="6186309"/>
+          </a:xfrm>
+          <a:prstGeom prst="rect">
+            <a:avLst/>
+          </a:prstGeom>
+          <a:noFill/>
+        </p:spPr>
+        <p:txBody>
+          <a:bodyPr wrap="square" rtlCol="0">
+            <a:spAutoFit/>
+          </a:bodyPr>
+          <a:lstStyle/>
+          <a:p>
+            <a:r>
+              <a:rPr lang="fr-FR" dirty="0" smtClean="0">
+                <a:latin typeface="Calibri" panose="020F0502020204030204" pitchFamily="34" charset="0"/>
+              </a:rPr>
+              <a:t>SOMMAIRE</a:t>
+            </a:r>
+          </a:p>
+          <a:p>
+            <a:endParaRPr lang="fr-FR" dirty="0">
+              <a:latin typeface="Calibri" panose="020F0502020204030204" pitchFamily="34" charset="0"/>
+            </a:endParaRPr>
+          </a:p>
+          <a:p>
+            <a:r>
+              <a:rPr lang="fr-FR" dirty="0" smtClean="0">
+                <a:latin typeface="Calibri" panose="020F0502020204030204" pitchFamily="34" charset="0"/>
+              </a:rPr>
+              <a:t>I Présentation du projet </a:t>
+            </a:r>
+          </a:p>
+          <a:p>
+            <a:endParaRPr lang="fr-FR" dirty="0">
+              <a:latin typeface="Calibri" panose="020F0502020204030204" pitchFamily="34" charset="0"/>
+            </a:endParaRPr>
+          </a:p>
+          <a:p>
+            <a:r>
+              <a:rPr lang="fr-FR" dirty="0" smtClean="0">
+                <a:latin typeface="Calibri" panose="020F0502020204030204" pitchFamily="34" charset="0"/>
+              </a:rPr>
+              <a:t>II Cahier des charges</a:t>
+            </a:r>
+          </a:p>
+          <a:p>
+            <a:endParaRPr lang="fr-FR" dirty="0" smtClean="0">
+              <a:latin typeface="Calibri" panose="020F0502020204030204" pitchFamily="34" charset="0"/>
+            </a:endParaRPr>
+          </a:p>
+          <a:p>
+            <a:r>
+              <a:rPr lang="fr-FR" dirty="0" smtClean="0">
+                <a:latin typeface="Calibri" panose="020F0502020204030204" pitchFamily="34" charset="0"/>
+              </a:rPr>
+              <a:t>III Analyse fonctionnelle</a:t>
+            </a:r>
+          </a:p>
+          <a:p>
+            <a:r>
+              <a:rPr lang="fr-FR" dirty="0" smtClean="0">
+                <a:latin typeface="Calibri" panose="020F0502020204030204" pitchFamily="34" charset="0"/>
+              </a:rPr>
+              <a:t>	A </a:t>
+            </a:r>
+            <a:r>
+              <a:rPr lang="fr-FR" dirty="0">
+                <a:latin typeface="Calibri" panose="020F0502020204030204" pitchFamily="34" charset="0"/>
+              </a:rPr>
+              <a:t>Cas d’utilisation</a:t>
+            </a:r>
+          </a:p>
+          <a:p>
+            <a:r>
+              <a:rPr lang="fr-FR" dirty="0">
+                <a:latin typeface="Calibri" panose="020F0502020204030204" pitchFamily="34" charset="0"/>
+              </a:rPr>
+              <a:t>	B Diagrammes</a:t>
+            </a:r>
+          </a:p>
+          <a:p>
+            <a:r>
+              <a:rPr lang="fr-FR" dirty="0">
+                <a:latin typeface="Calibri" panose="020F0502020204030204" pitchFamily="34" charset="0"/>
+              </a:rPr>
+              <a:t>		1) activité</a:t>
+            </a:r>
+          </a:p>
+          <a:p>
+            <a:r>
+              <a:rPr lang="fr-FR" dirty="0">
+                <a:latin typeface="Calibri" panose="020F0502020204030204" pitchFamily="34" charset="0"/>
+              </a:rPr>
+              <a:t>		2) séquence</a:t>
+            </a:r>
+          </a:p>
+          <a:p>
+            <a:r>
+              <a:rPr lang="fr-FR" dirty="0">
+                <a:latin typeface="Calibri" panose="020F0502020204030204" pitchFamily="34" charset="0"/>
+              </a:rPr>
+              <a:t>		3) de classe</a:t>
+            </a:r>
+          </a:p>
+          <a:p>
+            <a:r>
+              <a:rPr lang="fr-FR" i="1" dirty="0" smtClean="0">
+                <a:solidFill>
+                  <a:srgbClr val="FF0000"/>
+                </a:solidFill>
+                <a:latin typeface="Calibri" panose="020F0502020204030204" pitchFamily="34" charset="0"/>
+              </a:rPr>
+              <a:t>IV Conception</a:t>
+            </a:r>
+          </a:p>
+          <a:p>
+            <a:r>
+              <a:rPr lang="fr-FR" i="1" dirty="0" smtClean="0">
+                <a:solidFill>
+                  <a:srgbClr val="FF0000"/>
+                </a:solidFill>
+                <a:latin typeface="Calibri" panose="020F0502020204030204" pitchFamily="34" charset="0"/>
+              </a:rPr>
+              <a:t>	A </a:t>
+            </a:r>
+            <a:r>
+              <a:rPr lang="fr-FR" i="1" dirty="0">
+                <a:solidFill>
+                  <a:srgbClr val="FF0000"/>
+                </a:solidFill>
+                <a:latin typeface="Calibri" panose="020F0502020204030204" pitchFamily="34" charset="0"/>
+              </a:rPr>
+              <a:t>MCD MLD</a:t>
+            </a:r>
+          </a:p>
+          <a:p>
+            <a:r>
+              <a:rPr lang="fr-FR" i="1" dirty="0">
+                <a:solidFill>
+                  <a:srgbClr val="FF0000"/>
+                </a:solidFill>
+                <a:latin typeface="Calibri" panose="020F0502020204030204" pitchFamily="34" charset="0"/>
+              </a:rPr>
+              <a:t>		1) MCD </a:t>
+            </a:r>
+          </a:p>
+          <a:p>
+            <a:r>
+              <a:rPr lang="fr-FR" i="1" dirty="0">
+                <a:solidFill>
+                  <a:srgbClr val="FF0000"/>
+                </a:solidFill>
+                <a:latin typeface="Calibri" panose="020F0502020204030204" pitchFamily="34" charset="0"/>
+              </a:rPr>
+              <a:t>		2) MLD</a:t>
+            </a:r>
+          </a:p>
+          <a:p>
+            <a:r>
+              <a:rPr lang="fr-FR" i="1" dirty="0">
+                <a:latin typeface="Calibri" panose="020F0502020204030204" pitchFamily="34" charset="0"/>
+              </a:rPr>
+              <a:t>		</a:t>
+            </a:r>
+          </a:p>
+          <a:p>
+            <a:r>
+              <a:rPr lang="fr-FR" dirty="0">
+                <a:latin typeface="Calibri" panose="020F0502020204030204" pitchFamily="34" charset="0"/>
+              </a:rPr>
+              <a:t>	</a:t>
+            </a:r>
+            <a:r>
+              <a:rPr lang="fr-FR" dirty="0" smtClean="0">
+                <a:latin typeface="Calibri" panose="020F0502020204030204" pitchFamily="34" charset="0"/>
+              </a:rPr>
+              <a:t>B </a:t>
+            </a:r>
+            <a:r>
+              <a:rPr lang="fr-FR" dirty="0">
+                <a:latin typeface="Calibri" panose="020F0502020204030204" pitchFamily="34" charset="0"/>
+              </a:rPr>
+              <a:t>SQL </a:t>
+            </a:r>
+          </a:p>
+          <a:p>
+            <a:endParaRPr lang="fr-FR" dirty="0">
+              <a:latin typeface="Calibri" panose="020F0502020204030204" pitchFamily="34" charset="0"/>
+            </a:endParaRPr>
+          </a:p>
+          <a:p>
+            <a:r>
+              <a:rPr lang="fr-FR" dirty="0" smtClean="0">
+                <a:latin typeface="Calibri" panose="020F0502020204030204" pitchFamily="34" charset="0"/>
+              </a:rPr>
+              <a:t>	C Interaction avec la base de données	</a:t>
+            </a:r>
+            <a:endParaRPr lang="fr-FR" sz="1600" dirty="0">
+              <a:latin typeface="Calibri" panose="020F0502020204030204" pitchFamily="34" charset="0"/>
+            </a:endParaRPr>
+          </a:p>
+          <a:p>
+            <a:endParaRPr lang="fr-FR" dirty="0">
+              <a:latin typeface="Calibri" panose="020F0502020204030204" pitchFamily="34" charset="0"/>
+            </a:endParaRPr>
+          </a:p>
+        </p:txBody>
+      </p:sp>
+      <p:sp>
+        <p:nvSpPr>
+          <p:cNvPr id="3" name="Espace réservé du numéro de diapositive 2"/>
+          <p:cNvSpPr>
+            <a:spLocks noGrp="1"/>
+          </p:cNvSpPr>
+          <p:nvPr>
+            <p:ph type="sldNum" sz="quarter" idx="12"/>
+          </p:nvPr>
+        </p:nvSpPr>
+        <p:spPr/>
+        <p:txBody>
+          <a:bodyPr/>
+          <a:lstStyle/>
+          <a:p>
+            <a:fld id="{C992E66A-41E9-4F30-B3C8-2FF86DC5BC5A}" type="slidenum">
+              <a:rPr lang="fr-FR" smtClean="0"/>
+              <a:t>10</a:t>
+            </a:fld>
+            <a:endParaRPr lang="fr-FR"/>
+          </a:p>
+        </p:txBody>
+      </p:sp>
+      <p:pic>
+        <p:nvPicPr>
+          <p:cNvPr id="4" name="Image 3"/>
+          <p:cNvPicPr>
+            <a:picLocks noChangeAspect="1"/>
+          </p:cNvPicPr>
+          <p:nvPr/>
+        </p:nvPicPr>
+        <p:blipFill>
+          <a:blip r:embed="rId2">
+            <a:extLst>
+              <a:ext uri="{28A0092B-C50C-407E-A947-70E740481C1C}">
+                <a14:useLocalDpi xmlns:a14="http://schemas.microsoft.com/office/drawing/2010/main" val="0"/>
+              </a:ext>
+            </a:extLst>
+          </a:blip>
+          <a:stretch>
+            <a:fillRect/>
+          </a:stretch>
+        </p:blipFill>
+        <p:spPr>
+          <a:xfrm>
+            <a:off x="5580062" y="421555"/>
+            <a:ext cx="5553075" cy="5715000"/>
+          </a:xfrm>
+          <a:prstGeom prst="rect">
+            <a:avLst/>
+          </a:prstGeom>
+        </p:spPr>
+      </p:pic>
+    </p:spTree>
+    <p:extLst>
+      <p:ext uri="{BB962C8B-B14F-4D97-AF65-F5344CB8AC3E}">
+        <p14:creationId xmlns:p14="http://schemas.microsoft.com/office/powerpoint/2010/main" val="2291249666"/>
+      </p:ext>
+    </p:extLst>
+  </p:cSld>
+  <p:clrMapOvr>
+    <a:masterClrMapping/>
+  </p:clrMapOvr>
+  <p:timing>
+    <p:tnLst>
+      <p:par>
+        <p:cTn id="1" dur="indefinite" restart="never" nodeType="tmRoot"/>
+      </p:par>
+    </p:tnLst>
+  </p:timing>
+</p:sld>
+</file>
+
+<file path=ppt/slides/slide11.xml><?xml version="1.0" encoding="utf-8"?>
+<p:sld xmlns:a="http://schemas.openxmlformats.org/drawingml/2006/main" xmlns:r="http://schemas.openxmlformats.org/officeDocument/2006/relationships" xmlns:p="http://schemas.openxmlformats.org/presentationml/2006/main">
+  <p:cSld>
+    <p:spTree>
+      <p:nvGrpSpPr>
+        <p:cNvPr id="1" name=""/>
+        <p:cNvGrpSpPr/>
+        <p:nvPr/>
+      </p:nvGrpSpPr>
+      <p:grpSpPr>
+        <a:xfrm>
+          <a:off x="0" y="0"/>
+          <a:ext cx="0" cy="0"/>
+          <a:chOff x="0" y="0"/>
+          <a:chExt cx="0" cy="0"/>
+        </a:xfrm>
+      </p:grpSpPr>
       <p:pic>
         <p:nvPicPr>
           <p:cNvPr id="2" name="Image 1"/>
@@ -21459,7 +22028,7 @@
           <a:p>
             <a:fld id="{C992E66A-41E9-4F30-B3C8-2FF86DC5BC5A}" type="slidenum">
               <a:rPr lang="fr-FR" smtClean="0"/>
-              <a:t>10</a:t>
+              <a:t>11</a:t>
             </a:fld>
             <a:endParaRPr lang="fr-FR"/>
           </a:p>
@@ -21519,7 +22088,150 @@
 </p:sld>
 </file>
 
-<file path=ppt/slides/slide11.xml><?xml version="1.0" encoding="utf-8"?>
+<file path=ppt/slides/slide12.xml><?xml version="1.0" encoding="utf-8"?>
+<p:sld xmlns:a="http://schemas.openxmlformats.org/drawingml/2006/main" xmlns:r="http://schemas.openxmlformats.org/officeDocument/2006/relationships" xmlns:p="http://schemas.openxmlformats.org/presentationml/2006/main">
+  <p:cSld>
+    <p:spTree>
+      <p:nvGrpSpPr>
+        <p:cNvPr id="1" name=""/>
+        <p:cNvGrpSpPr/>
+        <p:nvPr/>
+      </p:nvGrpSpPr>
+      <p:grpSpPr>
+        <a:xfrm>
+          <a:off x="0" y="0"/>
+          <a:ext cx="0" cy="0"/>
+          <a:chOff x="0" y="0"/>
+          <a:chExt cx="0" cy="0"/>
+        </a:xfrm>
+      </p:grpSpPr>
+      <p:sp>
+        <p:nvSpPr>
+          <p:cNvPr id="2" name="Espace réservé du numéro de diapositive 1"/>
+          <p:cNvSpPr>
+            <a:spLocks noGrp="1"/>
+          </p:cNvSpPr>
+          <p:nvPr>
+            <p:ph type="sldNum" sz="quarter" idx="12"/>
+          </p:nvPr>
+        </p:nvSpPr>
+        <p:spPr/>
+        <p:txBody>
+          <a:bodyPr/>
+          <a:lstStyle/>
+          <a:p>
+            <a:fld id="{C992E66A-41E9-4F30-B3C8-2FF86DC5BC5A}" type="slidenum">
+              <a:rPr lang="fr-FR" smtClean="0"/>
+              <a:t>12</a:t>
+            </a:fld>
+            <a:endParaRPr lang="fr-FR"/>
+          </a:p>
+        </p:txBody>
+      </p:sp>
+      <p:sp>
+        <p:nvSpPr>
+          <p:cNvPr id="3" name="Rectangle 2"/>
+          <p:cNvSpPr/>
+          <p:nvPr/>
+        </p:nvSpPr>
+        <p:spPr>
+          <a:xfrm>
+            <a:off x="155828" y="11742"/>
+            <a:ext cx="6096000" cy="646331"/>
+          </a:xfrm>
+          <a:prstGeom prst="rect">
+            <a:avLst/>
+          </a:prstGeom>
+        </p:spPr>
+        <p:txBody>
+          <a:bodyPr>
+            <a:spAutoFit/>
+          </a:bodyPr>
+          <a:lstStyle/>
+          <a:p>
+            <a:r>
+              <a:rPr lang="fr-FR" dirty="0" smtClean="0"/>
+              <a:t>III Conception </a:t>
+            </a:r>
+          </a:p>
+          <a:p>
+            <a:r>
+              <a:rPr lang="fr-FR" dirty="0" smtClean="0"/>
+              <a:t>	 C 1) MCD</a:t>
+            </a:r>
+          </a:p>
+        </p:txBody>
+      </p:sp>
+      <p:pic>
+        <p:nvPicPr>
+          <p:cNvPr id="4" name="Image 3"/>
+          <p:cNvPicPr>
+            <a:picLocks noChangeAspect="1"/>
+          </p:cNvPicPr>
+          <p:nvPr/>
+        </p:nvPicPr>
+        <p:blipFill>
+          <a:blip r:embed="rId2"/>
+          <a:stretch>
+            <a:fillRect/>
+          </a:stretch>
+        </p:blipFill>
+        <p:spPr>
+          <a:xfrm>
+            <a:off x="808938" y="797940"/>
+            <a:ext cx="10706100" cy="2019300"/>
+          </a:xfrm>
+          <a:prstGeom prst="rect">
+            <a:avLst/>
+          </a:prstGeom>
+        </p:spPr>
+      </p:pic>
+      <p:sp>
+        <p:nvSpPr>
+          <p:cNvPr id="5" name="ZoneTexte 4"/>
+          <p:cNvSpPr txBox="1"/>
+          <p:nvPr/>
+        </p:nvSpPr>
+        <p:spPr>
+          <a:xfrm>
+            <a:off x="504530" y="3553905"/>
+            <a:ext cx="11010508" cy="646331"/>
+          </a:xfrm>
+          <a:prstGeom prst="rect">
+            <a:avLst/>
+          </a:prstGeom>
+          <a:noFill/>
+        </p:spPr>
+        <p:txBody>
+          <a:bodyPr wrap="square" rtlCol="0">
+            <a:spAutoFit/>
+          </a:bodyPr>
+          <a:lstStyle/>
+          <a:p>
+            <a:r>
+              <a:rPr lang="fr-FR" dirty="0" smtClean="0"/>
+              <a:t>Cardinalité : c’est le nombre de fois que l’entité participe à l’association au minimum et au maximum</a:t>
+            </a:r>
+          </a:p>
+          <a:p>
+            <a:endParaRPr lang="fr-FR" dirty="0" smtClean="0"/>
+          </a:p>
+        </p:txBody>
+      </p:sp>
+    </p:spTree>
+    <p:extLst>
+      <p:ext uri="{BB962C8B-B14F-4D97-AF65-F5344CB8AC3E}">
+        <p14:creationId xmlns:p14="http://schemas.microsoft.com/office/powerpoint/2010/main" val="352614291"/>
+      </p:ext>
+    </p:extLst>
+  </p:cSld>
+  <p:clrMapOvr>
+    <a:masterClrMapping/>
+  </p:clrMapOvr>
+</p:sld>
+</file>
+
+<file path=ppt/slides/slide13.xml><?xml version="1.0" encoding="utf-8"?>
 <p:sld xmlns:a="http://schemas.openxmlformats.org/drawingml/2006/main" xmlns:r="http://schemas.openxmlformats.org/officeDocument/2006/relationships" xmlns:p="http://schemas.openxmlformats.org/presentationml/2006/main">
   <p:cSld>
     <p:spTree>
@@ -21583,7 +22295,7 @@
           <a:p>
             <a:fld id="{C992E66A-41E9-4F30-B3C8-2FF86DC5BC5A}" type="slidenum">
               <a:rPr lang="fr-FR" smtClean="0"/>
-              <a:t>11</a:t>
+              <a:t>13</a:t>
             </a:fld>
             <a:endParaRPr lang="fr-FR"/>
           </a:p>
@@ -21643,7 +22355,423 @@
 </p:sld>
 </file>
 
-<file path=ppt/slides/slide12.xml><?xml version="1.0" encoding="utf-8"?>
+<file path=ppt/slides/slide14.xml><?xml version="1.0" encoding="utf-8"?>
+<p:sld xmlns:a="http://schemas.openxmlformats.org/drawingml/2006/main" xmlns:r="http://schemas.openxmlformats.org/officeDocument/2006/relationships" xmlns:p="http://schemas.openxmlformats.org/presentationml/2006/main">
+  <p:cSld>
+    <p:spTree>
+      <p:nvGrpSpPr>
+        <p:cNvPr id="1" name=""/>
+        <p:cNvGrpSpPr/>
+        <p:nvPr/>
+      </p:nvGrpSpPr>
+      <p:grpSpPr>
+        <a:xfrm>
+          <a:off x="0" y="0"/>
+          <a:ext cx="0" cy="0"/>
+          <a:chOff x="0" y="0"/>
+          <a:chExt cx="0" cy="0"/>
+        </a:xfrm>
+      </p:grpSpPr>
+      <p:sp>
+        <p:nvSpPr>
+          <p:cNvPr id="2" name="Espace réservé du numéro de diapositive 1"/>
+          <p:cNvSpPr>
+            <a:spLocks noGrp="1"/>
+          </p:cNvSpPr>
+          <p:nvPr>
+            <p:ph type="sldNum" sz="quarter" idx="12"/>
+          </p:nvPr>
+        </p:nvSpPr>
+        <p:spPr/>
+        <p:txBody>
+          <a:bodyPr/>
+          <a:lstStyle/>
+          <a:p>
+            <a:fld id="{C992E66A-41E9-4F30-B3C8-2FF86DC5BC5A}" type="slidenum">
+              <a:rPr lang="fr-FR" smtClean="0"/>
+              <a:t>14</a:t>
+            </a:fld>
+            <a:endParaRPr lang="fr-FR"/>
+          </a:p>
+        </p:txBody>
+      </p:sp>
+      <p:sp>
+        <p:nvSpPr>
+          <p:cNvPr id="4" name="Rectangle 3"/>
+          <p:cNvSpPr/>
+          <p:nvPr/>
+        </p:nvSpPr>
+        <p:spPr>
+          <a:xfrm>
+            <a:off x="287803" y="134291"/>
+            <a:ext cx="6096000" cy="646331"/>
+          </a:xfrm>
+          <a:prstGeom prst="rect">
+            <a:avLst/>
+          </a:prstGeom>
+        </p:spPr>
+        <p:txBody>
+          <a:bodyPr>
+            <a:spAutoFit/>
+          </a:bodyPr>
+          <a:lstStyle/>
+          <a:p>
+            <a:r>
+              <a:rPr lang="fr-FR" dirty="0" smtClean="0"/>
+              <a:t>III Conception </a:t>
+            </a:r>
+          </a:p>
+          <a:p>
+            <a:r>
+              <a:rPr lang="fr-FR" dirty="0" smtClean="0"/>
+              <a:t>	 C  2) MLD</a:t>
+            </a:r>
+          </a:p>
+        </p:txBody>
+      </p:sp>
+      <p:pic>
+        <p:nvPicPr>
+          <p:cNvPr id="5" name="Image 4"/>
+          <p:cNvPicPr>
+            <a:picLocks noChangeAspect="1"/>
+          </p:cNvPicPr>
+          <p:nvPr/>
+        </p:nvPicPr>
+        <p:blipFill>
+          <a:blip r:embed="rId2"/>
+          <a:stretch>
+            <a:fillRect/>
+          </a:stretch>
+        </p:blipFill>
+        <p:spPr>
+          <a:xfrm>
+            <a:off x="2413900" y="780622"/>
+            <a:ext cx="9291182" cy="3116737"/>
+          </a:xfrm>
+          <a:prstGeom prst="rect">
+            <a:avLst/>
+          </a:prstGeom>
+        </p:spPr>
+      </p:pic>
+    </p:spTree>
+    <p:extLst>
+      <p:ext uri="{BB962C8B-B14F-4D97-AF65-F5344CB8AC3E}">
+        <p14:creationId xmlns:p14="http://schemas.microsoft.com/office/powerpoint/2010/main" val="3641927302"/>
+      </p:ext>
+    </p:extLst>
+  </p:cSld>
+  <p:clrMapOvr>
+    <a:masterClrMapping/>
+  </p:clrMapOvr>
+</p:sld>
+</file>
+
+<file path=ppt/slides/slide15.xml><?xml version="1.0" encoding="utf-8"?>
+<p:sld xmlns:a="http://schemas.openxmlformats.org/drawingml/2006/main" xmlns:r="http://schemas.openxmlformats.org/officeDocument/2006/relationships" xmlns:p="http://schemas.openxmlformats.org/presentationml/2006/main">
+  <p:cSld>
+    <p:spTree>
+      <p:nvGrpSpPr>
+        <p:cNvPr id="1" name=""/>
+        <p:cNvGrpSpPr/>
+        <p:nvPr/>
+      </p:nvGrpSpPr>
+      <p:grpSpPr>
+        <a:xfrm>
+          <a:off x="0" y="0"/>
+          <a:ext cx="0" cy="0"/>
+          <a:chOff x="0" y="0"/>
+          <a:chExt cx="0" cy="0"/>
+        </a:xfrm>
+      </p:grpSpPr>
+      <p:sp>
+        <p:nvSpPr>
+          <p:cNvPr id="2" name="ZoneTexte 1"/>
+          <p:cNvSpPr txBox="1"/>
+          <p:nvPr/>
+        </p:nvSpPr>
+        <p:spPr>
+          <a:xfrm>
+            <a:off x="596901" y="421555"/>
+            <a:ext cx="4025900" cy="6186309"/>
+          </a:xfrm>
+          <a:prstGeom prst="rect">
+            <a:avLst/>
+          </a:prstGeom>
+          <a:noFill/>
+        </p:spPr>
+        <p:txBody>
+          <a:bodyPr wrap="square" rtlCol="0">
+            <a:spAutoFit/>
+          </a:bodyPr>
+          <a:lstStyle/>
+          <a:p>
+            <a:r>
+              <a:rPr lang="fr-FR" dirty="0" smtClean="0">
+                <a:latin typeface="Calibri" panose="020F0502020204030204" pitchFamily="34" charset="0"/>
+              </a:rPr>
+              <a:t>SOMMAIRE</a:t>
+            </a:r>
+          </a:p>
+          <a:p>
+            <a:endParaRPr lang="fr-FR" dirty="0">
+              <a:latin typeface="Calibri" panose="020F0502020204030204" pitchFamily="34" charset="0"/>
+            </a:endParaRPr>
+          </a:p>
+          <a:p>
+            <a:r>
+              <a:rPr lang="fr-FR" dirty="0" smtClean="0">
+                <a:latin typeface="Calibri" panose="020F0502020204030204" pitchFamily="34" charset="0"/>
+              </a:rPr>
+              <a:t>I Présentation du projet </a:t>
+            </a:r>
+          </a:p>
+          <a:p>
+            <a:endParaRPr lang="fr-FR" dirty="0">
+              <a:latin typeface="Calibri" panose="020F0502020204030204" pitchFamily="34" charset="0"/>
+            </a:endParaRPr>
+          </a:p>
+          <a:p>
+            <a:r>
+              <a:rPr lang="fr-FR" dirty="0" smtClean="0">
+                <a:latin typeface="Calibri" panose="020F0502020204030204" pitchFamily="34" charset="0"/>
+              </a:rPr>
+              <a:t>II Cahier des charges</a:t>
+            </a:r>
+          </a:p>
+          <a:p>
+            <a:endParaRPr lang="fr-FR" dirty="0" smtClean="0">
+              <a:latin typeface="Calibri" panose="020F0502020204030204" pitchFamily="34" charset="0"/>
+            </a:endParaRPr>
+          </a:p>
+          <a:p>
+            <a:r>
+              <a:rPr lang="fr-FR" dirty="0" smtClean="0">
+                <a:latin typeface="Calibri" panose="020F0502020204030204" pitchFamily="34" charset="0"/>
+              </a:rPr>
+              <a:t>III Analyse fonctionnelle</a:t>
+            </a:r>
+          </a:p>
+          <a:p>
+            <a:r>
+              <a:rPr lang="fr-FR" dirty="0" smtClean="0">
+                <a:latin typeface="Calibri" panose="020F0502020204030204" pitchFamily="34" charset="0"/>
+              </a:rPr>
+              <a:t>	A </a:t>
+            </a:r>
+            <a:r>
+              <a:rPr lang="fr-FR" dirty="0">
+                <a:latin typeface="Calibri" panose="020F0502020204030204" pitchFamily="34" charset="0"/>
+              </a:rPr>
+              <a:t>Cas d’utilisation</a:t>
+            </a:r>
+          </a:p>
+          <a:p>
+            <a:r>
+              <a:rPr lang="fr-FR" dirty="0">
+                <a:latin typeface="Calibri" panose="020F0502020204030204" pitchFamily="34" charset="0"/>
+              </a:rPr>
+              <a:t>	B Diagrammes</a:t>
+            </a:r>
+          </a:p>
+          <a:p>
+            <a:r>
+              <a:rPr lang="fr-FR" dirty="0">
+                <a:latin typeface="Calibri" panose="020F0502020204030204" pitchFamily="34" charset="0"/>
+              </a:rPr>
+              <a:t>		1) activité</a:t>
+            </a:r>
+          </a:p>
+          <a:p>
+            <a:r>
+              <a:rPr lang="fr-FR" dirty="0">
+                <a:latin typeface="Calibri" panose="020F0502020204030204" pitchFamily="34" charset="0"/>
+              </a:rPr>
+              <a:t>		2) séquence</a:t>
+            </a:r>
+          </a:p>
+          <a:p>
+            <a:r>
+              <a:rPr lang="fr-FR" dirty="0">
+                <a:latin typeface="Calibri" panose="020F0502020204030204" pitchFamily="34" charset="0"/>
+              </a:rPr>
+              <a:t>		3) de classe</a:t>
+            </a:r>
+          </a:p>
+          <a:p>
+            <a:r>
+              <a:rPr lang="fr-FR" dirty="0" smtClean="0">
+                <a:latin typeface="Calibri" panose="020F0502020204030204" pitchFamily="34" charset="0"/>
+              </a:rPr>
+              <a:t>IV Conception</a:t>
+            </a:r>
+          </a:p>
+          <a:p>
+            <a:r>
+              <a:rPr lang="fr-FR" dirty="0" smtClean="0">
+                <a:latin typeface="Calibri" panose="020F0502020204030204" pitchFamily="34" charset="0"/>
+              </a:rPr>
+              <a:t>	A </a:t>
+            </a:r>
+            <a:r>
+              <a:rPr lang="fr-FR" dirty="0">
+                <a:latin typeface="Calibri" panose="020F0502020204030204" pitchFamily="34" charset="0"/>
+              </a:rPr>
+              <a:t>MCD MLD</a:t>
+            </a:r>
+          </a:p>
+          <a:p>
+            <a:r>
+              <a:rPr lang="fr-FR" dirty="0">
+                <a:latin typeface="Calibri" panose="020F0502020204030204" pitchFamily="34" charset="0"/>
+              </a:rPr>
+              <a:t>		1) MCD </a:t>
+            </a:r>
+          </a:p>
+          <a:p>
+            <a:r>
+              <a:rPr lang="fr-FR" dirty="0">
+                <a:latin typeface="Calibri" panose="020F0502020204030204" pitchFamily="34" charset="0"/>
+              </a:rPr>
+              <a:t>		2) MLD</a:t>
+            </a:r>
+          </a:p>
+          <a:p>
+            <a:r>
+              <a:rPr lang="fr-FR" dirty="0">
+                <a:latin typeface="Calibri" panose="020F0502020204030204" pitchFamily="34" charset="0"/>
+              </a:rPr>
+              <a:t>	</a:t>
+            </a:r>
+            <a:r>
+              <a:rPr lang="fr-FR" i="1" dirty="0">
+                <a:latin typeface="Calibri" panose="020F0502020204030204" pitchFamily="34" charset="0"/>
+              </a:rPr>
+              <a:t>	</a:t>
+            </a:r>
+          </a:p>
+          <a:p>
+            <a:r>
+              <a:rPr lang="fr-FR" i="1" dirty="0">
+                <a:latin typeface="Calibri" panose="020F0502020204030204" pitchFamily="34" charset="0"/>
+              </a:rPr>
+              <a:t>	</a:t>
+            </a:r>
+            <a:r>
+              <a:rPr lang="fr-FR" i="1" dirty="0" smtClean="0">
+                <a:solidFill>
+                  <a:srgbClr val="FF0000"/>
+                </a:solidFill>
+                <a:latin typeface="Calibri" panose="020F0502020204030204" pitchFamily="34" charset="0"/>
+              </a:rPr>
+              <a:t>B </a:t>
+            </a:r>
+            <a:r>
+              <a:rPr lang="fr-FR" i="1" dirty="0">
+                <a:solidFill>
+                  <a:srgbClr val="FF0000"/>
+                </a:solidFill>
+                <a:latin typeface="Calibri" panose="020F0502020204030204" pitchFamily="34" charset="0"/>
+              </a:rPr>
+              <a:t>SQL </a:t>
+            </a:r>
+          </a:p>
+          <a:p>
+            <a:endParaRPr lang="fr-FR" dirty="0">
+              <a:latin typeface="Calibri" panose="020F0502020204030204" pitchFamily="34" charset="0"/>
+            </a:endParaRPr>
+          </a:p>
+          <a:p>
+            <a:r>
+              <a:rPr lang="fr-FR" dirty="0" smtClean="0">
+                <a:latin typeface="Calibri" panose="020F0502020204030204" pitchFamily="34" charset="0"/>
+              </a:rPr>
+              <a:t>	C Interaction avec la base de données	</a:t>
+            </a:r>
+            <a:endParaRPr lang="fr-FR" sz="1600" dirty="0">
+              <a:latin typeface="Calibri" panose="020F0502020204030204" pitchFamily="34" charset="0"/>
+            </a:endParaRPr>
+          </a:p>
+          <a:p>
+            <a:endParaRPr lang="fr-FR" dirty="0">
+              <a:latin typeface="Calibri" panose="020F0502020204030204" pitchFamily="34" charset="0"/>
+            </a:endParaRPr>
+          </a:p>
+        </p:txBody>
+      </p:sp>
+      <p:sp>
+        <p:nvSpPr>
+          <p:cNvPr id="3" name="Espace réservé du numéro de diapositive 2"/>
+          <p:cNvSpPr>
+            <a:spLocks noGrp="1"/>
+          </p:cNvSpPr>
+          <p:nvPr>
+            <p:ph type="sldNum" sz="quarter" idx="12"/>
+          </p:nvPr>
+        </p:nvSpPr>
+        <p:spPr/>
+        <p:txBody>
+          <a:bodyPr/>
+          <a:lstStyle/>
+          <a:p>
+            <a:fld id="{C992E66A-41E9-4F30-B3C8-2FF86DC5BC5A}" type="slidenum">
+              <a:rPr lang="fr-FR" smtClean="0"/>
+              <a:t>15</a:t>
+            </a:fld>
+            <a:endParaRPr lang="fr-FR"/>
+          </a:p>
+        </p:txBody>
+      </p:sp>
+      <p:pic>
+        <p:nvPicPr>
+          <p:cNvPr id="4" name="Image 3"/>
+          <p:cNvPicPr>
+            <a:picLocks noChangeAspect="1"/>
+          </p:cNvPicPr>
+          <p:nvPr/>
+        </p:nvPicPr>
+        <p:blipFill>
+          <a:blip r:embed="rId2">
+            <a:extLst>
+              <a:ext uri="{28A0092B-C50C-407E-A947-70E740481C1C}">
+                <a14:useLocalDpi xmlns:a14="http://schemas.microsoft.com/office/drawing/2010/main" val="0"/>
+              </a:ext>
+            </a:extLst>
+          </a:blip>
+          <a:stretch>
+            <a:fillRect/>
+          </a:stretch>
+        </p:blipFill>
+        <p:spPr>
+          <a:xfrm>
+            <a:off x="5580062" y="421555"/>
+            <a:ext cx="5553075" cy="5715000"/>
+          </a:xfrm>
+          <a:prstGeom prst="rect">
+            <a:avLst/>
+          </a:prstGeom>
+        </p:spPr>
+      </p:pic>
+    </p:spTree>
+    <p:extLst>
+      <p:ext uri="{BB962C8B-B14F-4D97-AF65-F5344CB8AC3E}">
+        <p14:creationId xmlns:p14="http://schemas.microsoft.com/office/powerpoint/2010/main" val="2022049202"/>
+      </p:ext>
+    </p:extLst>
+  </p:cSld>
+  <p:clrMapOvr>
+    <a:masterClrMapping/>
+  </p:clrMapOvr>
+  <p:timing>
+    <p:tnLst>
+      <p:par>
+        <p:cTn id="1" dur="indefinite" restart="never" nodeType="tmRoot"/>
+      </p:par>
+    </p:tnLst>
+  </p:timing>
+</p:sld>
+</file>
+
+<file path=ppt/slides/slide16.xml><?xml version="1.0" encoding="utf-8"?>
 <p:sld xmlns:a="http://schemas.openxmlformats.org/drawingml/2006/main" xmlns:r="http://schemas.openxmlformats.org/officeDocument/2006/relationships" xmlns:p="http://schemas.openxmlformats.org/presentationml/2006/main">
   <p:cSld>
     <p:spTree>
@@ -21701,7 +22829,7 @@
           <a:p>
             <a:fld id="{C992E66A-41E9-4F30-B3C8-2FF86DC5BC5A}" type="slidenum">
               <a:rPr lang="fr-FR" smtClean="0"/>
-              <a:t>12</a:t>
+              <a:t>16</a:t>
             </a:fld>
             <a:endParaRPr lang="fr-FR"/>
           </a:p>
@@ -21761,7 +22889,7 @@
 </p:sld>
 </file>
 
-<file path=ppt/slides/slide13.xml><?xml version="1.0" encoding="utf-8"?>
+<file path=ppt/slides/slide17.xml><?xml version="1.0" encoding="utf-8"?>
 <p:sld xmlns:a="http://schemas.openxmlformats.org/drawingml/2006/main" xmlns:r="http://schemas.openxmlformats.org/officeDocument/2006/relationships" xmlns:p="http://schemas.openxmlformats.org/presentationml/2006/main">
   <p:cSld>
     <p:spTree>
@@ -21819,7 +22947,7 @@
           <a:p>
             <a:fld id="{C992E66A-41E9-4F30-B3C8-2FF86DC5BC5A}" type="slidenum">
               <a:rPr lang="fr-FR" smtClean="0"/>
-              <a:t>13</a:t>
+              <a:t>17</a:t>
             </a:fld>
             <a:endParaRPr lang="fr-FR"/>
           </a:p>
@@ -21903,7 +23031,7 @@
 </p:sld>
 </file>
 
-<file path=ppt/slides/slide14.xml><?xml version="1.0" encoding="utf-8"?>
+<file path=ppt/slides/slide18.xml><?xml version="1.0" encoding="utf-8"?>
 <p:sld xmlns:a="http://schemas.openxmlformats.org/drawingml/2006/main" xmlns:r="http://schemas.openxmlformats.org/officeDocument/2006/relationships" xmlns:p="http://schemas.openxmlformats.org/presentationml/2006/main">
   <p:cSld>
     <p:spTree>
@@ -21937,7 +23065,60 @@
           <a:p>
             <a:fld id="{C992E66A-41E9-4F30-B3C8-2FF86DC5BC5A}" type="slidenum">
               <a:rPr lang="fr-FR" smtClean="0"/>
-              <a:t>14</a:t>
+              <a:t>18</a:t>
+            </a:fld>
+            <a:endParaRPr lang="fr-FR"/>
+          </a:p>
+        </p:txBody>
+      </p:sp>
+    </p:spTree>
+    <p:extLst>
+      <p:ext uri="{BB962C8B-B14F-4D97-AF65-F5344CB8AC3E}">
+        <p14:creationId xmlns:p14="http://schemas.microsoft.com/office/powerpoint/2010/main" val="622592970"/>
+      </p:ext>
+    </p:extLst>
+  </p:cSld>
+  <p:clrMapOvr>
+    <a:masterClrMapping/>
+  </p:clrMapOvr>
+</p:sld>
+</file>
+
+<file path=ppt/slides/slide19.xml><?xml version="1.0" encoding="utf-8"?>
+<p:sld xmlns:a="http://schemas.openxmlformats.org/drawingml/2006/main" xmlns:r="http://schemas.openxmlformats.org/officeDocument/2006/relationships" xmlns:p="http://schemas.openxmlformats.org/presentationml/2006/main">
+  <p:cSld>
+    <p:spTree>
+      <p:nvGrpSpPr>
+        <p:cNvPr id="1" name=""/>
+        <p:cNvGrpSpPr/>
+        <p:nvPr/>
+      </p:nvGrpSpPr>
+      <p:grpSpPr>
+        <a:xfrm>
+          <a:off x="0" y="0"/>
+          <a:ext cx="0" cy="0"/>
+          <a:chOff x="0" y="0"/>
+          <a:chExt cx="0" cy="0"/>
+        </a:xfrm>
+      </p:grpSpPr>
+      <p:sp>
+        <p:nvSpPr>
+          <p:cNvPr id="2" name="Espace réservé du numéro de diapositive 1"/>
+          <p:cNvSpPr>
+            <a:spLocks noGrp="1"/>
+          </p:cNvSpPr>
+          <p:nvPr>
+            <p:ph type="sldNum" sz="quarter" idx="12"/>
+          </p:nvPr>
+        </p:nvSpPr>
+        <p:spPr/>
+        <p:txBody>
+          <a:bodyPr/>
+          <a:lstStyle/>
+          <a:p>
+            <a:fld id="{C992E66A-41E9-4F30-B3C8-2FF86DC5BC5A}" type="slidenum">
+              <a:rPr lang="fr-FR" smtClean="0"/>
+              <a:t>19</a:t>
             </a:fld>
             <a:endParaRPr lang="fr-FR"/>
           </a:p>
@@ -22159,13 +23340,7 @@
               <a:rPr lang="fr-FR" dirty="0" smtClean="0">
                 <a:latin typeface="Calibri" panose="020F0502020204030204" pitchFamily="34" charset="0"/>
               </a:rPr>
-              <a:t>IV </a:t>
-            </a:r>
-            <a:r>
-              <a:rPr lang="fr-FR" dirty="0" smtClean="0">
-                <a:latin typeface="Calibri" panose="020F0502020204030204" pitchFamily="34" charset="0"/>
-              </a:rPr>
-              <a:t>Conception</a:t>
+              <a:t>IV Conception</a:t>
             </a:r>
           </a:p>
           <a:p>
@@ -22236,19 +23411,7 @@
               <a:rPr lang="fr-FR" dirty="0" smtClean="0">
                 <a:latin typeface="Calibri" panose="020F0502020204030204" pitchFamily="34" charset="0"/>
               </a:rPr>
-              <a:t>	</a:t>
-            </a:r>
-            <a:r>
-              <a:rPr lang="fr-FR" dirty="0" smtClean="0">
-                <a:latin typeface="Calibri" panose="020F0502020204030204" pitchFamily="34" charset="0"/>
-              </a:rPr>
-              <a:t>C Interaction avec la base de données</a:t>
-            </a:r>
-            <a:r>
-              <a:rPr lang="fr-FR" dirty="0" smtClean="0">
-                <a:latin typeface="Calibri" panose="020F0502020204030204" pitchFamily="34" charset="0"/>
-              </a:rPr>
-              <a:t>	</a:t>
+              <a:t>	C Interaction avec la base de données	</a:t>
             </a:r>
             <a:endParaRPr lang="fr-FR" sz="1600" dirty="0">
               <a:latin typeface="Calibri" panose="020F0502020204030204" pitchFamily="34" charset="0"/>
@@ -22547,7 +23710,7 @@
         <p:spPr>
           <a:xfrm>
             <a:off x="1473199" y="596900"/>
-            <a:ext cx="10227733" cy="5176161"/>
+            <a:ext cx="5033927" cy="5974071"/>
           </a:xfrm>
           <a:prstGeom prst="rect">
             <a:avLst/>
@@ -22603,7 +23766,7 @@
               </a:spcAft>
             </a:pPr>
             <a:r>
-              <a:rPr lang="fr-FR" dirty="0" smtClean="0">
+              <a:rPr lang="fr-FR" u="sng" dirty="0" smtClean="0">
                 <a:effectLst/>
                 <a:latin typeface="Times New Roman" panose="02020603050405020304" pitchFamily="18" charset="0"/>
                 <a:ea typeface="Times New Roman" panose="02020603050405020304" pitchFamily="18" charset="0"/>
@@ -22611,7 +23774,7 @@
               </a:rPr>
               <a:t>A) Présentation du projet</a:t>
             </a:r>
-            <a:endParaRPr lang="fr-FR" dirty="0" smtClean="0">
+            <a:endParaRPr lang="fr-FR" u="sng" dirty="0" smtClean="0">
               <a:effectLst/>
               <a:latin typeface="Calibri" panose="020F0502020204030204" pitchFamily="34" charset="0"/>
               <a:ea typeface="Calibri" panose="020F0502020204030204" pitchFamily="34" charset="0"/>
@@ -22684,16 +23847,7 @@
                 <a:ea typeface="Times New Roman" panose="02020603050405020304" pitchFamily="18" charset="0"/>
                 <a:cs typeface="Times New Roman" panose="02020603050405020304" pitchFamily="18" charset="0"/>
               </a:rPr>
-              <a:t>b</a:t>
-            </a:r>
-            <a:r>
-              <a:rPr lang="fr-FR" dirty="0" smtClean="0">
-                <a:effectLst/>
-                <a:latin typeface="Times New Roman" panose="02020603050405020304" pitchFamily="18" charset="0"/>
-                <a:ea typeface="Times New Roman" panose="02020603050405020304" pitchFamily="18" charset="0"/>
-                <a:cs typeface="Times New Roman" panose="02020603050405020304" pitchFamily="18" charset="0"/>
-              </a:rPr>
-              <a:t>) histoire</a:t>
+              <a:t>b) histoire</a:t>
             </a:r>
             <a:endParaRPr lang="fr-FR" dirty="0" smtClean="0">
               <a:effectLst/>
@@ -22718,16 +23872,7 @@
                 <a:ea typeface="Times New Roman" panose="02020603050405020304" pitchFamily="18" charset="0"/>
                 <a:cs typeface="Times New Roman" panose="02020603050405020304" pitchFamily="18" charset="0"/>
               </a:rPr>
-              <a:t>c</a:t>
-            </a:r>
-            <a:r>
-              <a:rPr lang="fr-FR" dirty="0" smtClean="0">
-                <a:effectLst/>
-                <a:latin typeface="Times New Roman" panose="02020603050405020304" pitchFamily="18" charset="0"/>
-                <a:ea typeface="Times New Roman" panose="02020603050405020304" pitchFamily="18" charset="0"/>
-                <a:cs typeface="Times New Roman" panose="02020603050405020304" pitchFamily="18" charset="0"/>
-              </a:rPr>
-              <a:t>) secteur d’activité</a:t>
+              <a:t>c) secteur d’activité</a:t>
             </a:r>
             <a:endParaRPr lang="fr-FR" dirty="0" smtClean="0">
               <a:effectLst/>
@@ -22752,16 +23897,7 @@
                 <a:ea typeface="Times New Roman" panose="02020603050405020304" pitchFamily="18" charset="0"/>
                 <a:cs typeface="Times New Roman" panose="02020603050405020304" pitchFamily="18" charset="0"/>
               </a:rPr>
-              <a:t>d</a:t>
-            </a:r>
-            <a:r>
-              <a:rPr lang="fr-FR" dirty="0" smtClean="0">
-                <a:effectLst/>
-                <a:latin typeface="Times New Roman" panose="02020603050405020304" pitchFamily="18" charset="0"/>
-                <a:ea typeface="Times New Roman" panose="02020603050405020304" pitchFamily="18" charset="0"/>
-                <a:cs typeface="Times New Roman" panose="02020603050405020304" pitchFamily="18" charset="0"/>
-              </a:rPr>
-              <a:t>) le projet </a:t>
+              <a:t>d) le projet </a:t>
             </a:r>
             <a:endParaRPr lang="fr-FR" dirty="0" smtClean="0">
               <a:effectLst/>
@@ -22786,16 +23922,7 @@
                 <a:ea typeface="Times New Roman" panose="02020603050405020304" pitchFamily="18" charset="0"/>
                 <a:cs typeface="Times New Roman" panose="02020603050405020304" pitchFamily="18" charset="0"/>
               </a:rPr>
-              <a:t>2</a:t>
-            </a:r>
-            <a:r>
-              <a:rPr lang="fr-FR" dirty="0" smtClean="0">
-                <a:effectLst/>
-                <a:latin typeface="Times New Roman" panose="02020603050405020304" pitchFamily="18" charset="0"/>
-                <a:ea typeface="Times New Roman" panose="02020603050405020304" pitchFamily="18" charset="0"/>
-                <a:cs typeface="Times New Roman" panose="02020603050405020304" pitchFamily="18" charset="0"/>
-              </a:rPr>
-              <a:t>) Etude du besoin </a:t>
+              <a:t>2) Etude du besoin </a:t>
             </a:r>
             <a:endParaRPr lang="fr-FR" dirty="0">
               <a:latin typeface="Times New Roman" panose="02020603050405020304" pitchFamily="18" charset="0"/>
@@ -22903,7 +24030,56 @@
                 <a:ea typeface="Times New Roman" panose="02020603050405020304" pitchFamily="18" charset="0"/>
                 <a:cs typeface="Times New Roman" panose="02020603050405020304" pitchFamily="18" charset="0"/>
               </a:rPr>
-              <a:t>positionnement du futur produit </a:t>
+              <a:t>positionnement du futur </a:t>
+            </a:r>
+            <a:r>
+              <a:rPr lang="fr-FR" dirty="0" smtClean="0">
+                <a:latin typeface="Times New Roman" panose="02020603050405020304" pitchFamily="18" charset="0"/>
+                <a:ea typeface="Times New Roman" panose="02020603050405020304" pitchFamily="18" charset="0"/>
+                <a:cs typeface="Times New Roman" panose="02020603050405020304" pitchFamily="18" charset="0"/>
+              </a:rPr>
+              <a:t>produit</a:t>
+            </a:r>
+          </a:p>
+          <a:p>
+            <a:pPr marL="899160" indent="449580" algn="just">
+              <a:lnSpc>
+                <a:spcPct val="107000"/>
+              </a:lnSpc>
+              <a:spcAft>
+                <a:spcPts val="800"/>
+              </a:spcAft>
+            </a:pPr>
+            <a:r>
+              <a:rPr lang="fr-FR" dirty="0">
+                <a:latin typeface="Times New Roman" panose="02020603050405020304" pitchFamily="18" charset="0"/>
+                <a:ea typeface="Times New Roman" panose="02020603050405020304" pitchFamily="18" charset="0"/>
+                <a:cs typeface="Times New Roman" panose="02020603050405020304" pitchFamily="18" charset="0"/>
+              </a:rPr>
+              <a:t>d) analyse SWOT</a:t>
+            </a:r>
+            <a:endParaRPr lang="fr-FR" dirty="0">
+              <a:latin typeface="Calibri" panose="020F0502020204030204" pitchFamily="34" charset="0"/>
+              <a:ea typeface="Calibri" panose="020F0502020204030204" pitchFamily="34" charset="0"/>
+              <a:cs typeface="Times New Roman" panose="02020603050405020304" pitchFamily="18" charset="0"/>
+            </a:endParaRPr>
+          </a:p>
+          <a:p>
+            <a:pPr marL="899160" indent="449580" algn="just">
+              <a:lnSpc>
+                <a:spcPct val="107000"/>
+              </a:lnSpc>
+              <a:spcAft>
+                <a:spcPts val="800"/>
+              </a:spcAft>
+            </a:pPr>
+            <a:r>
+              <a:rPr lang="fr-FR" dirty="0" smtClean="0">
+                <a:latin typeface="Times New Roman" panose="02020603050405020304" pitchFamily="18" charset="0"/>
+                <a:ea typeface="Times New Roman" panose="02020603050405020304" pitchFamily="18" charset="0"/>
+                <a:cs typeface="Times New Roman" panose="02020603050405020304" pitchFamily="18" charset="0"/>
+              </a:rPr>
+              <a:t> </a:t>
             </a:r>
             <a:endParaRPr lang="fr-FR" dirty="0">
               <a:latin typeface="Calibri" panose="020F0502020204030204" pitchFamily="34" charset="0"/>
@@ -22978,6 +24154,173 @@
               <a:rPr lang="fr-FR" dirty="0" smtClean="0"/>
               <a:t>II Cahier des charges </a:t>
             </a:r>
+            <a:endParaRPr lang="fr-FR" dirty="0"/>
+          </a:p>
+        </p:txBody>
+      </p:sp>
+      <p:sp>
+        <p:nvSpPr>
+          <p:cNvPr id="6" name="ZoneTexte 5"/>
+          <p:cNvSpPr txBox="1"/>
+          <p:nvPr/>
+        </p:nvSpPr>
+        <p:spPr>
+          <a:xfrm>
+            <a:off x="6872472" y="1118582"/>
+            <a:ext cx="5027428" cy="2763064"/>
+          </a:xfrm>
+          <a:prstGeom prst="rect">
+            <a:avLst/>
+          </a:prstGeom>
+          <a:noFill/>
+        </p:spPr>
+        <p:txBody>
+          <a:bodyPr wrap="square" rtlCol="0">
+            <a:spAutoFit/>
+          </a:bodyPr>
+          <a:lstStyle/>
+          <a:p>
+            <a:pPr algn="just">
+              <a:lnSpc>
+                <a:spcPct val="107000"/>
+              </a:lnSpc>
+              <a:spcAft>
+                <a:spcPts val="800"/>
+              </a:spcAft>
+            </a:pPr>
+            <a:r>
+              <a:rPr lang="fr-FR" dirty="0">
+                <a:latin typeface="Times New Roman" panose="02020603050405020304" pitchFamily="18" charset="0"/>
+                <a:ea typeface="Times New Roman" panose="02020603050405020304" pitchFamily="18" charset="0"/>
+                <a:cs typeface="Times New Roman" panose="02020603050405020304" pitchFamily="18" charset="0"/>
+              </a:rPr>
+              <a:t>	</a:t>
+            </a:r>
+            <a:r>
+              <a:rPr lang="fr-FR" u="sng" dirty="0">
+                <a:latin typeface="Times New Roman" panose="02020603050405020304" pitchFamily="18" charset="0"/>
+                <a:ea typeface="Times New Roman" panose="02020603050405020304" pitchFamily="18" charset="0"/>
+                <a:cs typeface="Times New Roman" panose="02020603050405020304" pitchFamily="18" charset="0"/>
+              </a:rPr>
+              <a:t>B) Cible </a:t>
+            </a:r>
+            <a:endParaRPr lang="fr-FR" u="sng" dirty="0">
+              <a:latin typeface="Calibri" panose="020F0502020204030204" pitchFamily="34" charset="0"/>
+              <a:ea typeface="Calibri" panose="020F0502020204030204" pitchFamily="34" charset="0"/>
+              <a:cs typeface="Times New Roman" panose="02020603050405020304" pitchFamily="18" charset="0"/>
+            </a:endParaRPr>
+          </a:p>
+          <a:p>
+            <a:pPr marL="449580" indent="449580" algn="just">
+              <a:lnSpc>
+                <a:spcPct val="107000"/>
+              </a:lnSpc>
+              <a:spcAft>
+                <a:spcPts val="800"/>
+              </a:spcAft>
+            </a:pPr>
+            <a:r>
+              <a:rPr lang="fr-FR" dirty="0">
+                <a:latin typeface="Times New Roman" panose="02020603050405020304" pitchFamily="18" charset="0"/>
+                <a:ea typeface="Times New Roman" panose="02020603050405020304" pitchFamily="18" charset="0"/>
+                <a:cs typeface="Times New Roman" panose="02020603050405020304" pitchFamily="18" charset="0"/>
+              </a:rPr>
+              <a:t>1) public</a:t>
+            </a:r>
+            <a:endParaRPr lang="fr-FR" dirty="0">
+              <a:latin typeface="Calibri" panose="020F0502020204030204" pitchFamily="34" charset="0"/>
+              <a:ea typeface="Calibri" panose="020F0502020204030204" pitchFamily="34" charset="0"/>
+              <a:cs typeface="Times New Roman" panose="02020603050405020304" pitchFamily="18" charset="0"/>
+            </a:endParaRPr>
+          </a:p>
+          <a:p>
+            <a:pPr marL="449580" indent="449580" algn="just">
+              <a:lnSpc>
+                <a:spcPct val="107000"/>
+              </a:lnSpc>
+              <a:spcAft>
+                <a:spcPts val="800"/>
+              </a:spcAft>
+            </a:pPr>
+            <a:r>
+              <a:rPr lang="fr-FR" dirty="0">
+                <a:latin typeface="Times New Roman" panose="02020603050405020304" pitchFamily="18" charset="0"/>
+                <a:ea typeface="Times New Roman" panose="02020603050405020304" pitchFamily="18" charset="0"/>
+                <a:cs typeface="Times New Roman" panose="02020603050405020304" pitchFamily="18" charset="0"/>
+              </a:rPr>
+              <a:t>2) équipements  </a:t>
+            </a:r>
+            <a:endParaRPr lang="fr-FR" dirty="0">
+              <a:latin typeface="Calibri" panose="020F0502020204030204" pitchFamily="34" charset="0"/>
+              <a:ea typeface="Calibri" panose="020F0502020204030204" pitchFamily="34" charset="0"/>
+              <a:cs typeface="Times New Roman" panose="02020603050405020304" pitchFamily="18" charset="0"/>
+            </a:endParaRPr>
+          </a:p>
+          <a:p>
+            <a:pPr indent="449580" algn="just">
+              <a:lnSpc>
+                <a:spcPct val="107000"/>
+              </a:lnSpc>
+              <a:spcAft>
+                <a:spcPts val="800"/>
+              </a:spcAft>
+            </a:pPr>
+            <a:r>
+              <a:rPr lang="fr-FR" u="sng" dirty="0">
+                <a:latin typeface="Times New Roman" panose="02020603050405020304" pitchFamily="18" charset="0"/>
+                <a:ea typeface="Times New Roman" panose="02020603050405020304" pitchFamily="18" charset="0"/>
+                <a:cs typeface="Times New Roman" panose="02020603050405020304" pitchFamily="18" charset="0"/>
+              </a:rPr>
+              <a:t>C) Typologie d’application</a:t>
+            </a:r>
+          </a:p>
+          <a:p>
+            <a:pPr indent="449580" algn="just">
+              <a:lnSpc>
+                <a:spcPct val="107000"/>
+              </a:lnSpc>
+              <a:spcAft>
+                <a:spcPts val="800"/>
+              </a:spcAft>
+            </a:pPr>
+            <a:r>
+              <a:rPr lang="fr-FR" u="sng" dirty="0">
+                <a:latin typeface="Times New Roman" panose="02020603050405020304" pitchFamily="18" charset="0"/>
+                <a:ea typeface="Times New Roman" panose="02020603050405020304" pitchFamily="18" charset="0"/>
+                <a:cs typeface="Times New Roman" panose="02020603050405020304" pitchFamily="18" charset="0"/>
+              </a:rPr>
+              <a:t>D) Périmètre</a:t>
+            </a:r>
+            <a:endParaRPr lang="fr-FR" u="sng" dirty="0">
+              <a:latin typeface="Calibri" panose="020F0502020204030204" pitchFamily="34" charset="0"/>
+              <a:ea typeface="Calibri" panose="020F0502020204030204" pitchFamily="34" charset="0"/>
+              <a:cs typeface="Times New Roman" panose="02020603050405020304" pitchFamily="18" charset="0"/>
+            </a:endParaRPr>
+          </a:p>
+          <a:p>
+            <a:pPr indent="449580" algn="just">
+              <a:lnSpc>
+                <a:spcPct val="107000"/>
+              </a:lnSpc>
+              <a:spcAft>
+                <a:spcPts val="800"/>
+              </a:spcAft>
+            </a:pPr>
+            <a:r>
+              <a:rPr lang="fr-FR" u="sng" dirty="0">
+                <a:latin typeface="Times New Roman" panose="02020603050405020304" pitchFamily="18" charset="0"/>
+                <a:ea typeface="Times New Roman" panose="02020603050405020304" pitchFamily="18" charset="0"/>
+                <a:cs typeface="Times New Roman" panose="02020603050405020304" pitchFamily="18" charset="0"/>
+              </a:rPr>
+              <a:t>E) Intervenants</a:t>
+            </a:r>
+            <a:endParaRPr lang="fr-FR" u="sng" dirty="0">
+              <a:latin typeface="Calibri" panose="020F0502020204030204" pitchFamily="34" charset="0"/>
+              <a:ea typeface="Calibri" panose="020F0502020204030204" pitchFamily="34" charset="0"/>
+              <a:cs typeface="Times New Roman" panose="02020603050405020304" pitchFamily="18" charset="0"/>
+            </a:endParaRPr>
+          </a:p>
+          <a:p>
             <a:endParaRPr lang="fr-FR" dirty="0"/>
           </a:p>
         </p:txBody>
@@ -23027,359 +24370,6 @@
         </p:nvSpPr>
         <p:spPr>
           <a:xfrm>
-            <a:off x="403685" y="670077"/>
-            <a:ext cx="11001829" cy="3181384"/>
-          </a:xfrm>
-          <a:prstGeom prst="rect">
-            <a:avLst/>
-          </a:prstGeom>
-          <a:noFill/>
-        </p:spPr>
-        <p:txBody>
-          <a:bodyPr wrap="square" rtlCol="0">
-            <a:spAutoFit/>
-          </a:bodyPr>
-          <a:lstStyle/>
-          <a:p>
-            <a:pPr marL="899160" indent="449580" algn="just">
-              <a:lnSpc>
-                <a:spcPct val="107000"/>
-              </a:lnSpc>
-              <a:spcAft>
-                <a:spcPts val="800"/>
-              </a:spcAft>
-            </a:pPr>
-            <a:r>
-              <a:rPr lang="fr-FR" dirty="0" smtClean="0">
-                <a:effectLst/>
-                <a:latin typeface="Times New Roman" panose="02020603050405020304" pitchFamily="18" charset="0"/>
-                <a:ea typeface="Times New Roman" panose="02020603050405020304" pitchFamily="18" charset="0"/>
-                <a:cs typeface="Times New Roman" panose="02020603050405020304" pitchFamily="18" charset="0"/>
-              </a:rPr>
-              <a:t>d) analyse SWOT</a:t>
-            </a:r>
-            <a:endParaRPr lang="fr-FR" dirty="0" smtClean="0">
-              <a:effectLst/>
-              <a:latin typeface="Calibri" panose="020F0502020204030204" pitchFamily="34" charset="0"/>
-              <a:ea typeface="Calibri" panose="020F0502020204030204" pitchFamily="34" charset="0"/>
-              <a:cs typeface="Times New Roman" panose="02020603050405020304" pitchFamily="18" charset="0"/>
-            </a:endParaRPr>
-          </a:p>
-          <a:p>
-            <a:pPr algn="just">
-              <a:lnSpc>
-                <a:spcPct val="107000"/>
-              </a:lnSpc>
-              <a:spcAft>
-                <a:spcPts val="800"/>
-              </a:spcAft>
-            </a:pPr>
-            <a:r>
-              <a:rPr lang="fr-FR" dirty="0">
-                <a:latin typeface="Times New Roman" panose="02020603050405020304" pitchFamily="18" charset="0"/>
-                <a:ea typeface="Times New Roman" panose="02020603050405020304" pitchFamily="18" charset="0"/>
-                <a:cs typeface="Times New Roman" panose="02020603050405020304" pitchFamily="18" charset="0"/>
-              </a:rPr>
-              <a:t>	</a:t>
-            </a:r>
-            <a:r>
-              <a:rPr lang="fr-FR" dirty="0" smtClean="0">
-                <a:effectLst/>
-                <a:latin typeface="Times New Roman" panose="02020603050405020304" pitchFamily="18" charset="0"/>
-                <a:ea typeface="Times New Roman" panose="02020603050405020304" pitchFamily="18" charset="0"/>
-                <a:cs typeface="Times New Roman" panose="02020603050405020304" pitchFamily="18" charset="0"/>
-              </a:rPr>
-              <a:t>B) Cible </a:t>
-            </a:r>
-            <a:endParaRPr lang="fr-FR" dirty="0" smtClean="0">
-              <a:effectLst/>
-              <a:latin typeface="Calibri" panose="020F0502020204030204" pitchFamily="34" charset="0"/>
-              <a:ea typeface="Calibri" panose="020F0502020204030204" pitchFamily="34" charset="0"/>
-              <a:cs typeface="Times New Roman" panose="02020603050405020304" pitchFamily="18" charset="0"/>
-            </a:endParaRPr>
-          </a:p>
-          <a:p>
-            <a:pPr marL="449580" indent="449580" algn="just">
-              <a:lnSpc>
-                <a:spcPct val="107000"/>
-              </a:lnSpc>
-              <a:spcAft>
-                <a:spcPts val="800"/>
-              </a:spcAft>
-            </a:pPr>
-            <a:r>
-              <a:rPr lang="fr-FR" dirty="0" smtClean="0">
-                <a:effectLst/>
-                <a:latin typeface="Times New Roman" panose="02020603050405020304" pitchFamily="18" charset="0"/>
-                <a:ea typeface="Times New Roman" panose="02020603050405020304" pitchFamily="18" charset="0"/>
-                <a:cs typeface="Times New Roman" panose="02020603050405020304" pitchFamily="18" charset="0"/>
-              </a:rPr>
-              <a:t>1) public</a:t>
-            </a:r>
-            <a:endParaRPr lang="fr-FR" dirty="0" smtClean="0">
-              <a:effectLst/>
-              <a:latin typeface="Calibri" panose="020F0502020204030204" pitchFamily="34" charset="0"/>
-              <a:ea typeface="Calibri" panose="020F0502020204030204" pitchFamily="34" charset="0"/>
-              <a:cs typeface="Times New Roman" panose="02020603050405020304" pitchFamily="18" charset="0"/>
-            </a:endParaRPr>
-          </a:p>
-          <a:p>
-            <a:pPr marL="449580" indent="449580" algn="just">
-              <a:lnSpc>
-                <a:spcPct val="107000"/>
-              </a:lnSpc>
-              <a:spcAft>
-                <a:spcPts val="800"/>
-              </a:spcAft>
-            </a:pPr>
-            <a:r>
-              <a:rPr lang="fr-FR" dirty="0" smtClean="0">
-                <a:effectLst/>
-                <a:latin typeface="Times New Roman" panose="02020603050405020304" pitchFamily="18" charset="0"/>
-                <a:ea typeface="Times New Roman" panose="02020603050405020304" pitchFamily="18" charset="0"/>
-                <a:cs typeface="Times New Roman" panose="02020603050405020304" pitchFamily="18" charset="0"/>
-              </a:rPr>
-              <a:t>2</a:t>
-            </a:r>
-            <a:r>
-              <a:rPr lang="fr-FR" dirty="0" smtClean="0">
-                <a:effectLst/>
-                <a:latin typeface="Times New Roman" panose="02020603050405020304" pitchFamily="18" charset="0"/>
-                <a:ea typeface="Times New Roman" panose="02020603050405020304" pitchFamily="18" charset="0"/>
-                <a:cs typeface="Times New Roman" panose="02020603050405020304" pitchFamily="18" charset="0"/>
-              </a:rPr>
-              <a:t>) équipements  </a:t>
-            </a:r>
-            <a:endParaRPr lang="fr-FR" dirty="0" smtClean="0">
-              <a:effectLst/>
-              <a:latin typeface="Calibri" panose="020F0502020204030204" pitchFamily="34" charset="0"/>
-              <a:ea typeface="Calibri" panose="020F0502020204030204" pitchFamily="34" charset="0"/>
-              <a:cs typeface="Times New Roman" panose="02020603050405020304" pitchFamily="18" charset="0"/>
-            </a:endParaRPr>
-          </a:p>
-          <a:p>
-            <a:pPr indent="449580" algn="just">
-              <a:lnSpc>
-                <a:spcPct val="107000"/>
-              </a:lnSpc>
-              <a:spcAft>
-                <a:spcPts val="800"/>
-              </a:spcAft>
-            </a:pPr>
-            <a:r>
-              <a:rPr lang="fr-FR" dirty="0" smtClean="0">
-                <a:effectLst/>
-                <a:latin typeface="Times New Roman" panose="02020603050405020304" pitchFamily="18" charset="0"/>
-                <a:ea typeface="Times New Roman" panose="02020603050405020304" pitchFamily="18" charset="0"/>
-                <a:cs typeface="Times New Roman" panose="02020603050405020304" pitchFamily="18" charset="0"/>
-              </a:rPr>
-              <a:t>C</a:t>
-            </a:r>
-            <a:r>
-              <a:rPr lang="fr-FR" dirty="0" smtClean="0">
-                <a:effectLst/>
-                <a:latin typeface="Times New Roman" panose="02020603050405020304" pitchFamily="18" charset="0"/>
-                <a:ea typeface="Times New Roman" panose="02020603050405020304" pitchFamily="18" charset="0"/>
-                <a:cs typeface="Times New Roman" panose="02020603050405020304" pitchFamily="18" charset="0"/>
-              </a:rPr>
-              <a:t>) Typologie </a:t>
-            </a:r>
-            <a:r>
-              <a:rPr lang="fr-FR" dirty="0" smtClean="0">
-                <a:effectLst/>
-                <a:latin typeface="Times New Roman" panose="02020603050405020304" pitchFamily="18" charset="0"/>
-                <a:ea typeface="Times New Roman" panose="02020603050405020304" pitchFamily="18" charset="0"/>
-                <a:cs typeface="Times New Roman" panose="02020603050405020304" pitchFamily="18" charset="0"/>
-              </a:rPr>
-              <a:t>d’application</a:t>
-            </a:r>
-          </a:p>
-          <a:p>
-            <a:pPr indent="449580" algn="just">
-              <a:lnSpc>
-                <a:spcPct val="107000"/>
-              </a:lnSpc>
-              <a:spcAft>
-                <a:spcPts val="800"/>
-              </a:spcAft>
-            </a:pPr>
-            <a:r>
-              <a:rPr lang="fr-FR" dirty="0" smtClean="0">
-                <a:latin typeface="Times New Roman" panose="02020603050405020304" pitchFamily="18" charset="0"/>
-                <a:ea typeface="Times New Roman" panose="02020603050405020304" pitchFamily="18" charset="0"/>
-                <a:cs typeface="Times New Roman" panose="02020603050405020304" pitchFamily="18" charset="0"/>
-              </a:rPr>
-              <a:t>D</a:t>
-            </a:r>
-            <a:r>
-              <a:rPr lang="fr-FR" dirty="0">
-                <a:latin typeface="Times New Roman" panose="02020603050405020304" pitchFamily="18" charset="0"/>
-                <a:ea typeface="Times New Roman" panose="02020603050405020304" pitchFamily="18" charset="0"/>
-                <a:cs typeface="Times New Roman" panose="02020603050405020304" pitchFamily="18" charset="0"/>
-              </a:rPr>
-              <a:t>) Périmètre</a:t>
-            </a:r>
-            <a:endParaRPr lang="fr-FR" dirty="0">
-              <a:latin typeface="Calibri" panose="020F0502020204030204" pitchFamily="34" charset="0"/>
-              <a:ea typeface="Calibri" panose="020F0502020204030204" pitchFamily="34" charset="0"/>
-              <a:cs typeface="Times New Roman" panose="02020603050405020304" pitchFamily="18" charset="0"/>
-            </a:endParaRPr>
-          </a:p>
-          <a:p>
-            <a:pPr indent="449580" algn="just">
-              <a:lnSpc>
-                <a:spcPct val="107000"/>
-              </a:lnSpc>
-              <a:spcAft>
-                <a:spcPts val="800"/>
-              </a:spcAft>
-            </a:pPr>
-            <a:r>
-              <a:rPr lang="fr-FR" dirty="0" smtClean="0">
-                <a:latin typeface="Times New Roman" panose="02020603050405020304" pitchFamily="18" charset="0"/>
-                <a:ea typeface="Times New Roman" panose="02020603050405020304" pitchFamily="18" charset="0"/>
-                <a:cs typeface="Times New Roman" panose="02020603050405020304" pitchFamily="18" charset="0"/>
-              </a:rPr>
-              <a:t>E</a:t>
-            </a:r>
-            <a:r>
-              <a:rPr lang="fr-FR" dirty="0">
-                <a:latin typeface="Times New Roman" panose="02020603050405020304" pitchFamily="18" charset="0"/>
-                <a:ea typeface="Times New Roman" panose="02020603050405020304" pitchFamily="18" charset="0"/>
-                <a:cs typeface="Times New Roman" panose="02020603050405020304" pitchFamily="18" charset="0"/>
-              </a:rPr>
-              <a:t>) Intervenants</a:t>
-            </a:r>
-            <a:endParaRPr lang="fr-FR" dirty="0">
-              <a:latin typeface="Calibri" panose="020F0502020204030204" pitchFamily="34" charset="0"/>
-              <a:ea typeface="Calibri" panose="020F0502020204030204" pitchFamily="34" charset="0"/>
-              <a:cs typeface="Times New Roman" panose="02020603050405020304" pitchFamily="18" charset="0"/>
-            </a:endParaRPr>
-          </a:p>
-          <a:p>
-            <a:pPr indent="449580" algn="just">
-              <a:lnSpc>
-                <a:spcPct val="107000"/>
-              </a:lnSpc>
-              <a:spcAft>
-                <a:spcPts val="800"/>
-              </a:spcAft>
-            </a:pPr>
-            <a:r>
-              <a:rPr lang="fr-FR" dirty="0" smtClean="0">
-                <a:effectLst/>
-                <a:latin typeface="Times New Roman" panose="02020603050405020304" pitchFamily="18" charset="0"/>
-                <a:ea typeface="Times New Roman" panose="02020603050405020304" pitchFamily="18" charset="0"/>
-                <a:cs typeface="Times New Roman" panose="02020603050405020304" pitchFamily="18" charset="0"/>
-              </a:rPr>
-              <a:t> </a:t>
-            </a:r>
-            <a:endParaRPr lang="fr-FR" dirty="0" smtClean="0">
-              <a:effectLst/>
-              <a:latin typeface="Calibri" panose="020F0502020204030204" pitchFamily="34" charset="0"/>
-              <a:ea typeface="Calibri" panose="020F0502020204030204" pitchFamily="34" charset="0"/>
-              <a:cs typeface="Times New Roman" panose="02020603050405020304" pitchFamily="18" charset="0"/>
-            </a:endParaRPr>
-          </a:p>
-        </p:txBody>
-      </p:sp>
-      <p:sp>
-        <p:nvSpPr>
-          <p:cNvPr id="3" name="Espace réservé du numéro de diapositive 2"/>
-          <p:cNvSpPr>
-            <a:spLocks noGrp="1"/>
-          </p:cNvSpPr>
-          <p:nvPr>
-            <p:ph type="sldNum" sz="quarter" idx="12"/>
-          </p:nvPr>
-        </p:nvSpPr>
-        <p:spPr/>
-        <p:txBody>
-          <a:bodyPr/>
-          <a:lstStyle/>
-          <a:p>
-            <a:fld id="{C992E66A-41E9-4F30-B3C8-2FF86DC5BC5A}" type="slidenum">
-              <a:rPr lang="fr-FR" smtClean="0"/>
-              <a:t>5</a:t>
-            </a:fld>
-            <a:endParaRPr lang="fr-FR"/>
-          </a:p>
-        </p:txBody>
-      </p:sp>
-      <p:sp>
-        <p:nvSpPr>
-          <p:cNvPr id="4" name="Rectangle 3"/>
-          <p:cNvSpPr/>
-          <p:nvPr/>
-        </p:nvSpPr>
-        <p:spPr>
-          <a:xfrm>
-            <a:off x="403685" y="182211"/>
-            <a:ext cx="2189830" cy="369332"/>
-          </a:xfrm>
-          <a:prstGeom prst="rect">
-            <a:avLst/>
-          </a:prstGeom>
-        </p:spPr>
-        <p:txBody>
-          <a:bodyPr wrap="none">
-            <a:spAutoFit/>
-          </a:bodyPr>
-          <a:lstStyle/>
-          <a:p>
-            <a:r>
-              <a:rPr lang="fr-FR" dirty="0" smtClean="0"/>
-              <a:t>II Cahier des charges </a:t>
-            </a:r>
-            <a:endParaRPr lang="fr-FR" dirty="0"/>
-          </a:p>
-        </p:txBody>
-      </p:sp>
-    </p:spTree>
-    <p:extLst>
-      <p:ext uri="{BB962C8B-B14F-4D97-AF65-F5344CB8AC3E}">
-        <p14:creationId xmlns:p14="http://schemas.microsoft.com/office/powerpoint/2010/main" val="1370752011"/>
-      </p:ext>
-    </p:extLst>
-  </p:cSld>
-  <p:clrMapOvr>
-    <a:masterClrMapping/>
-  </p:clrMapOvr>
-  <p:timing>
-    <p:tnLst>
-      <p:par>
-        <p:cTn id="1" dur="indefinite" restart="never" nodeType="tmRoot"/>
-      </p:par>
-    </p:tnLst>
-  </p:timing>
-</p:sld>
-</file>
-
-<file path=ppt/slides/slide6.xml><?xml version="1.0" encoding="utf-8"?>
-<p:sld xmlns:a="http://schemas.openxmlformats.org/drawingml/2006/main" xmlns:r="http://schemas.openxmlformats.org/officeDocument/2006/relationships" xmlns:p="http://schemas.openxmlformats.org/presentationml/2006/main">
-  <p:cSld>
-    <p:spTree>
-      <p:nvGrpSpPr>
-        <p:cNvPr id="1" name=""/>
-        <p:cNvGrpSpPr/>
-        <p:nvPr/>
-      </p:nvGrpSpPr>
-      <p:grpSpPr>
-        <a:xfrm>
-          <a:off x="0" y="0"/>
-          <a:ext cx="0" cy="0"/>
-          <a:chOff x="0" y="0"/>
-          <a:chExt cx="0" cy="0"/>
-        </a:xfrm>
-      </p:grpSpPr>
-      <p:sp>
-        <p:nvSpPr>
-          <p:cNvPr id="2" name="ZoneTexte 1"/>
-          <p:cNvSpPr txBox="1"/>
-          <p:nvPr/>
-        </p:nvSpPr>
-        <p:spPr>
-          <a:xfrm>
             <a:off x="391886" y="464457"/>
             <a:ext cx="11379200" cy="2158924"/>
           </a:xfrm>
@@ -23492,7 +24482,7 @@
           <a:p>
             <a:fld id="{C992E66A-41E9-4F30-B3C8-2FF86DC5BC5A}" type="slidenum">
               <a:rPr lang="fr-FR" smtClean="0"/>
-              <a:t>6</a:t>
+              <a:t>5</a:t>
             </a:fld>
             <a:endParaRPr lang="fr-FR"/>
           </a:p>
@@ -23559,6 +24549,320 @@
     <p:extLst>
       <p:ext uri="{BB962C8B-B14F-4D97-AF65-F5344CB8AC3E}">
         <p14:creationId xmlns:p14="http://schemas.microsoft.com/office/powerpoint/2010/main" val="3550469196"/>
+      </p:ext>
+    </p:extLst>
+  </p:cSld>
+  <p:clrMapOvr>
+    <a:masterClrMapping/>
+  </p:clrMapOvr>
+  <p:timing>
+    <p:tnLst>
+      <p:par>
+        <p:cTn id="1" dur="indefinite" restart="never" nodeType="tmRoot"/>
+      </p:par>
+    </p:tnLst>
+  </p:timing>
+</p:sld>
+</file>
+
+<file path=ppt/slides/slide6.xml><?xml version="1.0" encoding="utf-8"?>
+<p:sld xmlns:a="http://schemas.openxmlformats.org/drawingml/2006/main" xmlns:r="http://schemas.openxmlformats.org/officeDocument/2006/relationships" xmlns:p="http://schemas.openxmlformats.org/presentationml/2006/main">
+  <p:cSld>
+    <p:spTree>
+      <p:nvGrpSpPr>
+        <p:cNvPr id="1" name=""/>
+        <p:cNvGrpSpPr/>
+        <p:nvPr/>
+      </p:nvGrpSpPr>
+      <p:grpSpPr>
+        <a:xfrm>
+          <a:off x="0" y="0"/>
+          <a:ext cx="0" cy="0"/>
+          <a:chOff x="0" y="0"/>
+          <a:chExt cx="0" cy="0"/>
+        </a:xfrm>
+      </p:grpSpPr>
+      <p:sp>
+        <p:nvSpPr>
+          <p:cNvPr id="2" name="ZoneTexte 1"/>
+          <p:cNvSpPr txBox="1"/>
+          <p:nvPr/>
+        </p:nvSpPr>
+        <p:spPr>
+          <a:xfrm>
+            <a:off x="596901" y="421555"/>
+            <a:ext cx="4025900" cy="6186309"/>
+          </a:xfrm>
+          <a:prstGeom prst="rect">
+            <a:avLst/>
+          </a:prstGeom>
+          <a:noFill/>
+        </p:spPr>
+        <p:txBody>
+          <a:bodyPr wrap="square" rtlCol="0">
+            <a:spAutoFit/>
+          </a:bodyPr>
+          <a:lstStyle/>
+          <a:p>
+            <a:r>
+              <a:rPr lang="fr-FR" dirty="0" smtClean="0">
+                <a:latin typeface="Calibri" panose="020F0502020204030204" pitchFamily="34" charset="0"/>
+              </a:rPr>
+              <a:t>SOMMAIRE</a:t>
+            </a:r>
+          </a:p>
+          <a:p>
+            <a:endParaRPr lang="fr-FR" dirty="0">
+              <a:latin typeface="Calibri" panose="020F0502020204030204" pitchFamily="34" charset="0"/>
+            </a:endParaRPr>
+          </a:p>
+          <a:p>
+            <a:r>
+              <a:rPr lang="fr-FR" dirty="0" smtClean="0">
+                <a:latin typeface="Calibri" panose="020F0502020204030204" pitchFamily="34" charset="0"/>
+              </a:rPr>
+              <a:t>I Présentation du projet </a:t>
+            </a:r>
+          </a:p>
+          <a:p>
+            <a:endParaRPr lang="fr-FR" dirty="0">
+              <a:latin typeface="Calibri" panose="020F0502020204030204" pitchFamily="34" charset="0"/>
+            </a:endParaRPr>
+          </a:p>
+          <a:p>
+            <a:r>
+              <a:rPr lang="fr-FR" dirty="0" smtClean="0">
+                <a:latin typeface="Calibri" panose="020F0502020204030204" pitchFamily="34" charset="0"/>
+              </a:rPr>
+              <a:t>II Cahier des charges</a:t>
+            </a:r>
+          </a:p>
+          <a:p>
+            <a:endParaRPr lang="fr-FR" dirty="0" smtClean="0">
+              <a:latin typeface="Calibri" panose="020F0502020204030204" pitchFamily="34" charset="0"/>
+            </a:endParaRPr>
+          </a:p>
+          <a:p>
+            <a:r>
+              <a:rPr lang="fr-FR" i="1" dirty="0" smtClean="0">
+                <a:solidFill>
+                  <a:srgbClr val="FF0000"/>
+                </a:solidFill>
+                <a:latin typeface="Calibri" panose="020F0502020204030204" pitchFamily="34" charset="0"/>
+              </a:rPr>
+              <a:t>III Analyse fonctionnelle</a:t>
+            </a:r>
+          </a:p>
+          <a:p>
+            <a:r>
+              <a:rPr lang="fr-FR" i="1" dirty="0" smtClean="0">
+                <a:solidFill>
+                  <a:srgbClr val="FF0000"/>
+                </a:solidFill>
+                <a:latin typeface="Calibri" panose="020F0502020204030204" pitchFamily="34" charset="0"/>
+              </a:rPr>
+              <a:t>	A </a:t>
+            </a:r>
+            <a:r>
+              <a:rPr lang="fr-FR" i="1" dirty="0">
+                <a:solidFill>
+                  <a:srgbClr val="FF0000"/>
+                </a:solidFill>
+                <a:latin typeface="Calibri" panose="020F0502020204030204" pitchFamily="34" charset="0"/>
+              </a:rPr>
+              <a:t>Cas d’utilisation</a:t>
+            </a:r>
+          </a:p>
+          <a:p>
+            <a:r>
+              <a:rPr lang="fr-FR" i="1" dirty="0">
+                <a:solidFill>
+                  <a:srgbClr val="FF0000"/>
+                </a:solidFill>
+                <a:latin typeface="Calibri" panose="020F0502020204030204" pitchFamily="34" charset="0"/>
+              </a:rPr>
+              <a:t>	B Diagrammes</a:t>
+            </a:r>
+          </a:p>
+          <a:p>
+            <a:r>
+              <a:rPr lang="fr-FR" i="1" dirty="0">
+                <a:solidFill>
+                  <a:srgbClr val="FF0000"/>
+                </a:solidFill>
+                <a:latin typeface="Calibri" panose="020F0502020204030204" pitchFamily="34" charset="0"/>
+              </a:rPr>
+              <a:t>		1) activité</a:t>
+            </a:r>
+          </a:p>
+          <a:p>
+            <a:r>
+              <a:rPr lang="fr-FR" i="1" dirty="0">
+                <a:solidFill>
+                  <a:srgbClr val="FF0000"/>
+                </a:solidFill>
+                <a:latin typeface="Calibri" panose="020F0502020204030204" pitchFamily="34" charset="0"/>
+              </a:rPr>
+              <a:t>		2) séquence</a:t>
+            </a:r>
+          </a:p>
+          <a:p>
+            <a:r>
+              <a:rPr lang="fr-FR" i="1" dirty="0">
+                <a:solidFill>
+                  <a:srgbClr val="FF0000"/>
+                </a:solidFill>
+                <a:latin typeface="Calibri" panose="020F0502020204030204" pitchFamily="34" charset="0"/>
+              </a:rPr>
+              <a:t>		3) de classe</a:t>
+            </a:r>
+          </a:p>
+          <a:p>
+            <a:r>
+              <a:rPr lang="fr-FR" dirty="0" smtClean="0">
+                <a:latin typeface="Calibri" panose="020F0502020204030204" pitchFamily="34" charset="0"/>
+              </a:rPr>
+              <a:t>IV Conception</a:t>
+            </a:r>
+          </a:p>
+          <a:p>
+            <a:r>
+              <a:rPr lang="fr-FR" dirty="0" smtClean="0">
+                <a:latin typeface="Calibri" panose="020F0502020204030204" pitchFamily="34" charset="0"/>
+              </a:rPr>
+              <a:t>	A </a:t>
+            </a:r>
+            <a:r>
+              <a:rPr lang="fr-FR" dirty="0">
+                <a:latin typeface="Calibri" panose="020F0502020204030204" pitchFamily="34" charset="0"/>
+              </a:rPr>
+              <a:t>MCD MLD</a:t>
+            </a:r>
+          </a:p>
+          <a:p>
+            <a:r>
+              <a:rPr lang="fr-FR" dirty="0">
+                <a:latin typeface="Calibri" panose="020F0502020204030204" pitchFamily="34" charset="0"/>
+              </a:rPr>
+              <a:t>		1) MCD </a:t>
+            </a:r>
+          </a:p>
+          <a:p>
+            <a:r>
+              <a:rPr lang="fr-FR" dirty="0">
+                <a:latin typeface="Calibri" panose="020F0502020204030204" pitchFamily="34" charset="0"/>
+              </a:rPr>
+              <a:t>		2) MLD</a:t>
+            </a:r>
+          </a:p>
+          <a:p>
+            <a:r>
+              <a:rPr lang="fr-FR" dirty="0">
+                <a:latin typeface="Calibri" panose="020F0502020204030204" pitchFamily="34" charset="0"/>
+              </a:rPr>
+              <a:t>		</a:t>
+            </a:r>
+          </a:p>
+          <a:p>
+            <a:r>
+              <a:rPr lang="fr-FR" dirty="0">
+                <a:latin typeface="Calibri" panose="020F0502020204030204" pitchFamily="34" charset="0"/>
+              </a:rPr>
+              <a:t>	</a:t>
+            </a:r>
+            <a:r>
+              <a:rPr lang="fr-FR" dirty="0" smtClean="0">
+                <a:latin typeface="Calibri" panose="020F0502020204030204" pitchFamily="34" charset="0"/>
+              </a:rPr>
+              <a:t>B </a:t>
+            </a:r>
+            <a:r>
+              <a:rPr lang="fr-FR" dirty="0">
+                <a:latin typeface="Calibri" panose="020F0502020204030204" pitchFamily="34" charset="0"/>
+              </a:rPr>
+              <a:t>SQL </a:t>
+            </a:r>
+          </a:p>
+          <a:p>
+            <a:endParaRPr lang="fr-FR" dirty="0">
+              <a:latin typeface="Calibri" panose="020F0502020204030204" pitchFamily="34" charset="0"/>
+            </a:endParaRPr>
+          </a:p>
+          <a:p>
+            <a:r>
+              <a:rPr lang="fr-FR" dirty="0" smtClean="0">
+                <a:latin typeface="Calibri" panose="020F0502020204030204" pitchFamily="34" charset="0"/>
+              </a:rPr>
+              <a:t>	C Interaction avec la base de données	</a:t>
+            </a:r>
+            <a:endParaRPr lang="fr-FR" sz="1600" dirty="0">
+              <a:latin typeface="Calibri" panose="020F0502020204030204" pitchFamily="34" charset="0"/>
+            </a:endParaRPr>
+          </a:p>
+          <a:p>
+            <a:endParaRPr lang="fr-FR" dirty="0">
+              <a:latin typeface="Calibri" panose="020F0502020204030204" pitchFamily="34" charset="0"/>
+            </a:endParaRPr>
+          </a:p>
+        </p:txBody>
+      </p:sp>
+      <p:sp>
+        <p:nvSpPr>
+          <p:cNvPr id="3" name="Espace réservé du numéro de diapositive 2"/>
+          <p:cNvSpPr>
+            <a:spLocks noGrp="1"/>
+          </p:cNvSpPr>
+          <p:nvPr>
+            <p:ph type="sldNum" sz="quarter" idx="12"/>
+          </p:nvPr>
+        </p:nvSpPr>
+        <p:spPr/>
+        <p:txBody>
+          <a:bodyPr/>
+          <a:lstStyle/>
+          <a:p>
+            <a:fld id="{C992E66A-41E9-4F30-B3C8-2FF86DC5BC5A}" type="slidenum">
+              <a:rPr lang="fr-FR" smtClean="0"/>
+              <a:t>6</a:t>
+            </a:fld>
+            <a:endParaRPr lang="fr-FR"/>
+          </a:p>
+        </p:txBody>
+      </p:sp>
+      <p:pic>
+        <p:nvPicPr>
+          <p:cNvPr id="4" name="Image 3"/>
+          <p:cNvPicPr>
+            <a:picLocks noChangeAspect="1"/>
+          </p:cNvPicPr>
+          <p:nvPr/>
+        </p:nvPicPr>
+        <p:blipFill>
+          <a:blip r:embed="rId2">
+            <a:extLst>
+              <a:ext uri="{28A0092B-C50C-407E-A947-70E740481C1C}">
+                <a14:useLocalDpi xmlns:a14="http://schemas.microsoft.com/office/drawing/2010/main" val="0"/>
+              </a:ext>
+            </a:extLst>
+          </a:blip>
+          <a:stretch>
+            <a:fillRect/>
+          </a:stretch>
+        </p:blipFill>
+        <p:spPr>
+          <a:xfrm>
+            <a:off x="5580062" y="421555"/>
+            <a:ext cx="5553075" cy="5715000"/>
+          </a:xfrm>
+          <a:prstGeom prst="rect">
+            <a:avLst/>
+          </a:prstGeom>
+        </p:spPr>
+      </p:pic>
+    </p:spTree>
+    <p:extLst>
+      <p:ext uri="{BB962C8B-B14F-4D97-AF65-F5344CB8AC3E}">
+        <p14:creationId xmlns:p14="http://schemas.microsoft.com/office/powerpoint/2010/main" val="647485589"/>
       </p:ext>
     </p:extLst>
   </p:cSld>
@@ -23790,13 +25094,8 @@
             </a:r>
             <a:r>
               <a:rPr lang="fr-FR" dirty="0" smtClean="0"/>
-              <a:t>	1) Activité : </a:t>
+              <a:t>	1) Activité : recherche de recettes par ingrédients </a:t>
             </a:r>
-            <a:r>
-              <a:rPr lang="fr-FR" dirty="0" smtClean="0"/>
-              <a:t>recherche de recettes par ingrédients </a:t>
-            </a:r>
-            <a:endParaRPr lang="fr-FR" dirty="0" smtClean="0"/>
           </a:p>
         </p:txBody>
       </p:sp>

--- a/REA 1/Présentation Projet personnel_V2.pptx
+++ b/REA 1/Présentation Projet personnel_V2.pptx
@@ -5,28 +5,46 @@
     <p:sldMasterId id="2147483672" r:id="rId1"/>
   </p:sldMasterIdLst>
   <p:notesMasterIdLst>
-    <p:notesMasterId r:id="rId21"/>
+    <p:notesMasterId r:id="rId39"/>
   </p:notesMasterIdLst>
   <p:sldIdLst>
     <p:sldId id="271" r:id="rId2"/>
     <p:sldId id="257" r:id="rId3"/>
-    <p:sldId id="270" r:id="rId4"/>
-    <p:sldId id="258" r:id="rId5"/>
-    <p:sldId id="261" r:id="rId6"/>
-    <p:sldId id="274" r:id="rId7"/>
-    <p:sldId id="262" r:id="rId8"/>
-    <p:sldId id="264" r:id="rId9"/>
-    <p:sldId id="265" r:id="rId10"/>
-    <p:sldId id="275" r:id="rId11"/>
-    <p:sldId id="267" r:id="rId12"/>
-    <p:sldId id="277" r:id="rId13"/>
-    <p:sldId id="266" r:id="rId14"/>
-    <p:sldId id="278" r:id="rId15"/>
-    <p:sldId id="276" r:id="rId16"/>
-    <p:sldId id="269" r:id="rId17"/>
-    <p:sldId id="268" r:id="rId18"/>
-    <p:sldId id="273" r:id="rId19"/>
-    <p:sldId id="272" r:id="rId20"/>
+    <p:sldId id="294" r:id="rId4"/>
+    <p:sldId id="270" r:id="rId5"/>
+    <p:sldId id="295" r:id="rId6"/>
+    <p:sldId id="258" r:id="rId7"/>
+    <p:sldId id="261" r:id="rId8"/>
+    <p:sldId id="274" r:id="rId9"/>
+    <p:sldId id="262" r:id="rId10"/>
+    <p:sldId id="264" r:id="rId11"/>
+    <p:sldId id="265" r:id="rId12"/>
+    <p:sldId id="280" r:id="rId13"/>
+    <p:sldId id="275" r:id="rId14"/>
+    <p:sldId id="267" r:id="rId15"/>
+    <p:sldId id="277" r:id="rId16"/>
+    <p:sldId id="266" r:id="rId17"/>
+    <p:sldId id="278" r:id="rId18"/>
+    <p:sldId id="276" r:id="rId19"/>
+    <p:sldId id="269" r:id="rId20"/>
+    <p:sldId id="268" r:id="rId21"/>
+    <p:sldId id="279" r:id="rId22"/>
+    <p:sldId id="273" r:id="rId23"/>
+    <p:sldId id="281" r:id="rId24"/>
+    <p:sldId id="284" r:id="rId25"/>
+    <p:sldId id="282" r:id="rId26"/>
+    <p:sldId id="283" r:id="rId27"/>
+    <p:sldId id="285" r:id="rId28"/>
+    <p:sldId id="293" r:id="rId29"/>
+    <p:sldId id="296" r:id="rId30"/>
+    <p:sldId id="286" r:id="rId31"/>
+    <p:sldId id="287" r:id="rId32"/>
+    <p:sldId id="288" r:id="rId33"/>
+    <p:sldId id="297" r:id="rId34"/>
+    <p:sldId id="289" r:id="rId35"/>
+    <p:sldId id="290" r:id="rId36"/>
+    <p:sldId id="291" r:id="rId37"/>
+    <p:sldId id="272" r:id="rId38"/>
   </p:sldIdLst>
   <p:sldSz cx="12192000" cy="6858000"/>
   <p:notesSz cx="6858000" cy="9144000"/>
@@ -156,10 +174,46 @@
       </p:ext>
     </p:extLst>
   </p:cm>
+  <p:cm authorId="1" dt="2021-11-24T10:17:47.037" idx="12">
+    <p:pos x="10" y="146"/>
+    <p:text>l'analyse fonctionnelle est la description des fonctionnalités de l'applicaton</p:text>
+    <p:extLst>
+      <p:ext uri="{C676402C-5697-4E1C-873F-D02D1690AC5C}">
+        <p15:threadingInfo xmlns:p15="http://schemas.microsoft.com/office/powerpoint/2012/main" timeZoneBias="-60">
+          <p15:parentCm authorId="1" idx="3"/>
+        </p15:threadingInfo>
+      </p:ext>
+    </p:extLst>
+  </p:cm>
 </p:cmLst>
 </file>
 
 <file path=ppt/comments/comment10.xml><?xml version="1.0" encoding="utf-8"?>
+<p:cmLst xmlns:a="http://schemas.openxmlformats.org/drawingml/2006/main" xmlns:r="http://schemas.openxmlformats.org/officeDocument/2006/relationships" xmlns:p="http://schemas.openxmlformats.org/presentationml/2006/main">
+  <p:cm authorId="1" dt="2021-11-24T11:18:36.620" idx="23">
+    <p:pos x="10" y="10"/>
+    <p:text>id</p:text>
+    <p:extLst>
+      <p:ext uri="{C676402C-5697-4E1C-873F-D02D1690AC5C}">
+        <p15:threadingInfo xmlns:p15="http://schemas.microsoft.com/office/powerpoint/2012/main" timeZoneBias="-60"/>
+      </p:ext>
+    </p:extLst>
+  </p:cm>
+  <p:cm authorId="1" dt="2021-11-24T11:18:46.659" idx="24">
+    <p:pos x="10" y="146"/>
+    <p:text>attribut</p:text>
+    <p:extLst>
+      <p:ext uri="{C676402C-5697-4E1C-873F-D02D1690AC5C}">
+        <p15:threadingInfo xmlns:p15="http://schemas.microsoft.com/office/powerpoint/2012/main" timeZoneBias="-60">
+          <p15:parentCm authorId="1" idx="23"/>
+        </p15:threadingInfo>
+      </p:ext>
+    </p:extLst>
+  </p:cm>
+</p:cmLst>
+</file>
+
+<file path=ppt/comments/comment11.xml><?xml version="1.0" encoding="utf-8"?>
 <p:cmLst xmlns:a="http://schemas.openxmlformats.org/drawingml/2006/main" xmlns:r="http://schemas.openxmlformats.org/officeDocument/2006/relationships" xmlns:p="http://schemas.openxmlformats.org/presentationml/2006/main">
   <p:cm authorId="1" dt="2021-11-24T11:16:43.847" idx="22">
     <p:pos x="10" y="10"/>
@@ -184,7 +238,49 @@
 </p:cmLst>
 </file>
 
-<file path=ppt/comments/comment11.xml><?xml version="1.0" encoding="utf-8"?>
+<file path=ppt/comments/comment12.xml><?xml version="1.0" encoding="utf-8"?>
+<p:cmLst xmlns:a="http://schemas.openxmlformats.org/drawingml/2006/main" xmlns:r="http://schemas.openxmlformats.org/officeDocument/2006/relationships" xmlns:p="http://schemas.openxmlformats.org/presentationml/2006/main">
+  <p:cm authorId="1" dt="2021-11-19T16:10:27.921" idx="3">
+    <p:pos x="10" y="10"/>
+    <p:text/>
+    <p:extLst>
+      <p:ext uri="{C676402C-5697-4E1C-873F-D02D1690AC5C}">
+        <p15:threadingInfo xmlns:p15="http://schemas.microsoft.com/office/powerpoint/2012/main" timeZoneBias="-60"/>
+      </p:ext>
+    </p:extLst>
+  </p:cm>
+</p:cmLst>
+</file>
+
+<file path=ppt/comments/comment13.xml><?xml version="1.0" encoding="utf-8"?>
+<p:cmLst xmlns:a="http://schemas.openxmlformats.org/drawingml/2006/main" xmlns:r="http://schemas.openxmlformats.org/officeDocument/2006/relationships" xmlns:p="http://schemas.openxmlformats.org/presentationml/2006/main">
+  <p:cm authorId="1" dt="2021-11-19T16:10:27.921" idx="3">
+    <p:pos x="10" y="10"/>
+    <p:text/>
+    <p:extLst>
+      <p:ext uri="{C676402C-5697-4E1C-873F-D02D1690AC5C}">
+        <p15:threadingInfo xmlns:p15="http://schemas.microsoft.com/office/powerpoint/2012/main" timeZoneBias="-60"/>
+      </p:ext>
+    </p:extLst>
+  </p:cm>
+</p:cmLst>
+</file>
+
+<file path=ppt/comments/comment14.xml><?xml version="1.0" encoding="utf-8"?>
+<p:cmLst xmlns:a="http://schemas.openxmlformats.org/drawingml/2006/main" xmlns:r="http://schemas.openxmlformats.org/officeDocument/2006/relationships" xmlns:p="http://schemas.openxmlformats.org/presentationml/2006/main">
+  <p:cm authorId="1" dt="2021-11-19T16:10:27.921" idx="3">
+    <p:pos x="10" y="10"/>
+    <p:text/>
+    <p:extLst>
+      <p:ext uri="{C676402C-5697-4E1C-873F-D02D1690AC5C}">
+        <p15:threadingInfo xmlns:p15="http://schemas.microsoft.com/office/powerpoint/2012/main" timeZoneBias="-60"/>
+      </p:ext>
+    </p:extLst>
+  </p:cm>
+</p:cmLst>
+</file>
+
+<file path=ppt/comments/comment15.xml><?xml version="1.0" encoding="utf-8"?>
 <p:cmLst xmlns:a="http://schemas.openxmlformats.org/drawingml/2006/main" xmlns:r="http://schemas.openxmlformats.org/officeDocument/2006/relationships" xmlns:p="http://schemas.openxmlformats.org/presentationml/2006/main">
   <p:cm authorId="1" dt="2021-11-19T16:10:27.921" idx="3">
     <p:pos x="10" y="10"/>
@@ -199,6 +295,31 @@
 </file>
 
 <file path=ppt/comments/comment2.xml><?xml version="1.0" encoding="utf-8"?>
+<p:cmLst xmlns:a="http://schemas.openxmlformats.org/drawingml/2006/main" xmlns:r="http://schemas.openxmlformats.org/officeDocument/2006/relationships" xmlns:p="http://schemas.openxmlformats.org/presentationml/2006/main">
+  <p:cm authorId="1" dt="2021-11-19T16:10:27.921" idx="3">
+    <p:pos x="10" y="10"/>
+    <p:text/>
+    <p:extLst>
+      <p:ext uri="{C676402C-5697-4E1C-873F-D02D1690AC5C}">
+        <p15:threadingInfo xmlns:p15="http://schemas.microsoft.com/office/powerpoint/2012/main" timeZoneBias="-60"/>
+      </p:ext>
+    </p:extLst>
+  </p:cm>
+  <p:cm authorId="1" dt="2021-11-24T10:17:47.037" idx="12">
+    <p:pos x="10" y="146"/>
+    <p:text>l'analyse fonctionnelle est la description des fonctionnalités de l'applicaton</p:text>
+    <p:extLst>
+      <p:ext uri="{C676402C-5697-4E1C-873F-D02D1690AC5C}">
+        <p15:threadingInfo xmlns:p15="http://schemas.microsoft.com/office/powerpoint/2012/main" timeZoneBias="-60">
+          <p15:parentCm authorId="1" idx="3"/>
+        </p15:threadingInfo>
+      </p:ext>
+    </p:extLst>
+  </p:cm>
+</p:cmLst>
+</file>
+
+<file path=ppt/comments/comment3.xml><?xml version="1.0" encoding="utf-8"?>
 <p:cmLst xmlns:a="http://schemas.openxmlformats.org/drawingml/2006/main" xmlns:r="http://schemas.openxmlformats.org/officeDocument/2006/relationships" xmlns:p="http://schemas.openxmlformats.org/presentationml/2006/main">
   <p:cm authorId="1" dt="2021-11-24T09:35:17.015" idx="7">
     <p:pos x="10" y="10"/>
@@ -247,7 +368,7 @@
 </p:cmLst>
 </file>
 
-<file path=ppt/comments/comment3.xml><?xml version="1.0" encoding="utf-8"?>
+<file path=ppt/comments/comment4.xml><?xml version="1.0" encoding="utf-8"?>
 <p:cmLst xmlns:a="http://schemas.openxmlformats.org/drawingml/2006/main" xmlns:r="http://schemas.openxmlformats.org/officeDocument/2006/relationships" xmlns:p="http://schemas.openxmlformats.org/presentationml/2006/main">
   <p:cm authorId="1" dt="2021-11-19T16:10:27.921" idx="3">
     <p:pos x="10" y="10"/>
@@ -272,7 +393,7 @@
 </p:cmLst>
 </file>
 
-<file path=ppt/comments/comment4.xml><?xml version="1.0" encoding="utf-8"?>
+<file path=ppt/comments/comment5.xml><?xml version="1.0" encoding="utf-8"?>
 <p:cmLst xmlns:a="http://schemas.openxmlformats.org/drawingml/2006/main" xmlns:r="http://schemas.openxmlformats.org/officeDocument/2006/relationships" xmlns:p="http://schemas.openxmlformats.org/presentationml/2006/main">
   <p:cm authorId="1" dt="2021-11-19T16:00:11.535" idx="1">
     <p:pos x="10" y="10"/>
@@ -297,7 +418,7 @@
 </p:cmLst>
 </file>
 
-<file path=ppt/comments/comment5.xml><?xml version="1.0" encoding="utf-8"?>
+<file path=ppt/comments/comment6.xml><?xml version="1.0" encoding="utf-8"?>
 <p:cmLst xmlns:a="http://schemas.openxmlformats.org/drawingml/2006/main" xmlns:r="http://schemas.openxmlformats.org/officeDocument/2006/relationships" xmlns:p="http://schemas.openxmlformats.org/presentationml/2006/main">
   <p:cm authorId="1" dt="2021-11-19T16:24:28.552" idx="4">
     <p:pos x="10" y="10"/>
@@ -351,7 +472,7 @@
 </p:cmLst>
 </file>
 
-<file path=ppt/comments/comment6.xml><?xml version="1.0" encoding="utf-8"?>
+<file path=ppt/comments/comment7.xml><?xml version="1.0" encoding="utf-8"?>
 <p:cmLst xmlns:a="http://schemas.openxmlformats.org/drawingml/2006/main" xmlns:r="http://schemas.openxmlformats.org/officeDocument/2006/relationships" xmlns:p="http://schemas.openxmlformats.org/presentationml/2006/main">
   <p:cm authorId="1" dt="2021-11-24T10:20:36.357" idx="16">
     <p:pos x="10" y="10"/>
@@ -374,7 +495,7 @@
 </p:cmLst>
 </file>
 
-<file path=ppt/comments/comment7.xml><?xml version="1.0" encoding="utf-8"?>
+<file path=ppt/comments/comment8.xml><?xml version="1.0" encoding="utf-8"?>
 <p:cmLst xmlns:a="http://schemas.openxmlformats.org/drawingml/2006/main" xmlns:r="http://schemas.openxmlformats.org/officeDocument/2006/relationships" xmlns:p="http://schemas.openxmlformats.org/presentationml/2006/main">
   <p:cm authorId="1" dt="2021-11-19T16:10:27.921" idx="3">
     <p:pos x="10" y="10"/>
@@ -433,7 +554,7 @@
 </p:cmLst>
 </file>
 
-<file path=ppt/comments/comment8.xml><?xml version="1.0" encoding="utf-8"?>
+<file path=ppt/comments/comment9.xml><?xml version="1.0" encoding="utf-8"?>
 <p:cmLst xmlns:a="http://schemas.openxmlformats.org/drawingml/2006/main" xmlns:r="http://schemas.openxmlformats.org/officeDocument/2006/relationships" xmlns:p="http://schemas.openxmlformats.org/presentationml/2006/main">
   <p:cm authorId="1" dt="2021-11-24T10:51:45.197" idx="21">
     <p:pos x="10" y="10"/>
@@ -441,31 +562,6 @@
     <p:extLst>
       <p:ext uri="{C676402C-5697-4E1C-873F-D02D1690AC5C}">
         <p15:threadingInfo xmlns:p15="http://schemas.microsoft.com/office/powerpoint/2012/main" timeZoneBias="-60"/>
-      </p:ext>
-    </p:extLst>
-  </p:cm>
-</p:cmLst>
-</file>
-
-<file path=ppt/comments/comment9.xml><?xml version="1.0" encoding="utf-8"?>
-<p:cmLst xmlns:a="http://schemas.openxmlformats.org/drawingml/2006/main" xmlns:r="http://schemas.openxmlformats.org/officeDocument/2006/relationships" xmlns:p="http://schemas.openxmlformats.org/presentationml/2006/main">
-  <p:cm authorId="1" dt="2021-11-24T11:18:36.620" idx="23">
-    <p:pos x="10" y="10"/>
-    <p:text>id</p:text>
-    <p:extLst>
-      <p:ext uri="{C676402C-5697-4E1C-873F-D02D1690AC5C}">
-        <p15:threadingInfo xmlns:p15="http://schemas.microsoft.com/office/powerpoint/2012/main" timeZoneBias="-60"/>
-      </p:ext>
-    </p:extLst>
-  </p:cm>
-  <p:cm authorId="1" dt="2021-11-24T11:18:46.659" idx="24">
-    <p:pos x="10" y="146"/>
-    <p:text>attribut</p:text>
-    <p:extLst>
-      <p:ext uri="{C676402C-5697-4E1C-873F-D02D1690AC5C}">
-        <p15:threadingInfo xmlns:p15="http://schemas.microsoft.com/office/powerpoint/2012/main" timeZoneBias="-60">
-          <p15:parentCm authorId="1" idx="23"/>
-        </p15:threadingInfo>
       </p:ext>
     </p:extLst>
   </p:cm>
@@ -554,7 +650,7 @@
           <a:p>
             <a:fld id="{5EC2866B-F6B3-44EA-9286-D314C87D3227}" type="datetimeFigureOut">
               <a:rPr lang="fr-FR" smtClean="0"/>
-              <a:t>24/11/2021</a:t>
+              <a:t>25/11/2021</a:t>
             </a:fld>
             <a:endParaRPr lang="fr-FR"/>
           </a:p>
@@ -887,7 +983,7 @@
           <a:p>
             <a:fld id="{D53594C8-3F0A-43E7-BA8E-01C8B4EB71D4}" type="slidenum">
               <a:rPr lang="fr-FR" smtClean="0"/>
-              <a:t>3</a:t>
+              <a:t>1</a:t>
             </a:fld>
             <a:endParaRPr lang="fr-FR"/>
           </a:p>
@@ -896,7 +992,7 @@
     </p:spTree>
     <p:extLst>
       <p:ext uri="{BB962C8B-B14F-4D97-AF65-F5344CB8AC3E}">
-        <p14:creationId xmlns:p14="http://schemas.microsoft.com/office/powerpoint/2010/main" val="808836369"/>
+        <p14:creationId xmlns:p14="http://schemas.microsoft.com/office/powerpoint/2010/main" val="1037667708"/>
       </p:ext>
     </p:extLst>
   </p:cSld>
@@ -972,6 +1068,90 @@
             <a:fld id="{D53594C8-3F0A-43E7-BA8E-01C8B4EB71D4}" type="slidenum">
               <a:rPr lang="fr-FR" smtClean="0"/>
               <a:t>4</a:t>
+            </a:fld>
+            <a:endParaRPr lang="fr-FR"/>
+          </a:p>
+        </p:txBody>
+      </p:sp>
+    </p:spTree>
+    <p:extLst>
+      <p:ext uri="{BB962C8B-B14F-4D97-AF65-F5344CB8AC3E}">
+        <p14:creationId xmlns:p14="http://schemas.microsoft.com/office/powerpoint/2010/main" val="808836369"/>
+      </p:ext>
+    </p:extLst>
+  </p:cSld>
+  <p:clrMapOvr>
+    <a:masterClrMapping/>
+  </p:clrMapOvr>
+</p:notes>
+</file>
+
+<file path=ppt/notesSlides/notesSlide3.xml><?xml version="1.0" encoding="utf-8"?>
+<p:notes xmlns:a="http://schemas.openxmlformats.org/drawingml/2006/main" xmlns:r="http://schemas.openxmlformats.org/officeDocument/2006/relationships" xmlns:p="http://schemas.openxmlformats.org/presentationml/2006/main">
+  <p:cSld>
+    <p:spTree>
+      <p:nvGrpSpPr>
+        <p:cNvPr id="1" name=""/>
+        <p:cNvGrpSpPr/>
+        <p:nvPr/>
+      </p:nvGrpSpPr>
+      <p:grpSpPr>
+        <a:xfrm>
+          <a:off x="0" y="0"/>
+          <a:ext cx="0" cy="0"/>
+          <a:chOff x="0" y="0"/>
+          <a:chExt cx="0" cy="0"/>
+        </a:xfrm>
+      </p:grpSpPr>
+      <p:sp>
+        <p:nvSpPr>
+          <p:cNvPr id="2" name="Espace réservé de l'image des diapositives 1"/>
+          <p:cNvSpPr>
+            <a:spLocks noGrp="1" noRot="1" noChangeAspect="1"/>
+          </p:cNvSpPr>
+          <p:nvPr>
+            <p:ph type="sldImg"/>
+          </p:nvPr>
+        </p:nvSpPr>
+        <p:spPr/>
+      </p:sp>
+      <p:sp>
+        <p:nvSpPr>
+          <p:cNvPr id="3" name="Espace réservé des commentaires 2"/>
+          <p:cNvSpPr>
+            <a:spLocks noGrp="1"/>
+          </p:cNvSpPr>
+          <p:nvPr>
+            <p:ph type="body" idx="1"/>
+          </p:nvPr>
+        </p:nvSpPr>
+        <p:spPr/>
+        <p:txBody>
+          <a:bodyPr/>
+          <a:lstStyle/>
+          <a:p>
+            <a:endParaRPr lang="fr-FR"/>
+          </a:p>
+        </p:txBody>
+      </p:sp>
+      <p:sp>
+        <p:nvSpPr>
+          <p:cNvPr id="4" name="Espace réservé du numéro de diapositive 3"/>
+          <p:cNvSpPr>
+            <a:spLocks noGrp="1"/>
+          </p:cNvSpPr>
+          <p:nvPr>
+            <p:ph type="sldNum" sz="quarter" idx="10"/>
+          </p:nvPr>
+        </p:nvSpPr>
+        <p:spPr/>
+        <p:txBody>
+          <a:bodyPr/>
+          <a:lstStyle/>
+          <a:p>
+            <a:fld id="{D53594C8-3F0A-43E7-BA8E-01C8B4EB71D4}" type="slidenum">
+              <a:rPr lang="fr-FR" smtClean="0"/>
+              <a:t>6</a:t>
             </a:fld>
             <a:endParaRPr lang="fr-FR"/>
           </a:p>
@@ -9783,7 +9963,7 @@
           <a:p>
             <a:fld id="{2B4665BA-7A2B-4F16-816B-E47C8F766DFE}" type="datetime1">
               <a:rPr lang="fr-FR" smtClean="0"/>
-              <a:t>24/11/2021</a:t>
+              <a:t>25/11/2021</a:t>
             </a:fld>
             <a:endParaRPr lang="fr-FR"/>
           </a:p>
@@ -9990,7 +10170,7 @@
           <a:p>
             <a:fld id="{30CF1AE6-4298-4C14-A323-96FAC1DDD664}" type="datetime1">
               <a:rPr lang="fr-FR" smtClean="0"/>
-              <a:t>24/11/2021</a:t>
+              <a:t>25/11/2021</a:t>
             </a:fld>
             <a:endParaRPr lang="fr-FR"/>
           </a:p>
@@ -10170,7 +10350,7 @@
           <a:p>
             <a:fld id="{84465823-26AB-477C-96B9-E7FB366E6F70}" type="datetime1">
               <a:rPr lang="fr-FR" smtClean="0"/>
-              <a:t>24/11/2021</a:t>
+              <a:t>25/11/2021</a:t>
             </a:fld>
             <a:endParaRPr lang="fr-FR"/>
           </a:p>
@@ -10375,7 +10555,7 @@
           <a:p>
             <a:fld id="{D0C6BE80-0A8B-4250-82D7-1A49EA50492A}" type="datetime1">
               <a:rPr lang="fr-FR" smtClean="0"/>
-              <a:t>24/11/2021</a:t>
+              <a:t>25/11/2021</a:t>
             </a:fld>
             <a:endParaRPr lang="fr-FR"/>
           </a:p>
@@ -19273,7 +19453,7 @@
           <a:p>
             <a:fld id="{44B58F3C-9A88-47FF-BE63-AD1F01C3E0FE}" type="datetime1">
               <a:rPr lang="fr-FR" smtClean="0"/>
-              <a:t>24/11/2021</a:t>
+              <a:t>25/11/2021</a:t>
             </a:fld>
             <a:endParaRPr lang="fr-FR"/>
           </a:p>
@@ -19547,7 +19727,7 @@
           <a:p>
             <a:fld id="{25A55C94-572F-4F19-BBB7-EF9089E65C10}" type="datetime1">
               <a:rPr lang="fr-FR" smtClean="0"/>
-              <a:t>24/11/2021</a:t>
+              <a:t>25/11/2021</a:t>
             </a:fld>
             <a:endParaRPr lang="fr-FR"/>
           </a:p>
@@ -19945,7 +20125,7 @@
           <a:p>
             <a:fld id="{FEB63208-D70F-46E4-97AA-CC1A2E7674F0}" type="datetime1">
               <a:rPr lang="fr-FR" smtClean="0"/>
-              <a:t>24/11/2021</a:t>
+              <a:t>25/11/2021</a:t>
             </a:fld>
             <a:endParaRPr lang="fr-FR"/>
           </a:p>
@@ -20063,7 +20243,7 @@
           <a:p>
             <a:fld id="{AB5A4DB2-82FF-4B96-BB10-8989BD08B986}" type="datetime1">
               <a:rPr lang="fr-FR" smtClean="0"/>
-              <a:t>24/11/2021</a:t>
+              <a:t>25/11/2021</a:t>
             </a:fld>
             <a:endParaRPr lang="fr-FR"/>
           </a:p>
@@ -20158,7 +20338,7 @@
           <a:p>
             <a:fld id="{4FAAB650-E8F6-49C7-B8C5-4CBBECF5BC1C}" type="datetime1">
               <a:rPr lang="fr-FR" smtClean="0"/>
-              <a:t>24/11/2021</a:t>
+              <a:t>25/11/2021</a:t>
             </a:fld>
             <a:endParaRPr lang="fr-FR"/>
           </a:p>
@@ -20448,7 +20628,7 @@
           <a:p>
             <a:fld id="{DAF59671-4ADA-4997-B412-801EF0D150DC}" type="datetime1">
               <a:rPr lang="fr-FR" smtClean="0"/>
-              <a:t>24/11/2021</a:t>
+              <a:t>25/11/2021</a:t>
             </a:fld>
             <a:endParaRPr lang="fr-FR"/>
           </a:p>
@@ -20728,7 +20908,7 @@
           <a:p>
             <a:fld id="{403DF1DD-FD2D-4D76-B8B0-1E3B4781F81C}" type="datetime1">
               <a:rPr lang="fr-FR" smtClean="0"/>
-              <a:t>24/11/2021</a:t>
+              <a:t>25/11/2021</a:t>
             </a:fld>
             <a:endParaRPr lang="fr-FR"/>
           </a:p>
@@ -20978,7 +21158,7 @@
           <a:p>
             <a:fld id="{451C6FBD-F756-425B-ABAA-03B3413F0D01}" type="datetime1">
               <a:rPr lang="fr-FR" smtClean="0"/>
-              <a:t>24/11/2021</a:t>
+              <a:t>25/11/2021</a:t>
             </a:fld>
             <a:endParaRPr lang="fr-FR"/>
           </a:p>
@@ -21510,16 +21690,21 @@
             <p:ph type="sldNum" sz="quarter" idx="12"/>
           </p:nvPr>
         </p:nvSpPr>
-        <p:spPr/>
+        <p:spPr>
+          <a:xfrm>
+            <a:off x="10837334" y="6214533"/>
+            <a:ext cx="965200" cy="530491"/>
+          </a:xfrm>
+        </p:spPr>
         <p:txBody>
           <a:bodyPr/>
           <a:lstStyle/>
           <a:p>
             <a:fld id="{C992E66A-41E9-4F30-B3C8-2FF86DC5BC5A}" type="slidenum">
-              <a:rPr lang="fr-FR" smtClean="0"/>
+              <a:rPr lang="fr-FR" sz="2000" smtClean="0"/>
               <a:t>1</a:t>
             </a:fld>
-            <a:endParaRPr lang="fr-FR"/>
+            <a:endParaRPr lang="fr-FR" dirty="0"/>
           </a:p>
         </p:txBody>
       </p:sp>
@@ -21532,7 +21717,7 @@
           <p:nvPr/>
         </p:nvPicPr>
         <p:blipFill>
-          <a:blip r:embed="rId2" cstate="print">
+          <a:blip r:embed="rId3" cstate="print">
             <a:extLst>
               <a:ext uri="{28A0092B-C50C-407E-A947-70E740481C1C}">
                 <a14:useLocalDpi xmlns:a14="http://schemas.microsoft.com/office/drawing/2010/main" val="0"/>
@@ -21681,6 +21866,403 @@
       </p:grpSpPr>
       <p:sp>
         <p:nvSpPr>
+          <p:cNvPr id="3" name="Espace réservé du numéro de diapositive 2"/>
+          <p:cNvSpPr>
+            <a:spLocks noGrp="1"/>
+          </p:cNvSpPr>
+          <p:nvPr>
+            <p:ph type="sldNum" sz="quarter" idx="12"/>
+          </p:nvPr>
+        </p:nvSpPr>
+        <p:spPr/>
+        <p:txBody>
+          <a:bodyPr/>
+          <a:lstStyle/>
+          <a:p>
+            <a:fld id="{C992E66A-41E9-4F30-B3C8-2FF86DC5BC5A}" type="slidenum">
+              <a:rPr lang="fr-FR" sz="2000" smtClean="0"/>
+              <a:t>10</a:t>
+            </a:fld>
+            <a:endParaRPr lang="fr-FR" sz="2000" dirty="0"/>
+          </a:p>
+        </p:txBody>
+      </p:sp>
+      <p:sp>
+        <p:nvSpPr>
+          <p:cNvPr id="4" name="Rectangle 3"/>
+          <p:cNvSpPr/>
+          <p:nvPr/>
+        </p:nvSpPr>
+        <p:spPr>
+          <a:xfrm>
+            <a:off x="213065" y="157750"/>
+            <a:ext cx="7045574" cy="923330"/>
+          </a:xfrm>
+          <a:prstGeom prst="rect">
+            <a:avLst/>
+          </a:prstGeom>
+        </p:spPr>
+        <p:txBody>
+          <a:bodyPr wrap="square">
+            <a:spAutoFit/>
+          </a:bodyPr>
+          <a:lstStyle/>
+          <a:p>
+            <a:r>
+              <a:rPr lang="fr-FR" dirty="0" smtClean="0"/>
+              <a:t>III </a:t>
+            </a:r>
+            <a:r>
+              <a:rPr lang="fr-FR" dirty="0" smtClean="0"/>
+              <a:t>Analyse fonctionnelle</a:t>
+            </a:r>
+            <a:endParaRPr lang="fr-FR" dirty="0" smtClean="0"/>
+          </a:p>
+          <a:p>
+            <a:r>
+              <a:rPr lang="fr-FR" dirty="0"/>
+              <a:t>	</a:t>
+            </a:r>
+            <a:r>
+              <a:rPr lang="fr-FR" dirty="0" smtClean="0"/>
+              <a:t>B Diagrammes </a:t>
+            </a:r>
+          </a:p>
+          <a:p>
+            <a:r>
+              <a:rPr lang="fr-FR" dirty="0"/>
+              <a:t>	</a:t>
+            </a:r>
+            <a:r>
+              <a:rPr lang="fr-FR" dirty="0" smtClean="0"/>
+              <a:t>	1) Activité : recherche de recettes par ingrédients </a:t>
+            </a:r>
+          </a:p>
+        </p:txBody>
+      </p:sp>
+      <p:pic>
+        <p:nvPicPr>
+          <p:cNvPr id="2" name="Image 1"/>
+          <p:cNvPicPr>
+            <a:picLocks noChangeAspect="1"/>
+          </p:cNvPicPr>
+          <p:nvPr/>
+        </p:nvPicPr>
+        <p:blipFill>
+          <a:blip r:embed="rId2"/>
+          <a:stretch>
+            <a:fillRect/>
+          </a:stretch>
+        </p:blipFill>
+        <p:spPr>
+          <a:xfrm>
+            <a:off x="517660" y="1081080"/>
+            <a:ext cx="9981007" cy="5462625"/>
+          </a:xfrm>
+          <a:prstGeom prst="rect">
+            <a:avLst/>
+          </a:prstGeom>
+        </p:spPr>
+      </p:pic>
+    </p:spTree>
+    <p:extLst>
+      <p:ext uri="{BB962C8B-B14F-4D97-AF65-F5344CB8AC3E}">
+        <p14:creationId xmlns:p14="http://schemas.microsoft.com/office/powerpoint/2010/main" val="3850434101"/>
+      </p:ext>
+    </p:extLst>
+  </p:cSld>
+  <p:clrMapOvr>
+    <a:masterClrMapping/>
+  </p:clrMapOvr>
+  <p:timing>
+    <p:tnLst>
+      <p:par>
+        <p:cTn id="1" dur="indefinite" restart="never" nodeType="tmRoot"/>
+      </p:par>
+    </p:tnLst>
+  </p:timing>
+</p:sld>
+</file>
+
+<file path=ppt/slides/slide11.xml><?xml version="1.0" encoding="utf-8"?>
+<p:sld xmlns:a="http://schemas.openxmlformats.org/drawingml/2006/main" xmlns:r="http://schemas.openxmlformats.org/officeDocument/2006/relationships" xmlns:p="http://schemas.openxmlformats.org/presentationml/2006/main">
+  <p:cSld>
+    <p:spTree>
+      <p:nvGrpSpPr>
+        <p:cNvPr id="1" name=""/>
+        <p:cNvGrpSpPr/>
+        <p:nvPr/>
+      </p:nvGrpSpPr>
+      <p:grpSpPr>
+        <a:xfrm>
+          <a:off x="0" y="0"/>
+          <a:ext cx="0" cy="0"/>
+          <a:chOff x="0" y="0"/>
+          <a:chExt cx="0" cy="0"/>
+        </a:xfrm>
+      </p:grpSpPr>
+      <p:sp>
+        <p:nvSpPr>
+          <p:cNvPr id="3" name="Espace réservé du numéro de diapositive 2"/>
+          <p:cNvSpPr>
+            <a:spLocks noGrp="1"/>
+          </p:cNvSpPr>
+          <p:nvPr>
+            <p:ph type="sldNum" sz="quarter" idx="12"/>
+          </p:nvPr>
+        </p:nvSpPr>
+        <p:spPr/>
+        <p:txBody>
+          <a:bodyPr/>
+          <a:lstStyle/>
+          <a:p>
+            <a:fld id="{C992E66A-41E9-4F30-B3C8-2FF86DC5BC5A}" type="slidenum">
+              <a:rPr lang="fr-FR" sz="2000" smtClean="0"/>
+              <a:t>11</a:t>
+            </a:fld>
+            <a:endParaRPr lang="fr-FR" sz="2000" dirty="0"/>
+          </a:p>
+        </p:txBody>
+      </p:sp>
+      <p:sp>
+        <p:nvSpPr>
+          <p:cNvPr id="4" name="Rectangle 3"/>
+          <p:cNvSpPr/>
+          <p:nvPr/>
+        </p:nvSpPr>
+        <p:spPr>
+          <a:xfrm>
+            <a:off x="214312" y="58519"/>
+            <a:ext cx="6096000" cy="923330"/>
+          </a:xfrm>
+          <a:prstGeom prst="rect">
+            <a:avLst/>
+          </a:prstGeom>
+        </p:spPr>
+        <p:txBody>
+          <a:bodyPr>
+            <a:spAutoFit/>
+          </a:bodyPr>
+          <a:lstStyle/>
+          <a:p>
+            <a:r>
+              <a:rPr lang="fr-FR" dirty="0" smtClean="0"/>
+              <a:t>III </a:t>
+            </a:r>
+            <a:r>
+              <a:rPr lang="fr-FR" dirty="0" smtClean="0"/>
+              <a:t>Analyse fonctionnelle</a:t>
+            </a:r>
+            <a:endParaRPr lang="fr-FR" dirty="0" smtClean="0"/>
+          </a:p>
+          <a:p>
+            <a:r>
+              <a:rPr lang="fr-FR" dirty="0" smtClean="0"/>
+              <a:t>	B Diagrammes</a:t>
+            </a:r>
+          </a:p>
+          <a:p>
+            <a:r>
+              <a:rPr lang="fr-FR" dirty="0"/>
+              <a:t>		</a:t>
+            </a:r>
+            <a:r>
+              <a:rPr lang="fr-FR" dirty="0" smtClean="0"/>
+              <a:t>2) Séquence : frigo</a:t>
+            </a:r>
+          </a:p>
+        </p:txBody>
+      </p:sp>
+      <p:pic>
+        <p:nvPicPr>
+          <p:cNvPr id="5" name="Image 4"/>
+          <p:cNvPicPr>
+            <a:picLocks noChangeAspect="1"/>
+          </p:cNvPicPr>
+          <p:nvPr/>
+        </p:nvPicPr>
+        <p:blipFill>
+          <a:blip r:embed="rId2"/>
+          <a:stretch>
+            <a:fillRect/>
+          </a:stretch>
+        </p:blipFill>
+        <p:spPr>
+          <a:xfrm>
+            <a:off x="323850" y="1166812"/>
+            <a:ext cx="11544300" cy="4524375"/>
+          </a:xfrm>
+          <a:prstGeom prst="rect">
+            <a:avLst/>
+          </a:prstGeom>
+        </p:spPr>
+      </p:pic>
+    </p:spTree>
+    <p:extLst>
+      <p:ext uri="{BB962C8B-B14F-4D97-AF65-F5344CB8AC3E}">
+        <p14:creationId xmlns:p14="http://schemas.microsoft.com/office/powerpoint/2010/main" val="2436053710"/>
+      </p:ext>
+    </p:extLst>
+  </p:cSld>
+  <p:clrMapOvr>
+    <a:masterClrMapping/>
+  </p:clrMapOvr>
+  <p:timing>
+    <p:tnLst>
+      <p:par>
+        <p:cTn id="1" dur="indefinite" restart="never" nodeType="tmRoot"/>
+      </p:par>
+    </p:tnLst>
+  </p:timing>
+</p:sld>
+</file>
+
+<file path=ppt/slides/slide12.xml><?xml version="1.0" encoding="utf-8"?>
+<p:sld xmlns:a="http://schemas.openxmlformats.org/drawingml/2006/main" xmlns:r="http://schemas.openxmlformats.org/officeDocument/2006/relationships" xmlns:p="http://schemas.openxmlformats.org/presentationml/2006/main">
+  <p:cSld>
+    <p:spTree>
+      <p:nvGrpSpPr>
+        <p:cNvPr id="1" name=""/>
+        <p:cNvGrpSpPr/>
+        <p:nvPr/>
+      </p:nvGrpSpPr>
+      <p:grpSpPr>
+        <a:xfrm>
+          <a:off x="0" y="0"/>
+          <a:ext cx="0" cy="0"/>
+          <a:chOff x="0" y="0"/>
+          <a:chExt cx="0" cy="0"/>
+        </a:xfrm>
+      </p:grpSpPr>
+      <p:sp>
+        <p:nvSpPr>
+          <p:cNvPr id="2" name="Espace réservé du numéro de diapositive 1"/>
+          <p:cNvSpPr>
+            <a:spLocks noGrp="1"/>
+          </p:cNvSpPr>
+          <p:nvPr>
+            <p:ph type="sldNum" sz="quarter" idx="12"/>
+          </p:nvPr>
+        </p:nvSpPr>
+        <p:spPr/>
+        <p:txBody>
+          <a:bodyPr/>
+          <a:lstStyle/>
+          <a:p>
+            <a:fld id="{C992E66A-41E9-4F30-B3C8-2FF86DC5BC5A}" type="slidenum">
+              <a:rPr lang="fr-FR" sz="2000" smtClean="0"/>
+              <a:t>12</a:t>
+            </a:fld>
+            <a:endParaRPr lang="fr-FR" sz="2000" dirty="0"/>
+          </a:p>
+        </p:txBody>
+      </p:sp>
+      <p:sp>
+        <p:nvSpPr>
+          <p:cNvPr id="3" name="Rectangle 2"/>
+          <p:cNvSpPr/>
+          <p:nvPr/>
+        </p:nvSpPr>
+        <p:spPr>
+          <a:xfrm>
+            <a:off x="214312" y="58519"/>
+            <a:ext cx="6096000" cy="923330"/>
+          </a:xfrm>
+          <a:prstGeom prst="rect">
+            <a:avLst/>
+          </a:prstGeom>
+        </p:spPr>
+        <p:txBody>
+          <a:bodyPr>
+            <a:spAutoFit/>
+          </a:bodyPr>
+          <a:lstStyle/>
+          <a:p>
+            <a:r>
+              <a:rPr lang="fr-FR" dirty="0" smtClean="0"/>
+              <a:t>III </a:t>
+            </a:r>
+            <a:r>
+              <a:rPr lang="fr-FR" dirty="0" smtClean="0"/>
+              <a:t>Analyse fonctionnelle </a:t>
+            </a:r>
+            <a:endParaRPr lang="fr-FR" dirty="0" smtClean="0"/>
+          </a:p>
+          <a:p>
+            <a:r>
+              <a:rPr lang="fr-FR" dirty="0" smtClean="0"/>
+              <a:t>	B Diagrammes</a:t>
+            </a:r>
+          </a:p>
+          <a:p>
+            <a:r>
+              <a:rPr lang="fr-FR" dirty="0"/>
+              <a:t>		</a:t>
+            </a:r>
+            <a:r>
+              <a:rPr lang="fr-FR" dirty="0" smtClean="0"/>
+              <a:t>3) Diagramme de classe</a:t>
+            </a:r>
+            <a:endParaRPr lang="fr-FR" dirty="0" smtClean="0"/>
+          </a:p>
+        </p:txBody>
+      </p:sp>
+      <p:pic>
+        <p:nvPicPr>
+          <p:cNvPr id="4" name="Image 3"/>
+          <p:cNvPicPr>
+            <a:picLocks noChangeAspect="1"/>
+          </p:cNvPicPr>
+          <p:nvPr/>
+        </p:nvPicPr>
+        <p:blipFill>
+          <a:blip r:embed="rId2"/>
+          <a:stretch>
+            <a:fillRect/>
+          </a:stretch>
+        </p:blipFill>
+        <p:spPr>
+          <a:xfrm>
+            <a:off x="900112" y="981849"/>
+            <a:ext cx="7871355" cy="5445802"/>
+          </a:xfrm>
+          <a:prstGeom prst="rect">
+            <a:avLst/>
+          </a:prstGeom>
+        </p:spPr>
+      </p:pic>
+    </p:spTree>
+    <p:extLst>
+      <p:ext uri="{BB962C8B-B14F-4D97-AF65-F5344CB8AC3E}">
+        <p14:creationId xmlns:p14="http://schemas.microsoft.com/office/powerpoint/2010/main" val="2271027534"/>
+      </p:ext>
+    </p:extLst>
+  </p:cSld>
+  <p:clrMapOvr>
+    <a:masterClrMapping/>
+  </p:clrMapOvr>
+</p:sld>
+</file>
+
+<file path=ppt/slides/slide13.xml><?xml version="1.0" encoding="utf-8"?>
+<p:sld xmlns:a="http://schemas.openxmlformats.org/drawingml/2006/main" xmlns:r="http://schemas.openxmlformats.org/officeDocument/2006/relationships" xmlns:p="http://schemas.openxmlformats.org/presentationml/2006/main">
+  <p:cSld>
+    <p:spTree>
+      <p:nvGrpSpPr>
+        <p:cNvPr id="1" name=""/>
+        <p:cNvGrpSpPr/>
+        <p:nvPr/>
+      </p:nvGrpSpPr>
+      <p:grpSpPr>
+        <a:xfrm>
+          <a:off x="0" y="0"/>
+          <a:ext cx="0" cy="0"/>
+          <a:chOff x="0" y="0"/>
+          <a:chExt cx="0" cy="0"/>
+        </a:xfrm>
+      </p:grpSpPr>
+      <p:sp>
+        <p:nvSpPr>
           <p:cNvPr id="2" name="ZoneTexte 1"/>
           <p:cNvSpPr txBox="1"/>
           <p:nvPr/>
@@ -21913,10 +22495,10 @@
           <a:lstStyle/>
           <a:p>
             <a:fld id="{C992E66A-41E9-4F30-B3C8-2FF86DC5BC5A}" type="slidenum">
-              <a:rPr lang="fr-FR" smtClean="0"/>
-              <a:t>10</a:t>
+              <a:rPr lang="fr-FR" sz="2000" smtClean="0"/>
+              <a:t>13</a:t>
             </a:fld>
-            <a:endParaRPr lang="fr-FR"/>
+            <a:endParaRPr lang="fr-FR" sz="2000" dirty="0"/>
           </a:p>
         </p:txBody>
       </p:sp>
@@ -21942,14 +22524,86 @@
         </p:blipFill>
         <p:spPr>
           <a:xfrm>
-            <a:off x="5580062" y="421555"/>
-            <a:ext cx="5553075" cy="5715000"/>
+            <a:off x="8609244" y="3539067"/>
+            <a:ext cx="2523893" cy="2597488"/>
           </a:xfrm>
           <a:prstGeom prst="rect">
             <a:avLst/>
           </a:prstGeom>
         </p:spPr>
       </p:pic>
+      <p:sp>
+        <p:nvSpPr>
+          <p:cNvPr id="5" name="ZoneTexte 4"/>
+          <p:cNvSpPr txBox="1"/>
+          <p:nvPr/>
+        </p:nvSpPr>
+        <p:spPr>
+          <a:xfrm>
+            <a:off x="5858934" y="956733"/>
+            <a:ext cx="4411133" cy="1477328"/>
+          </a:xfrm>
+          <a:prstGeom prst="rect">
+            <a:avLst/>
+          </a:prstGeom>
+          <a:noFill/>
+        </p:spPr>
+        <p:txBody>
+          <a:bodyPr wrap="square" rtlCol="0">
+            <a:spAutoFit/>
+          </a:bodyPr>
+          <a:lstStyle/>
+          <a:p>
+            <a:r>
+              <a:rPr lang="fr-FR" i="1" dirty="0" smtClean="0"/>
+              <a:t>V Front End</a:t>
+            </a:r>
+          </a:p>
+          <a:p>
+            <a:endParaRPr lang="fr-FR" dirty="0"/>
+          </a:p>
+          <a:p>
+            <a:r>
+              <a:rPr lang="fr-FR" dirty="0" smtClean="0"/>
+              <a:t>	</a:t>
+            </a:r>
+            <a:r>
+              <a:rPr lang="fr-FR" i="1" dirty="0" smtClean="0"/>
+              <a:t>A Maquettage </a:t>
+            </a:r>
+          </a:p>
+          <a:p>
+            <a:r>
+              <a:rPr lang="fr-FR" dirty="0"/>
+              <a:t>	</a:t>
+            </a:r>
+            <a:r>
+              <a:rPr lang="fr-FR" dirty="0" smtClean="0"/>
+              <a:t>B HTML </a:t>
+            </a:r>
+            <a:r>
+              <a:rPr lang="fr-FR" dirty="0"/>
+              <a:t>et CSS</a:t>
+            </a:r>
+            <a:endParaRPr lang="fr-FR" dirty="0" smtClean="0"/>
+          </a:p>
+          <a:p>
+            <a:r>
+              <a:rPr lang="fr-FR" dirty="0"/>
+              <a:t>	</a:t>
+            </a:r>
+            <a:r>
+              <a:rPr lang="fr-FR" dirty="0" smtClean="0"/>
+              <a:t>C </a:t>
+            </a:r>
+            <a:r>
+              <a:rPr lang="fr-FR" dirty="0" err="1" smtClean="0"/>
+              <a:t>Javascript</a:t>
+            </a:r>
+            <a:endParaRPr lang="fr-FR" dirty="0"/>
+          </a:p>
+        </p:txBody>
+      </p:sp>
     </p:spTree>
     <p:extLst>
       <p:ext uri="{BB962C8B-B14F-4D97-AF65-F5344CB8AC3E}">
@@ -21970,7 +22624,7 @@
 </p:sld>
 </file>
 
-<file path=ppt/slides/slide11.xml><?xml version="1.0" encoding="utf-8"?>
+<file path=ppt/slides/slide14.xml><?xml version="1.0" encoding="utf-8"?>
 <p:sld xmlns:a="http://schemas.openxmlformats.org/drawingml/2006/main" xmlns:r="http://schemas.openxmlformats.org/officeDocument/2006/relationships" xmlns:p="http://schemas.openxmlformats.org/presentationml/2006/main">
   <p:cSld>
     <p:spTree>
@@ -22027,10 +22681,10 @@
           <a:lstStyle/>
           <a:p>
             <a:fld id="{C992E66A-41E9-4F30-B3C8-2FF86DC5BC5A}" type="slidenum">
-              <a:rPr lang="fr-FR" smtClean="0"/>
-              <a:t>11</a:t>
+              <a:rPr lang="fr-FR" sz="2000" smtClean="0"/>
+              <a:t>14</a:t>
             </a:fld>
-            <a:endParaRPr lang="fr-FR"/>
+            <a:endParaRPr lang="fr-FR" sz="2000" dirty="0"/>
           </a:p>
         </p:txBody>
       </p:sp>
@@ -22057,7 +22711,11 @@
           <a:p>
             <a:r>
               <a:rPr lang="fr-FR" dirty="0" smtClean="0"/>
-              <a:t>III Conception </a:t>
+              <a:t>IV </a:t>
+            </a:r>
+            <a:r>
+              <a:rPr lang="fr-FR" dirty="0" smtClean="0"/>
+              <a:t>Conception </a:t>
             </a:r>
           </a:p>
           <a:p>
@@ -22088,7 +22746,7 @@
 </p:sld>
 </file>
 
-<file path=ppt/slides/slide12.xml><?xml version="1.0" encoding="utf-8"?>
+<file path=ppt/slides/slide15.xml><?xml version="1.0" encoding="utf-8"?>
 <p:sld xmlns:a="http://schemas.openxmlformats.org/drawingml/2006/main" xmlns:r="http://schemas.openxmlformats.org/officeDocument/2006/relationships" xmlns:p="http://schemas.openxmlformats.org/presentationml/2006/main">
   <p:cSld>
     <p:spTree>
@@ -22121,10 +22779,10 @@
           <a:lstStyle/>
           <a:p>
             <a:fld id="{C992E66A-41E9-4F30-B3C8-2FF86DC5BC5A}" type="slidenum">
-              <a:rPr lang="fr-FR" smtClean="0"/>
-              <a:t>12</a:t>
+              <a:rPr lang="fr-FR" sz="2000" smtClean="0"/>
+              <a:t>15</a:t>
             </a:fld>
-            <a:endParaRPr lang="fr-FR"/>
+            <a:endParaRPr lang="fr-FR" sz="2000" dirty="0"/>
           </a:p>
         </p:txBody>
       </p:sp>
@@ -22151,7 +22809,11 @@
           <a:p>
             <a:r>
               <a:rPr lang="fr-FR" dirty="0" smtClean="0"/>
-              <a:t>III Conception </a:t>
+              <a:t>IV </a:t>
+            </a:r>
+            <a:r>
+              <a:rPr lang="fr-FR" dirty="0" smtClean="0"/>
+              <a:t>Conception </a:t>
             </a:r>
           </a:p>
           <a:p>
@@ -22231,7 +22893,7 @@
 </p:sld>
 </file>
 
-<file path=ppt/slides/slide13.xml><?xml version="1.0" encoding="utf-8"?>
+<file path=ppt/slides/slide16.xml><?xml version="1.0" encoding="utf-8"?>
 <p:sld xmlns:a="http://schemas.openxmlformats.org/drawingml/2006/main" xmlns:r="http://schemas.openxmlformats.org/officeDocument/2006/relationships" xmlns:p="http://schemas.openxmlformats.org/presentationml/2006/main">
   <p:cSld>
     <p:spTree>
@@ -22294,10 +22956,10 @@
           <a:lstStyle/>
           <a:p>
             <a:fld id="{C992E66A-41E9-4F30-B3C8-2FF86DC5BC5A}" type="slidenum">
-              <a:rPr lang="fr-FR" smtClean="0"/>
-              <a:t>13</a:t>
+              <a:rPr lang="fr-FR" sz="2000" smtClean="0"/>
+              <a:t>16</a:t>
             </a:fld>
-            <a:endParaRPr lang="fr-FR"/>
+            <a:endParaRPr lang="fr-FR" sz="2000" dirty="0"/>
           </a:p>
         </p:txBody>
       </p:sp>
@@ -22324,7 +22986,11 @@
           <a:p>
             <a:r>
               <a:rPr lang="fr-FR" dirty="0" smtClean="0"/>
-              <a:t>III Conception </a:t>
+              <a:t>IV </a:t>
+            </a:r>
+            <a:r>
+              <a:rPr lang="fr-FR" dirty="0" smtClean="0"/>
+              <a:t>Conception </a:t>
             </a:r>
           </a:p>
           <a:p>
@@ -22355,7 +23021,7 @@
 </p:sld>
 </file>
 
-<file path=ppt/slides/slide14.xml><?xml version="1.0" encoding="utf-8"?>
+<file path=ppt/slides/slide17.xml><?xml version="1.0" encoding="utf-8"?>
 <p:sld xmlns:a="http://schemas.openxmlformats.org/drawingml/2006/main" xmlns:r="http://schemas.openxmlformats.org/officeDocument/2006/relationships" xmlns:p="http://schemas.openxmlformats.org/presentationml/2006/main">
   <p:cSld>
     <p:spTree>
@@ -22388,10 +23054,10 @@
           <a:lstStyle/>
           <a:p>
             <a:fld id="{C992E66A-41E9-4F30-B3C8-2FF86DC5BC5A}" type="slidenum">
-              <a:rPr lang="fr-FR" smtClean="0"/>
-              <a:t>14</a:t>
+              <a:rPr lang="fr-FR" sz="2000" smtClean="0"/>
+              <a:t>17</a:t>
             </a:fld>
-            <a:endParaRPr lang="fr-FR"/>
+            <a:endParaRPr lang="fr-FR" sz="2000" dirty="0"/>
           </a:p>
         </p:txBody>
       </p:sp>
@@ -22418,7 +23084,11 @@
           <a:p>
             <a:r>
               <a:rPr lang="fr-FR" dirty="0" smtClean="0"/>
-              <a:t>III Conception </a:t>
+              <a:t>IV </a:t>
+            </a:r>
+            <a:r>
+              <a:rPr lang="fr-FR" dirty="0" smtClean="0"/>
+              <a:t>Conception </a:t>
             </a:r>
           </a:p>
           <a:p>
@@ -22466,7 +23136,7 @@
 </p:sld>
 </file>
 
-<file path=ppt/slides/slide15.xml><?xml version="1.0" encoding="utf-8"?>
+<file path=ppt/slides/slide18.xml><?xml version="1.0" encoding="utf-8"?>
 <p:sld xmlns:a="http://schemas.openxmlformats.org/drawingml/2006/main" xmlns:r="http://schemas.openxmlformats.org/officeDocument/2006/relationships" xmlns:p="http://schemas.openxmlformats.org/presentationml/2006/main">
   <p:cSld>
     <p:spTree>
@@ -22714,10 +23384,10 @@
           <a:lstStyle/>
           <a:p>
             <a:fld id="{C992E66A-41E9-4F30-B3C8-2FF86DC5BC5A}" type="slidenum">
-              <a:rPr lang="fr-FR" smtClean="0"/>
-              <a:t>15</a:t>
+              <a:rPr lang="fr-FR" sz="2000" smtClean="0"/>
+              <a:t>18</a:t>
             </a:fld>
-            <a:endParaRPr lang="fr-FR"/>
+            <a:endParaRPr lang="fr-FR" sz="2000" dirty="0"/>
           </a:p>
         </p:txBody>
       </p:sp>
@@ -22730,7 +23400,7 @@
           <p:nvPr/>
         </p:nvPicPr>
         <p:blipFill>
-          <a:blip r:embed="rId2">
+          <a:blip r:embed="rId2" cstate="print">
             <a:extLst>
               <a:ext uri="{28A0092B-C50C-407E-A947-70E740481C1C}">
                 <a14:useLocalDpi xmlns:a14="http://schemas.microsoft.com/office/drawing/2010/main" val="0"/>
@@ -22743,14 +23413,86 @@
         </p:blipFill>
         <p:spPr>
           <a:xfrm>
-            <a:off x="5580062" y="421555"/>
-            <a:ext cx="5553075" cy="5715000"/>
+            <a:off x="8995903" y="3936999"/>
+            <a:ext cx="2137234" cy="2199555"/>
           </a:xfrm>
           <a:prstGeom prst="rect">
             <a:avLst/>
           </a:prstGeom>
         </p:spPr>
       </p:pic>
+      <p:sp>
+        <p:nvSpPr>
+          <p:cNvPr id="5" name="ZoneTexte 4"/>
+          <p:cNvSpPr txBox="1"/>
+          <p:nvPr/>
+        </p:nvSpPr>
+        <p:spPr>
+          <a:xfrm>
+            <a:off x="5858934" y="956733"/>
+            <a:ext cx="4411133" cy="1477328"/>
+          </a:xfrm>
+          <a:prstGeom prst="rect">
+            <a:avLst/>
+          </a:prstGeom>
+          <a:noFill/>
+        </p:spPr>
+        <p:txBody>
+          <a:bodyPr wrap="square" rtlCol="0">
+            <a:spAutoFit/>
+          </a:bodyPr>
+          <a:lstStyle/>
+          <a:p>
+            <a:r>
+              <a:rPr lang="fr-FR" i="1" dirty="0" smtClean="0"/>
+              <a:t>V Front End</a:t>
+            </a:r>
+          </a:p>
+          <a:p>
+            <a:endParaRPr lang="fr-FR" dirty="0"/>
+          </a:p>
+          <a:p>
+            <a:r>
+              <a:rPr lang="fr-FR" dirty="0" smtClean="0"/>
+              <a:t>	</a:t>
+            </a:r>
+            <a:r>
+              <a:rPr lang="fr-FR" i="1" dirty="0" smtClean="0"/>
+              <a:t>A Maquettage </a:t>
+            </a:r>
+          </a:p>
+          <a:p>
+            <a:r>
+              <a:rPr lang="fr-FR" dirty="0"/>
+              <a:t>	</a:t>
+            </a:r>
+            <a:r>
+              <a:rPr lang="fr-FR" dirty="0" smtClean="0"/>
+              <a:t>B HTML </a:t>
+            </a:r>
+            <a:r>
+              <a:rPr lang="fr-FR" dirty="0"/>
+              <a:t>et CSS</a:t>
+            </a:r>
+            <a:endParaRPr lang="fr-FR" dirty="0" smtClean="0"/>
+          </a:p>
+          <a:p>
+            <a:r>
+              <a:rPr lang="fr-FR" dirty="0"/>
+              <a:t>	</a:t>
+            </a:r>
+            <a:r>
+              <a:rPr lang="fr-FR" dirty="0" smtClean="0"/>
+              <a:t>C </a:t>
+            </a:r>
+            <a:r>
+              <a:rPr lang="fr-FR" dirty="0" err="1" smtClean="0"/>
+              <a:t>Javascript</a:t>
+            </a:r>
+            <a:endParaRPr lang="fr-FR" dirty="0"/>
+          </a:p>
+        </p:txBody>
+      </p:sp>
     </p:spTree>
     <p:extLst>
       <p:ext uri="{BB962C8B-B14F-4D97-AF65-F5344CB8AC3E}">
@@ -22771,7 +23513,7 @@
 </p:sld>
 </file>
 
-<file path=ppt/slides/slide16.xml><?xml version="1.0" encoding="utf-8"?>
+<file path=ppt/slides/slide19.xml><?xml version="1.0" encoding="utf-8"?>
 <p:sld xmlns:a="http://schemas.openxmlformats.org/drawingml/2006/main" xmlns:r="http://schemas.openxmlformats.org/officeDocument/2006/relationships" xmlns:p="http://schemas.openxmlformats.org/presentationml/2006/main">
   <p:cSld>
     <p:spTree>
@@ -22788,30 +23530,6 @@
           <a:chExt cx="0" cy="0"/>
         </a:xfrm>
       </p:grpSpPr>
-      <p:pic>
-        <p:nvPicPr>
-          <p:cNvPr id="2" name="Image 1"/>
-          <p:cNvPicPr>
-            <a:picLocks noChangeAspect="1"/>
-          </p:cNvPicPr>
-          <p:nvPr/>
-        </p:nvPicPr>
-        <p:blipFill>
-          <a:blip r:embed="rId2"/>
-          <a:stretch>
-            <a:fillRect/>
-          </a:stretch>
-        </p:blipFill>
-        <p:spPr>
-          <a:xfrm>
-            <a:off x="3028950" y="1204912"/>
-            <a:ext cx="6134100" cy="4448175"/>
-          </a:xfrm>
-          <a:prstGeom prst="rect">
-            <a:avLst/>
-          </a:prstGeom>
-        </p:spPr>
-      </p:pic>
       <p:sp>
         <p:nvSpPr>
           <p:cNvPr id="3" name="Espace réservé du numéro de diapositive 2"/>
@@ -22828,10 +23546,10 @@
           <a:lstStyle/>
           <a:p>
             <a:fld id="{C992E66A-41E9-4F30-B3C8-2FF86DC5BC5A}" type="slidenum">
-              <a:rPr lang="fr-FR" smtClean="0"/>
-              <a:t>16</a:t>
+              <a:rPr lang="fr-FR" sz="2000" smtClean="0"/>
+              <a:t>19</a:t>
             </a:fld>
-            <a:endParaRPr lang="fr-FR"/>
+            <a:endParaRPr lang="fr-FR" sz="2000" dirty="0"/>
           </a:p>
         </p:txBody>
       </p:sp>
@@ -22858,17 +23576,74 @@
           <a:p>
             <a:r>
               <a:rPr lang="fr-FR" dirty="0" smtClean="0"/>
-              <a:t>III Conception </a:t>
-            </a:r>
+              <a:t>IV Conception </a:t>
+            </a:r>
+            <a:endParaRPr lang="fr-FR" dirty="0" smtClean="0"/>
           </a:p>
           <a:p>
             <a:r>
               <a:rPr lang="fr-FR" dirty="0" smtClean="0"/>
-              <a:t>	 D SQL</a:t>
+              <a:t>	 </a:t>
+            </a:r>
+            <a:r>
+              <a:rPr lang="fr-FR" dirty="0" smtClean="0"/>
+              <a:t>B </a:t>
+            </a:r>
+            <a:r>
+              <a:rPr lang="fr-FR" dirty="0" smtClean="0"/>
+              <a:t>SQL</a:t>
             </a:r>
           </a:p>
         </p:txBody>
       </p:sp>
+      <p:pic>
+        <p:nvPicPr>
+          <p:cNvPr id="5" name="Image 4"/>
+          <p:cNvPicPr>
+            <a:picLocks noChangeAspect="1"/>
+          </p:cNvPicPr>
+          <p:nvPr/>
+        </p:nvPicPr>
+        <p:blipFill>
+          <a:blip r:embed="rId2"/>
+          <a:stretch>
+            <a:fillRect/>
+          </a:stretch>
+        </p:blipFill>
+        <p:spPr>
+          <a:xfrm>
+            <a:off x="463549" y="1017058"/>
+            <a:ext cx="5701581" cy="3002160"/>
+          </a:xfrm>
+          <a:prstGeom prst="rect">
+            <a:avLst/>
+          </a:prstGeom>
+        </p:spPr>
+      </p:pic>
+      <p:pic>
+        <p:nvPicPr>
+          <p:cNvPr id="6" name="Image 5"/>
+          <p:cNvPicPr>
+            <a:picLocks noChangeAspect="1"/>
+          </p:cNvPicPr>
+          <p:nvPr/>
+        </p:nvPicPr>
+        <p:blipFill>
+          <a:blip r:embed="rId3"/>
+          <a:stretch>
+            <a:fillRect/>
+          </a:stretch>
+        </p:blipFill>
+        <p:spPr>
+          <a:xfrm>
+            <a:off x="5279682" y="3827283"/>
+            <a:ext cx="6844586" cy="1938950"/>
+          </a:xfrm>
+          <a:prstGeom prst="rect">
+            <a:avLst/>
+          </a:prstGeom>
+        </p:spPr>
+      </p:pic>
     </p:spTree>
     <p:extLst>
       <p:ext uri="{BB962C8B-B14F-4D97-AF65-F5344CB8AC3E}">
@@ -22889,7 +23664,7 @@
 </p:sld>
 </file>
 
-<file path=ppt/slides/slide17.xml><?xml version="1.0" encoding="utf-8"?>
+<file path=ppt/slides/slide2.xml><?xml version="1.0" encoding="utf-8"?>
 <p:sld xmlns:a="http://schemas.openxmlformats.org/drawingml/2006/main" xmlns:r="http://schemas.openxmlformats.org/officeDocument/2006/relationships" xmlns:p="http://schemas.openxmlformats.org/presentationml/2006/main">
   <p:cSld>
     <p:spTree>
@@ -22906,30 +23681,156 @@
           <a:chExt cx="0" cy="0"/>
         </a:xfrm>
       </p:grpSpPr>
-      <p:pic>
-        <p:nvPicPr>
-          <p:cNvPr id="2" name="Image 1"/>
-          <p:cNvPicPr>
-            <a:picLocks noChangeAspect="1"/>
-          </p:cNvPicPr>
+      <p:sp>
+        <p:nvSpPr>
+          <p:cNvPr id="2" name="ZoneTexte 1"/>
+          <p:cNvSpPr txBox="1"/>
           <p:nvPr/>
-        </p:nvPicPr>
-        <p:blipFill>
-          <a:blip r:embed="rId2"/>
-          <a:stretch>
-            <a:fillRect/>
-          </a:stretch>
-        </p:blipFill>
+        </p:nvSpPr>
         <p:spPr>
           <a:xfrm>
-            <a:off x="3133725" y="314325"/>
-            <a:ext cx="5924550" cy="6229350"/>
+            <a:off x="927100" y="607233"/>
+            <a:ext cx="4025900" cy="4801314"/>
           </a:xfrm>
           <a:prstGeom prst="rect">
             <a:avLst/>
           </a:prstGeom>
+          <a:noFill/>
         </p:spPr>
-      </p:pic>
+        <p:txBody>
+          <a:bodyPr wrap="square" rtlCol="0">
+            <a:spAutoFit/>
+          </a:bodyPr>
+          <a:lstStyle/>
+          <a:p>
+            <a:endParaRPr lang="fr-FR" dirty="0" smtClean="0">
+              <a:latin typeface="Calibri" panose="020F0502020204030204" pitchFamily="34" charset="0"/>
+            </a:endParaRPr>
+          </a:p>
+          <a:p>
+            <a:endParaRPr lang="fr-FR" dirty="0" smtClean="0">
+              <a:latin typeface="Calibri" panose="020F0502020204030204" pitchFamily="34" charset="0"/>
+            </a:endParaRPr>
+          </a:p>
+          <a:p>
+            <a:endParaRPr lang="fr-FR" dirty="0">
+              <a:latin typeface="Calibri" panose="020F0502020204030204" pitchFamily="34" charset="0"/>
+            </a:endParaRPr>
+          </a:p>
+          <a:p>
+            <a:endParaRPr lang="fr-FR" dirty="0" smtClean="0">
+              <a:latin typeface="Calibri" panose="020F0502020204030204" pitchFamily="34" charset="0"/>
+            </a:endParaRPr>
+          </a:p>
+          <a:p>
+            <a:r>
+              <a:rPr lang="fr-FR" dirty="0" smtClean="0">
+                <a:latin typeface="Calibri" panose="020F0502020204030204" pitchFamily="34" charset="0"/>
+              </a:rPr>
+              <a:t>I </a:t>
+            </a:r>
+            <a:r>
+              <a:rPr lang="fr-FR" dirty="0" smtClean="0">
+                <a:latin typeface="Calibri" panose="020F0502020204030204" pitchFamily="34" charset="0"/>
+              </a:rPr>
+              <a:t>Présentation du projet </a:t>
+            </a:r>
+          </a:p>
+          <a:p>
+            <a:endParaRPr lang="fr-FR" dirty="0" smtClean="0">
+              <a:latin typeface="Calibri" panose="020F0502020204030204" pitchFamily="34" charset="0"/>
+            </a:endParaRPr>
+          </a:p>
+          <a:p>
+            <a:endParaRPr lang="fr-FR" dirty="0">
+              <a:latin typeface="Calibri" panose="020F0502020204030204" pitchFamily="34" charset="0"/>
+            </a:endParaRPr>
+          </a:p>
+          <a:p>
+            <a:endParaRPr lang="fr-FR" dirty="0">
+              <a:latin typeface="Calibri" panose="020F0502020204030204" pitchFamily="34" charset="0"/>
+            </a:endParaRPr>
+          </a:p>
+          <a:p>
+            <a:r>
+              <a:rPr lang="fr-FR" dirty="0" smtClean="0">
+                <a:latin typeface="Calibri" panose="020F0502020204030204" pitchFamily="34" charset="0"/>
+              </a:rPr>
+              <a:t>II Cahier des charges</a:t>
+            </a:r>
+          </a:p>
+          <a:p>
+            <a:endParaRPr lang="fr-FR" dirty="0" smtClean="0">
+              <a:latin typeface="Calibri" panose="020F0502020204030204" pitchFamily="34" charset="0"/>
+            </a:endParaRPr>
+          </a:p>
+          <a:p>
+            <a:endParaRPr lang="fr-FR" dirty="0">
+              <a:latin typeface="Calibri" panose="020F0502020204030204" pitchFamily="34" charset="0"/>
+            </a:endParaRPr>
+          </a:p>
+          <a:p>
+            <a:endParaRPr lang="fr-FR" dirty="0" smtClean="0">
+              <a:latin typeface="Calibri" panose="020F0502020204030204" pitchFamily="34" charset="0"/>
+            </a:endParaRPr>
+          </a:p>
+          <a:p>
+            <a:endParaRPr lang="fr-FR" dirty="0" smtClean="0">
+              <a:latin typeface="Calibri" panose="020F0502020204030204" pitchFamily="34" charset="0"/>
+            </a:endParaRPr>
+          </a:p>
+          <a:p>
+            <a:r>
+              <a:rPr lang="fr-FR" dirty="0" smtClean="0">
+                <a:latin typeface="Calibri" panose="020F0502020204030204" pitchFamily="34" charset="0"/>
+              </a:rPr>
+              <a:t>III Analyse </a:t>
+            </a:r>
+            <a:r>
+              <a:rPr lang="fr-FR" dirty="0" smtClean="0">
+                <a:latin typeface="Calibri" panose="020F0502020204030204" pitchFamily="34" charset="0"/>
+              </a:rPr>
+              <a:t>fonctionnelle</a:t>
+            </a:r>
+          </a:p>
+          <a:p>
+            <a:endParaRPr lang="fr-FR" dirty="0" smtClean="0">
+              <a:latin typeface="Calibri" panose="020F0502020204030204" pitchFamily="34" charset="0"/>
+            </a:endParaRPr>
+          </a:p>
+          <a:p>
+            <a:r>
+              <a:rPr lang="fr-FR" dirty="0" smtClean="0">
+                <a:latin typeface="Calibri" panose="020F0502020204030204" pitchFamily="34" charset="0"/>
+              </a:rPr>
+              <a:t>	A </a:t>
+            </a:r>
+            <a:r>
+              <a:rPr lang="fr-FR" dirty="0">
+                <a:latin typeface="Calibri" panose="020F0502020204030204" pitchFamily="34" charset="0"/>
+              </a:rPr>
+              <a:t>Cas d’utilisation</a:t>
+            </a:r>
+          </a:p>
+          <a:p>
+            <a:r>
+              <a:rPr lang="fr-FR" dirty="0">
+                <a:latin typeface="Calibri" panose="020F0502020204030204" pitchFamily="34" charset="0"/>
+              </a:rPr>
+              <a:t>	B </a:t>
+            </a:r>
+            <a:r>
+              <a:rPr lang="fr-FR" dirty="0" smtClean="0">
+                <a:latin typeface="Calibri" panose="020F0502020204030204" pitchFamily="34" charset="0"/>
+              </a:rPr>
+              <a:t>Diagrammes</a:t>
+            </a:r>
+            <a:endParaRPr lang="fr-FR" dirty="0">
+              <a:latin typeface="Calibri" panose="020F0502020204030204" pitchFamily="34" charset="0"/>
+            </a:endParaRPr>
+          </a:p>
+        </p:txBody>
+      </p:sp>
       <p:sp>
         <p:nvSpPr>
           <p:cNvPr id="3" name="Espace réservé du numéro de diapositive 2"/>
@@ -22946,10 +23847,271 @@
           <a:lstStyle/>
           <a:p>
             <a:fld id="{C992E66A-41E9-4F30-B3C8-2FF86DC5BC5A}" type="slidenum">
-              <a:rPr lang="fr-FR" smtClean="0"/>
-              <a:t>17</a:t>
+              <a:rPr lang="fr-FR" sz="2000" smtClean="0"/>
+              <a:t>2</a:t>
             </a:fld>
-            <a:endParaRPr lang="fr-FR"/>
+            <a:endParaRPr lang="fr-FR" sz="2000" dirty="0"/>
+          </a:p>
+        </p:txBody>
+      </p:sp>
+      <p:pic>
+        <p:nvPicPr>
+          <p:cNvPr id="4" name="Image 3"/>
+          <p:cNvPicPr>
+            <a:picLocks noChangeAspect="1"/>
+          </p:cNvPicPr>
+          <p:nvPr/>
+        </p:nvPicPr>
+        <p:blipFill>
+          <a:blip r:embed="rId2" cstate="print">
+            <a:extLst>
+              <a:ext uri="{28A0092B-C50C-407E-A947-70E740481C1C}">
+                <a14:useLocalDpi xmlns:a14="http://schemas.microsoft.com/office/drawing/2010/main" val="0"/>
+              </a:ext>
+            </a:extLst>
+          </a:blip>
+          <a:stretch>
+            <a:fillRect/>
+          </a:stretch>
+        </p:blipFill>
+        <p:spPr>
+          <a:xfrm>
+            <a:off x="9627129" y="4223152"/>
+            <a:ext cx="2183871" cy="2247552"/>
+          </a:xfrm>
+          <a:prstGeom prst="rect">
+            <a:avLst/>
+          </a:prstGeom>
+        </p:spPr>
+      </p:pic>
+      <p:sp>
+        <p:nvSpPr>
+          <p:cNvPr id="5" name="ZoneTexte 4"/>
+          <p:cNvSpPr txBox="1"/>
+          <p:nvPr/>
+        </p:nvSpPr>
+        <p:spPr>
+          <a:xfrm>
+            <a:off x="5084498" y="4136488"/>
+            <a:ext cx="4411133" cy="1477328"/>
+          </a:xfrm>
+          <a:prstGeom prst="rect">
+            <a:avLst/>
+          </a:prstGeom>
+          <a:noFill/>
+        </p:spPr>
+        <p:txBody>
+          <a:bodyPr wrap="square" rtlCol="0">
+            <a:spAutoFit/>
+          </a:bodyPr>
+          <a:lstStyle/>
+          <a:p>
+            <a:r>
+              <a:rPr lang="fr-FR" dirty="0" smtClean="0"/>
+              <a:t>V Front End</a:t>
+            </a:r>
+          </a:p>
+          <a:p>
+            <a:endParaRPr lang="fr-FR" dirty="0"/>
+          </a:p>
+          <a:p>
+            <a:r>
+              <a:rPr lang="fr-FR" dirty="0" smtClean="0"/>
+              <a:t>	A Maquettage </a:t>
+            </a:r>
+          </a:p>
+          <a:p>
+            <a:r>
+              <a:rPr lang="fr-FR" dirty="0"/>
+              <a:t>	</a:t>
+            </a:r>
+            <a:r>
+              <a:rPr lang="fr-FR" dirty="0" smtClean="0"/>
+              <a:t>B HTML </a:t>
+            </a:r>
+            <a:r>
+              <a:rPr lang="fr-FR" dirty="0"/>
+              <a:t>et CSS</a:t>
+            </a:r>
+            <a:endParaRPr lang="fr-FR" dirty="0" smtClean="0"/>
+          </a:p>
+          <a:p>
+            <a:r>
+              <a:rPr lang="fr-FR" dirty="0"/>
+              <a:t>	</a:t>
+            </a:r>
+            <a:r>
+              <a:rPr lang="fr-FR" dirty="0" smtClean="0"/>
+              <a:t>C </a:t>
+            </a:r>
+            <a:r>
+              <a:rPr lang="fr-FR" dirty="0" err="1" smtClean="0"/>
+              <a:t>Java-script</a:t>
+            </a:r>
+            <a:endParaRPr lang="fr-FR" dirty="0"/>
+          </a:p>
+        </p:txBody>
+      </p:sp>
+      <p:sp>
+        <p:nvSpPr>
+          <p:cNvPr id="6" name="Rectangle 5"/>
+          <p:cNvSpPr/>
+          <p:nvPr/>
+        </p:nvSpPr>
+        <p:spPr>
+          <a:xfrm>
+            <a:off x="4953001" y="1669819"/>
+            <a:ext cx="6096000" cy="1754326"/>
+          </a:xfrm>
+          <a:prstGeom prst="rect">
+            <a:avLst/>
+          </a:prstGeom>
+        </p:spPr>
+        <p:txBody>
+          <a:bodyPr>
+            <a:spAutoFit/>
+          </a:bodyPr>
+          <a:lstStyle/>
+          <a:p>
+            <a:r>
+              <a:rPr lang="fr-FR" dirty="0">
+                <a:latin typeface="Calibri" panose="020F0502020204030204" pitchFamily="34" charset="0"/>
+              </a:rPr>
+              <a:t>IV </a:t>
+            </a:r>
+            <a:r>
+              <a:rPr lang="fr-FR" dirty="0" smtClean="0">
+                <a:latin typeface="Calibri" panose="020F0502020204030204" pitchFamily="34" charset="0"/>
+              </a:rPr>
+              <a:t>Conception</a:t>
+            </a:r>
+          </a:p>
+          <a:p>
+            <a:endParaRPr lang="fr-FR" dirty="0">
+              <a:latin typeface="Calibri" panose="020F0502020204030204" pitchFamily="34" charset="0"/>
+            </a:endParaRPr>
+          </a:p>
+          <a:p>
+            <a:r>
+              <a:rPr lang="fr-FR" dirty="0">
+                <a:latin typeface="Calibri" panose="020F0502020204030204" pitchFamily="34" charset="0"/>
+              </a:rPr>
+              <a:t>	A MCD MLD		</a:t>
+            </a:r>
+          </a:p>
+          <a:p>
+            <a:r>
+              <a:rPr lang="fr-FR" dirty="0">
+                <a:latin typeface="Calibri" panose="020F0502020204030204" pitchFamily="34" charset="0"/>
+              </a:rPr>
+              <a:t>	B SQL </a:t>
+            </a:r>
+          </a:p>
+          <a:p>
+            <a:r>
+              <a:rPr lang="fr-FR" dirty="0">
+                <a:latin typeface="Calibri" panose="020F0502020204030204" pitchFamily="34" charset="0"/>
+              </a:rPr>
+              <a:t>	C Interaction avec la base de données	</a:t>
+            </a:r>
+            <a:endParaRPr lang="fr-FR" sz="1600" dirty="0">
+              <a:latin typeface="Calibri" panose="020F0502020204030204" pitchFamily="34" charset="0"/>
+            </a:endParaRPr>
+          </a:p>
+          <a:p>
+            <a:endParaRPr lang="fr-FR" dirty="0">
+              <a:latin typeface="Calibri" panose="020F0502020204030204" pitchFamily="34" charset="0"/>
+            </a:endParaRPr>
+          </a:p>
+        </p:txBody>
+      </p:sp>
+      <p:sp>
+        <p:nvSpPr>
+          <p:cNvPr id="7" name="Rectangle 6"/>
+          <p:cNvSpPr/>
+          <p:nvPr/>
+        </p:nvSpPr>
+        <p:spPr>
+          <a:xfrm>
+            <a:off x="4709311" y="607233"/>
+            <a:ext cx="1871025" cy="523220"/>
+          </a:xfrm>
+          <a:prstGeom prst="rect">
+            <a:avLst/>
+          </a:prstGeom>
+        </p:spPr>
+        <p:txBody>
+          <a:bodyPr wrap="none">
+            <a:spAutoFit/>
+          </a:bodyPr>
+          <a:lstStyle/>
+          <a:p>
+            <a:r>
+              <a:rPr lang="fr-FR" sz="2800" u="sng" dirty="0">
+                <a:latin typeface="Calibri" panose="020F0502020204030204" pitchFamily="34" charset="0"/>
+              </a:rPr>
+              <a:t>SOMMAIRE</a:t>
+            </a:r>
+          </a:p>
+        </p:txBody>
+      </p:sp>
+    </p:spTree>
+    <p:extLst>
+      <p:ext uri="{BB962C8B-B14F-4D97-AF65-F5344CB8AC3E}">
+        <p14:creationId xmlns:p14="http://schemas.microsoft.com/office/powerpoint/2010/main" val="4262326305"/>
+      </p:ext>
+    </p:extLst>
+  </p:cSld>
+  <p:clrMapOvr>
+    <a:masterClrMapping/>
+  </p:clrMapOvr>
+  <p:timing>
+    <p:tnLst>
+      <p:par>
+        <p:cTn id="1" dur="indefinite" restart="never" nodeType="tmRoot"/>
+      </p:par>
+    </p:tnLst>
+  </p:timing>
+</p:sld>
+</file>
+
+<file path=ppt/slides/slide20.xml><?xml version="1.0" encoding="utf-8"?>
+<p:sld xmlns:a="http://schemas.openxmlformats.org/drawingml/2006/main" xmlns:r="http://schemas.openxmlformats.org/officeDocument/2006/relationships" xmlns:p="http://schemas.openxmlformats.org/presentationml/2006/main">
+  <p:cSld>
+    <p:spTree>
+      <p:nvGrpSpPr>
+        <p:cNvPr id="1" name=""/>
+        <p:cNvGrpSpPr/>
+        <p:nvPr/>
+      </p:nvGrpSpPr>
+      <p:grpSpPr>
+        <a:xfrm>
+          <a:off x="0" y="0"/>
+          <a:ext cx="0" cy="0"/>
+          <a:chOff x="0" y="0"/>
+          <a:chExt cx="0" cy="0"/>
+        </a:xfrm>
+      </p:grpSpPr>
+      <p:sp>
+        <p:nvSpPr>
+          <p:cNvPr id="3" name="Espace réservé du numéro de diapositive 2"/>
+          <p:cNvSpPr>
+            <a:spLocks noGrp="1"/>
+          </p:cNvSpPr>
+          <p:nvPr>
+            <p:ph type="sldNum" sz="quarter" idx="12"/>
+          </p:nvPr>
+        </p:nvSpPr>
+        <p:spPr/>
+        <p:txBody>
+          <a:bodyPr/>
+          <a:lstStyle/>
+          <a:p>
+            <a:fld id="{C992E66A-41E9-4F30-B3C8-2FF86DC5BC5A}" type="slidenum">
+              <a:rPr lang="fr-FR" sz="2000" smtClean="0"/>
+              <a:t>20</a:t>
+            </a:fld>
+            <a:endParaRPr lang="fr-FR" sz="2000" dirty="0"/>
           </a:p>
         </p:txBody>
       </p:sp>
@@ -22976,20 +24138,53 @@
           <a:p>
             <a:r>
               <a:rPr lang="fr-FR" dirty="0" smtClean="0"/>
-              <a:t>III Conception </a:t>
-            </a:r>
-          </a:p>
-          <a:p>
+              <a:t>IV </a:t>
+            </a:r>
             <a:r>
               <a:rPr lang="fr-FR" dirty="0" smtClean="0"/>
-              <a:t>	 D SQL</a:t>
-            </a:r>
+              <a:t>Conception </a:t>
+            </a:r>
+          </a:p>
+          <a:p>
+            <a:r>
+              <a:rPr lang="fr-FR" dirty="0" smtClean="0"/>
+              <a:t>	</a:t>
+            </a:r>
+            <a:r>
+              <a:rPr lang="fr-FR" dirty="0" smtClean="0"/>
+              <a:t>B SQL</a:t>
+            </a:r>
+            <a:endParaRPr lang="fr-FR" dirty="0" smtClean="0"/>
           </a:p>
         </p:txBody>
       </p:sp>
       <p:pic>
         <p:nvPicPr>
           <p:cNvPr id="5" name="Image 4"/>
+          <p:cNvPicPr>
+            <a:picLocks noChangeAspect="1"/>
+          </p:cNvPicPr>
+          <p:nvPr/>
+        </p:nvPicPr>
+        <p:blipFill>
+          <a:blip r:embed="rId2"/>
+          <a:stretch>
+            <a:fillRect/>
+          </a:stretch>
+        </p:blipFill>
+        <p:spPr>
+          <a:xfrm>
+            <a:off x="8456082" y="1838227"/>
+            <a:ext cx="2870305" cy="1366265"/>
+          </a:xfrm>
+          <a:prstGeom prst="rect">
+            <a:avLst/>
+          </a:prstGeom>
+        </p:spPr>
+      </p:pic>
+      <p:pic>
+        <p:nvPicPr>
+          <p:cNvPr id="6" name="Image 5"/>
           <p:cNvPicPr>
             <a:picLocks noChangeAspect="1"/>
           </p:cNvPicPr>
@@ -23003,8 +24198,56 @@
         </p:blipFill>
         <p:spPr>
           <a:xfrm>
-            <a:off x="8942916" y="2029673"/>
-            <a:ext cx="2381250" cy="1133475"/>
+            <a:off x="6890536" y="3978111"/>
+            <a:ext cx="4408230" cy="1718974"/>
+          </a:xfrm>
+          <a:prstGeom prst="rect">
+            <a:avLst/>
+          </a:prstGeom>
+        </p:spPr>
+      </p:pic>
+      <p:pic>
+        <p:nvPicPr>
+          <p:cNvPr id="7" name="Image 6"/>
+          <p:cNvPicPr>
+            <a:picLocks noChangeAspect="1"/>
+          </p:cNvPicPr>
+          <p:nvPr/>
+        </p:nvPicPr>
+        <p:blipFill>
+          <a:blip r:embed="rId4"/>
+          <a:stretch>
+            <a:fillRect/>
+          </a:stretch>
+        </p:blipFill>
+        <p:spPr>
+          <a:xfrm>
+            <a:off x="904345" y="692382"/>
+            <a:ext cx="6156331" cy="3061527"/>
+          </a:xfrm>
+          <a:prstGeom prst="rect">
+            <a:avLst/>
+          </a:prstGeom>
+        </p:spPr>
+      </p:pic>
+      <p:pic>
+        <p:nvPicPr>
+          <p:cNvPr id="8" name="Image 7"/>
+          <p:cNvPicPr>
+            <a:picLocks noChangeAspect="1"/>
+          </p:cNvPicPr>
+          <p:nvPr/>
+        </p:nvPicPr>
+        <p:blipFill>
+          <a:blip r:embed="rId5"/>
+          <a:stretch>
+            <a:fillRect/>
+          </a:stretch>
+        </p:blipFill>
+        <p:spPr>
+          <a:xfrm>
+            <a:off x="1073056" y="3766835"/>
+            <a:ext cx="4261544" cy="2841029"/>
           </a:xfrm>
           <a:prstGeom prst="rect">
             <a:avLst/>
@@ -23031,7 +24274,390 @@
 </p:sld>
 </file>
 
-<file path=ppt/slides/slide18.xml><?xml version="1.0" encoding="utf-8"?>
+<file path=ppt/slides/slide21.xml><?xml version="1.0" encoding="utf-8"?>
+<p:sld xmlns:a="http://schemas.openxmlformats.org/drawingml/2006/main" xmlns:r="http://schemas.openxmlformats.org/officeDocument/2006/relationships" xmlns:p="http://schemas.openxmlformats.org/presentationml/2006/main">
+  <p:cSld>
+    <p:spTree>
+      <p:nvGrpSpPr>
+        <p:cNvPr id="1" name=""/>
+        <p:cNvGrpSpPr/>
+        <p:nvPr/>
+      </p:nvGrpSpPr>
+      <p:grpSpPr>
+        <a:xfrm>
+          <a:off x="0" y="0"/>
+          <a:ext cx="0" cy="0"/>
+          <a:chOff x="0" y="0"/>
+          <a:chExt cx="0" cy="0"/>
+        </a:xfrm>
+      </p:grpSpPr>
+      <p:sp>
+        <p:nvSpPr>
+          <p:cNvPr id="2" name="ZoneTexte 1"/>
+          <p:cNvSpPr txBox="1"/>
+          <p:nvPr/>
+        </p:nvSpPr>
+        <p:spPr>
+          <a:xfrm>
+            <a:off x="596901" y="421555"/>
+            <a:ext cx="4025900" cy="6186309"/>
+          </a:xfrm>
+          <a:prstGeom prst="rect">
+            <a:avLst/>
+          </a:prstGeom>
+          <a:noFill/>
+        </p:spPr>
+        <p:txBody>
+          <a:bodyPr wrap="square" rtlCol="0">
+            <a:spAutoFit/>
+          </a:bodyPr>
+          <a:lstStyle/>
+          <a:p>
+            <a:r>
+              <a:rPr lang="fr-FR" dirty="0" smtClean="0">
+                <a:latin typeface="Calibri" panose="020F0502020204030204" pitchFamily="34" charset="0"/>
+              </a:rPr>
+              <a:t>SOMMAIRE</a:t>
+            </a:r>
+          </a:p>
+          <a:p>
+            <a:endParaRPr lang="fr-FR" dirty="0">
+              <a:latin typeface="Calibri" panose="020F0502020204030204" pitchFamily="34" charset="0"/>
+            </a:endParaRPr>
+          </a:p>
+          <a:p>
+            <a:r>
+              <a:rPr lang="fr-FR" dirty="0" smtClean="0">
+                <a:latin typeface="Calibri" panose="020F0502020204030204" pitchFamily="34" charset="0"/>
+              </a:rPr>
+              <a:t>I Présentation du projet </a:t>
+            </a:r>
+          </a:p>
+          <a:p>
+            <a:endParaRPr lang="fr-FR" dirty="0">
+              <a:latin typeface="Calibri" panose="020F0502020204030204" pitchFamily="34" charset="0"/>
+            </a:endParaRPr>
+          </a:p>
+          <a:p>
+            <a:r>
+              <a:rPr lang="fr-FR" dirty="0" smtClean="0">
+                <a:latin typeface="Calibri" panose="020F0502020204030204" pitchFamily="34" charset="0"/>
+              </a:rPr>
+              <a:t>II Cahier des charges</a:t>
+            </a:r>
+          </a:p>
+          <a:p>
+            <a:endParaRPr lang="fr-FR" dirty="0" smtClean="0">
+              <a:latin typeface="Calibri" panose="020F0502020204030204" pitchFamily="34" charset="0"/>
+            </a:endParaRPr>
+          </a:p>
+          <a:p>
+            <a:r>
+              <a:rPr lang="fr-FR" dirty="0" smtClean="0">
+                <a:latin typeface="Calibri" panose="020F0502020204030204" pitchFamily="34" charset="0"/>
+              </a:rPr>
+              <a:t>III Analyse fonctionnelle</a:t>
+            </a:r>
+          </a:p>
+          <a:p>
+            <a:r>
+              <a:rPr lang="fr-FR" dirty="0" smtClean="0">
+                <a:latin typeface="Calibri" panose="020F0502020204030204" pitchFamily="34" charset="0"/>
+              </a:rPr>
+              <a:t>	A </a:t>
+            </a:r>
+            <a:r>
+              <a:rPr lang="fr-FR" dirty="0">
+                <a:latin typeface="Calibri" panose="020F0502020204030204" pitchFamily="34" charset="0"/>
+              </a:rPr>
+              <a:t>Cas d’utilisation</a:t>
+            </a:r>
+          </a:p>
+          <a:p>
+            <a:r>
+              <a:rPr lang="fr-FR" dirty="0">
+                <a:latin typeface="Calibri" panose="020F0502020204030204" pitchFamily="34" charset="0"/>
+              </a:rPr>
+              <a:t>	B Diagrammes</a:t>
+            </a:r>
+          </a:p>
+          <a:p>
+            <a:r>
+              <a:rPr lang="fr-FR" dirty="0">
+                <a:latin typeface="Calibri" panose="020F0502020204030204" pitchFamily="34" charset="0"/>
+              </a:rPr>
+              <a:t>		1) activité</a:t>
+            </a:r>
+          </a:p>
+          <a:p>
+            <a:r>
+              <a:rPr lang="fr-FR" dirty="0">
+                <a:latin typeface="Calibri" panose="020F0502020204030204" pitchFamily="34" charset="0"/>
+              </a:rPr>
+              <a:t>		2) séquence</a:t>
+            </a:r>
+          </a:p>
+          <a:p>
+            <a:r>
+              <a:rPr lang="fr-FR" dirty="0">
+                <a:latin typeface="Calibri" panose="020F0502020204030204" pitchFamily="34" charset="0"/>
+              </a:rPr>
+              <a:t>		3) de classe</a:t>
+            </a:r>
+          </a:p>
+          <a:p>
+            <a:r>
+              <a:rPr lang="fr-FR" dirty="0" smtClean="0">
+                <a:latin typeface="Calibri" panose="020F0502020204030204" pitchFamily="34" charset="0"/>
+              </a:rPr>
+              <a:t>IV Conception</a:t>
+            </a:r>
+          </a:p>
+          <a:p>
+            <a:r>
+              <a:rPr lang="fr-FR" dirty="0" smtClean="0">
+                <a:latin typeface="Calibri" panose="020F0502020204030204" pitchFamily="34" charset="0"/>
+              </a:rPr>
+              <a:t>	A </a:t>
+            </a:r>
+            <a:r>
+              <a:rPr lang="fr-FR" dirty="0">
+                <a:latin typeface="Calibri" panose="020F0502020204030204" pitchFamily="34" charset="0"/>
+              </a:rPr>
+              <a:t>MCD MLD</a:t>
+            </a:r>
+          </a:p>
+          <a:p>
+            <a:r>
+              <a:rPr lang="fr-FR" dirty="0">
+                <a:latin typeface="Calibri" panose="020F0502020204030204" pitchFamily="34" charset="0"/>
+              </a:rPr>
+              <a:t>		1) MCD </a:t>
+            </a:r>
+          </a:p>
+          <a:p>
+            <a:r>
+              <a:rPr lang="fr-FR" dirty="0">
+                <a:latin typeface="Calibri" panose="020F0502020204030204" pitchFamily="34" charset="0"/>
+              </a:rPr>
+              <a:t>		2) MLD</a:t>
+            </a:r>
+          </a:p>
+          <a:p>
+            <a:r>
+              <a:rPr lang="fr-FR" dirty="0">
+                <a:latin typeface="Calibri" panose="020F0502020204030204" pitchFamily="34" charset="0"/>
+              </a:rPr>
+              <a:t>	</a:t>
+            </a:r>
+            <a:r>
+              <a:rPr lang="fr-FR" i="1" dirty="0">
+                <a:latin typeface="Calibri" panose="020F0502020204030204" pitchFamily="34" charset="0"/>
+              </a:rPr>
+              <a:t>	</a:t>
+            </a:r>
+          </a:p>
+          <a:p>
+            <a:r>
+              <a:rPr lang="fr-FR" dirty="0">
+                <a:latin typeface="Calibri" panose="020F0502020204030204" pitchFamily="34" charset="0"/>
+              </a:rPr>
+              <a:t>	</a:t>
+            </a:r>
+            <a:r>
+              <a:rPr lang="fr-FR" dirty="0" smtClean="0">
+                <a:latin typeface="Calibri" panose="020F0502020204030204" pitchFamily="34" charset="0"/>
+              </a:rPr>
+              <a:t>B </a:t>
+            </a:r>
+            <a:r>
+              <a:rPr lang="fr-FR" dirty="0">
+                <a:latin typeface="Calibri" panose="020F0502020204030204" pitchFamily="34" charset="0"/>
+              </a:rPr>
+              <a:t>SQL </a:t>
+            </a:r>
+          </a:p>
+          <a:p>
+            <a:endParaRPr lang="fr-FR" dirty="0">
+              <a:latin typeface="Calibri" panose="020F0502020204030204" pitchFamily="34" charset="0"/>
+            </a:endParaRPr>
+          </a:p>
+          <a:p>
+            <a:r>
+              <a:rPr lang="fr-FR" dirty="0" smtClean="0">
+                <a:latin typeface="Calibri" panose="020F0502020204030204" pitchFamily="34" charset="0"/>
+              </a:rPr>
+              <a:t>	</a:t>
+            </a:r>
+            <a:r>
+              <a:rPr lang="fr-FR" i="1" dirty="0" smtClean="0">
+                <a:solidFill>
+                  <a:srgbClr val="FF0000"/>
+                </a:solidFill>
+                <a:latin typeface="Calibri" panose="020F0502020204030204" pitchFamily="34" charset="0"/>
+              </a:rPr>
+              <a:t>C Interaction avec la base de données	</a:t>
+            </a:r>
+            <a:endParaRPr lang="fr-FR" sz="1600" i="1" dirty="0">
+              <a:solidFill>
+                <a:srgbClr val="FF0000"/>
+              </a:solidFill>
+              <a:latin typeface="Calibri" panose="020F0502020204030204" pitchFamily="34" charset="0"/>
+            </a:endParaRPr>
+          </a:p>
+          <a:p>
+            <a:endParaRPr lang="fr-FR" dirty="0">
+              <a:latin typeface="Calibri" panose="020F0502020204030204" pitchFamily="34" charset="0"/>
+            </a:endParaRPr>
+          </a:p>
+        </p:txBody>
+      </p:sp>
+      <p:sp>
+        <p:nvSpPr>
+          <p:cNvPr id="3" name="Espace réservé du numéro de diapositive 2"/>
+          <p:cNvSpPr>
+            <a:spLocks noGrp="1"/>
+          </p:cNvSpPr>
+          <p:nvPr>
+            <p:ph type="sldNum" sz="quarter" idx="12"/>
+          </p:nvPr>
+        </p:nvSpPr>
+        <p:spPr/>
+        <p:txBody>
+          <a:bodyPr/>
+          <a:lstStyle/>
+          <a:p>
+            <a:fld id="{C992E66A-41E9-4F30-B3C8-2FF86DC5BC5A}" type="slidenum">
+              <a:rPr lang="fr-FR" sz="2000" smtClean="0"/>
+              <a:t>21</a:t>
+            </a:fld>
+            <a:endParaRPr lang="fr-FR" sz="2000" dirty="0"/>
+          </a:p>
+        </p:txBody>
+      </p:sp>
+      <p:pic>
+        <p:nvPicPr>
+          <p:cNvPr id="4" name="Image 3"/>
+          <p:cNvPicPr>
+            <a:picLocks noChangeAspect="1"/>
+          </p:cNvPicPr>
+          <p:nvPr/>
+        </p:nvPicPr>
+        <p:blipFill>
+          <a:blip r:embed="rId2" cstate="print">
+            <a:extLst>
+              <a:ext uri="{28A0092B-C50C-407E-A947-70E740481C1C}">
+                <a14:useLocalDpi xmlns:a14="http://schemas.microsoft.com/office/drawing/2010/main" val="0"/>
+              </a:ext>
+            </a:extLst>
+          </a:blip>
+          <a:stretch>
+            <a:fillRect/>
+          </a:stretch>
+        </p:blipFill>
+        <p:spPr>
+          <a:xfrm>
+            <a:off x="9737370" y="4182532"/>
+            <a:ext cx="2013833" cy="2072555"/>
+          </a:xfrm>
+          <a:prstGeom prst="rect">
+            <a:avLst/>
+          </a:prstGeom>
+        </p:spPr>
+      </p:pic>
+      <p:sp>
+        <p:nvSpPr>
+          <p:cNvPr id="5" name="ZoneTexte 4"/>
+          <p:cNvSpPr txBox="1"/>
+          <p:nvPr/>
+        </p:nvSpPr>
+        <p:spPr>
+          <a:xfrm>
+            <a:off x="5858934" y="956733"/>
+            <a:ext cx="4411133" cy="1477328"/>
+          </a:xfrm>
+          <a:prstGeom prst="rect">
+            <a:avLst/>
+          </a:prstGeom>
+          <a:noFill/>
+        </p:spPr>
+        <p:txBody>
+          <a:bodyPr wrap="square" rtlCol="0">
+            <a:spAutoFit/>
+          </a:bodyPr>
+          <a:lstStyle/>
+          <a:p>
+            <a:r>
+              <a:rPr lang="fr-FR" i="1" dirty="0" smtClean="0"/>
+              <a:t>V Front End</a:t>
+            </a:r>
+          </a:p>
+          <a:p>
+            <a:endParaRPr lang="fr-FR" dirty="0"/>
+          </a:p>
+          <a:p>
+            <a:r>
+              <a:rPr lang="fr-FR" dirty="0" smtClean="0"/>
+              <a:t>	</a:t>
+            </a:r>
+            <a:r>
+              <a:rPr lang="fr-FR" i="1" dirty="0" smtClean="0"/>
+              <a:t>A Maquettage </a:t>
+            </a:r>
+          </a:p>
+          <a:p>
+            <a:r>
+              <a:rPr lang="fr-FR" dirty="0"/>
+              <a:t>	</a:t>
+            </a:r>
+            <a:r>
+              <a:rPr lang="fr-FR" dirty="0" smtClean="0"/>
+              <a:t>B HTML </a:t>
+            </a:r>
+            <a:r>
+              <a:rPr lang="fr-FR" dirty="0"/>
+              <a:t>et CSS</a:t>
+            </a:r>
+            <a:endParaRPr lang="fr-FR" dirty="0" smtClean="0"/>
+          </a:p>
+          <a:p>
+            <a:r>
+              <a:rPr lang="fr-FR" dirty="0"/>
+              <a:t>	</a:t>
+            </a:r>
+            <a:r>
+              <a:rPr lang="fr-FR" dirty="0" smtClean="0"/>
+              <a:t>C </a:t>
+            </a:r>
+            <a:r>
+              <a:rPr lang="fr-FR" dirty="0" err="1" smtClean="0"/>
+              <a:t>Javascript</a:t>
+            </a:r>
+            <a:endParaRPr lang="fr-FR" dirty="0"/>
+          </a:p>
+        </p:txBody>
+      </p:sp>
+    </p:spTree>
+    <p:extLst>
+      <p:ext uri="{BB962C8B-B14F-4D97-AF65-F5344CB8AC3E}">
+        <p14:creationId xmlns:p14="http://schemas.microsoft.com/office/powerpoint/2010/main" val="1986039663"/>
+      </p:ext>
+    </p:extLst>
+  </p:cSld>
+  <p:clrMapOvr>
+    <a:masterClrMapping/>
+  </p:clrMapOvr>
+  <p:timing>
+    <p:tnLst>
+      <p:par>
+        <p:cTn id="1" dur="indefinite" restart="never" nodeType="tmRoot"/>
+      </p:par>
+    </p:tnLst>
+  </p:timing>
+</p:sld>
+</file>
+
+<file path=ppt/slides/slide22.xml><?xml version="1.0" encoding="utf-8"?>
 <p:sld xmlns:a="http://schemas.openxmlformats.org/drawingml/2006/main" xmlns:r="http://schemas.openxmlformats.org/officeDocument/2006/relationships" xmlns:p="http://schemas.openxmlformats.org/presentationml/2006/main">
   <p:cSld>
     <p:spTree>
@@ -23064,13 +24690,86 @@
           <a:lstStyle/>
           <a:p>
             <a:fld id="{C992E66A-41E9-4F30-B3C8-2FF86DC5BC5A}" type="slidenum">
-              <a:rPr lang="fr-FR" smtClean="0"/>
-              <a:t>18</a:t>
+              <a:rPr lang="fr-FR" sz="2000" smtClean="0"/>
+              <a:t>22</a:t>
             </a:fld>
-            <a:endParaRPr lang="fr-FR"/>
+            <a:endParaRPr lang="fr-FR" sz="2000" dirty="0"/>
           </a:p>
         </p:txBody>
       </p:sp>
+      <p:sp>
+        <p:nvSpPr>
+          <p:cNvPr id="3" name="Rectangle 2"/>
+          <p:cNvSpPr/>
+          <p:nvPr/>
+        </p:nvSpPr>
+        <p:spPr>
+          <a:xfrm>
+            <a:off x="155828" y="11742"/>
+            <a:ext cx="6096000" cy="646331"/>
+          </a:xfrm>
+          <a:prstGeom prst="rect">
+            <a:avLst/>
+          </a:prstGeom>
+        </p:spPr>
+        <p:txBody>
+          <a:bodyPr>
+            <a:spAutoFit/>
+          </a:bodyPr>
+          <a:lstStyle/>
+          <a:p>
+            <a:r>
+              <a:rPr lang="fr-FR" dirty="0" smtClean="0"/>
+              <a:t>IV </a:t>
+            </a:r>
+            <a:r>
+              <a:rPr lang="fr-FR" dirty="0" smtClean="0"/>
+              <a:t>Conception </a:t>
+            </a:r>
+          </a:p>
+          <a:p>
+            <a:r>
+              <a:rPr lang="fr-FR" dirty="0" smtClean="0"/>
+              <a:t>	</a:t>
+            </a:r>
+            <a:r>
+              <a:rPr lang="fr-FR" dirty="0" smtClean="0"/>
+              <a:t>C Interaction avec la base de données</a:t>
+            </a:r>
+            <a:endParaRPr lang="fr-FR" dirty="0" smtClean="0"/>
+          </a:p>
+        </p:txBody>
+      </p:sp>
+      <p:pic>
+        <p:nvPicPr>
+          <p:cNvPr id="4" name="Image 3"/>
+          <p:cNvPicPr>
+            <a:picLocks noChangeAspect="1"/>
+          </p:cNvPicPr>
+          <p:nvPr/>
+        </p:nvPicPr>
+        <p:blipFill>
+          <a:blip r:embed="rId2">
+            <a:extLst>
+              <a:ext uri="{28A0092B-C50C-407E-A947-70E740481C1C}">
+                <a14:useLocalDpi xmlns:a14="http://schemas.microsoft.com/office/drawing/2010/main" val="0"/>
+              </a:ext>
+            </a:extLst>
+          </a:blip>
+          <a:stretch>
+            <a:fillRect/>
+          </a:stretch>
+        </p:blipFill>
+        <p:spPr>
+          <a:xfrm>
+            <a:off x="1135795" y="670880"/>
+            <a:ext cx="9701538" cy="5936984"/>
+          </a:xfrm>
+          <a:prstGeom prst="rect">
+            <a:avLst/>
+          </a:prstGeom>
+        </p:spPr>
+      </p:pic>
     </p:spTree>
     <p:extLst>
       <p:ext uri="{BB962C8B-B14F-4D97-AF65-F5344CB8AC3E}">
@@ -23084,7 +24783,7 @@
 </p:sld>
 </file>
 
-<file path=ppt/slides/slide19.xml><?xml version="1.0" encoding="utf-8"?>
+<file path=ppt/slides/slide23.xml><?xml version="1.0" encoding="utf-8"?>
 <p:sld xmlns:a="http://schemas.openxmlformats.org/drawingml/2006/main" xmlns:r="http://schemas.openxmlformats.org/officeDocument/2006/relationships" xmlns:p="http://schemas.openxmlformats.org/presentationml/2006/main">
   <p:cSld>
     <p:spTree>
@@ -23117,10 +24816,2735 @@
           <a:lstStyle/>
           <a:p>
             <a:fld id="{C992E66A-41E9-4F30-B3C8-2FF86DC5BC5A}" type="slidenum">
-              <a:rPr lang="fr-FR" smtClean="0"/>
-              <a:t>19</a:t>
+              <a:rPr lang="fr-FR" sz="2000" smtClean="0"/>
+              <a:t>23</a:t>
             </a:fld>
-            <a:endParaRPr lang="fr-FR"/>
+            <a:endParaRPr lang="fr-FR" sz="2000" dirty="0"/>
+          </a:p>
+        </p:txBody>
+      </p:sp>
+      <p:sp>
+        <p:nvSpPr>
+          <p:cNvPr id="3" name="Rectangle 2"/>
+          <p:cNvSpPr/>
+          <p:nvPr/>
+        </p:nvSpPr>
+        <p:spPr>
+          <a:xfrm>
+            <a:off x="155828" y="11742"/>
+            <a:ext cx="6096000" cy="646331"/>
+          </a:xfrm>
+          <a:prstGeom prst="rect">
+            <a:avLst/>
+          </a:prstGeom>
+        </p:spPr>
+        <p:txBody>
+          <a:bodyPr>
+            <a:spAutoFit/>
+          </a:bodyPr>
+          <a:lstStyle/>
+          <a:p>
+            <a:r>
+              <a:rPr lang="fr-FR" dirty="0" smtClean="0"/>
+              <a:t>IV </a:t>
+            </a:r>
+            <a:r>
+              <a:rPr lang="fr-FR" dirty="0" smtClean="0"/>
+              <a:t>Conception </a:t>
+            </a:r>
+          </a:p>
+          <a:p>
+            <a:r>
+              <a:rPr lang="fr-FR" dirty="0" smtClean="0"/>
+              <a:t>	</a:t>
+            </a:r>
+            <a:r>
+              <a:rPr lang="fr-FR" dirty="0" smtClean="0"/>
+              <a:t>C Interaction avec la base de données</a:t>
+            </a:r>
+            <a:endParaRPr lang="fr-FR" dirty="0" smtClean="0"/>
+          </a:p>
+        </p:txBody>
+      </p:sp>
+      <p:pic>
+        <p:nvPicPr>
+          <p:cNvPr id="4" name="Image 3"/>
+          <p:cNvPicPr>
+            <a:picLocks noChangeAspect="1"/>
+          </p:cNvPicPr>
+          <p:nvPr/>
+        </p:nvPicPr>
+        <p:blipFill>
+          <a:blip r:embed="rId2">
+            <a:extLst>
+              <a:ext uri="{28A0092B-C50C-407E-A947-70E740481C1C}">
+                <a14:useLocalDpi xmlns:a14="http://schemas.microsoft.com/office/drawing/2010/main" val="0"/>
+              </a:ext>
+            </a:extLst>
+          </a:blip>
+          <a:stretch>
+            <a:fillRect/>
+          </a:stretch>
+        </p:blipFill>
+        <p:spPr>
+          <a:xfrm>
+            <a:off x="1459899" y="1412162"/>
+            <a:ext cx="6524604" cy="2856784"/>
+          </a:xfrm>
+          <a:prstGeom prst="rect">
+            <a:avLst/>
+          </a:prstGeom>
+        </p:spPr>
+      </p:pic>
+    </p:spTree>
+    <p:extLst>
+      <p:ext uri="{BB962C8B-B14F-4D97-AF65-F5344CB8AC3E}">
+        <p14:creationId xmlns:p14="http://schemas.microsoft.com/office/powerpoint/2010/main" val="153088405"/>
+      </p:ext>
+    </p:extLst>
+  </p:cSld>
+  <p:clrMapOvr>
+    <a:masterClrMapping/>
+  </p:clrMapOvr>
+</p:sld>
+</file>
+
+<file path=ppt/slides/slide24.xml><?xml version="1.0" encoding="utf-8"?>
+<p:sld xmlns:a="http://schemas.openxmlformats.org/drawingml/2006/main" xmlns:r="http://schemas.openxmlformats.org/officeDocument/2006/relationships" xmlns:p="http://schemas.openxmlformats.org/presentationml/2006/main">
+  <p:cSld>
+    <p:spTree>
+      <p:nvGrpSpPr>
+        <p:cNvPr id="1" name=""/>
+        <p:cNvGrpSpPr/>
+        <p:nvPr/>
+      </p:nvGrpSpPr>
+      <p:grpSpPr>
+        <a:xfrm>
+          <a:off x="0" y="0"/>
+          <a:ext cx="0" cy="0"/>
+          <a:chOff x="0" y="0"/>
+          <a:chExt cx="0" cy="0"/>
+        </a:xfrm>
+      </p:grpSpPr>
+      <p:sp>
+        <p:nvSpPr>
+          <p:cNvPr id="2" name="ZoneTexte 1"/>
+          <p:cNvSpPr txBox="1"/>
+          <p:nvPr/>
+        </p:nvSpPr>
+        <p:spPr>
+          <a:xfrm>
+            <a:off x="596901" y="421555"/>
+            <a:ext cx="4025900" cy="6186309"/>
+          </a:xfrm>
+          <a:prstGeom prst="rect">
+            <a:avLst/>
+          </a:prstGeom>
+          <a:noFill/>
+        </p:spPr>
+        <p:txBody>
+          <a:bodyPr wrap="square" rtlCol="0">
+            <a:spAutoFit/>
+          </a:bodyPr>
+          <a:lstStyle/>
+          <a:p>
+            <a:r>
+              <a:rPr lang="fr-FR" dirty="0" smtClean="0">
+                <a:latin typeface="Calibri" panose="020F0502020204030204" pitchFamily="34" charset="0"/>
+              </a:rPr>
+              <a:t>SOMMAIRE</a:t>
+            </a:r>
+          </a:p>
+          <a:p>
+            <a:endParaRPr lang="fr-FR" dirty="0">
+              <a:latin typeface="Calibri" panose="020F0502020204030204" pitchFamily="34" charset="0"/>
+            </a:endParaRPr>
+          </a:p>
+          <a:p>
+            <a:r>
+              <a:rPr lang="fr-FR" dirty="0" smtClean="0">
+                <a:latin typeface="Calibri" panose="020F0502020204030204" pitchFamily="34" charset="0"/>
+              </a:rPr>
+              <a:t>I Présentation du projet </a:t>
+            </a:r>
+          </a:p>
+          <a:p>
+            <a:endParaRPr lang="fr-FR" dirty="0">
+              <a:latin typeface="Calibri" panose="020F0502020204030204" pitchFamily="34" charset="0"/>
+            </a:endParaRPr>
+          </a:p>
+          <a:p>
+            <a:r>
+              <a:rPr lang="fr-FR" dirty="0" smtClean="0">
+                <a:latin typeface="Calibri" panose="020F0502020204030204" pitchFamily="34" charset="0"/>
+              </a:rPr>
+              <a:t>II Cahier des charges</a:t>
+            </a:r>
+          </a:p>
+          <a:p>
+            <a:endParaRPr lang="fr-FR" dirty="0" smtClean="0">
+              <a:latin typeface="Calibri" panose="020F0502020204030204" pitchFamily="34" charset="0"/>
+            </a:endParaRPr>
+          </a:p>
+          <a:p>
+            <a:r>
+              <a:rPr lang="fr-FR" dirty="0" smtClean="0">
+                <a:latin typeface="Calibri" panose="020F0502020204030204" pitchFamily="34" charset="0"/>
+              </a:rPr>
+              <a:t>III Analyse fonctionnelle</a:t>
+            </a:r>
+          </a:p>
+          <a:p>
+            <a:r>
+              <a:rPr lang="fr-FR" dirty="0" smtClean="0">
+                <a:latin typeface="Calibri" panose="020F0502020204030204" pitchFamily="34" charset="0"/>
+              </a:rPr>
+              <a:t>	A </a:t>
+            </a:r>
+            <a:r>
+              <a:rPr lang="fr-FR" dirty="0">
+                <a:latin typeface="Calibri" panose="020F0502020204030204" pitchFamily="34" charset="0"/>
+              </a:rPr>
+              <a:t>Cas d’utilisation</a:t>
+            </a:r>
+          </a:p>
+          <a:p>
+            <a:r>
+              <a:rPr lang="fr-FR" dirty="0">
+                <a:latin typeface="Calibri" panose="020F0502020204030204" pitchFamily="34" charset="0"/>
+              </a:rPr>
+              <a:t>	B Diagrammes</a:t>
+            </a:r>
+          </a:p>
+          <a:p>
+            <a:r>
+              <a:rPr lang="fr-FR" dirty="0">
+                <a:latin typeface="Calibri" panose="020F0502020204030204" pitchFamily="34" charset="0"/>
+              </a:rPr>
+              <a:t>		1) activité</a:t>
+            </a:r>
+          </a:p>
+          <a:p>
+            <a:r>
+              <a:rPr lang="fr-FR" dirty="0">
+                <a:latin typeface="Calibri" panose="020F0502020204030204" pitchFamily="34" charset="0"/>
+              </a:rPr>
+              <a:t>		2) séquence</a:t>
+            </a:r>
+          </a:p>
+          <a:p>
+            <a:r>
+              <a:rPr lang="fr-FR" dirty="0">
+                <a:latin typeface="Calibri" panose="020F0502020204030204" pitchFamily="34" charset="0"/>
+              </a:rPr>
+              <a:t>		3) de classe</a:t>
+            </a:r>
+          </a:p>
+          <a:p>
+            <a:r>
+              <a:rPr lang="fr-FR" dirty="0" smtClean="0">
+                <a:latin typeface="Calibri" panose="020F0502020204030204" pitchFamily="34" charset="0"/>
+              </a:rPr>
+              <a:t>IV Conception</a:t>
+            </a:r>
+          </a:p>
+          <a:p>
+            <a:r>
+              <a:rPr lang="fr-FR" dirty="0" smtClean="0">
+                <a:latin typeface="Calibri" panose="020F0502020204030204" pitchFamily="34" charset="0"/>
+              </a:rPr>
+              <a:t>	A </a:t>
+            </a:r>
+            <a:r>
+              <a:rPr lang="fr-FR" dirty="0">
+                <a:latin typeface="Calibri" panose="020F0502020204030204" pitchFamily="34" charset="0"/>
+              </a:rPr>
+              <a:t>MCD MLD</a:t>
+            </a:r>
+          </a:p>
+          <a:p>
+            <a:r>
+              <a:rPr lang="fr-FR" dirty="0">
+                <a:latin typeface="Calibri" panose="020F0502020204030204" pitchFamily="34" charset="0"/>
+              </a:rPr>
+              <a:t>		1) MCD </a:t>
+            </a:r>
+          </a:p>
+          <a:p>
+            <a:r>
+              <a:rPr lang="fr-FR" dirty="0">
+                <a:latin typeface="Calibri" panose="020F0502020204030204" pitchFamily="34" charset="0"/>
+              </a:rPr>
+              <a:t>		2) MLD</a:t>
+            </a:r>
+          </a:p>
+          <a:p>
+            <a:r>
+              <a:rPr lang="fr-FR" dirty="0">
+                <a:latin typeface="Calibri" panose="020F0502020204030204" pitchFamily="34" charset="0"/>
+              </a:rPr>
+              <a:t>		</a:t>
+            </a:r>
+          </a:p>
+          <a:p>
+            <a:r>
+              <a:rPr lang="fr-FR" dirty="0">
+                <a:latin typeface="Calibri" panose="020F0502020204030204" pitchFamily="34" charset="0"/>
+              </a:rPr>
+              <a:t>	</a:t>
+            </a:r>
+            <a:r>
+              <a:rPr lang="fr-FR" dirty="0" smtClean="0">
+                <a:latin typeface="Calibri" panose="020F0502020204030204" pitchFamily="34" charset="0"/>
+              </a:rPr>
+              <a:t>B </a:t>
+            </a:r>
+            <a:r>
+              <a:rPr lang="fr-FR" dirty="0">
+                <a:latin typeface="Calibri" panose="020F0502020204030204" pitchFamily="34" charset="0"/>
+              </a:rPr>
+              <a:t>SQL </a:t>
+            </a:r>
+          </a:p>
+          <a:p>
+            <a:endParaRPr lang="fr-FR" dirty="0">
+              <a:latin typeface="Calibri" panose="020F0502020204030204" pitchFamily="34" charset="0"/>
+            </a:endParaRPr>
+          </a:p>
+          <a:p>
+            <a:r>
+              <a:rPr lang="fr-FR" dirty="0" smtClean="0">
+                <a:latin typeface="Calibri" panose="020F0502020204030204" pitchFamily="34" charset="0"/>
+              </a:rPr>
+              <a:t>	C Interaction avec la base de données	</a:t>
+            </a:r>
+            <a:endParaRPr lang="fr-FR" sz="1600" dirty="0">
+              <a:latin typeface="Calibri" panose="020F0502020204030204" pitchFamily="34" charset="0"/>
+            </a:endParaRPr>
+          </a:p>
+          <a:p>
+            <a:endParaRPr lang="fr-FR" dirty="0">
+              <a:latin typeface="Calibri" panose="020F0502020204030204" pitchFamily="34" charset="0"/>
+            </a:endParaRPr>
+          </a:p>
+        </p:txBody>
+      </p:sp>
+      <p:sp>
+        <p:nvSpPr>
+          <p:cNvPr id="3" name="Espace réservé du numéro de diapositive 2"/>
+          <p:cNvSpPr>
+            <a:spLocks noGrp="1"/>
+          </p:cNvSpPr>
+          <p:nvPr>
+            <p:ph type="sldNum" sz="quarter" idx="12"/>
+          </p:nvPr>
+        </p:nvSpPr>
+        <p:spPr/>
+        <p:txBody>
+          <a:bodyPr/>
+          <a:lstStyle/>
+          <a:p>
+            <a:fld id="{C992E66A-41E9-4F30-B3C8-2FF86DC5BC5A}" type="slidenum">
+              <a:rPr lang="fr-FR" sz="2000" smtClean="0"/>
+              <a:t>24</a:t>
+            </a:fld>
+            <a:endParaRPr lang="fr-FR" sz="2000" dirty="0"/>
+          </a:p>
+        </p:txBody>
+      </p:sp>
+      <p:pic>
+        <p:nvPicPr>
+          <p:cNvPr id="4" name="Image 3"/>
+          <p:cNvPicPr>
+            <a:picLocks noChangeAspect="1"/>
+          </p:cNvPicPr>
+          <p:nvPr/>
+        </p:nvPicPr>
+        <p:blipFill>
+          <a:blip r:embed="rId2" cstate="print">
+            <a:extLst>
+              <a:ext uri="{28A0092B-C50C-407E-A947-70E740481C1C}">
+                <a14:useLocalDpi xmlns:a14="http://schemas.microsoft.com/office/drawing/2010/main" val="0"/>
+              </a:ext>
+            </a:extLst>
+          </a:blip>
+          <a:stretch>
+            <a:fillRect/>
+          </a:stretch>
+        </p:blipFill>
+        <p:spPr>
+          <a:xfrm>
+            <a:off x="9178131" y="3846669"/>
+            <a:ext cx="2183871" cy="2247552"/>
+          </a:xfrm>
+          <a:prstGeom prst="rect">
+            <a:avLst/>
+          </a:prstGeom>
+        </p:spPr>
+      </p:pic>
+      <p:sp>
+        <p:nvSpPr>
+          <p:cNvPr id="5" name="ZoneTexte 4"/>
+          <p:cNvSpPr txBox="1"/>
+          <p:nvPr/>
+        </p:nvSpPr>
+        <p:spPr>
+          <a:xfrm>
+            <a:off x="5858934" y="956733"/>
+            <a:ext cx="4411133" cy="1477328"/>
+          </a:xfrm>
+          <a:prstGeom prst="rect">
+            <a:avLst/>
+          </a:prstGeom>
+          <a:noFill/>
+        </p:spPr>
+        <p:txBody>
+          <a:bodyPr wrap="square" rtlCol="0">
+            <a:spAutoFit/>
+          </a:bodyPr>
+          <a:lstStyle/>
+          <a:p>
+            <a:r>
+              <a:rPr lang="fr-FR" i="1" dirty="0" smtClean="0">
+                <a:solidFill>
+                  <a:srgbClr val="FF0000"/>
+                </a:solidFill>
+              </a:rPr>
+              <a:t>V Front End</a:t>
+            </a:r>
+          </a:p>
+          <a:p>
+            <a:endParaRPr lang="fr-FR" dirty="0"/>
+          </a:p>
+          <a:p>
+            <a:r>
+              <a:rPr lang="fr-FR" dirty="0" smtClean="0"/>
+              <a:t>	</a:t>
+            </a:r>
+            <a:r>
+              <a:rPr lang="fr-FR" i="1" dirty="0" smtClean="0">
+                <a:solidFill>
+                  <a:srgbClr val="FF0000"/>
+                </a:solidFill>
+              </a:rPr>
+              <a:t>A Maquettage </a:t>
+            </a:r>
+          </a:p>
+          <a:p>
+            <a:r>
+              <a:rPr lang="fr-FR" dirty="0"/>
+              <a:t>	</a:t>
+            </a:r>
+            <a:r>
+              <a:rPr lang="fr-FR" dirty="0" smtClean="0">
+                <a:solidFill>
+                  <a:srgbClr val="FF0000"/>
+                </a:solidFill>
+              </a:rPr>
+              <a:t>B HTML </a:t>
+            </a:r>
+            <a:r>
+              <a:rPr lang="fr-FR" dirty="0">
+                <a:solidFill>
+                  <a:srgbClr val="FF0000"/>
+                </a:solidFill>
+              </a:rPr>
+              <a:t>et CSS</a:t>
+            </a:r>
+            <a:endParaRPr lang="fr-FR" dirty="0" smtClean="0">
+              <a:solidFill>
+                <a:srgbClr val="FF0000"/>
+              </a:solidFill>
+            </a:endParaRPr>
+          </a:p>
+          <a:p>
+            <a:r>
+              <a:rPr lang="fr-FR" dirty="0">
+                <a:solidFill>
+                  <a:srgbClr val="FF0000"/>
+                </a:solidFill>
+              </a:rPr>
+              <a:t>	</a:t>
+            </a:r>
+            <a:r>
+              <a:rPr lang="fr-FR" dirty="0" smtClean="0">
+                <a:solidFill>
+                  <a:srgbClr val="FF0000"/>
+                </a:solidFill>
+              </a:rPr>
+              <a:t>C </a:t>
+            </a:r>
+            <a:r>
+              <a:rPr lang="fr-FR" dirty="0" err="1" smtClean="0">
+                <a:solidFill>
+                  <a:srgbClr val="FF0000"/>
+                </a:solidFill>
+              </a:rPr>
+              <a:t>Javascript</a:t>
+            </a:r>
+            <a:endParaRPr lang="fr-FR" dirty="0">
+              <a:solidFill>
+                <a:srgbClr val="FF0000"/>
+              </a:solidFill>
+            </a:endParaRPr>
+          </a:p>
+        </p:txBody>
+      </p:sp>
+    </p:spTree>
+    <p:extLst>
+      <p:ext uri="{BB962C8B-B14F-4D97-AF65-F5344CB8AC3E}">
+        <p14:creationId xmlns:p14="http://schemas.microsoft.com/office/powerpoint/2010/main" val="3723834563"/>
+      </p:ext>
+    </p:extLst>
+  </p:cSld>
+  <p:clrMapOvr>
+    <a:masterClrMapping/>
+  </p:clrMapOvr>
+  <p:timing>
+    <p:tnLst>
+      <p:par>
+        <p:cTn id="1" dur="indefinite" restart="never" nodeType="tmRoot"/>
+      </p:par>
+    </p:tnLst>
+  </p:timing>
+</p:sld>
+</file>
+
+<file path=ppt/slides/slide25.xml><?xml version="1.0" encoding="utf-8"?>
+<p:sld xmlns:a="http://schemas.openxmlformats.org/drawingml/2006/main" xmlns:r="http://schemas.openxmlformats.org/officeDocument/2006/relationships" xmlns:p="http://schemas.openxmlformats.org/presentationml/2006/main">
+  <p:cSld>
+    <p:spTree>
+      <p:nvGrpSpPr>
+        <p:cNvPr id="1" name=""/>
+        <p:cNvGrpSpPr/>
+        <p:nvPr/>
+      </p:nvGrpSpPr>
+      <p:grpSpPr>
+        <a:xfrm>
+          <a:off x="0" y="0"/>
+          <a:ext cx="0" cy="0"/>
+          <a:chOff x="0" y="0"/>
+          <a:chExt cx="0" cy="0"/>
+        </a:xfrm>
+      </p:grpSpPr>
+      <p:sp>
+        <p:nvSpPr>
+          <p:cNvPr id="2" name="Espace réservé du numéro de diapositive 1"/>
+          <p:cNvSpPr>
+            <a:spLocks noGrp="1"/>
+          </p:cNvSpPr>
+          <p:nvPr>
+            <p:ph type="sldNum" sz="quarter" idx="12"/>
+          </p:nvPr>
+        </p:nvSpPr>
+        <p:spPr/>
+        <p:txBody>
+          <a:bodyPr/>
+          <a:lstStyle/>
+          <a:p>
+            <a:fld id="{C992E66A-41E9-4F30-B3C8-2FF86DC5BC5A}" type="slidenum">
+              <a:rPr lang="fr-FR" sz="2000" smtClean="0"/>
+              <a:t>25</a:t>
+            </a:fld>
+            <a:endParaRPr lang="fr-FR" sz="2000" dirty="0"/>
+          </a:p>
+        </p:txBody>
+      </p:sp>
+      <p:sp>
+        <p:nvSpPr>
+          <p:cNvPr id="3" name="Rectangle 2"/>
+          <p:cNvSpPr/>
+          <p:nvPr/>
+        </p:nvSpPr>
+        <p:spPr>
+          <a:xfrm>
+            <a:off x="164295" y="50800"/>
+            <a:ext cx="6096000" cy="646331"/>
+          </a:xfrm>
+          <a:prstGeom prst="rect">
+            <a:avLst/>
+          </a:prstGeom>
+        </p:spPr>
+        <p:txBody>
+          <a:bodyPr>
+            <a:spAutoFit/>
+          </a:bodyPr>
+          <a:lstStyle/>
+          <a:p>
+            <a:r>
+              <a:rPr lang="fr-FR" dirty="0" smtClean="0"/>
+              <a:t>V Front End </a:t>
+            </a:r>
+            <a:endParaRPr lang="fr-FR" dirty="0" smtClean="0"/>
+          </a:p>
+          <a:p>
+            <a:r>
+              <a:rPr lang="fr-FR" dirty="0" smtClean="0"/>
+              <a:t>	</a:t>
+            </a:r>
+            <a:r>
+              <a:rPr lang="fr-FR" dirty="0" smtClean="0"/>
+              <a:t>A Maquettage </a:t>
+            </a:r>
+            <a:endParaRPr lang="fr-FR" dirty="0" smtClean="0"/>
+          </a:p>
+        </p:txBody>
+      </p:sp>
+      <p:pic>
+        <p:nvPicPr>
+          <p:cNvPr id="4" name="Image 3"/>
+          <p:cNvPicPr>
+            <a:picLocks noChangeAspect="1"/>
+          </p:cNvPicPr>
+          <p:nvPr/>
+        </p:nvPicPr>
+        <p:blipFill>
+          <a:blip r:embed="rId2">
+            <a:extLst>
+              <a:ext uri="{28A0092B-C50C-407E-A947-70E740481C1C}">
+                <a14:useLocalDpi xmlns:a14="http://schemas.microsoft.com/office/drawing/2010/main" val="0"/>
+              </a:ext>
+            </a:extLst>
+          </a:blip>
+          <a:stretch>
+            <a:fillRect/>
+          </a:stretch>
+        </p:blipFill>
+        <p:spPr>
+          <a:xfrm>
+            <a:off x="6440279" y="373964"/>
+            <a:ext cx="5370722" cy="4858435"/>
+          </a:xfrm>
+          <a:prstGeom prst="rect">
+            <a:avLst/>
+          </a:prstGeom>
+        </p:spPr>
+      </p:pic>
+      <p:pic>
+        <p:nvPicPr>
+          <p:cNvPr id="6" name="Image 5"/>
+          <p:cNvPicPr>
+            <a:picLocks noChangeAspect="1"/>
+          </p:cNvPicPr>
+          <p:nvPr/>
+        </p:nvPicPr>
+        <p:blipFill>
+          <a:blip r:embed="rId3"/>
+          <a:stretch>
+            <a:fillRect/>
+          </a:stretch>
+        </p:blipFill>
+        <p:spPr>
+          <a:xfrm>
+            <a:off x="763622" y="990601"/>
+            <a:ext cx="5315445" cy="5457982"/>
+          </a:xfrm>
+          <a:prstGeom prst="rect">
+            <a:avLst/>
+          </a:prstGeom>
+        </p:spPr>
+      </p:pic>
+    </p:spTree>
+    <p:extLst>
+      <p:ext uri="{BB962C8B-B14F-4D97-AF65-F5344CB8AC3E}">
+        <p14:creationId xmlns:p14="http://schemas.microsoft.com/office/powerpoint/2010/main" val="84199713"/>
+      </p:ext>
+    </p:extLst>
+  </p:cSld>
+  <p:clrMapOvr>
+    <a:masterClrMapping/>
+  </p:clrMapOvr>
+</p:sld>
+</file>
+
+<file path=ppt/slides/slide26.xml><?xml version="1.0" encoding="utf-8"?>
+<p:sld xmlns:a="http://schemas.openxmlformats.org/drawingml/2006/main" xmlns:r="http://schemas.openxmlformats.org/officeDocument/2006/relationships" xmlns:p="http://schemas.openxmlformats.org/presentationml/2006/main">
+  <p:cSld>
+    <p:spTree>
+      <p:nvGrpSpPr>
+        <p:cNvPr id="1" name=""/>
+        <p:cNvGrpSpPr/>
+        <p:nvPr/>
+      </p:nvGrpSpPr>
+      <p:grpSpPr>
+        <a:xfrm>
+          <a:off x="0" y="0"/>
+          <a:ext cx="0" cy="0"/>
+          <a:chOff x="0" y="0"/>
+          <a:chExt cx="0" cy="0"/>
+        </a:xfrm>
+      </p:grpSpPr>
+      <p:sp>
+        <p:nvSpPr>
+          <p:cNvPr id="2" name="Espace réservé du numéro de diapositive 1"/>
+          <p:cNvSpPr>
+            <a:spLocks noGrp="1"/>
+          </p:cNvSpPr>
+          <p:nvPr>
+            <p:ph type="sldNum" sz="quarter" idx="12"/>
+          </p:nvPr>
+        </p:nvSpPr>
+        <p:spPr/>
+        <p:txBody>
+          <a:bodyPr/>
+          <a:lstStyle/>
+          <a:p>
+            <a:fld id="{C992E66A-41E9-4F30-B3C8-2FF86DC5BC5A}" type="slidenum">
+              <a:rPr lang="fr-FR" sz="2000" smtClean="0"/>
+              <a:t>26</a:t>
+            </a:fld>
+            <a:endParaRPr lang="fr-FR" sz="2000" dirty="0"/>
+          </a:p>
+        </p:txBody>
+      </p:sp>
+      <p:sp>
+        <p:nvSpPr>
+          <p:cNvPr id="3" name="Rectangle 2"/>
+          <p:cNvSpPr/>
+          <p:nvPr/>
+        </p:nvSpPr>
+        <p:spPr>
+          <a:xfrm>
+            <a:off x="164295" y="50800"/>
+            <a:ext cx="6096000" cy="646331"/>
+          </a:xfrm>
+          <a:prstGeom prst="rect">
+            <a:avLst/>
+          </a:prstGeom>
+        </p:spPr>
+        <p:txBody>
+          <a:bodyPr>
+            <a:spAutoFit/>
+          </a:bodyPr>
+          <a:lstStyle/>
+          <a:p>
+            <a:r>
+              <a:rPr lang="fr-FR" dirty="0" smtClean="0"/>
+              <a:t>V Front End </a:t>
+            </a:r>
+            <a:endParaRPr lang="fr-FR" dirty="0" smtClean="0"/>
+          </a:p>
+          <a:p>
+            <a:r>
+              <a:rPr lang="fr-FR" dirty="0" smtClean="0"/>
+              <a:t>	</a:t>
+            </a:r>
+            <a:r>
+              <a:rPr lang="fr-FR" dirty="0" smtClean="0"/>
+              <a:t>A Maquettage </a:t>
+            </a:r>
+            <a:endParaRPr lang="fr-FR" dirty="0" smtClean="0"/>
+          </a:p>
+        </p:txBody>
+      </p:sp>
+      <p:pic>
+        <p:nvPicPr>
+          <p:cNvPr id="4" name="Image 3"/>
+          <p:cNvPicPr>
+            <a:picLocks noChangeAspect="1"/>
+          </p:cNvPicPr>
+          <p:nvPr/>
+        </p:nvPicPr>
+        <p:blipFill>
+          <a:blip r:embed="rId2">
+            <a:extLst>
+              <a:ext uri="{28A0092B-C50C-407E-A947-70E740481C1C}">
+                <a14:useLocalDpi xmlns:a14="http://schemas.microsoft.com/office/drawing/2010/main" val="0"/>
+              </a:ext>
+            </a:extLst>
+          </a:blip>
+          <a:stretch>
+            <a:fillRect/>
+          </a:stretch>
+        </p:blipFill>
+        <p:spPr>
+          <a:xfrm>
+            <a:off x="7164827" y="279398"/>
+            <a:ext cx="4872320" cy="6191306"/>
+          </a:xfrm>
+          <a:prstGeom prst="rect">
+            <a:avLst/>
+          </a:prstGeom>
+        </p:spPr>
+      </p:pic>
+      <p:pic>
+        <p:nvPicPr>
+          <p:cNvPr id="5" name="Image 4"/>
+          <p:cNvPicPr>
+            <a:picLocks noChangeAspect="1"/>
+          </p:cNvPicPr>
+          <p:nvPr/>
+        </p:nvPicPr>
+        <p:blipFill>
+          <a:blip r:embed="rId3"/>
+          <a:stretch>
+            <a:fillRect/>
+          </a:stretch>
+        </p:blipFill>
+        <p:spPr>
+          <a:xfrm>
+            <a:off x="617987" y="915234"/>
+            <a:ext cx="5642308" cy="5692630"/>
+          </a:xfrm>
+          <a:prstGeom prst="rect">
+            <a:avLst/>
+          </a:prstGeom>
+        </p:spPr>
+      </p:pic>
+    </p:spTree>
+    <p:extLst>
+      <p:ext uri="{BB962C8B-B14F-4D97-AF65-F5344CB8AC3E}">
+        <p14:creationId xmlns:p14="http://schemas.microsoft.com/office/powerpoint/2010/main" val="3241490570"/>
+      </p:ext>
+    </p:extLst>
+  </p:cSld>
+  <p:clrMapOvr>
+    <a:masterClrMapping/>
+  </p:clrMapOvr>
+</p:sld>
+</file>
+
+<file path=ppt/slides/slide27.xml><?xml version="1.0" encoding="utf-8"?>
+<p:sld xmlns:a="http://schemas.openxmlformats.org/drawingml/2006/main" xmlns:r="http://schemas.openxmlformats.org/officeDocument/2006/relationships" xmlns:p="http://schemas.openxmlformats.org/presentationml/2006/main">
+  <p:cSld>
+    <p:spTree>
+      <p:nvGrpSpPr>
+        <p:cNvPr id="1" name=""/>
+        <p:cNvGrpSpPr/>
+        <p:nvPr/>
+      </p:nvGrpSpPr>
+      <p:grpSpPr>
+        <a:xfrm>
+          <a:off x="0" y="0"/>
+          <a:ext cx="0" cy="0"/>
+          <a:chOff x="0" y="0"/>
+          <a:chExt cx="0" cy="0"/>
+        </a:xfrm>
+      </p:grpSpPr>
+      <p:sp>
+        <p:nvSpPr>
+          <p:cNvPr id="2" name="Espace réservé du numéro de diapositive 1"/>
+          <p:cNvSpPr>
+            <a:spLocks noGrp="1"/>
+          </p:cNvSpPr>
+          <p:nvPr>
+            <p:ph type="sldNum" sz="quarter" idx="12"/>
+          </p:nvPr>
+        </p:nvSpPr>
+        <p:spPr/>
+        <p:txBody>
+          <a:bodyPr/>
+          <a:lstStyle/>
+          <a:p>
+            <a:fld id="{C992E66A-41E9-4F30-B3C8-2FF86DC5BC5A}" type="slidenum">
+              <a:rPr lang="fr-FR" sz="2000" smtClean="0"/>
+              <a:t>27</a:t>
+            </a:fld>
+            <a:endParaRPr lang="fr-FR" sz="2000" dirty="0"/>
+          </a:p>
+        </p:txBody>
+      </p:sp>
+      <p:sp>
+        <p:nvSpPr>
+          <p:cNvPr id="3" name="Rectangle 2"/>
+          <p:cNvSpPr/>
+          <p:nvPr/>
+        </p:nvSpPr>
+        <p:spPr>
+          <a:xfrm>
+            <a:off x="164295" y="50800"/>
+            <a:ext cx="6096000" cy="646331"/>
+          </a:xfrm>
+          <a:prstGeom prst="rect">
+            <a:avLst/>
+          </a:prstGeom>
+        </p:spPr>
+        <p:txBody>
+          <a:bodyPr>
+            <a:spAutoFit/>
+          </a:bodyPr>
+          <a:lstStyle/>
+          <a:p>
+            <a:r>
+              <a:rPr lang="fr-FR" dirty="0" smtClean="0"/>
+              <a:t>V Front End </a:t>
+            </a:r>
+            <a:endParaRPr lang="fr-FR" dirty="0" smtClean="0"/>
+          </a:p>
+          <a:p>
+            <a:r>
+              <a:rPr lang="fr-FR" dirty="0" smtClean="0"/>
+              <a:t>	</a:t>
+            </a:r>
+            <a:r>
+              <a:rPr lang="fr-FR" dirty="0" smtClean="0"/>
+              <a:t>A Maquettage </a:t>
+            </a:r>
+            <a:endParaRPr lang="fr-FR" dirty="0" smtClean="0"/>
+          </a:p>
+        </p:txBody>
+      </p:sp>
+      <p:pic>
+        <p:nvPicPr>
+          <p:cNvPr id="4" name="Image 3"/>
+          <p:cNvPicPr>
+            <a:picLocks noChangeAspect="1"/>
+          </p:cNvPicPr>
+          <p:nvPr/>
+        </p:nvPicPr>
+        <p:blipFill>
+          <a:blip r:embed="rId2">
+            <a:extLst>
+              <a:ext uri="{28A0092B-C50C-407E-A947-70E740481C1C}">
+                <a14:useLocalDpi xmlns:a14="http://schemas.microsoft.com/office/drawing/2010/main" val="0"/>
+              </a:ext>
+            </a:extLst>
+          </a:blip>
+          <a:stretch>
+            <a:fillRect/>
+          </a:stretch>
+        </p:blipFill>
+        <p:spPr>
+          <a:xfrm>
+            <a:off x="6353911" y="-31696"/>
+            <a:ext cx="5708274" cy="6502400"/>
+          </a:xfrm>
+          <a:prstGeom prst="rect">
+            <a:avLst/>
+          </a:prstGeom>
+        </p:spPr>
+      </p:pic>
+      <p:pic>
+        <p:nvPicPr>
+          <p:cNvPr id="5" name="Image 4"/>
+          <p:cNvPicPr>
+            <a:picLocks noChangeAspect="1"/>
+          </p:cNvPicPr>
+          <p:nvPr/>
+        </p:nvPicPr>
+        <p:blipFill>
+          <a:blip r:embed="rId3"/>
+          <a:stretch>
+            <a:fillRect/>
+          </a:stretch>
+        </p:blipFill>
+        <p:spPr>
+          <a:xfrm>
+            <a:off x="233995" y="1007534"/>
+            <a:ext cx="6119916" cy="4607408"/>
+          </a:xfrm>
+          <a:prstGeom prst="rect">
+            <a:avLst/>
+          </a:prstGeom>
+        </p:spPr>
+      </p:pic>
+    </p:spTree>
+    <p:extLst>
+      <p:ext uri="{BB962C8B-B14F-4D97-AF65-F5344CB8AC3E}">
+        <p14:creationId xmlns:p14="http://schemas.microsoft.com/office/powerpoint/2010/main" val="1011480869"/>
+      </p:ext>
+    </p:extLst>
+  </p:cSld>
+  <p:clrMapOvr>
+    <a:masterClrMapping/>
+  </p:clrMapOvr>
+</p:sld>
+</file>
+
+<file path=ppt/slides/slide28.xml><?xml version="1.0" encoding="utf-8"?>
+<p:sld xmlns:a="http://schemas.openxmlformats.org/drawingml/2006/main" xmlns:r="http://schemas.openxmlformats.org/officeDocument/2006/relationships" xmlns:p="http://schemas.openxmlformats.org/presentationml/2006/main">
+  <p:cSld>
+    <p:spTree>
+      <p:nvGrpSpPr>
+        <p:cNvPr id="1" name=""/>
+        <p:cNvGrpSpPr/>
+        <p:nvPr/>
+      </p:nvGrpSpPr>
+      <p:grpSpPr>
+        <a:xfrm>
+          <a:off x="0" y="0"/>
+          <a:ext cx="0" cy="0"/>
+          <a:chOff x="0" y="0"/>
+          <a:chExt cx="0" cy="0"/>
+        </a:xfrm>
+      </p:grpSpPr>
+      <p:sp>
+        <p:nvSpPr>
+          <p:cNvPr id="2" name="ZoneTexte 1"/>
+          <p:cNvSpPr txBox="1"/>
+          <p:nvPr/>
+        </p:nvSpPr>
+        <p:spPr>
+          <a:xfrm>
+            <a:off x="596901" y="421555"/>
+            <a:ext cx="4025900" cy="6186309"/>
+          </a:xfrm>
+          <a:prstGeom prst="rect">
+            <a:avLst/>
+          </a:prstGeom>
+          <a:noFill/>
+        </p:spPr>
+        <p:txBody>
+          <a:bodyPr wrap="square" rtlCol="0">
+            <a:spAutoFit/>
+          </a:bodyPr>
+          <a:lstStyle/>
+          <a:p>
+            <a:r>
+              <a:rPr lang="fr-FR" dirty="0" smtClean="0">
+                <a:latin typeface="Calibri" panose="020F0502020204030204" pitchFamily="34" charset="0"/>
+              </a:rPr>
+              <a:t>SOMMAIRE</a:t>
+            </a:r>
+          </a:p>
+          <a:p>
+            <a:endParaRPr lang="fr-FR" dirty="0">
+              <a:latin typeface="Calibri" panose="020F0502020204030204" pitchFamily="34" charset="0"/>
+            </a:endParaRPr>
+          </a:p>
+          <a:p>
+            <a:r>
+              <a:rPr lang="fr-FR" dirty="0" smtClean="0">
+                <a:latin typeface="Calibri" panose="020F0502020204030204" pitchFamily="34" charset="0"/>
+              </a:rPr>
+              <a:t>I Présentation du projet </a:t>
+            </a:r>
+          </a:p>
+          <a:p>
+            <a:endParaRPr lang="fr-FR" dirty="0">
+              <a:latin typeface="Calibri" panose="020F0502020204030204" pitchFamily="34" charset="0"/>
+            </a:endParaRPr>
+          </a:p>
+          <a:p>
+            <a:r>
+              <a:rPr lang="fr-FR" dirty="0" smtClean="0">
+                <a:latin typeface="Calibri" panose="020F0502020204030204" pitchFamily="34" charset="0"/>
+              </a:rPr>
+              <a:t>II Cahier des charges</a:t>
+            </a:r>
+          </a:p>
+          <a:p>
+            <a:endParaRPr lang="fr-FR" dirty="0" smtClean="0">
+              <a:latin typeface="Calibri" panose="020F0502020204030204" pitchFamily="34" charset="0"/>
+            </a:endParaRPr>
+          </a:p>
+          <a:p>
+            <a:r>
+              <a:rPr lang="fr-FR" dirty="0" smtClean="0">
+                <a:latin typeface="Calibri" panose="020F0502020204030204" pitchFamily="34" charset="0"/>
+              </a:rPr>
+              <a:t>III Analyse fonctionnelle</a:t>
+            </a:r>
+          </a:p>
+          <a:p>
+            <a:r>
+              <a:rPr lang="fr-FR" dirty="0" smtClean="0">
+                <a:latin typeface="Calibri" panose="020F0502020204030204" pitchFamily="34" charset="0"/>
+              </a:rPr>
+              <a:t>	A </a:t>
+            </a:r>
+            <a:r>
+              <a:rPr lang="fr-FR" dirty="0">
+                <a:latin typeface="Calibri" panose="020F0502020204030204" pitchFamily="34" charset="0"/>
+              </a:rPr>
+              <a:t>Cas d’utilisation</a:t>
+            </a:r>
+          </a:p>
+          <a:p>
+            <a:r>
+              <a:rPr lang="fr-FR" dirty="0">
+                <a:latin typeface="Calibri" panose="020F0502020204030204" pitchFamily="34" charset="0"/>
+              </a:rPr>
+              <a:t>	B Diagrammes</a:t>
+            </a:r>
+          </a:p>
+          <a:p>
+            <a:r>
+              <a:rPr lang="fr-FR" dirty="0">
+                <a:latin typeface="Calibri" panose="020F0502020204030204" pitchFamily="34" charset="0"/>
+              </a:rPr>
+              <a:t>		1) activité</a:t>
+            </a:r>
+          </a:p>
+          <a:p>
+            <a:r>
+              <a:rPr lang="fr-FR" dirty="0">
+                <a:latin typeface="Calibri" panose="020F0502020204030204" pitchFamily="34" charset="0"/>
+              </a:rPr>
+              <a:t>		2) séquence</a:t>
+            </a:r>
+          </a:p>
+          <a:p>
+            <a:r>
+              <a:rPr lang="fr-FR" dirty="0">
+                <a:latin typeface="Calibri" panose="020F0502020204030204" pitchFamily="34" charset="0"/>
+              </a:rPr>
+              <a:t>		3) de classe</a:t>
+            </a:r>
+          </a:p>
+          <a:p>
+            <a:r>
+              <a:rPr lang="fr-FR" dirty="0" smtClean="0">
+                <a:latin typeface="Calibri" panose="020F0502020204030204" pitchFamily="34" charset="0"/>
+              </a:rPr>
+              <a:t>IV Conception</a:t>
+            </a:r>
+          </a:p>
+          <a:p>
+            <a:r>
+              <a:rPr lang="fr-FR" dirty="0" smtClean="0">
+                <a:latin typeface="Calibri" panose="020F0502020204030204" pitchFamily="34" charset="0"/>
+              </a:rPr>
+              <a:t>	A </a:t>
+            </a:r>
+            <a:r>
+              <a:rPr lang="fr-FR" dirty="0">
+                <a:latin typeface="Calibri" panose="020F0502020204030204" pitchFamily="34" charset="0"/>
+              </a:rPr>
+              <a:t>MCD MLD</a:t>
+            </a:r>
+          </a:p>
+          <a:p>
+            <a:r>
+              <a:rPr lang="fr-FR" dirty="0">
+                <a:latin typeface="Calibri" panose="020F0502020204030204" pitchFamily="34" charset="0"/>
+              </a:rPr>
+              <a:t>		1) MCD </a:t>
+            </a:r>
+          </a:p>
+          <a:p>
+            <a:r>
+              <a:rPr lang="fr-FR" dirty="0">
+                <a:latin typeface="Calibri" panose="020F0502020204030204" pitchFamily="34" charset="0"/>
+              </a:rPr>
+              <a:t>		2) MLD</a:t>
+            </a:r>
+          </a:p>
+          <a:p>
+            <a:r>
+              <a:rPr lang="fr-FR" dirty="0">
+                <a:latin typeface="Calibri" panose="020F0502020204030204" pitchFamily="34" charset="0"/>
+              </a:rPr>
+              <a:t>		</a:t>
+            </a:r>
+          </a:p>
+          <a:p>
+            <a:r>
+              <a:rPr lang="fr-FR" dirty="0">
+                <a:latin typeface="Calibri" panose="020F0502020204030204" pitchFamily="34" charset="0"/>
+              </a:rPr>
+              <a:t>	</a:t>
+            </a:r>
+            <a:r>
+              <a:rPr lang="fr-FR" dirty="0" smtClean="0">
+                <a:latin typeface="Calibri" panose="020F0502020204030204" pitchFamily="34" charset="0"/>
+              </a:rPr>
+              <a:t>B </a:t>
+            </a:r>
+            <a:r>
+              <a:rPr lang="fr-FR" dirty="0">
+                <a:latin typeface="Calibri" panose="020F0502020204030204" pitchFamily="34" charset="0"/>
+              </a:rPr>
+              <a:t>SQL </a:t>
+            </a:r>
+          </a:p>
+          <a:p>
+            <a:endParaRPr lang="fr-FR" dirty="0">
+              <a:latin typeface="Calibri" panose="020F0502020204030204" pitchFamily="34" charset="0"/>
+            </a:endParaRPr>
+          </a:p>
+          <a:p>
+            <a:r>
+              <a:rPr lang="fr-FR" dirty="0" smtClean="0">
+                <a:latin typeface="Calibri" panose="020F0502020204030204" pitchFamily="34" charset="0"/>
+              </a:rPr>
+              <a:t>	C Interaction avec la base de données	</a:t>
+            </a:r>
+            <a:endParaRPr lang="fr-FR" sz="1600" dirty="0">
+              <a:latin typeface="Calibri" panose="020F0502020204030204" pitchFamily="34" charset="0"/>
+            </a:endParaRPr>
+          </a:p>
+          <a:p>
+            <a:endParaRPr lang="fr-FR" dirty="0">
+              <a:latin typeface="Calibri" panose="020F0502020204030204" pitchFamily="34" charset="0"/>
+            </a:endParaRPr>
+          </a:p>
+        </p:txBody>
+      </p:sp>
+      <p:sp>
+        <p:nvSpPr>
+          <p:cNvPr id="3" name="Espace réservé du numéro de diapositive 2"/>
+          <p:cNvSpPr>
+            <a:spLocks noGrp="1"/>
+          </p:cNvSpPr>
+          <p:nvPr>
+            <p:ph type="sldNum" sz="quarter" idx="12"/>
+          </p:nvPr>
+        </p:nvSpPr>
+        <p:spPr/>
+        <p:txBody>
+          <a:bodyPr/>
+          <a:lstStyle/>
+          <a:p>
+            <a:fld id="{C992E66A-41E9-4F30-B3C8-2FF86DC5BC5A}" type="slidenum">
+              <a:rPr lang="fr-FR" sz="2000" smtClean="0"/>
+              <a:t>28</a:t>
+            </a:fld>
+            <a:endParaRPr lang="fr-FR" sz="2000" dirty="0"/>
+          </a:p>
+        </p:txBody>
+      </p:sp>
+      <p:pic>
+        <p:nvPicPr>
+          <p:cNvPr id="4" name="Image 3"/>
+          <p:cNvPicPr>
+            <a:picLocks noChangeAspect="1"/>
+          </p:cNvPicPr>
+          <p:nvPr/>
+        </p:nvPicPr>
+        <p:blipFill>
+          <a:blip r:embed="rId2" cstate="print">
+            <a:extLst>
+              <a:ext uri="{28A0092B-C50C-407E-A947-70E740481C1C}">
+                <a14:useLocalDpi xmlns:a14="http://schemas.microsoft.com/office/drawing/2010/main" val="0"/>
+              </a:ext>
+            </a:extLst>
+          </a:blip>
+          <a:stretch>
+            <a:fillRect/>
+          </a:stretch>
+        </p:blipFill>
+        <p:spPr>
+          <a:xfrm>
+            <a:off x="9178131" y="3846669"/>
+            <a:ext cx="2183871" cy="2247552"/>
+          </a:xfrm>
+          <a:prstGeom prst="rect">
+            <a:avLst/>
+          </a:prstGeom>
+        </p:spPr>
+      </p:pic>
+      <p:sp>
+        <p:nvSpPr>
+          <p:cNvPr id="5" name="ZoneTexte 4"/>
+          <p:cNvSpPr txBox="1"/>
+          <p:nvPr/>
+        </p:nvSpPr>
+        <p:spPr>
+          <a:xfrm>
+            <a:off x="5858934" y="956733"/>
+            <a:ext cx="4411133" cy="1477328"/>
+          </a:xfrm>
+          <a:prstGeom prst="rect">
+            <a:avLst/>
+          </a:prstGeom>
+          <a:noFill/>
+        </p:spPr>
+        <p:txBody>
+          <a:bodyPr wrap="square" rtlCol="0">
+            <a:spAutoFit/>
+          </a:bodyPr>
+          <a:lstStyle/>
+          <a:p>
+            <a:r>
+              <a:rPr lang="fr-FR" i="1" dirty="0" smtClean="0">
+                <a:solidFill>
+                  <a:srgbClr val="FF0000"/>
+                </a:solidFill>
+              </a:rPr>
+              <a:t>V Front End</a:t>
+            </a:r>
+          </a:p>
+          <a:p>
+            <a:endParaRPr lang="fr-FR" dirty="0">
+              <a:solidFill>
+                <a:srgbClr val="FF0000"/>
+              </a:solidFill>
+            </a:endParaRPr>
+          </a:p>
+          <a:p>
+            <a:r>
+              <a:rPr lang="fr-FR" dirty="0" smtClean="0">
+                <a:solidFill>
+                  <a:srgbClr val="FF0000"/>
+                </a:solidFill>
+              </a:rPr>
+              <a:t>	A Maquettage </a:t>
+            </a:r>
+          </a:p>
+          <a:p>
+            <a:r>
+              <a:rPr lang="fr-FR" dirty="0">
+                <a:solidFill>
+                  <a:srgbClr val="FF0000"/>
+                </a:solidFill>
+              </a:rPr>
+              <a:t>	</a:t>
+            </a:r>
+            <a:r>
+              <a:rPr lang="fr-FR" i="1" dirty="0" smtClean="0">
+                <a:solidFill>
+                  <a:srgbClr val="FF0000"/>
+                </a:solidFill>
+              </a:rPr>
+              <a:t>B HTML </a:t>
+            </a:r>
+            <a:r>
+              <a:rPr lang="fr-FR" i="1" dirty="0">
+                <a:solidFill>
+                  <a:srgbClr val="FF0000"/>
+                </a:solidFill>
+              </a:rPr>
+              <a:t>et CSS</a:t>
+            </a:r>
+            <a:endParaRPr lang="fr-FR" i="1" dirty="0" smtClean="0">
+              <a:solidFill>
+                <a:srgbClr val="FF0000"/>
+              </a:solidFill>
+            </a:endParaRPr>
+          </a:p>
+          <a:p>
+            <a:r>
+              <a:rPr lang="fr-FR" dirty="0">
+                <a:solidFill>
+                  <a:srgbClr val="FF0000"/>
+                </a:solidFill>
+              </a:rPr>
+              <a:t>	</a:t>
+            </a:r>
+            <a:r>
+              <a:rPr lang="fr-FR" dirty="0" smtClean="0">
+                <a:solidFill>
+                  <a:srgbClr val="FF0000"/>
+                </a:solidFill>
+              </a:rPr>
+              <a:t>C </a:t>
+            </a:r>
+            <a:r>
+              <a:rPr lang="fr-FR" dirty="0" err="1" smtClean="0">
+                <a:solidFill>
+                  <a:srgbClr val="FF0000"/>
+                </a:solidFill>
+              </a:rPr>
+              <a:t>Javascript</a:t>
+            </a:r>
+            <a:endParaRPr lang="fr-FR" dirty="0">
+              <a:solidFill>
+                <a:srgbClr val="FF0000"/>
+              </a:solidFill>
+            </a:endParaRPr>
+          </a:p>
+        </p:txBody>
+      </p:sp>
+    </p:spTree>
+    <p:extLst>
+      <p:ext uri="{BB962C8B-B14F-4D97-AF65-F5344CB8AC3E}">
+        <p14:creationId xmlns:p14="http://schemas.microsoft.com/office/powerpoint/2010/main" val="1389681500"/>
+      </p:ext>
+    </p:extLst>
+  </p:cSld>
+  <p:clrMapOvr>
+    <a:masterClrMapping/>
+  </p:clrMapOvr>
+  <p:timing>
+    <p:tnLst>
+      <p:par>
+        <p:cTn id="1" dur="indefinite" restart="never" nodeType="tmRoot"/>
+      </p:par>
+    </p:tnLst>
+  </p:timing>
+</p:sld>
+</file>
+
+<file path=ppt/slides/slide29.xml><?xml version="1.0" encoding="utf-8"?>
+<p:sld xmlns:a="http://schemas.openxmlformats.org/drawingml/2006/main" xmlns:r="http://schemas.openxmlformats.org/officeDocument/2006/relationships" xmlns:p="http://schemas.openxmlformats.org/presentationml/2006/main">
+  <p:cSld>
+    <p:spTree>
+      <p:nvGrpSpPr>
+        <p:cNvPr id="1" name=""/>
+        <p:cNvGrpSpPr/>
+        <p:nvPr/>
+      </p:nvGrpSpPr>
+      <p:grpSpPr>
+        <a:xfrm>
+          <a:off x="0" y="0"/>
+          <a:ext cx="0" cy="0"/>
+          <a:chOff x="0" y="0"/>
+          <a:chExt cx="0" cy="0"/>
+        </a:xfrm>
+      </p:grpSpPr>
+      <p:sp>
+        <p:nvSpPr>
+          <p:cNvPr id="2" name="Espace réservé du numéro de diapositive 1"/>
+          <p:cNvSpPr>
+            <a:spLocks noGrp="1"/>
+          </p:cNvSpPr>
+          <p:nvPr>
+            <p:ph type="sldNum" sz="quarter" idx="12"/>
+          </p:nvPr>
+        </p:nvSpPr>
+        <p:spPr/>
+        <p:txBody>
+          <a:bodyPr/>
+          <a:lstStyle/>
+          <a:p>
+            <a:fld id="{C992E66A-41E9-4F30-B3C8-2FF86DC5BC5A}" type="slidenum">
+              <a:rPr lang="fr-FR" sz="2000" smtClean="0"/>
+              <a:t>29</a:t>
+            </a:fld>
+            <a:endParaRPr lang="fr-FR" sz="2000" dirty="0"/>
+          </a:p>
+        </p:txBody>
+      </p:sp>
+      <p:sp>
+        <p:nvSpPr>
+          <p:cNvPr id="3" name="Rectangle 2"/>
+          <p:cNvSpPr/>
+          <p:nvPr/>
+        </p:nvSpPr>
+        <p:spPr>
+          <a:xfrm>
+            <a:off x="164295" y="50800"/>
+            <a:ext cx="6096000" cy="646331"/>
+          </a:xfrm>
+          <a:prstGeom prst="rect">
+            <a:avLst/>
+          </a:prstGeom>
+        </p:spPr>
+        <p:txBody>
+          <a:bodyPr>
+            <a:spAutoFit/>
+          </a:bodyPr>
+          <a:lstStyle/>
+          <a:p>
+            <a:r>
+              <a:rPr lang="fr-FR" dirty="0" smtClean="0"/>
+              <a:t>V Front End </a:t>
+            </a:r>
+            <a:endParaRPr lang="fr-FR" dirty="0" smtClean="0"/>
+          </a:p>
+          <a:p>
+            <a:r>
+              <a:rPr lang="fr-FR" dirty="0" smtClean="0"/>
+              <a:t>	</a:t>
+            </a:r>
+            <a:r>
+              <a:rPr lang="fr-FR" dirty="0" smtClean="0"/>
+              <a:t>B) HTML et CSS: page A</a:t>
+            </a:r>
+            <a:r>
+              <a:rPr lang="fr-FR" dirty="0" smtClean="0"/>
+              <a:t>rticle </a:t>
+            </a:r>
+            <a:endParaRPr lang="fr-FR" dirty="0" smtClean="0"/>
+          </a:p>
+        </p:txBody>
+      </p:sp>
+      <p:pic>
+        <p:nvPicPr>
+          <p:cNvPr id="6" name="Image 5"/>
+          <p:cNvPicPr>
+            <a:picLocks noChangeAspect="1"/>
+          </p:cNvPicPr>
+          <p:nvPr/>
+        </p:nvPicPr>
+        <p:blipFill>
+          <a:blip r:embed="rId2"/>
+          <a:stretch>
+            <a:fillRect/>
+          </a:stretch>
+        </p:blipFill>
+        <p:spPr>
+          <a:xfrm>
+            <a:off x="823912" y="847724"/>
+            <a:ext cx="10903032" cy="5338251"/>
+          </a:xfrm>
+          <a:prstGeom prst="rect">
+            <a:avLst/>
+          </a:prstGeom>
+        </p:spPr>
+      </p:pic>
+    </p:spTree>
+    <p:extLst>
+      <p:ext uri="{BB962C8B-B14F-4D97-AF65-F5344CB8AC3E}">
+        <p14:creationId xmlns:p14="http://schemas.microsoft.com/office/powerpoint/2010/main" val="3811960093"/>
+      </p:ext>
+    </p:extLst>
+  </p:cSld>
+  <p:clrMapOvr>
+    <a:masterClrMapping/>
+  </p:clrMapOvr>
+</p:sld>
+</file>
+
+<file path=ppt/slides/slide3.xml><?xml version="1.0" encoding="utf-8"?>
+<p:sld xmlns:a="http://schemas.openxmlformats.org/drawingml/2006/main" xmlns:r="http://schemas.openxmlformats.org/officeDocument/2006/relationships" xmlns:p="http://schemas.openxmlformats.org/presentationml/2006/main">
+  <p:cSld>
+    <p:spTree>
+      <p:nvGrpSpPr>
+        <p:cNvPr id="1" name=""/>
+        <p:cNvGrpSpPr/>
+        <p:nvPr/>
+      </p:nvGrpSpPr>
+      <p:grpSpPr>
+        <a:xfrm>
+          <a:off x="0" y="0"/>
+          <a:ext cx="0" cy="0"/>
+          <a:chOff x="0" y="0"/>
+          <a:chExt cx="0" cy="0"/>
+        </a:xfrm>
+      </p:grpSpPr>
+      <p:sp>
+        <p:nvSpPr>
+          <p:cNvPr id="2" name="ZoneTexte 1"/>
+          <p:cNvSpPr txBox="1"/>
+          <p:nvPr/>
+        </p:nvSpPr>
+        <p:spPr>
+          <a:xfrm>
+            <a:off x="596901" y="421555"/>
+            <a:ext cx="4025900" cy="6186309"/>
+          </a:xfrm>
+          <a:prstGeom prst="rect">
+            <a:avLst/>
+          </a:prstGeom>
+          <a:noFill/>
+        </p:spPr>
+        <p:txBody>
+          <a:bodyPr wrap="square" rtlCol="0">
+            <a:spAutoFit/>
+          </a:bodyPr>
+          <a:lstStyle/>
+          <a:p>
+            <a:r>
+              <a:rPr lang="fr-FR" dirty="0" smtClean="0">
+                <a:latin typeface="Calibri" panose="020F0502020204030204" pitchFamily="34" charset="0"/>
+              </a:rPr>
+              <a:t>SOMMAIRE</a:t>
+            </a:r>
+          </a:p>
+          <a:p>
+            <a:endParaRPr lang="fr-FR" dirty="0">
+              <a:latin typeface="Calibri" panose="020F0502020204030204" pitchFamily="34" charset="0"/>
+            </a:endParaRPr>
+          </a:p>
+          <a:p>
+            <a:r>
+              <a:rPr lang="fr-FR" i="1" dirty="0" smtClean="0">
+                <a:solidFill>
+                  <a:srgbClr val="FF0000"/>
+                </a:solidFill>
+                <a:latin typeface="Calibri" panose="020F0502020204030204" pitchFamily="34" charset="0"/>
+              </a:rPr>
+              <a:t>I Présentation du projet </a:t>
+            </a:r>
+          </a:p>
+          <a:p>
+            <a:endParaRPr lang="fr-FR" dirty="0">
+              <a:latin typeface="Calibri" panose="020F0502020204030204" pitchFamily="34" charset="0"/>
+            </a:endParaRPr>
+          </a:p>
+          <a:p>
+            <a:r>
+              <a:rPr lang="fr-FR" dirty="0" smtClean="0">
+                <a:latin typeface="Calibri" panose="020F0502020204030204" pitchFamily="34" charset="0"/>
+              </a:rPr>
+              <a:t>II Cahier des charges</a:t>
+            </a:r>
+          </a:p>
+          <a:p>
+            <a:endParaRPr lang="fr-FR" dirty="0" smtClean="0">
+              <a:latin typeface="Calibri" panose="020F0502020204030204" pitchFamily="34" charset="0"/>
+            </a:endParaRPr>
+          </a:p>
+          <a:p>
+            <a:r>
+              <a:rPr lang="fr-FR" dirty="0" smtClean="0">
+                <a:latin typeface="Calibri" panose="020F0502020204030204" pitchFamily="34" charset="0"/>
+              </a:rPr>
+              <a:t>III Analyse fonctionnelle</a:t>
+            </a:r>
+          </a:p>
+          <a:p>
+            <a:r>
+              <a:rPr lang="fr-FR" dirty="0" smtClean="0">
+                <a:latin typeface="Calibri" panose="020F0502020204030204" pitchFamily="34" charset="0"/>
+              </a:rPr>
+              <a:t>	A </a:t>
+            </a:r>
+            <a:r>
+              <a:rPr lang="fr-FR" dirty="0">
+                <a:latin typeface="Calibri" panose="020F0502020204030204" pitchFamily="34" charset="0"/>
+              </a:rPr>
+              <a:t>Cas d’utilisation</a:t>
+            </a:r>
+          </a:p>
+          <a:p>
+            <a:r>
+              <a:rPr lang="fr-FR" dirty="0">
+                <a:latin typeface="Calibri" panose="020F0502020204030204" pitchFamily="34" charset="0"/>
+              </a:rPr>
+              <a:t>	B Diagrammes</a:t>
+            </a:r>
+          </a:p>
+          <a:p>
+            <a:r>
+              <a:rPr lang="fr-FR" dirty="0">
+                <a:latin typeface="Calibri" panose="020F0502020204030204" pitchFamily="34" charset="0"/>
+              </a:rPr>
+              <a:t>		1) activité</a:t>
+            </a:r>
+          </a:p>
+          <a:p>
+            <a:r>
+              <a:rPr lang="fr-FR" dirty="0">
+                <a:latin typeface="Calibri" panose="020F0502020204030204" pitchFamily="34" charset="0"/>
+              </a:rPr>
+              <a:t>		2) séquence</a:t>
+            </a:r>
+          </a:p>
+          <a:p>
+            <a:r>
+              <a:rPr lang="fr-FR" dirty="0">
+                <a:latin typeface="Calibri" panose="020F0502020204030204" pitchFamily="34" charset="0"/>
+              </a:rPr>
+              <a:t>		3) de classe</a:t>
+            </a:r>
+          </a:p>
+          <a:p>
+            <a:r>
+              <a:rPr lang="fr-FR" dirty="0" smtClean="0">
+                <a:latin typeface="Calibri" panose="020F0502020204030204" pitchFamily="34" charset="0"/>
+              </a:rPr>
+              <a:t>IV Conception</a:t>
+            </a:r>
+          </a:p>
+          <a:p>
+            <a:r>
+              <a:rPr lang="fr-FR" dirty="0" smtClean="0">
+                <a:latin typeface="Calibri" panose="020F0502020204030204" pitchFamily="34" charset="0"/>
+              </a:rPr>
+              <a:t>	A </a:t>
+            </a:r>
+            <a:r>
+              <a:rPr lang="fr-FR" dirty="0">
+                <a:latin typeface="Calibri" panose="020F0502020204030204" pitchFamily="34" charset="0"/>
+              </a:rPr>
+              <a:t>MCD MLD</a:t>
+            </a:r>
+          </a:p>
+          <a:p>
+            <a:r>
+              <a:rPr lang="fr-FR" dirty="0">
+                <a:latin typeface="Calibri" panose="020F0502020204030204" pitchFamily="34" charset="0"/>
+              </a:rPr>
+              <a:t>		1) MCD </a:t>
+            </a:r>
+          </a:p>
+          <a:p>
+            <a:r>
+              <a:rPr lang="fr-FR" dirty="0">
+                <a:latin typeface="Calibri" panose="020F0502020204030204" pitchFamily="34" charset="0"/>
+              </a:rPr>
+              <a:t>		2) MLD</a:t>
+            </a:r>
+          </a:p>
+          <a:p>
+            <a:r>
+              <a:rPr lang="fr-FR" dirty="0">
+                <a:latin typeface="Calibri" panose="020F0502020204030204" pitchFamily="34" charset="0"/>
+              </a:rPr>
+              <a:t>		</a:t>
+            </a:r>
+          </a:p>
+          <a:p>
+            <a:r>
+              <a:rPr lang="fr-FR" dirty="0">
+                <a:latin typeface="Calibri" panose="020F0502020204030204" pitchFamily="34" charset="0"/>
+              </a:rPr>
+              <a:t>	</a:t>
+            </a:r>
+            <a:r>
+              <a:rPr lang="fr-FR" dirty="0" smtClean="0">
+                <a:latin typeface="Calibri" panose="020F0502020204030204" pitchFamily="34" charset="0"/>
+              </a:rPr>
+              <a:t>B </a:t>
+            </a:r>
+            <a:r>
+              <a:rPr lang="fr-FR" dirty="0">
+                <a:latin typeface="Calibri" panose="020F0502020204030204" pitchFamily="34" charset="0"/>
+              </a:rPr>
+              <a:t>SQL </a:t>
+            </a:r>
+          </a:p>
+          <a:p>
+            <a:endParaRPr lang="fr-FR" dirty="0">
+              <a:latin typeface="Calibri" panose="020F0502020204030204" pitchFamily="34" charset="0"/>
+            </a:endParaRPr>
+          </a:p>
+          <a:p>
+            <a:r>
+              <a:rPr lang="fr-FR" dirty="0" smtClean="0">
+                <a:latin typeface="Calibri" panose="020F0502020204030204" pitchFamily="34" charset="0"/>
+              </a:rPr>
+              <a:t>	C Interaction avec la base de données	</a:t>
+            </a:r>
+            <a:endParaRPr lang="fr-FR" sz="1600" dirty="0">
+              <a:latin typeface="Calibri" panose="020F0502020204030204" pitchFamily="34" charset="0"/>
+            </a:endParaRPr>
+          </a:p>
+          <a:p>
+            <a:endParaRPr lang="fr-FR" dirty="0">
+              <a:latin typeface="Calibri" panose="020F0502020204030204" pitchFamily="34" charset="0"/>
+            </a:endParaRPr>
+          </a:p>
+        </p:txBody>
+      </p:sp>
+      <p:sp>
+        <p:nvSpPr>
+          <p:cNvPr id="3" name="Espace réservé du numéro de diapositive 2"/>
+          <p:cNvSpPr>
+            <a:spLocks noGrp="1"/>
+          </p:cNvSpPr>
+          <p:nvPr>
+            <p:ph type="sldNum" sz="quarter" idx="12"/>
+          </p:nvPr>
+        </p:nvSpPr>
+        <p:spPr/>
+        <p:txBody>
+          <a:bodyPr/>
+          <a:lstStyle/>
+          <a:p>
+            <a:fld id="{C992E66A-41E9-4F30-B3C8-2FF86DC5BC5A}" type="slidenum">
+              <a:rPr lang="fr-FR" sz="2000" smtClean="0"/>
+              <a:t>3</a:t>
+            </a:fld>
+            <a:endParaRPr lang="fr-FR" sz="2000" dirty="0"/>
+          </a:p>
+        </p:txBody>
+      </p:sp>
+      <p:pic>
+        <p:nvPicPr>
+          <p:cNvPr id="4" name="Image 3"/>
+          <p:cNvPicPr>
+            <a:picLocks noChangeAspect="1"/>
+          </p:cNvPicPr>
+          <p:nvPr/>
+        </p:nvPicPr>
+        <p:blipFill>
+          <a:blip r:embed="rId2" cstate="print">
+            <a:extLst>
+              <a:ext uri="{28A0092B-C50C-407E-A947-70E740481C1C}">
+                <a14:useLocalDpi xmlns:a14="http://schemas.microsoft.com/office/drawing/2010/main" val="0"/>
+              </a:ext>
+            </a:extLst>
+          </a:blip>
+          <a:stretch>
+            <a:fillRect/>
+          </a:stretch>
+        </p:blipFill>
+        <p:spPr>
+          <a:xfrm>
+            <a:off x="9111077" y="4055533"/>
+            <a:ext cx="2022059" cy="2081021"/>
+          </a:xfrm>
+          <a:prstGeom prst="rect">
+            <a:avLst/>
+          </a:prstGeom>
+        </p:spPr>
+      </p:pic>
+      <p:sp>
+        <p:nvSpPr>
+          <p:cNvPr id="5" name="ZoneTexte 4"/>
+          <p:cNvSpPr txBox="1"/>
+          <p:nvPr/>
+        </p:nvSpPr>
+        <p:spPr>
+          <a:xfrm>
+            <a:off x="5858934" y="956733"/>
+            <a:ext cx="4411133" cy="1477328"/>
+          </a:xfrm>
+          <a:prstGeom prst="rect">
+            <a:avLst/>
+          </a:prstGeom>
+          <a:noFill/>
+        </p:spPr>
+        <p:txBody>
+          <a:bodyPr wrap="square" rtlCol="0">
+            <a:spAutoFit/>
+          </a:bodyPr>
+          <a:lstStyle/>
+          <a:p>
+            <a:r>
+              <a:rPr lang="fr-FR" i="1" dirty="0" smtClean="0"/>
+              <a:t>V Front End</a:t>
+            </a:r>
+          </a:p>
+          <a:p>
+            <a:endParaRPr lang="fr-FR" dirty="0"/>
+          </a:p>
+          <a:p>
+            <a:r>
+              <a:rPr lang="fr-FR" dirty="0" smtClean="0"/>
+              <a:t>	</a:t>
+            </a:r>
+            <a:r>
+              <a:rPr lang="fr-FR" i="1" dirty="0" smtClean="0"/>
+              <a:t>A Maquettage </a:t>
+            </a:r>
+          </a:p>
+          <a:p>
+            <a:r>
+              <a:rPr lang="fr-FR" dirty="0"/>
+              <a:t>	</a:t>
+            </a:r>
+            <a:r>
+              <a:rPr lang="fr-FR" dirty="0" smtClean="0"/>
+              <a:t>B </a:t>
+            </a:r>
+            <a:r>
+              <a:rPr lang="fr-FR" dirty="0"/>
+              <a:t>Html et CSS</a:t>
+            </a:r>
+            <a:endParaRPr lang="fr-FR" dirty="0" smtClean="0"/>
+          </a:p>
+          <a:p>
+            <a:r>
+              <a:rPr lang="fr-FR" dirty="0"/>
+              <a:t>	</a:t>
+            </a:r>
+            <a:r>
+              <a:rPr lang="fr-FR" dirty="0" smtClean="0"/>
+              <a:t>C </a:t>
+            </a:r>
+            <a:r>
+              <a:rPr lang="fr-FR" dirty="0" err="1" smtClean="0"/>
+              <a:t>Javascript</a:t>
+            </a:r>
+            <a:endParaRPr lang="fr-FR" dirty="0"/>
+          </a:p>
+        </p:txBody>
+      </p:sp>
+    </p:spTree>
+    <p:extLst>
+      <p:ext uri="{BB962C8B-B14F-4D97-AF65-F5344CB8AC3E}">
+        <p14:creationId xmlns:p14="http://schemas.microsoft.com/office/powerpoint/2010/main" val="3940346557"/>
+      </p:ext>
+    </p:extLst>
+  </p:cSld>
+  <p:clrMapOvr>
+    <a:masterClrMapping/>
+  </p:clrMapOvr>
+  <p:timing>
+    <p:tnLst>
+      <p:par>
+        <p:cTn id="1" dur="indefinite" restart="never" nodeType="tmRoot"/>
+      </p:par>
+    </p:tnLst>
+  </p:timing>
+</p:sld>
+</file>
+
+<file path=ppt/slides/slide30.xml><?xml version="1.0" encoding="utf-8"?>
+<p:sld xmlns:a="http://schemas.openxmlformats.org/drawingml/2006/main" xmlns:r="http://schemas.openxmlformats.org/officeDocument/2006/relationships" xmlns:p="http://schemas.openxmlformats.org/presentationml/2006/main">
+  <p:cSld>
+    <p:spTree>
+      <p:nvGrpSpPr>
+        <p:cNvPr id="1" name=""/>
+        <p:cNvGrpSpPr/>
+        <p:nvPr/>
+      </p:nvGrpSpPr>
+      <p:grpSpPr>
+        <a:xfrm>
+          <a:off x="0" y="0"/>
+          <a:ext cx="0" cy="0"/>
+          <a:chOff x="0" y="0"/>
+          <a:chExt cx="0" cy="0"/>
+        </a:xfrm>
+      </p:grpSpPr>
+      <p:sp>
+        <p:nvSpPr>
+          <p:cNvPr id="2" name="Espace réservé du numéro de diapositive 1"/>
+          <p:cNvSpPr>
+            <a:spLocks noGrp="1"/>
+          </p:cNvSpPr>
+          <p:nvPr>
+            <p:ph type="sldNum" sz="quarter" idx="12"/>
+          </p:nvPr>
+        </p:nvSpPr>
+        <p:spPr/>
+        <p:txBody>
+          <a:bodyPr/>
+          <a:lstStyle/>
+          <a:p>
+            <a:fld id="{C992E66A-41E9-4F30-B3C8-2FF86DC5BC5A}" type="slidenum">
+              <a:rPr lang="fr-FR" sz="2000" smtClean="0"/>
+              <a:t>30</a:t>
+            </a:fld>
+            <a:endParaRPr lang="fr-FR" sz="2000" dirty="0"/>
+          </a:p>
+        </p:txBody>
+      </p:sp>
+      <p:sp>
+        <p:nvSpPr>
+          <p:cNvPr id="3" name="Rectangle 2"/>
+          <p:cNvSpPr/>
+          <p:nvPr/>
+        </p:nvSpPr>
+        <p:spPr>
+          <a:xfrm>
+            <a:off x="164295" y="50800"/>
+            <a:ext cx="6096000" cy="646331"/>
+          </a:xfrm>
+          <a:prstGeom prst="rect">
+            <a:avLst/>
+          </a:prstGeom>
+        </p:spPr>
+        <p:txBody>
+          <a:bodyPr>
+            <a:spAutoFit/>
+          </a:bodyPr>
+          <a:lstStyle/>
+          <a:p>
+            <a:r>
+              <a:rPr lang="fr-FR" dirty="0" smtClean="0"/>
+              <a:t>V Front End </a:t>
+            </a:r>
+            <a:endParaRPr lang="fr-FR" dirty="0" smtClean="0"/>
+          </a:p>
+          <a:p>
+            <a:r>
+              <a:rPr lang="fr-FR" dirty="0" smtClean="0"/>
+              <a:t>	</a:t>
+            </a:r>
+            <a:r>
+              <a:rPr lang="fr-FR" dirty="0" smtClean="0"/>
+              <a:t>B) HTML et CSS: Page A</a:t>
+            </a:r>
+            <a:r>
+              <a:rPr lang="fr-FR" dirty="0" smtClean="0"/>
+              <a:t>rticle </a:t>
+            </a:r>
+            <a:endParaRPr lang="fr-FR" dirty="0" smtClean="0"/>
+          </a:p>
+        </p:txBody>
+      </p:sp>
+      <p:pic>
+        <p:nvPicPr>
+          <p:cNvPr id="4" name="Image 3"/>
+          <p:cNvPicPr>
+            <a:picLocks noChangeAspect="1"/>
+          </p:cNvPicPr>
+          <p:nvPr/>
+        </p:nvPicPr>
+        <p:blipFill>
+          <a:blip r:embed="rId2"/>
+          <a:stretch>
+            <a:fillRect/>
+          </a:stretch>
+        </p:blipFill>
+        <p:spPr>
+          <a:xfrm>
+            <a:off x="352623" y="985597"/>
+            <a:ext cx="5010284" cy="5759427"/>
+          </a:xfrm>
+          <a:prstGeom prst="rect">
+            <a:avLst/>
+          </a:prstGeom>
+        </p:spPr>
+      </p:pic>
+      <p:pic>
+        <p:nvPicPr>
+          <p:cNvPr id="5" name="Image 4"/>
+          <p:cNvPicPr>
+            <a:picLocks noChangeAspect="1"/>
+          </p:cNvPicPr>
+          <p:nvPr/>
+        </p:nvPicPr>
+        <p:blipFill>
+          <a:blip r:embed="rId3"/>
+          <a:stretch>
+            <a:fillRect/>
+          </a:stretch>
+        </p:blipFill>
+        <p:spPr>
+          <a:xfrm>
+            <a:off x="5491968" y="259335"/>
+            <a:ext cx="6192033" cy="5908262"/>
+          </a:xfrm>
+          <a:prstGeom prst="rect">
+            <a:avLst/>
+          </a:prstGeom>
+        </p:spPr>
+      </p:pic>
+    </p:spTree>
+    <p:extLst>
+      <p:ext uri="{BB962C8B-B14F-4D97-AF65-F5344CB8AC3E}">
+        <p14:creationId xmlns:p14="http://schemas.microsoft.com/office/powerpoint/2010/main" val="1910115783"/>
+      </p:ext>
+    </p:extLst>
+  </p:cSld>
+  <p:clrMapOvr>
+    <a:masterClrMapping/>
+  </p:clrMapOvr>
+</p:sld>
+</file>
+
+<file path=ppt/slides/slide31.xml><?xml version="1.0" encoding="utf-8"?>
+<p:sld xmlns:a="http://schemas.openxmlformats.org/drawingml/2006/main" xmlns:r="http://schemas.openxmlformats.org/officeDocument/2006/relationships" xmlns:p="http://schemas.openxmlformats.org/presentationml/2006/main">
+  <p:cSld>
+    <p:spTree>
+      <p:nvGrpSpPr>
+        <p:cNvPr id="1" name=""/>
+        <p:cNvGrpSpPr/>
+        <p:nvPr/>
+      </p:nvGrpSpPr>
+      <p:grpSpPr>
+        <a:xfrm>
+          <a:off x="0" y="0"/>
+          <a:ext cx="0" cy="0"/>
+          <a:chOff x="0" y="0"/>
+          <a:chExt cx="0" cy="0"/>
+        </a:xfrm>
+      </p:grpSpPr>
+      <p:sp>
+        <p:nvSpPr>
+          <p:cNvPr id="2" name="Espace réservé du numéro de diapositive 1"/>
+          <p:cNvSpPr>
+            <a:spLocks noGrp="1"/>
+          </p:cNvSpPr>
+          <p:nvPr>
+            <p:ph type="sldNum" sz="quarter" idx="12"/>
+          </p:nvPr>
+        </p:nvSpPr>
+        <p:spPr/>
+        <p:txBody>
+          <a:bodyPr/>
+          <a:lstStyle/>
+          <a:p>
+            <a:fld id="{C992E66A-41E9-4F30-B3C8-2FF86DC5BC5A}" type="slidenum">
+              <a:rPr lang="fr-FR" sz="2000" smtClean="0"/>
+              <a:t>31</a:t>
+            </a:fld>
+            <a:endParaRPr lang="fr-FR" sz="2000" dirty="0"/>
+          </a:p>
+        </p:txBody>
+      </p:sp>
+      <p:sp>
+        <p:nvSpPr>
+          <p:cNvPr id="3" name="Rectangle 2"/>
+          <p:cNvSpPr/>
+          <p:nvPr/>
+        </p:nvSpPr>
+        <p:spPr>
+          <a:xfrm>
+            <a:off x="164295" y="50800"/>
+            <a:ext cx="6096000" cy="646331"/>
+          </a:xfrm>
+          <a:prstGeom prst="rect">
+            <a:avLst/>
+          </a:prstGeom>
+        </p:spPr>
+        <p:txBody>
+          <a:bodyPr>
+            <a:spAutoFit/>
+          </a:bodyPr>
+          <a:lstStyle/>
+          <a:p>
+            <a:r>
+              <a:rPr lang="fr-FR" dirty="0" smtClean="0"/>
+              <a:t>V Front End </a:t>
+            </a:r>
+            <a:endParaRPr lang="fr-FR" dirty="0" smtClean="0"/>
+          </a:p>
+          <a:p>
+            <a:r>
+              <a:rPr lang="fr-FR" dirty="0" smtClean="0"/>
+              <a:t>	</a:t>
+            </a:r>
+            <a:r>
+              <a:rPr lang="fr-FR" dirty="0" smtClean="0"/>
+              <a:t>B) HTML et CSS : Page </a:t>
+            </a:r>
+            <a:r>
+              <a:rPr lang="fr-FR" dirty="0"/>
+              <a:t>A</a:t>
+            </a:r>
+            <a:r>
+              <a:rPr lang="fr-FR" dirty="0" smtClean="0"/>
+              <a:t>rticle</a:t>
+            </a:r>
+            <a:endParaRPr lang="fr-FR" dirty="0" smtClean="0"/>
+          </a:p>
+        </p:txBody>
+      </p:sp>
+      <p:pic>
+        <p:nvPicPr>
+          <p:cNvPr id="4" name="Image 3"/>
+          <p:cNvPicPr>
+            <a:picLocks noChangeAspect="1"/>
+          </p:cNvPicPr>
+          <p:nvPr/>
+        </p:nvPicPr>
+        <p:blipFill>
+          <a:blip r:embed="rId2"/>
+          <a:stretch>
+            <a:fillRect/>
+          </a:stretch>
+        </p:blipFill>
+        <p:spPr>
+          <a:xfrm>
+            <a:off x="4275488" y="221893"/>
+            <a:ext cx="3150127" cy="6385971"/>
+          </a:xfrm>
+          <a:prstGeom prst="rect">
+            <a:avLst/>
+          </a:prstGeom>
+        </p:spPr>
+      </p:pic>
+    </p:spTree>
+    <p:extLst>
+      <p:ext uri="{BB962C8B-B14F-4D97-AF65-F5344CB8AC3E}">
+        <p14:creationId xmlns:p14="http://schemas.microsoft.com/office/powerpoint/2010/main" val="3439907950"/>
+      </p:ext>
+    </p:extLst>
+  </p:cSld>
+  <p:clrMapOvr>
+    <a:masterClrMapping/>
+  </p:clrMapOvr>
+</p:sld>
+</file>
+
+<file path=ppt/slides/slide32.xml><?xml version="1.0" encoding="utf-8"?>
+<p:sld xmlns:a="http://schemas.openxmlformats.org/drawingml/2006/main" xmlns:r="http://schemas.openxmlformats.org/officeDocument/2006/relationships" xmlns:p="http://schemas.openxmlformats.org/presentationml/2006/main">
+  <p:cSld>
+    <p:spTree>
+      <p:nvGrpSpPr>
+        <p:cNvPr id="1" name=""/>
+        <p:cNvGrpSpPr/>
+        <p:nvPr/>
+      </p:nvGrpSpPr>
+      <p:grpSpPr>
+        <a:xfrm>
+          <a:off x="0" y="0"/>
+          <a:ext cx="0" cy="0"/>
+          <a:chOff x="0" y="0"/>
+          <a:chExt cx="0" cy="0"/>
+        </a:xfrm>
+      </p:grpSpPr>
+      <p:sp>
+        <p:nvSpPr>
+          <p:cNvPr id="2" name="Espace réservé du numéro de diapositive 1"/>
+          <p:cNvSpPr>
+            <a:spLocks noGrp="1"/>
+          </p:cNvSpPr>
+          <p:nvPr>
+            <p:ph type="sldNum" sz="quarter" idx="12"/>
+          </p:nvPr>
+        </p:nvSpPr>
+        <p:spPr/>
+        <p:txBody>
+          <a:bodyPr/>
+          <a:lstStyle/>
+          <a:p>
+            <a:fld id="{C992E66A-41E9-4F30-B3C8-2FF86DC5BC5A}" type="slidenum">
+              <a:rPr lang="fr-FR" sz="2000" smtClean="0"/>
+              <a:t>32</a:t>
+            </a:fld>
+            <a:endParaRPr lang="fr-FR" sz="2000" dirty="0"/>
+          </a:p>
+        </p:txBody>
+      </p:sp>
+      <p:sp>
+        <p:nvSpPr>
+          <p:cNvPr id="3" name="Rectangle 2"/>
+          <p:cNvSpPr/>
+          <p:nvPr/>
+        </p:nvSpPr>
+        <p:spPr>
+          <a:xfrm>
+            <a:off x="164295" y="50800"/>
+            <a:ext cx="6096000" cy="646331"/>
+          </a:xfrm>
+          <a:prstGeom prst="rect">
+            <a:avLst/>
+          </a:prstGeom>
+        </p:spPr>
+        <p:txBody>
+          <a:bodyPr>
+            <a:spAutoFit/>
+          </a:bodyPr>
+          <a:lstStyle/>
+          <a:p>
+            <a:r>
+              <a:rPr lang="fr-FR" dirty="0" smtClean="0"/>
+              <a:t>V Front End </a:t>
+            </a:r>
+            <a:endParaRPr lang="fr-FR" dirty="0" smtClean="0"/>
+          </a:p>
+          <a:p>
+            <a:r>
+              <a:rPr lang="fr-FR" dirty="0" smtClean="0"/>
+              <a:t>	</a:t>
+            </a:r>
+            <a:r>
+              <a:rPr lang="fr-FR" dirty="0" smtClean="0"/>
+              <a:t>B) HTML et CSS: Page Bannière</a:t>
+            </a:r>
+            <a:endParaRPr lang="fr-FR" dirty="0" smtClean="0"/>
+          </a:p>
+        </p:txBody>
+      </p:sp>
+      <p:pic>
+        <p:nvPicPr>
+          <p:cNvPr id="5" name="Image 4"/>
+          <p:cNvPicPr>
+            <a:picLocks noChangeAspect="1"/>
+          </p:cNvPicPr>
+          <p:nvPr/>
+        </p:nvPicPr>
+        <p:blipFill>
+          <a:blip r:embed="rId2"/>
+          <a:stretch>
+            <a:fillRect/>
+          </a:stretch>
+        </p:blipFill>
+        <p:spPr>
+          <a:xfrm>
+            <a:off x="871537" y="980388"/>
+            <a:ext cx="11287954" cy="4558399"/>
+          </a:xfrm>
+          <a:prstGeom prst="rect">
+            <a:avLst/>
+          </a:prstGeom>
+        </p:spPr>
+      </p:pic>
+    </p:spTree>
+    <p:extLst>
+      <p:ext uri="{BB962C8B-B14F-4D97-AF65-F5344CB8AC3E}">
+        <p14:creationId xmlns:p14="http://schemas.microsoft.com/office/powerpoint/2010/main" val="617001039"/>
+      </p:ext>
+    </p:extLst>
+  </p:cSld>
+  <p:clrMapOvr>
+    <a:masterClrMapping/>
+  </p:clrMapOvr>
+</p:sld>
+</file>
+
+<file path=ppt/slides/slide33.xml><?xml version="1.0" encoding="utf-8"?>
+<p:sld xmlns:a="http://schemas.openxmlformats.org/drawingml/2006/main" xmlns:r="http://schemas.openxmlformats.org/officeDocument/2006/relationships" xmlns:p="http://schemas.openxmlformats.org/presentationml/2006/main">
+  <p:cSld>
+    <p:spTree>
+      <p:nvGrpSpPr>
+        <p:cNvPr id="1" name=""/>
+        <p:cNvGrpSpPr/>
+        <p:nvPr/>
+      </p:nvGrpSpPr>
+      <p:grpSpPr>
+        <a:xfrm>
+          <a:off x="0" y="0"/>
+          <a:ext cx="0" cy="0"/>
+          <a:chOff x="0" y="0"/>
+          <a:chExt cx="0" cy="0"/>
+        </a:xfrm>
+      </p:grpSpPr>
+      <p:sp>
+        <p:nvSpPr>
+          <p:cNvPr id="2" name="Espace réservé du numéro de diapositive 1"/>
+          <p:cNvSpPr>
+            <a:spLocks noGrp="1"/>
+          </p:cNvSpPr>
+          <p:nvPr>
+            <p:ph type="sldNum" sz="quarter" idx="12"/>
+          </p:nvPr>
+        </p:nvSpPr>
+        <p:spPr/>
+        <p:txBody>
+          <a:bodyPr/>
+          <a:lstStyle/>
+          <a:p>
+            <a:fld id="{C992E66A-41E9-4F30-B3C8-2FF86DC5BC5A}" type="slidenum">
+              <a:rPr lang="fr-FR" sz="2000" smtClean="0"/>
+              <a:t>33</a:t>
+            </a:fld>
+            <a:endParaRPr lang="fr-FR" sz="2000" dirty="0"/>
+          </a:p>
+        </p:txBody>
+      </p:sp>
+      <p:sp>
+        <p:nvSpPr>
+          <p:cNvPr id="3" name="Rectangle 2"/>
+          <p:cNvSpPr/>
+          <p:nvPr/>
+        </p:nvSpPr>
+        <p:spPr>
+          <a:xfrm>
+            <a:off x="164295" y="50800"/>
+            <a:ext cx="6096000" cy="646331"/>
+          </a:xfrm>
+          <a:prstGeom prst="rect">
+            <a:avLst/>
+          </a:prstGeom>
+        </p:spPr>
+        <p:txBody>
+          <a:bodyPr>
+            <a:spAutoFit/>
+          </a:bodyPr>
+          <a:lstStyle/>
+          <a:p>
+            <a:r>
+              <a:rPr lang="fr-FR" dirty="0" smtClean="0"/>
+              <a:t>V Front End </a:t>
+            </a:r>
+            <a:endParaRPr lang="fr-FR" dirty="0" smtClean="0"/>
+          </a:p>
+          <a:p>
+            <a:r>
+              <a:rPr lang="fr-FR" dirty="0" smtClean="0"/>
+              <a:t>	</a:t>
+            </a:r>
+            <a:r>
+              <a:rPr lang="fr-FR" dirty="0" smtClean="0"/>
+              <a:t>B) HTML et CSS: Page Bannière</a:t>
+            </a:r>
+            <a:endParaRPr lang="fr-FR" dirty="0" smtClean="0"/>
+          </a:p>
+        </p:txBody>
+      </p:sp>
+      <p:pic>
+        <p:nvPicPr>
+          <p:cNvPr id="4" name="Image 3"/>
+          <p:cNvPicPr>
+            <a:picLocks noChangeAspect="1"/>
+          </p:cNvPicPr>
+          <p:nvPr/>
+        </p:nvPicPr>
+        <p:blipFill>
+          <a:blip r:embed="rId2"/>
+          <a:stretch>
+            <a:fillRect/>
+          </a:stretch>
+        </p:blipFill>
+        <p:spPr>
+          <a:xfrm>
+            <a:off x="423862" y="855133"/>
+            <a:ext cx="8910417" cy="5487987"/>
+          </a:xfrm>
+          <a:prstGeom prst="rect">
+            <a:avLst/>
+          </a:prstGeom>
+        </p:spPr>
+      </p:pic>
+    </p:spTree>
+    <p:extLst>
+      <p:ext uri="{BB962C8B-B14F-4D97-AF65-F5344CB8AC3E}">
+        <p14:creationId xmlns:p14="http://schemas.microsoft.com/office/powerpoint/2010/main" val="4594452"/>
+      </p:ext>
+    </p:extLst>
+  </p:cSld>
+  <p:clrMapOvr>
+    <a:masterClrMapping/>
+  </p:clrMapOvr>
+</p:sld>
+</file>
+
+<file path=ppt/slides/slide34.xml><?xml version="1.0" encoding="utf-8"?>
+<p:sld xmlns:a="http://schemas.openxmlformats.org/drawingml/2006/main" xmlns:r="http://schemas.openxmlformats.org/officeDocument/2006/relationships" xmlns:p="http://schemas.openxmlformats.org/presentationml/2006/main">
+  <p:cSld>
+    <p:spTree>
+      <p:nvGrpSpPr>
+        <p:cNvPr id="1" name=""/>
+        <p:cNvGrpSpPr/>
+        <p:nvPr/>
+      </p:nvGrpSpPr>
+      <p:grpSpPr>
+        <a:xfrm>
+          <a:off x="0" y="0"/>
+          <a:ext cx="0" cy="0"/>
+          <a:chOff x="0" y="0"/>
+          <a:chExt cx="0" cy="0"/>
+        </a:xfrm>
+      </p:grpSpPr>
+      <p:sp>
+        <p:nvSpPr>
+          <p:cNvPr id="2" name="Espace réservé du numéro de diapositive 1"/>
+          <p:cNvSpPr>
+            <a:spLocks noGrp="1"/>
+          </p:cNvSpPr>
+          <p:nvPr>
+            <p:ph type="sldNum" sz="quarter" idx="12"/>
+          </p:nvPr>
+        </p:nvSpPr>
+        <p:spPr/>
+        <p:txBody>
+          <a:bodyPr/>
+          <a:lstStyle/>
+          <a:p>
+            <a:fld id="{C992E66A-41E9-4F30-B3C8-2FF86DC5BC5A}" type="slidenum">
+              <a:rPr lang="fr-FR" sz="2000" smtClean="0"/>
+              <a:t>34</a:t>
+            </a:fld>
+            <a:endParaRPr lang="fr-FR" sz="2000" dirty="0"/>
+          </a:p>
+        </p:txBody>
+      </p:sp>
+      <p:pic>
+        <p:nvPicPr>
+          <p:cNvPr id="4" name="Image 3"/>
+          <p:cNvPicPr>
+            <a:picLocks noChangeAspect="1"/>
+          </p:cNvPicPr>
+          <p:nvPr/>
+        </p:nvPicPr>
+        <p:blipFill>
+          <a:blip r:embed="rId2"/>
+          <a:stretch>
+            <a:fillRect/>
+          </a:stretch>
+        </p:blipFill>
+        <p:spPr>
+          <a:xfrm>
+            <a:off x="1930400" y="629974"/>
+            <a:ext cx="8458200" cy="6115050"/>
+          </a:xfrm>
+          <a:prstGeom prst="rect">
+            <a:avLst/>
+          </a:prstGeom>
+        </p:spPr>
+      </p:pic>
+      <p:sp>
+        <p:nvSpPr>
+          <p:cNvPr id="5" name="Rectangle 4"/>
+          <p:cNvSpPr/>
+          <p:nvPr/>
+        </p:nvSpPr>
+        <p:spPr>
+          <a:xfrm>
+            <a:off x="164295" y="50800"/>
+            <a:ext cx="6096000" cy="646331"/>
+          </a:xfrm>
+          <a:prstGeom prst="rect">
+            <a:avLst/>
+          </a:prstGeom>
+        </p:spPr>
+        <p:txBody>
+          <a:bodyPr>
+            <a:spAutoFit/>
+          </a:bodyPr>
+          <a:lstStyle/>
+          <a:p>
+            <a:r>
+              <a:rPr lang="fr-FR" dirty="0" smtClean="0"/>
+              <a:t>V Front End </a:t>
+            </a:r>
+            <a:endParaRPr lang="fr-FR" dirty="0" smtClean="0"/>
+          </a:p>
+          <a:p>
+            <a:r>
+              <a:rPr lang="fr-FR" dirty="0" smtClean="0"/>
+              <a:t>	</a:t>
+            </a:r>
+            <a:r>
+              <a:rPr lang="fr-FR" dirty="0" smtClean="0"/>
+              <a:t>B) HTML et CSS: Page Bannière</a:t>
+            </a:r>
+            <a:endParaRPr lang="fr-FR" dirty="0" smtClean="0"/>
+          </a:p>
+        </p:txBody>
+      </p:sp>
+    </p:spTree>
+    <p:extLst>
+      <p:ext uri="{BB962C8B-B14F-4D97-AF65-F5344CB8AC3E}">
+        <p14:creationId xmlns:p14="http://schemas.microsoft.com/office/powerpoint/2010/main" val="376125987"/>
+      </p:ext>
+    </p:extLst>
+  </p:cSld>
+  <p:clrMapOvr>
+    <a:masterClrMapping/>
+  </p:clrMapOvr>
+</p:sld>
+</file>
+
+<file path=ppt/slides/slide35.xml><?xml version="1.0" encoding="utf-8"?>
+<p:sld xmlns:a="http://schemas.openxmlformats.org/drawingml/2006/main" xmlns:r="http://schemas.openxmlformats.org/officeDocument/2006/relationships" xmlns:p="http://schemas.openxmlformats.org/presentationml/2006/main">
+  <p:cSld>
+    <p:spTree>
+      <p:nvGrpSpPr>
+        <p:cNvPr id="1" name=""/>
+        <p:cNvGrpSpPr/>
+        <p:nvPr/>
+      </p:nvGrpSpPr>
+      <p:grpSpPr>
+        <a:xfrm>
+          <a:off x="0" y="0"/>
+          <a:ext cx="0" cy="0"/>
+          <a:chOff x="0" y="0"/>
+          <a:chExt cx="0" cy="0"/>
+        </a:xfrm>
+      </p:grpSpPr>
+      <p:sp>
+        <p:nvSpPr>
+          <p:cNvPr id="2" name="Espace réservé du numéro de diapositive 1"/>
+          <p:cNvSpPr>
+            <a:spLocks noGrp="1"/>
+          </p:cNvSpPr>
+          <p:nvPr>
+            <p:ph type="sldNum" sz="quarter" idx="12"/>
+          </p:nvPr>
+        </p:nvSpPr>
+        <p:spPr/>
+        <p:txBody>
+          <a:bodyPr/>
+          <a:lstStyle/>
+          <a:p>
+            <a:fld id="{C992E66A-41E9-4F30-B3C8-2FF86DC5BC5A}" type="slidenum">
+              <a:rPr lang="fr-FR" sz="2000" smtClean="0"/>
+              <a:t>35</a:t>
+            </a:fld>
+            <a:endParaRPr lang="fr-FR" sz="2000" dirty="0"/>
+          </a:p>
+        </p:txBody>
+      </p:sp>
+      <p:pic>
+        <p:nvPicPr>
+          <p:cNvPr id="3" name="Image 2"/>
+          <p:cNvPicPr>
+            <a:picLocks noChangeAspect="1"/>
+          </p:cNvPicPr>
+          <p:nvPr/>
+        </p:nvPicPr>
+        <p:blipFill>
+          <a:blip r:embed="rId2"/>
+          <a:stretch>
+            <a:fillRect/>
+          </a:stretch>
+        </p:blipFill>
+        <p:spPr>
+          <a:xfrm>
+            <a:off x="794809" y="912338"/>
+            <a:ext cx="8096250" cy="5448300"/>
+          </a:xfrm>
+          <a:prstGeom prst="rect">
+            <a:avLst/>
+          </a:prstGeom>
+        </p:spPr>
+      </p:pic>
+      <p:sp>
+        <p:nvSpPr>
+          <p:cNvPr id="4" name="Rectangle 3"/>
+          <p:cNvSpPr/>
+          <p:nvPr/>
+        </p:nvSpPr>
+        <p:spPr>
+          <a:xfrm>
+            <a:off x="164295" y="50800"/>
+            <a:ext cx="6096000" cy="646331"/>
+          </a:xfrm>
+          <a:prstGeom prst="rect">
+            <a:avLst/>
+          </a:prstGeom>
+        </p:spPr>
+        <p:txBody>
+          <a:bodyPr>
+            <a:spAutoFit/>
+          </a:bodyPr>
+          <a:lstStyle/>
+          <a:p>
+            <a:r>
+              <a:rPr lang="fr-FR" dirty="0" smtClean="0"/>
+              <a:t>V Front End </a:t>
+            </a:r>
+            <a:endParaRPr lang="fr-FR" dirty="0" smtClean="0"/>
+          </a:p>
+          <a:p>
+            <a:r>
+              <a:rPr lang="fr-FR" dirty="0" smtClean="0"/>
+              <a:t>	</a:t>
+            </a:r>
+            <a:r>
+              <a:rPr lang="fr-FR" dirty="0" smtClean="0"/>
+              <a:t>B) HTML et CSS: Page Bannière</a:t>
+            </a:r>
+            <a:endParaRPr lang="fr-FR" dirty="0" smtClean="0"/>
+          </a:p>
+        </p:txBody>
+      </p:sp>
+    </p:spTree>
+    <p:extLst>
+      <p:ext uri="{BB962C8B-B14F-4D97-AF65-F5344CB8AC3E}">
+        <p14:creationId xmlns:p14="http://schemas.microsoft.com/office/powerpoint/2010/main" val="2671546654"/>
+      </p:ext>
+    </p:extLst>
+  </p:cSld>
+  <p:clrMapOvr>
+    <a:masterClrMapping/>
+  </p:clrMapOvr>
+</p:sld>
+</file>
+
+<file path=ppt/slides/slide36.xml><?xml version="1.0" encoding="utf-8"?>
+<p:sld xmlns:a="http://schemas.openxmlformats.org/drawingml/2006/main" xmlns:r="http://schemas.openxmlformats.org/officeDocument/2006/relationships" xmlns:p="http://schemas.openxmlformats.org/presentationml/2006/main">
+  <p:cSld>
+    <p:spTree>
+      <p:nvGrpSpPr>
+        <p:cNvPr id="1" name=""/>
+        <p:cNvGrpSpPr/>
+        <p:nvPr/>
+      </p:nvGrpSpPr>
+      <p:grpSpPr>
+        <a:xfrm>
+          <a:off x="0" y="0"/>
+          <a:ext cx="0" cy="0"/>
+          <a:chOff x="0" y="0"/>
+          <a:chExt cx="0" cy="0"/>
+        </a:xfrm>
+      </p:grpSpPr>
+      <p:sp>
+        <p:nvSpPr>
+          <p:cNvPr id="2" name="Espace réservé du numéro de diapositive 1"/>
+          <p:cNvSpPr>
+            <a:spLocks noGrp="1"/>
+          </p:cNvSpPr>
+          <p:nvPr>
+            <p:ph type="sldNum" sz="quarter" idx="12"/>
+          </p:nvPr>
+        </p:nvSpPr>
+        <p:spPr/>
+        <p:txBody>
+          <a:bodyPr/>
+          <a:lstStyle/>
+          <a:p>
+            <a:fld id="{C992E66A-41E9-4F30-B3C8-2FF86DC5BC5A}" type="slidenum">
+              <a:rPr lang="fr-FR" sz="2000" smtClean="0"/>
+              <a:t>36</a:t>
+            </a:fld>
+            <a:endParaRPr lang="fr-FR" sz="2000" dirty="0"/>
+          </a:p>
+        </p:txBody>
+      </p:sp>
+      <p:pic>
+        <p:nvPicPr>
+          <p:cNvPr id="3" name="Image 2"/>
+          <p:cNvPicPr>
+            <a:picLocks noChangeAspect="1"/>
+          </p:cNvPicPr>
+          <p:nvPr/>
+        </p:nvPicPr>
+        <p:blipFill>
+          <a:blip r:embed="rId2"/>
+          <a:stretch>
+            <a:fillRect/>
+          </a:stretch>
+        </p:blipFill>
+        <p:spPr>
+          <a:xfrm>
+            <a:off x="5156658" y="212779"/>
+            <a:ext cx="4838700" cy="6257925"/>
+          </a:xfrm>
+          <a:prstGeom prst="rect">
+            <a:avLst/>
+          </a:prstGeom>
+        </p:spPr>
+      </p:pic>
+      <p:sp>
+        <p:nvSpPr>
+          <p:cNvPr id="4" name="Rectangle 3"/>
+          <p:cNvSpPr/>
+          <p:nvPr/>
+        </p:nvSpPr>
+        <p:spPr>
+          <a:xfrm>
+            <a:off x="164295" y="50800"/>
+            <a:ext cx="6096000" cy="646331"/>
+          </a:xfrm>
+          <a:prstGeom prst="rect">
+            <a:avLst/>
+          </a:prstGeom>
+        </p:spPr>
+        <p:txBody>
+          <a:bodyPr>
+            <a:spAutoFit/>
+          </a:bodyPr>
+          <a:lstStyle/>
+          <a:p>
+            <a:r>
+              <a:rPr lang="fr-FR" dirty="0" smtClean="0"/>
+              <a:t>V Front End </a:t>
+            </a:r>
+            <a:endParaRPr lang="fr-FR" dirty="0" smtClean="0"/>
+          </a:p>
+          <a:p>
+            <a:r>
+              <a:rPr lang="fr-FR" dirty="0" smtClean="0"/>
+              <a:t>	</a:t>
+            </a:r>
+            <a:r>
+              <a:rPr lang="fr-FR" dirty="0" smtClean="0"/>
+              <a:t>B) HTML et CSS: </a:t>
+            </a:r>
+            <a:r>
+              <a:rPr lang="fr-FR" dirty="0"/>
+              <a:t>P</a:t>
+            </a:r>
+            <a:r>
+              <a:rPr lang="fr-FR" dirty="0" smtClean="0"/>
+              <a:t>age Bannière</a:t>
+            </a:r>
+            <a:endParaRPr lang="fr-FR" dirty="0" smtClean="0"/>
+          </a:p>
+        </p:txBody>
+      </p:sp>
+    </p:spTree>
+    <p:extLst>
+      <p:ext uri="{BB962C8B-B14F-4D97-AF65-F5344CB8AC3E}">
+        <p14:creationId xmlns:p14="http://schemas.microsoft.com/office/powerpoint/2010/main" val="1745933347"/>
+      </p:ext>
+    </p:extLst>
+  </p:cSld>
+  <p:clrMapOvr>
+    <a:masterClrMapping/>
+  </p:clrMapOvr>
+</p:sld>
+</file>
+
+<file path=ppt/slides/slide37.xml><?xml version="1.0" encoding="utf-8"?>
+<p:sld xmlns:a="http://schemas.openxmlformats.org/drawingml/2006/main" xmlns:r="http://schemas.openxmlformats.org/officeDocument/2006/relationships" xmlns:p="http://schemas.openxmlformats.org/presentationml/2006/main">
+  <p:cSld>
+    <p:spTree>
+      <p:nvGrpSpPr>
+        <p:cNvPr id="1" name=""/>
+        <p:cNvGrpSpPr/>
+        <p:nvPr/>
+      </p:nvGrpSpPr>
+      <p:grpSpPr>
+        <a:xfrm>
+          <a:off x="0" y="0"/>
+          <a:ext cx="0" cy="0"/>
+          <a:chOff x="0" y="0"/>
+          <a:chExt cx="0" cy="0"/>
+        </a:xfrm>
+      </p:grpSpPr>
+      <p:sp>
+        <p:nvSpPr>
+          <p:cNvPr id="2" name="Espace réservé du numéro de diapositive 1"/>
+          <p:cNvSpPr>
+            <a:spLocks noGrp="1"/>
+          </p:cNvSpPr>
+          <p:nvPr>
+            <p:ph type="sldNum" sz="quarter" idx="12"/>
+          </p:nvPr>
+        </p:nvSpPr>
+        <p:spPr/>
+        <p:txBody>
+          <a:bodyPr/>
+          <a:lstStyle/>
+          <a:p>
+            <a:fld id="{C992E66A-41E9-4F30-B3C8-2FF86DC5BC5A}" type="slidenum">
+              <a:rPr lang="fr-FR" sz="2000" smtClean="0"/>
+              <a:t>37</a:t>
+            </a:fld>
+            <a:endParaRPr lang="fr-FR" sz="2000" dirty="0"/>
           </a:p>
         </p:txBody>
       </p:sp>
@@ -23204,300 +27628,7 @@
 </p:sld>
 </file>
 
-<file path=ppt/slides/slide2.xml><?xml version="1.0" encoding="utf-8"?>
-<p:sld xmlns:a="http://schemas.openxmlformats.org/drawingml/2006/main" xmlns:r="http://schemas.openxmlformats.org/officeDocument/2006/relationships" xmlns:p="http://schemas.openxmlformats.org/presentationml/2006/main">
-  <p:cSld>
-    <p:spTree>
-      <p:nvGrpSpPr>
-        <p:cNvPr id="1" name=""/>
-        <p:cNvGrpSpPr/>
-        <p:nvPr/>
-      </p:nvGrpSpPr>
-      <p:grpSpPr>
-        <a:xfrm>
-          <a:off x="0" y="0"/>
-          <a:ext cx="0" cy="0"/>
-          <a:chOff x="0" y="0"/>
-          <a:chExt cx="0" cy="0"/>
-        </a:xfrm>
-      </p:grpSpPr>
-      <p:sp>
-        <p:nvSpPr>
-          <p:cNvPr id="2" name="ZoneTexte 1"/>
-          <p:cNvSpPr txBox="1"/>
-          <p:nvPr/>
-        </p:nvSpPr>
-        <p:spPr>
-          <a:xfrm>
-            <a:off x="596901" y="421555"/>
-            <a:ext cx="4025900" cy="6186309"/>
-          </a:xfrm>
-          <a:prstGeom prst="rect">
-            <a:avLst/>
-          </a:prstGeom>
-          <a:noFill/>
-        </p:spPr>
-        <p:txBody>
-          <a:bodyPr wrap="square" rtlCol="0">
-            <a:spAutoFit/>
-          </a:bodyPr>
-          <a:lstStyle/>
-          <a:p>
-            <a:r>
-              <a:rPr lang="fr-FR" dirty="0" smtClean="0">
-                <a:latin typeface="Calibri" panose="020F0502020204030204" pitchFamily="34" charset="0"/>
-              </a:rPr>
-              <a:t>SOMMAIRE</a:t>
-            </a:r>
-          </a:p>
-          <a:p>
-            <a:endParaRPr lang="fr-FR" dirty="0">
-              <a:latin typeface="Calibri" panose="020F0502020204030204" pitchFamily="34" charset="0"/>
-            </a:endParaRPr>
-          </a:p>
-          <a:p>
-            <a:r>
-              <a:rPr lang="fr-FR" dirty="0" smtClean="0">
-                <a:latin typeface="Calibri" panose="020F0502020204030204" pitchFamily="34" charset="0"/>
-              </a:rPr>
-              <a:t>I Présentation du projet </a:t>
-            </a:r>
-          </a:p>
-          <a:p>
-            <a:endParaRPr lang="fr-FR" dirty="0">
-              <a:latin typeface="Calibri" panose="020F0502020204030204" pitchFamily="34" charset="0"/>
-            </a:endParaRPr>
-          </a:p>
-          <a:p>
-            <a:r>
-              <a:rPr lang="fr-FR" dirty="0" smtClean="0">
-                <a:latin typeface="Calibri" panose="020F0502020204030204" pitchFamily="34" charset="0"/>
-              </a:rPr>
-              <a:t>II Cahier des charges</a:t>
-            </a:r>
-          </a:p>
-          <a:p>
-            <a:endParaRPr lang="fr-FR" dirty="0" smtClean="0">
-              <a:latin typeface="Calibri" panose="020F0502020204030204" pitchFamily="34" charset="0"/>
-            </a:endParaRPr>
-          </a:p>
-          <a:p>
-            <a:r>
-              <a:rPr lang="fr-FR" dirty="0" smtClean="0">
-                <a:latin typeface="Calibri" panose="020F0502020204030204" pitchFamily="34" charset="0"/>
-              </a:rPr>
-              <a:t>III Analyse fonctionnelle</a:t>
-            </a:r>
-          </a:p>
-          <a:p>
-            <a:r>
-              <a:rPr lang="fr-FR" dirty="0" smtClean="0">
-                <a:latin typeface="Calibri" panose="020F0502020204030204" pitchFamily="34" charset="0"/>
-              </a:rPr>
-              <a:t>	A </a:t>
-            </a:r>
-            <a:r>
-              <a:rPr lang="fr-FR" dirty="0">
-                <a:latin typeface="Calibri" panose="020F0502020204030204" pitchFamily="34" charset="0"/>
-              </a:rPr>
-              <a:t>Cas d’utilisation</a:t>
-            </a:r>
-          </a:p>
-          <a:p>
-            <a:r>
-              <a:rPr lang="fr-FR" dirty="0">
-                <a:latin typeface="Calibri" panose="020F0502020204030204" pitchFamily="34" charset="0"/>
-              </a:rPr>
-              <a:t>	B Diagrammes</a:t>
-            </a:r>
-          </a:p>
-          <a:p>
-            <a:r>
-              <a:rPr lang="fr-FR" dirty="0">
-                <a:latin typeface="Calibri" panose="020F0502020204030204" pitchFamily="34" charset="0"/>
-              </a:rPr>
-              <a:t>		1) activité</a:t>
-            </a:r>
-          </a:p>
-          <a:p>
-            <a:r>
-              <a:rPr lang="fr-FR" dirty="0">
-                <a:latin typeface="Calibri" panose="020F0502020204030204" pitchFamily="34" charset="0"/>
-              </a:rPr>
-              <a:t>		2) séquence</a:t>
-            </a:r>
-          </a:p>
-          <a:p>
-            <a:r>
-              <a:rPr lang="fr-FR" dirty="0">
-                <a:latin typeface="Calibri" panose="020F0502020204030204" pitchFamily="34" charset="0"/>
-              </a:rPr>
-              <a:t>		3) de classe</a:t>
-            </a:r>
-          </a:p>
-          <a:p>
-            <a:r>
-              <a:rPr lang="fr-FR" dirty="0" smtClean="0">
-                <a:latin typeface="Calibri" panose="020F0502020204030204" pitchFamily="34" charset="0"/>
-              </a:rPr>
-              <a:t>IV Conception</a:t>
-            </a:r>
-          </a:p>
-          <a:p>
-            <a:r>
-              <a:rPr lang="fr-FR" dirty="0" smtClean="0">
-                <a:latin typeface="Calibri" panose="020F0502020204030204" pitchFamily="34" charset="0"/>
-              </a:rPr>
-              <a:t>	A </a:t>
-            </a:r>
-            <a:r>
-              <a:rPr lang="fr-FR" dirty="0">
-                <a:latin typeface="Calibri" panose="020F0502020204030204" pitchFamily="34" charset="0"/>
-              </a:rPr>
-              <a:t>MCD MLD</a:t>
-            </a:r>
-          </a:p>
-          <a:p>
-            <a:r>
-              <a:rPr lang="fr-FR" dirty="0">
-                <a:latin typeface="Calibri" panose="020F0502020204030204" pitchFamily="34" charset="0"/>
-              </a:rPr>
-              <a:t>		1) MCD </a:t>
-            </a:r>
-          </a:p>
-          <a:p>
-            <a:r>
-              <a:rPr lang="fr-FR" dirty="0">
-                <a:latin typeface="Calibri" panose="020F0502020204030204" pitchFamily="34" charset="0"/>
-              </a:rPr>
-              <a:t>		2) MLD</a:t>
-            </a:r>
-          </a:p>
-          <a:p>
-            <a:r>
-              <a:rPr lang="fr-FR" dirty="0">
-                <a:latin typeface="Calibri" panose="020F0502020204030204" pitchFamily="34" charset="0"/>
-              </a:rPr>
-              <a:t>		</a:t>
-            </a:r>
-          </a:p>
-          <a:p>
-            <a:r>
-              <a:rPr lang="fr-FR" dirty="0">
-                <a:latin typeface="Calibri" panose="020F0502020204030204" pitchFamily="34" charset="0"/>
-              </a:rPr>
-              <a:t>	</a:t>
-            </a:r>
-            <a:r>
-              <a:rPr lang="fr-FR" dirty="0" smtClean="0">
-                <a:latin typeface="Calibri" panose="020F0502020204030204" pitchFamily="34" charset="0"/>
-              </a:rPr>
-              <a:t>B </a:t>
-            </a:r>
-            <a:r>
-              <a:rPr lang="fr-FR" dirty="0">
-                <a:latin typeface="Calibri" panose="020F0502020204030204" pitchFamily="34" charset="0"/>
-              </a:rPr>
-              <a:t>SQL </a:t>
-            </a:r>
-          </a:p>
-          <a:p>
-            <a:endParaRPr lang="fr-FR" dirty="0">
-              <a:latin typeface="Calibri" panose="020F0502020204030204" pitchFamily="34" charset="0"/>
-            </a:endParaRPr>
-          </a:p>
-          <a:p>
-            <a:r>
-              <a:rPr lang="fr-FR" dirty="0" smtClean="0">
-                <a:latin typeface="Calibri" panose="020F0502020204030204" pitchFamily="34" charset="0"/>
-              </a:rPr>
-              <a:t>	C Interaction avec la base de données	</a:t>
-            </a:r>
-            <a:endParaRPr lang="fr-FR" sz="1600" dirty="0">
-              <a:latin typeface="Calibri" panose="020F0502020204030204" pitchFamily="34" charset="0"/>
-            </a:endParaRPr>
-          </a:p>
-          <a:p>
-            <a:endParaRPr lang="fr-FR" dirty="0">
-              <a:latin typeface="Calibri" panose="020F0502020204030204" pitchFamily="34" charset="0"/>
-            </a:endParaRPr>
-          </a:p>
-        </p:txBody>
-      </p:sp>
-      <p:sp>
-        <p:nvSpPr>
-          <p:cNvPr id="3" name="Espace réservé du numéro de diapositive 2"/>
-          <p:cNvSpPr>
-            <a:spLocks noGrp="1"/>
-          </p:cNvSpPr>
-          <p:nvPr>
-            <p:ph type="sldNum" sz="quarter" idx="12"/>
-          </p:nvPr>
-        </p:nvSpPr>
-        <p:spPr/>
-        <p:txBody>
-          <a:bodyPr/>
-          <a:lstStyle/>
-          <a:p>
-            <a:fld id="{C992E66A-41E9-4F30-B3C8-2FF86DC5BC5A}" type="slidenum">
-              <a:rPr lang="fr-FR" smtClean="0"/>
-              <a:t>2</a:t>
-            </a:fld>
-            <a:endParaRPr lang="fr-FR"/>
-          </a:p>
-        </p:txBody>
-      </p:sp>
-      <p:pic>
-        <p:nvPicPr>
-          <p:cNvPr id="4" name="Image 3"/>
-          <p:cNvPicPr>
-            <a:picLocks noChangeAspect="1"/>
-          </p:cNvPicPr>
-          <p:nvPr/>
-        </p:nvPicPr>
-        <p:blipFill>
-          <a:blip r:embed="rId2">
-            <a:extLst>
-              <a:ext uri="{28A0092B-C50C-407E-A947-70E740481C1C}">
-                <a14:useLocalDpi xmlns:a14="http://schemas.microsoft.com/office/drawing/2010/main" val="0"/>
-              </a:ext>
-            </a:extLst>
-          </a:blip>
-          <a:stretch>
-            <a:fillRect/>
-          </a:stretch>
-        </p:blipFill>
-        <p:spPr>
-          <a:xfrm>
-            <a:off x="5580062" y="421555"/>
-            <a:ext cx="5553075" cy="5715000"/>
-          </a:xfrm>
-          <a:prstGeom prst="rect">
-            <a:avLst/>
-          </a:prstGeom>
-        </p:spPr>
-      </p:pic>
-    </p:spTree>
-    <p:extLst>
-      <p:ext uri="{BB962C8B-B14F-4D97-AF65-F5344CB8AC3E}">
-        <p14:creationId xmlns:p14="http://schemas.microsoft.com/office/powerpoint/2010/main" val="4262326305"/>
-      </p:ext>
-    </p:extLst>
-  </p:cSld>
-  <p:clrMapOvr>
-    <a:masterClrMapping/>
-  </p:clrMapOvr>
-  <p:timing>
-    <p:tnLst>
-      <p:par>
-        <p:cTn id="1" dur="indefinite" restart="never" nodeType="tmRoot"/>
-      </p:par>
-    </p:tnLst>
-  </p:timing>
-</p:sld>
-</file>
-
-<file path=ppt/slides/slide3.xml><?xml version="1.0" encoding="utf-8"?>
+<file path=ppt/slides/slide4.xml><?xml version="1.0" encoding="utf-8"?>
 <p:sld xmlns:a="http://schemas.openxmlformats.org/drawingml/2006/main" xmlns:r="http://schemas.openxmlformats.org/officeDocument/2006/relationships" xmlns:p="http://schemas.openxmlformats.org/presentationml/2006/main">
   <p:cSld>
     <p:spTree>
@@ -23530,10 +27661,10 @@
           <a:lstStyle/>
           <a:p>
             <a:fld id="{C992E66A-41E9-4F30-B3C8-2FF86DC5BC5A}" type="slidenum">
-              <a:rPr lang="fr-FR" smtClean="0"/>
-              <a:t>3</a:t>
+              <a:rPr lang="fr-FR" sz="2000" smtClean="0"/>
+              <a:t>4</a:t>
             </a:fld>
-            <a:endParaRPr lang="fr-FR"/>
+            <a:endParaRPr lang="fr-FR" sz="2000" dirty="0"/>
           </a:p>
         </p:txBody>
       </p:sp>
@@ -23684,667 +27815,6 @@
 </p:sld>
 </file>
 
-<file path=ppt/slides/slide4.xml><?xml version="1.0" encoding="utf-8"?>
-<p:sld xmlns:a="http://schemas.openxmlformats.org/drawingml/2006/main" xmlns:r="http://schemas.openxmlformats.org/officeDocument/2006/relationships" xmlns:p="http://schemas.openxmlformats.org/presentationml/2006/main">
-  <p:cSld>
-    <p:spTree>
-      <p:nvGrpSpPr>
-        <p:cNvPr id="1" name=""/>
-        <p:cNvGrpSpPr/>
-        <p:nvPr/>
-      </p:nvGrpSpPr>
-      <p:grpSpPr>
-        <a:xfrm>
-          <a:off x="0" y="0"/>
-          <a:ext cx="0" cy="0"/>
-          <a:chOff x="0" y="0"/>
-          <a:chExt cx="0" cy="0"/>
-        </a:xfrm>
-      </p:grpSpPr>
-      <p:sp>
-        <p:nvSpPr>
-          <p:cNvPr id="2" name="ZoneTexte 1"/>
-          <p:cNvSpPr txBox="1"/>
-          <p:nvPr/>
-        </p:nvSpPr>
-        <p:spPr>
-          <a:xfrm>
-            <a:off x="1473199" y="596900"/>
-            <a:ext cx="5033927" cy="5974071"/>
-          </a:xfrm>
-          <a:prstGeom prst="rect">
-            <a:avLst/>
-          </a:prstGeom>
-          <a:noFill/>
-        </p:spPr>
-        <p:txBody>
-          <a:bodyPr wrap="square" rtlCol="0">
-            <a:spAutoFit/>
-          </a:bodyPr>
-          <a:lstStyle/>
-          <a:p>
-            <a:pPr algn="just">
-              <a:lnSpc>
-                <a:spcPct val="107000"/>
-              </a:lnSpc>
-              <a:spcAft>
-                <a:spcPts val="800"/>
-              </a:spcAft>
-            </a:pPr>
-            <a:r>
-              <a:rPr lang="fr-FR" b="1" u="sng" dirty="0" smtClean="0">
-                <a:effectLst/>
-                <a:latin typeface="Times New Roman" panose="02020603050405020304" pitchFamily="18" charset="0"/>
-                <a:ea typeface="Times New Roman" panose="02020603050405020304" pitchFamily="18" charset="0"/>
-                <a:cs typeface="Times New Roman" panose="02020603050405020304" pitchFamily="18" charset="0"/>
-              </a:rPr>
-              <a:t>Partie 1 Présentation du projet</a:t>
-            </a:r>
-            <a:r>
-              <a:rPr lang="fr-FR" b="1" dirty="0" smtClean="0">
-                <a:effectLst/>
-                <a:latin typeface="Times New Roman" panose="02020603050405020304" pitchFamily="18" charset="0"/>
-                <a:ea typeface="Times New Roman" panose="02020603050405020304" pitchFamily="18" charset="0"/>
-                <a:cs typeface="Times New Roman" panose="02020603050405020304" pitchFamily="18" charset="0"/>
-              </a:rPr>
-              <a:t> </a:t>
-            </a:r>
-            <a:endParaRPr lang="fr-FR" dirty="0" smtClean="0">
-              <a:effectLst/>
-              <a:latin typeface="Calibri" panose="020F0502020204030204" pitchFamily="34" charset="0"/>
-              <a:ea typeface="Calibri" panose="020F0502020204030204" pitchFamily="34" charset="0"/>
-              <a:cs typeface="Times New Roman" panose="02020603050405020304" pitchFamily="18" charset="0"/>
-            </a:endParaRPr>
-          </a:p>
-          <a:p>
-            <a:pPr indent="449580" algn="just">
-              <a:lnSpc>
-                <a:spcPct val="107000"/>
-              </a:lnSpc>
-              <a:spcAft>
-                <a:spcPts val="800"/>
-              </a:spcAft>
-            </a:pPr>
-            <a:r>
-              <a:rPr lang="fr-FR" u="sng" dirty="0" smtClean="0">
-                <a:effectLst/>
-                <a:latin typeface="Times New Roman" panose="02020603050405020304" pitchFamily="18" charset="0"/>
-                <a:ea typeface="Times New Roman" panose="02020603050405020304" pitchFamily="18" charset="0"/>
-                <a:cs typeface="Times New Roman" panose="02020603050405020304" pitchFamily="18" charset="0"/>
-              </a:rPr>
-              <a:t>A) Présentation du projet</a:t>
-            </a:r>
-            <a:endParaRPr lang="fr-FR" u="sng" dirty="0" smtClean="0">
-              <a:effectLst/>
-              <a:latin typeface="Calibri" panose="020F0502020204030204" pitchFamily="34" charset="0"/>
-              <a:ea typeface="Calibri" panose="020F0502020204030204" pitchFamily="34" charset="0"/>
-              <a:cs typeface="Times New Roman" panose="02020603050405020304" pitchFamily="18" charset="0"/>
-            </a:endParaRPr>
-          </a:p>
-          <a:p>
-            <a:pPr marL="449580" indent="449580" algn="just">
-              <a:lnSpc>
-                <a:spcPct val="107000"/>
-              </a:lnSpc>
-              <a:spcAft>
-                <a:spcPts val="800"/>
-              </a:spcAft>
-            </a:pPr>
-            <a:r>
-              <a:rPr lang="fr-FR" dirty="0" smtClean="0">
-                <a:effectLst/>
-                <a:latin typeface="Times New Roman" panose="02020603050405020304" pitchFamily="18" charset="0"/>
-                <a:ea typeface="Times New Roman" panose="02020603050405020304" pitchFamily="18" charset="0"/>
-                <a:cs typeface="Times New Roman" panose="02020603050405020304" pitchFamily="18" charset="0"/>
-              </a:rPr>
-              <a:t>1) Projet et objectifs</a:t>
-            </a:r>
-            <a:endParaRPr lang="fr-FR" dirty="0" smtClean="0">
-              <a:effectLst/>
-              <a:latin typeface="Calibri" panose="020F0502020204030204" pitchFamily="34" charset="0"/>
-              <a:ea typeface="Calibri" panose="020F0502020204030204" pitchFamily="34" charset="0"/>
-              <a:cs typeface="Times New Roman" panose="02020603050405020304" pitchFamily="18" charset="0"/>
-            </a:endParaRPr>
-          </a:p>
-          <a:p>
-            <a:pPr marL="899160" indent="449580" algn="just">
-              <a:lnSpc>
-                <a:spcPct val="107000"/>
-              </a:lnSpc>
-              <a:spcAft>
-                <a:spcPts val="800"/>
-              </a:spcAft>
-            </a:pPr>
-            <a:r>
-              <a:rPr lang="fr-FR" dirty="0" smtClean="0">
-                <a:effectLst/>
-                <a:latin typeface="Times New Roman" panose="02020603050405020304" pitchFamily="18" charset="0"/>
-                <a:ea typeface="Times New Roman" panose="02020603050405020304" pitchFamily="18" charset="0"/>
-                <a:cs typeface="Times New Roman" panose="02020603050405020304" pitchFamily="18" charset="0"/>
-              </a:rPr>
-              <a:t>a) statut actuel marque et identité</a:t>
-            </a:r>
-            <a:endParaRPr lang="fr-FR" dirty="0" smtClean="0">
-              <a:effectLst/>
-              <a:latin typeface="Calibri" panose="020F0502020204030204" pitchFamily="34" charset="0"/>
-              <a:ea typeface="Calibri" panose="020F0502020204030204" pitchFamily="34" charset="0"/>
-              <a:cs typeface="Times New Roman" panose="02020603050405020304" pitchFamily="18" charset="0"/>
-            </a:endParaRPr>
-          </a:p>
-          <a:p>
-            <a:pPr marL="899160" indent="449580" algn="just">
-              <a:lnSpc>
-                <a:spcPct val="107000"/>
-              </a:lnSpc>
-              <a:spcAft>
-                <a:spcPts val="800"/>
-              </a:spcAft>
-            </a:pPr>
-            <a:r>
-              <a:rPr lang="fr-FR" dirty="0" smtClean="0">
-                <a:effectLst/>
-                <a:latin typeface="Times New Roman" panose="02020603050405020304" pitchFamily="18" charset="0"/>
-                <a:ea typeface="Times New Roman" panose="02020603050405020304" pitchFamily="18" charset="0"/>
-                <a:cs typeface="Times New Roman" panose="02020603050405020304" pitchFamily="18" charset="0"/>
-              </a:rPr>
-              <a:t>b) histoire</a:t>
-            </a:r>
-            <a:endParaRPr lang="fr-FR" dirty="0" smtClean="0">
-              <a:effectLst/>
-              <a:latin typeface="Calibri" panose="020F0502020204030204" pitchFamily="34" charset="0"/>
-              <a:ea typeface="Calibri" panose="020F0502020204030204" pitchFamily="34" charset="0"/>
-              <a:cs typeface="Times New Roman" panose="02020603050405020304" pitchFamily="18" charset="0"/>
-            </a:endParaRPr>
-          </a:p>
-          <a:p>
-            <a:pPr marL="899160" indent="449580" algn="just">
-              <a:lnSpc>
-                <a:spcPct val="107000"/>
-              </a:lnSpc>
-              <a:spcAft>
-                <a:spcPts val="800"/>
-              </a:spcAft>
-            </a:pPr>
-            <a:r>
-              <a:rPr lang="fr-FR" dirty="0" smtClean="0">
-                <a:effectLst/>
-                <a:latin typeface="Times New Roman" panose="02020603050405020304" pitchFamily="18" charset="0"/>
-                <a:ea typeface="Times New Roman" panose="02020603050405020304" pitchFamily="18" charset="0"/>
-                <a:cs typeface="Times New Roman" panose="02020603050405020304" pitchFamily="18" charset="0"/>
-              </a:rPr>
-              <a:t>c) secteur d’activité</a:t>
-            </a:r>
-            <a:endParaRPr lang="fr-FR" dirty="0" smtClean="0">
-              <a:effectLst/>
-              <a:latin typeface="Calibri" panose="020F0502020204030204" pitchFamily="34" charset="0"/>
-              <a:ea typeface="Calibri" panose="020F0502020204030204" pitchFamily="34" charset="0"/>
-              <a:cs typeface="Times New Roman" panose="02020603050405020304" pitchFamily="18" charset="0"/>
-            </a:endParaRPr>
-          </a:p>
-          <a:p>
-            <a:pPr marL="899160" indent="449580" algn="just">
-              <a:lnSpc>
-                <a:spcPct val="107000"/>
-              </a:lnSpc>
-              <a:spcAft>
-                <a:spcPts val="800"/>
-              </a:spcAft>
-            </a:pPr>
-            <a:r>
-              <a:rPr lang="fr-FR" dirty="0" smtClean="0">
-                <a:effectLst/>
-                <a:latin typeface="Times New Roman" panose="02020603050405020304" pitchFamily="18" charset="0"/>
-                <a:ea typeface="Times New Roman" panose="02020603050405020304" pitchFamily="18" charset="0"/>
-                <a:cs typeface="Times New Roman" panose="02020603050405020304" pitchFamily="18" charset="0"/>
-              </a:rPr>
-              <a:t>d) le projet </a:t>
-            </a:r>
-            <a:endParaRPr lang="fr-FR" dirty="0" smtClean="0">
-              <a:effectLst/>
-              <a:latin typeface="Calibri" panose="020F0502020204030204" pitchFamily="34" charset="0"/>
-              <a:ea typeface="Calibri" panose="020F0502020204030204" pitchFamily="34" charset="0"/>
-              <a:cs typeface="Times New Roman" panose="02020603050405020304" pitchFamily="18" charset="0"/>
-            </a:endParaRPr>
-          </a:p>
-          <a:p>
-            <a:pPr marL="449580" indent="449580" algn="just">
-              <a:lnSpc>
-                <a:spcPct val="107000"/>
-              </a:lnSpc>
-              <a:spcAft>
-                <a:spcPts val="800"/>
-              </a:spcAft>
-            </a:pPr>
-            <a:r>
-              <a:rPr lang="fr-FR" dirty="0" smtClean="0">
-                <a:effectLst/>
-                <a:latin typeface="Times New Roman" panose="02020603050405020304" pitchFamily="18" charset="0"/>
-                <a:ea typeface="Times New Roman" panose="02020603050405020304" pitchFamily="18" charset="0"/>
-                <a:cs typeface="Times New Roman" panose="02020603050405020304" pitchFamily="18" charset="0"/>
-              </a:rPr>
-              <a:t>2) Etude du besoin </a:t>
-            </a:r>
-            <a:endParaRPr lang="fr-FR" dirty="0">
-              <a:latin typeface="Times New Roman" panose="02020603050405020304" pitchFamily="18" charset="0"/>
-              <a:ea typeface="Times New Roman" panose="02020603050405020304" pitchFamily="18" charset="0"/>
-              <a:cs typeface="Times New Roman" panose="02020603050405020304" pitchFamily="18" charset="0"/>
-            </a:endParaRPr>
-          </a:p>
-          <a:p>
-            <a:pPr marL="449580" indent="449580" algn="just">
-              <a:lnSpc>
-                <a:spcPct val="107000"/>
-              </a:lnSpc>
-              <a:spcAft>
-                <a:spcPts val="800"/>
-              </a:spcAft>
-            </a:pPr>
-            <a:r>
-              <a:rPr lang="fr-FR" dirty="0">
-                <a:latin typeface="Times New Roman" panose="02020603050405020304" pitchFamily="18" charset="0"/>
-                <a:ea typeface="Times New Roman" panose="02020603050405020304" pitchFamily="18" charset="0"/>
-                <a:cs typeface="Times New Roman" panose="02020603050405020304" pitchFamily="18" charset="0"/>
-              </a:rPr>
-              <a:t>3) Concurrence</a:t>
-            </a:r>
-            <a:endParaRPr lang="fr-FR" dirty="0">
-              <a:latin typeface="Calibri" panose="020F0502020204030204" pitchFamily="34" charset="0"/>
-              <a:ea typeface="Calibri" panose="020F0502020204030204" pitchFamily="34" charset="0"/>
-              <a:cs typeface="Times New Roman" panose="02020603050405020304" pitchFamily="18" charset="0"/>
-            </a:endParaRPr>
-          </a:p>
-          <a:p>
-            <a:pPr marL="899160" indent="449580" algn="just">
-              <a:lnSpc>
-                <a:spcPct val="107000"/>
-              </a:lnSpc>
-              <a:spcAft>
-                <a:spcPts val="800"/>
-              </a:spcAft>
-            </a:pPr>
-            <a:r>
-              <a:rPr lang="fr-FR" dirty="0">
-                <a:latin typeface="Times New Roman" panose="02020603050405020304" pitchFamily="18" charset="0"/>
-                <a:ea typeface="Times New Roman" panose="02020603050405020304" pitchFamily="18" charset="0"/>
-                <a:cs typeface="Times New Roman" panose="02020603050405020304" pitchFamily="18" charset="0"/>
-              </a:rPr>
-              <a:t>a) contexte et enjeux </a:t>
-            </a:r>
-            <a:endParaRPr lang="fr-FR" dirty="0">
-              <a:latin typeface="Calibri" panose="020F0502020204030204" pitchFamily="34" charset="0"/>
-              <a:ea typeface="Calibri" panose="020F0502020204030204" pitchFamily="34" charset="0"/>
-              <a:cs typeface="Times New Roman" panose="02020603050405020304" pitchFamily="18" charset="0"/>
-            </a:endParaRPr>
-          </a:p>
-          <a:p>
-            <a:pPr marL="899160" indent="449580" algn="just">
-              <a:lnSpc>
-                <a:spcPct val="107000"/>
-              </a:lnSpc>
-              <a:spcAft>
-                <a:spcPts val="800"/>
-              </a:spcAft>
-            </a:pPr>
-            <a:r>
-              <a:rPr lang="fr-FR" dirty="0" smtClean="0">
-                <a:latin typeface="Times New Roman" panose="02020603050405020304" pitchFamily="18" charset="0"/>
-                <a:ea typeface="Times New Roman" panose="02020603050405020304" pitchFamily="18" charset="0"/>
-                <a:cs typeface="Times New Roman" panose="02020603050405020304" pitchFamily="18" charset="0"/>
-              </a:rPr>
-              <a:t>b</a:t>
-            </a:r>
-            <a:r>
-              <a:rPr lang="fr-FR" dirty="0">
-                <a:latin typeface="Times New Roman" panose="02020603050405020304" pitchFamily="18" charset="0"/>
-                <a:ea typeface="Times New Roman" panose="02020603050405020304" pitchFamily="18" charset="0"/>
-                <a:cs typeface="Times New Roman" panose="02020603050405020304" pitchFamily="18" charset="0"/>
-              </a:rPr>
-              <a:t>) objectifs marketing</a:t>
-            </a:r>
-            <a:endParaRPr lang="fr-FR" dirty="0">
-              <a:latin typeface="Calibri" panose="020F0502020204030204" pitchFamily="34" charset="0"/>
-              <a:ea typeface="Calibri" panose="020F0502020204030204" pitchFamily="34" charset="0"/>
-              <a:cs typeface="Times New Roman" panose="02020603050405020304" pitchFamily="18" charset="0"/>
-            </a:endParaRPr>
-          </a:p>
-          <a:p>
-            <a:pPr marL="899160" indent="449580" algn="just">
-              <a:lnSpc>
-                <a:spcPct val="107000"/>
-              </a:lnSpc>
-              <a:spcAft>
-                <a:spcPts val="800"/>
-              </a:spcAft>
-            </a:pPr>
-            <a:r>
-              <a:rPr lang="fr-FR" dirty="0" smtClean="0">
-                <a:latin typeface="Times New Roman" panose="02020603050405020304" pitchFamily="18" charset="0"/>
-                <a:ea typeface="Times New Roman" panose="02020603050405020304" pitchFamily="18" charset="0"/>
-                <a:cs typeface="Times New Roman" panose="02020603050405020304" pitchFamily="18" charset="0"/>
-              </a:rPr>
-              <a:t>c) </a:t>
-            </a:r>
-            <a:r>
-              <a:rPr lang="fr-FR" dirty="0">
-                <a:latin typeface="Times New Roman" panose="02020603050405020304" pitchFamily="18" charset="0"/>
-                <a:ea typeface="Times New Roman" panose="02020603050405020304" pitchFamily="18" charset="0"/>
-                <a:cs typeface="Times New Roman" panose="02020603050405020304" pitchFamily="18" charset="0"/>
-              </a:rPr>
-              <a:t>positionnement du futur </a:t>
-            </a:r>
-            <a:r>
-              <a:rPr lang="fr-FR" dirty="0" smtClean="0">
-                <a:latin typeface="Times New Roman" panose="02020603050405020304" pitchFamily="18" charset="0"/>
-                <a:ea typeface="Times New Roman" panose="02020603050405020304" pitchFamily="18" charset="0"/>
-                <a:cs typeface="Times New Roman" panose="02020603050405020304" pitchFamily="18" charset="0"/>
-              </a:rPr>
-              <a:t>produit</a:t>
-            </a:r>
-          </a:p>
-          <a:p>
-            <a:pPr marL="899160" indent="449580" algn="just">
-              <a:lnSpc>
-                <a:spcPct val="107000"/>
-              </a:lnSpc>
-              <a:spcAft>
-                <a:spcPts val="800"/>
-              </a:spcAft>
-            </a:pPr>
-            <a:r>
-              <a:rPr lang="fr-FR" dirty="0">
-                <a:latin typeface="Times New Roman" panose="02020603050405020304" pitchFamily="18" charset="0"/>
-                <a:ea typeface="Times New Roman" panose="02020603050405020304" pitchFamily="18" charset="0"/>
-                <a:cs typeface="Times New Roman" panose="02020603050405020304" pitchFamily="18" charset="0"/>
-              </a:rPr>
-              <a:t>d) analyse SWOT</a:t>
-            </a:r>
-            <a:endParaRPr lang="fr-FR" dirty="0">
-              <a:latin typeface="Calibri" panose="020F0502020204030204" pitchFamily="34" charset="0"/>
-              <a:ea typeface="Calibri" panose="020F0502020204030204" pitchFamily="34" charset="0"/>
-              <a:cs typeface="Times New Roman" panose="02020603050405020304" pitchFamily="18" charset="0"/>
-            </a:endParaRPr>
-          </a:p>
-          <a:p>
-            <a:pPr marL="899160" indent="449580" algn="just">
-              <a:lnSpc>
-                <a:spcPct val="107000"/>
-              </a:lnSpc>
-              <a:spcAft>
-                <a:spcPts val="800"/>
-              </a:spcAft>
-            </a:pPr>
-            <a:r>
-              <a:rPr lang="fr-FR" dirty="0" smtClean="0">
-                <a:latin typeface="Times New Roman" panose="02020603050405020304" pitchFamily="18" charset="0"/>
-                <a:ea typeface="Times New Roman" panose="02020603050405020304" pitchFamily="18" charset="0"/>
-                <a:cs typeface="Times New Roman" panose="02020603050405020304" pitchFamily="18" charset="0"/>
-              </a:rPr>
-              <a:t> </a:t>
-            </a:r>
-            <a:endParaRPr lang="fr-FR" dirty="0">
-              <a:latin typeface="Calibri" panose="020F0502020204030204" pitchFamily="34" charset="0"/>
-              <a:ea typeface="Calibri" panose="020F0502020204030204" pitchFamily="34" charset="0"/>
-              <a:cs typeface="Times New Roman" panose="02020603050405020304" pitchFamily="18" charset="0"/>
-            </a:endParaRPr>
-          </a:p>
-          <a:p>
-            <a:pPr marL="449580" indent="449580" algn="just">
-              <a:lnSpc>
-                <a:spcPct val="107000"/>
-              </a:lnSpc>
-              <a:spcAft>
-                <a:spcPts val="800"/>
-              </a:spcAft>
-            </a:pPr>
-            <a:endParaRPr lang="fr-FR" dirty="0" smtClean="0">
-              <a:effectLst/>
-              <a:latin typeface="Calibri" panose="020F0502020204030204" pitchFamily="34" charset="0"/>
-              <a:ea typeface="Calibri" panose="020F0502020204030204" pitchFamily="34" charset="0"/>
-              <a:cs typeface="Times New Roman" panose="02020603050405020304" pitchFamily="18" charset="0"/>
-            </a:endParaRPr>
-          </a:p>
-        </p:txBody>
-      </p:sp>
-      <p:sp>
-        <p:nvSpPr>
-          <p:cNvPr id="3" name="Espace réservé du numéro de diapositive 2"/>
-          <p:cNvSpPr>
-            <a:spLocks noGrp="1"/>
-          </p:cNvSpPr>
-          <p:nvPr>
-            <p:ph type="sldNum" sz="quarter" idx="12"/>
-          </p:nvPr>
-        </p:nvSpPr>
-        <p:spPr/>
-        <p:txBody>
-          <a:bodyPr/>
-          <a:lstStyle/>
-          <a:p>
-            <a:fld id="{C992E66A-41E9-4F30-B3C8-2FF86DC5BC5A}" type="slidenum">
-              <a:rPr lang="fr-FR" smtClean="0"/>
-              <a:t>4</a:t>
-            </a:fld>
-            <a:endParaRPr lang="fr-FR"/>
-          </a:p>
-        </p:txBody>
-      </p:sp>
-      <p:sp>
-        <p:nvSpPr>
-          <p:cNvPr id="4" name="ZoneTexte 3"/>
-          <p:cNvSpPr txBox="1"/>
-          <p:nvPr/>
-        </p:nvSpPr>
-        <p:spPr>
-          <a:xfrm>
-            <a:off x="381000" y="177800"/>
-            <a:ext cx="11518900" cy="369332"/>
-          </a:xfrm>
-          <a:prstGeom prst="rect">
-            <a:avLst/>
-          </a:prstGeom>
-          <a:noFill/>
-        </p:spPr>
-        <p:txBody>
-          <a:bodyPr wrap="square" rtlCol="0">
-            <a:spAutoFit/>
-          </a:bodyPr>
-          <a:lstStyle/>
-          <a:p>
-            <a:r>
-              <a:rPr lang="fr-FR" dirty="0" smtClean="0"/>
-              <a:t>II Cahier des charges </a:t>
-            </a:r>
-            <a:endParaRPr lang="fr-FR" dirty="0"/>
-          </a:p>
-        </p:txBody>
-      </p:sp>
-      <p:sp>
-        <p:nvSpPr>
-          <p:cNvPr id="6" name="ZoneTexte 5"/>
-          <p:cNvSpPr txBox="1"/>
-          <p:nvPr/>
-        </p:nvSpPr>
-        <p:spPr>
-          <a:xfrm>
-            <a:off x="6872472" y="1118582"/>
-            <a:ext cx="5027428" cy="2763064"/>
-          </a:xfrm>
-          <a:prstGeom prst="rect">
-            <a:avLst/>
-          </a:prstGeom>
-          <a:noFill/>
-        </p:spPr>
-        <p:txBody>
-          <a:bodyPr wrap="square" rtlCol="0">
-            <a:spAutoFit/>
-          </a:bodyPr>
-          <a:lstStyle/>
-          <a:p>
-            <a:pPr algn="just">
-              <a:lnSpc>
-                <a:spcPct val="107000"/>
-              </a:lnSpc>
-              <a:spcAft>
-                <a:spcPts val="800"/>
-              </a:spcAft>
-            </a:pPr>
-            <a:r>
-              <a:rPr lang="fr-FR" dirty="0">
-                <a:latin typeface="Times New Roman" panose="02020603050405020304" pitchFamily="18" charset="0"/>
-                <a:ea typeface="Times New Roman" panose="02020603050405020304" pitchFamily="18" charset="0"/>
-                <a:cs typeface="Times New Roman" panose="02020603050405020304" pitchFamily="18" charset="0"/>
-              </a:rPr>
-              <a:t>	</a:t>
-            </a:r>
-            <a:r>
-              <a:rPr lang="fr-FR" u="sng" dirty="0">
-                <a:latin typeface="Times New Roman" panose="02020603050405020304" pitchFamily="18" charset="0"/>
-                <a:ea typeface="Times New Roman" panose="02020603050405020304" pitchFamily="18" charset="0"/>
-                <a:cs typeface="Times New Roman" panose="02020603050405020304" pitchFamily="18" charset="0"/>
-              </a:rPr>
-              <a:t>B) Cible </a:t>
-            </a:r>
-            <a:endParaRPr lang="fr-FR" u="sng" dirty="0">
-              <a:latin typeface="Calibri" panose="020F0502020204030204" pitchFamily="34" charset="0"/>
-              <a:ea typeface="Calibri" panose="020F0502020204030204" pitchFamily="34" charset="0"/>
-              <a:cs typeface="Times New Roman" panose="02020603050405020304" pitchFamily="18" charset="0"/>
-            </a:endParaRPr>
-          </a:p>
-          <a:p>
-            <a:pPr marL="449580" indent="449580" algn="just">
-              <a:lnSpc>
-                <a:spcPct val="107000"/>
-              </a:lnSpc>
-              <a:spcAft>
-                <a:spcPts val="800"/>
-              </a:spcAft>
-            </a:pPr>
-            <a:r>
-              <a:rPr lang="fr-FR" dirty="0">
-                <a:latin typeface="Times New Roman" panose="02020603050405020304" pitchFamily="18" charset="0"/>
-                <a:ea typeface="Times New Roman" panose="02020603050405020304" pitchFamily="18" charset="0"/>
-                <a:cs typeface="Times New Roman" panose="02020603050405020304" pitchFamily="18" charset="0"/>
-              </a:rPr>
-              <a:t>1) public</a:t>
-            </a:r>
-            <a:endParaRPr lang="fr-FR" dirty="0">
-              <a:latin typeface="Calibri" panose="020F0502020204030204" pitchFamily="34" charset="0"/>
-              <a:ea typeface="Calibri" panose="020F0502020204030204" pitchFamily="34" charset="0"/>
-              <a:cs typeface="Times New Roman" panose="02020603050405020304" pitchFamily="18" charset="0"/>
-            </a:endParaRPr>
-          </a:p>
-          <a:p>
-            <a:pPr marL="449580" indent="449580" algn="just">
-              <a:lnSpc>
-                <a:spcPct val="107000"/>
-              </a:lnSpc>
-              <a:spcAft>
-                <a:spcPts val="800"/>
-              </a:spcAft>
-            </a:pPr>
-            <a:r>
-              <a:rPr lang="fr-FR" dirty="0">
-                <a:latin typeface="Times New Roman" panose="02020603050405020304" pitchFamily="18" charset="0"/>
-                <a:ea typeface="Times New Roman" panose="02020603050405020304" pitchFamily="18" charset="0"/>
-                <a:cs typeface="Times New Roman" panose="02020603050405020304" pitchFamily="18" charset="0"/>
-              </a:rPr>
-              <a:t>2) équipements  </a:t>
-            </a:r>
-            <a:endParaRPr lang="fr-FR" dirty="0">
-              <a:latin typeface="Calibri" panose="020F0502020204030204" pitchFamily="34" charset="0"/>
-              <a:ea typeface="Calibri" panose="020F0502020204030204" pitchFamily="34" charset="0"/>
-              <a:cs typeface="Times New Roman" panose="02020603050405020304" pitchFamily="18" charset="0"/>
-            </a:endParaRPr>
-          </a:p>
-          <a:p>
-            <a:pPr indent="449580" algn="just">
-              <a:lnSpc>
-                <a:spcPct val="107000"/>
-              </a:lnSpc>
-              <a:spcAft>
-                <a:spcPts val="800"/>
-              </a:spcAft>
-            </a:pPr>
-            <a:r>
-              <a:rPr lang="fr-FR" u="sng" dirty="0">
-                <a:latin typeface="Times New Roman" panose="02020603050405020304" pitchFamily="18" charset="0"/>
-                <a:ea typeface="Times New Roman" panose="02020603050405020304" pitchFamily="18" charset="0"/>
-                <a:cs typeface="Times New Roman" panose="02020603050405020304" pitchFamily="18" charset="0"/>
-              </a:rPr>
-              <a:t>C) Typologie d’application</a:t>
-            </a:r>
-          </a:p>
-          <a:p>
-            <a:pPr indent="449580" algn="just">
-              <a:lnSpc>
-                <a:spcPct val="107000"/>
-              </a:lnSpc>
-              <a:spcAft>
-                <a:spcPts val="800"/>
-              </a:spcAft>
-            </a:pPr>
-            <a:r>
-              <a:rPr lang="fr-FR" u="sng" dirty="0">
-                <a:latin typeface="Times New Roman" panose="02020603050405020304" pitchFamily="18" charset="0"/>
-                <a:ea typeface="Times New Roman" panose="02020603050405020304" pitchFamily="18" charset="0"/>
-                <a:cs typeface="Times New Roman" panose="02020603050405020304" pitchFamily="18" charset="0"/>
-              </a:rPr>
-              <a:t>D) Périmètre</a:t>
-            </a:r>
-            <a:endParaRPr lang="fr-FR" u="sng" dirty="0">
-              <a:latin typeface="Calibri" panose="020F0502020204030204" pitchFamily="34" charset="0"/>
-              <a:ea typeface="Calibri" panose="020F0502020204030204" pitchFamily="34" charset="0"/>
-              <a:cs typeface="Times New Roman" panose="02020603050405020304" pitchFamily="18" charset="0"/>
-            </a:endParaRPr>
-          </a:p>
-          <a:p>
-            <a:pPr indent="449580" algn="just">
-              <a:lnSpc>
-                <a:spcPct val="107000"/>
-              </a:lnSpc>
-              <a:spcAft>
-                <a:spcPts val="800"/>
-              </a:spcAft>
-            </a:pPr>
-            <a:r>
-              <a:rPr lang="fr-FR" u="sng" dirty="0">
-                <a:latin typeface="Times New Roman" panose="02020603050405020304" pitchFamily="18" charset="0"/>
-                <a:ea typeface="Times New Roman" panose="02020603050405020304" pitchFamily="18" charset="0"/>
-                <a:cs typeface="Times New Roman" panose="02020603050405020304" pitchFamily="18" charset="0"/>
-              </a:rPr>
-              <a:t>E) Intervenants</a:t>
-            </a:r>
-            <a:endParaRPr lang="fr-FR" u="sng" dirty="0">
-              <a:latin typeface="Calibri" panose="020F0502020204030204" pitchFamily="34" charset="0"/>
-              <a:ea typeface="Calibri" panose="020F0502020204030204" pitchFamily="34" charset="0"/>
-              <a:cs typeface="Times New Roman" panose="02020603050405020304" pitchFamily="18" charset="0"/>
-            </a:endParaRPr>
-          </a:p>
-          <a:p>
-            <a:endParaRPr lang="fr-FR" dirty="0"/>
-          </a:p>
-        </p:txBody>
-      </p:sp>
-    </p:spTree>
-    <p:extLst>
-      <p:ext uri="{BB962C8B-B14F-4D97-AF65-F5344CB8AC3E}">
-        <p14:creationId xmlns:p14="http://schemas.microsoft.com/office/powerpoint/2010/main" val="2542213195"/>
-      </p:ext>
-    </p:extLst>
-  </p:cSld>
-  <p:clrMapOvr>
-    <a:masterClrMapping/>
-  </p:clrMapOvr>
-  <p:timing>
-    <p:tnLst>
-      <p:par>
-        <p:cTn id="1" dur="indefinite" restart="never" nodeType="tmRoot"/>
-      </p:par>
-    </p:tnLst>
-  </p:timing>
-</p:sld>
-</file>
-
 <file path=ppt/slides/slide5.xml><?xml version="1.0" encoding="utf-8"?>
 <p:sld xmlns:a="http://schemas.openxmlformats.org/drawingml/2006/main" xmlns:r="http://schemas.openxmlformats.org/officeDocument/2006/relationships" xmlns:p="http://schemas.openxmlformats.org/presentationml/2006/main">
   <p:cSld>
@@ -24370,8 +27840,8 @@
         </p:nvSpPr>
         <p:spPr>
           <a:xfrm>
-            <a:off x="391886" y="464457"/>
-            <a:ext cx="11379200" cy="2158924"/>
+            <a:off x="596901" y="421555"/>
+            <a:ext cx="4025900" cy="6186309"/>
           </a:xfrm>
           <a:prstGeom prst="rect">
             <a:avLst/>
@@ -24384,84 +27854,187 @@
           </a:bodyPr>
           <a:lstStyle/>
           <a:p>
-            <a:pPr algn="just">
-              <a:lnSpc>
-                <a:spcPct val="107000"/>
-              </a:lnSpc>
-              <a:spcAft>
-                <a:spcPts val="800"/>
-              </a:spcAft>
-            </a:pPr>
+            <a:r>
+              <a:rPr lang="fr-FR" dirty="0" smtClean="0">
+                <a:latin typeface="Calibri" panose="020F0502020204030204" pitchFamily="34" charset="0"/>
+              </a:rPr>
+              <a:t>SOMMAIRE</a:t>
+            </a:r>
+          </a:p>
+          <a:p>
             <a:endParaRPr lang="fr-FR" dirty="0">
-              <a:latin typeface="Times New Roman" panose="02020603050405020304" pitchFamily="18" charset="0"/>
-              <a:ea typeface="Calibri" panose="020F0502020204030204" pitchFamily="34" charset="0"/>
-              <a:cs typeface="Times New Roman" panose="02020603050405020304" pitchFamily="18" charset="0"/>
+              <a:latin typeface="Calibri" panose="020F0502020204030204" pitchFamily="34" charset="0"/>
             </a:endParaRPr>
           </a:p>
           <a:p>
-            <a:pPr algn="just">
-              <a:lnSpc>
-                <a:spcPct val="107000"/>
-              </a:lnSpc>
-              <a:spcAft>
-                <a:spcPts val="800"/>
-              </a:spcAft>
-            </a:pPr>
+            <a:r>
+              <a:rPr lang="fr-FR" dirty="0" smtClean="0">
+                <a:latin typeface="Calibri" panose="020F0502020204030204" pitchFamily="34" charset="0"/>
+              </a:rPr>
+              <a:t>I Présentation du projet </a:t>
+            </a:r>
+          </a:p>
+          <a:p>
+            <a:endParaRPr lang="fr-FR" dirty="0">
+              <a:latin typeface="Calibri" panose="020F0502020204030204" pitchFamily="34" charset="0"/>
+            </a:endParaRPr>
+          </a:p>
+          <a:p>
+            <a:r>
+              <a:rPr lang="fr-FR" i="1" dirty="0" smtClean="0">
+                <a:solidFill>
+                  <a:srgbClr val="FF0000"/>
+                </a:solidFill>
+                <a:latin typeface="Calibri" panose="020F0502020204030204" pitchFamily="34" charset="0"/>
+              </a:rPr>
+              <a:t>II Cahier des charges</a:t>
+            </a:r>
+          </a:p>
+          <a:p>
             <a:endParaRPr lang="fr-FR" dirty="0" smtClean="0">
-              <a:effectLst/>
-              <a:latin typeface="Times New Roman" panose="02020603050405020304" pitchFamily="18" charset="0"/>
-              <a:ea typeface="Calibri" panose="020F0502020204030204" pitchFamily="34" charset="0"/>
-              <a:cs typeface="Times New Roman" panose="02020603050405020304" pitchFamily="18" charset="0"/>
+              <a:latin typeface="Calibri" panose="020F0502020204030204" pitchFamily="34" charset="0"/>
             </a:endParaRPr>
           </a:p>
           <a:p>
-            <a:pPr algn="just">
-              <a:lnSpc>
-                <a:spcPct val="107000"/>
-              </a:lnSpc>
-              <a:spcAft>
-                <a:spcPts val="800"/>
-              </a:spcAft>
-            </a:pPr>
             <a:r>
               <a:rPr lang="fr-FR" dirty="0" smtClean="0">
-                <a:latin typeface="Times New Roman" panose="02020603050405020304" pitchFamily="18" charset="0"/>
-                <a:ea typeface="Calibri" panose="020F0502020204030204" pitchFamily="34" charset="0"/>
-                <a:cs typeface="Times New Roman" panose="02020603050405020304" pitchFamily="18" charset="0"/>
+                <a:latin typeface="Calibri" panose="020F0502020204030204" pitchFamily="34" charset="0"/>
               </a:rPr>
-              <a:t>ARBORESCENCE</a:t>
-            </a:r>
-            <a:br>
+              <a:t>III Analyse fonctionnelle</a:t>
+            </a:r>
+          </a:p>
+          <a:p>
+            <a:r>
               <a:rPr lang="fr-FR" dirty="0" smtClean="0">
-                <a:latin typeface="Times New Roman" panose="02020603050405020304" pitchFamily="18" charset="0"/>
-                <a:ea typeface="Calibri" panose="020F0502020204030204" pitchFamily="34" charset="0"/>
-                <a:cs typeface="Times New Roman" panose="02020603050405020304" pitchFamily="18" charset="0"/>
+                <a:latin typeface="Calibri" panose="020F0502020204030204" pitchFamily="34" charset="0"/>
               </a:rPr>
-            </a:br>
+              <a:t>	A </a:t>
+            </a:r>
+            <a:r>
+              <a:rPr lang="fr-FR" dirty="0">
+                <a:latin typeface="Calibri" panose="020F0502020204030204" pitchFamily="34" charset="0"/>
+              </a:rPr>
+              <a:t>Cas d’utilisation</a:t>
+            </a:r>
+          </a:p>
+          <a:p>
+            <a:r>
+              <a:rPr lang="fr-FR" dirty="0">
+                <a:latin typeface="Calibri" panose="020F0502020204030204" pitchFamily="34" charset="0"/>
+              </a:rPr>
+              <a:t>	B Diagrammes</a:t>
+            </a:r>
+          </a:p>
+          <a:p>
+            <a:r>
+              <a:rPr lang="fr-FR" dirty="0">
+                <a:latin typeface="Calibri" panose="020F0502020204030204" pitchFamily="34" charset="0"/>
+              </a:rPr>
+              <a:t>		1) activité</a:t>
+            </a:r>
+          </a:p>
+          <a:p>
+            <a:r>
+              <a:rPr lang="fr-FR" dirty="0">
+                <a:latin typeface="Calibri" panose="020F0502020204030204" pitchFamily="34" charset="0"/>
+              </a:rPr>
+              <a:t>		2) séquence</a:t>
+            </a:r>
+          </a:p>
+          <a:p>
+            <a:r>
+              <a:rPr lang="fr-FR" dirty="0">
+                <a:latin typeface="Calibri" panose="020F0502020204030204" pitchFamily="34" charset="0"/>
+              </a:rPr>
+              <a:t>		3) de classe</a:t>
+            </a:r>
+          </a:p>
+          <a:p>
             <a:r>
               <a:rPr lang="fr-FR" dirty="0" smtClean="0">
-                <a:latin typeface="Times New Roman" panose="02020603050405020304" pitchFamily="18" charset="0"/>
-                <a:ea typeface="Calibri" panose="020F0502020204030204" pitchFamily="34" charset="0"/>
-                <a:cs typeface="Times New Roman" panose="02020603050405020304" pitchFamily="18" charset="0"/>
+                <a:latin typeface="Calibri" panose="020F0502020204030204" pitchFamily="34" charset="0"/>
               </a:rPr>
-              <a:t/>
-            </a:r>
-            <a:br>
+              <a:t>IV Conception</a:t>
+            </a:r>
+          </a:p>
+          <a:p>
+            <a:r>
               <a:rPr lang="fr-FR" dirty="0" smtClean="0">
-                <a:latin typeface="Times New Roman" panose="02020603050405020304" pitchFamily="18" charset="0"/>
-                <a:ea typeface="Calibri" panose="020F0502020204030204" pitchFamily="34" charset="0"/>
-                <a:cs typeface="Times New Roman" panose="02020603050405020304" pitchFamily="18" charset="0"/>
+                <a:latin typeface="Calibri" panose="020F0502020204030204" pitchFamily="34" charset="0"/>
               </a:rPr>
-            </a:br>
-            <a:endParaRPr lang="fr-FR" dirty="0" smtClean="0">
-              <a:effectLst/>
+              <a:t>	A </a:t>
+            </a:r>
+            <a:r>
+              <a:rPr lang="fr-FR" dirty="0">
+                <a:latin typeface="Calibri" panose="020F0502020204030204" pitchFamily="34" charset="0"/>
+              </a:rPr>
+              <a:t>MCD MLD</a:t>
+            </a:r>
+          </a:p>
+          <a:p>
+            <a:r>
+              <a:rPr lang="fr-FR" dirty="0">
+                <a:latin typeface="Calibri" panose="020F0502020204030204" pitchFamily="34" charset="0"/>
+              </a:rPr>
+              <a:t>		1) MCD </a:t>
+            </a:r>
+          </a:p>
+          <a:p>
+            <a:r>
+              <a:rPr lang="fr-FR" dirty="0">
+                <a:latin typeface="Calibri" panose="020F0502020204030204" pitchFamily="34" charset="0"/>
+              </a:rPr>
+              <a:t>		2) MLD</a:t>
+            </a:r>
+          </a:p>
+          <a:p>
+            <a:r>
+              <a:rPr lang="fr-FR" dirty="0">
+                <a:latin typeface="Calibri" panose="020F0502020204030204" pitchFamily="34" charset="0"/>
+              </a:rPr>
+              <a:t>		</a:t>
+            </a:r>
+          </a:p>
+          <a:p>
+            <a:r>
+              <a:rPr lang="fr-FR" dirty="0">
+                <a:latin typeface="Calibri" panose="020F0502020204030204" pitchFamily="34" charset="0"/>
+              </a:rPr>
+              <a:t>	</a:t>
+            </a:r>
+            <a:r>
+              <a:rPr lang="fr-FR" dirty="0" smtClean="0">
+                <a:latin typeface="Calibri" panose="020F0502020204030204" pitchFamily="34" charset="0"/>
+              </a:rPr>
+              <a:t>B </a:t>
+            </a:r>
+            <a:r>
+              <a:rPr lang="fr-FR" dirty="0">
+                <a:latin typeface="Calibri" panose="020F0502020204030204" pitchFamily="34" charset="0"/>
+              </a:rPr>
+              <a:t>SQL </a:t>
+            </a:r>
+          </a:p>
+          <a:p>
+            <a:endParaRPr lang="fr-FR" dirty="0">
               <a:latin typeface="Calibri" panose="020F0502020204030204" pitchFamily="34" charset="0"/>
-              <a:ea typeface="Calibri" panose="020F0502020204030204" pitchFamily="34" charset="0"/>
-              <a:cs typeface="Times New Roman" panose="02020603050405020304" pitchFamily="18" charset="0"/>
             </a:endParaRPr>
           </a:p>
           <a:p>
-            <a:endParaRPr lang="fr-FR" dirty="0"/>
+            <a:r>
+              <a:rPr lang="fr-FR" dirty="0" smtClean="0">
+                <a:latin typeface="Calibri" panose="020F0502020204030204" pitchFamily="34" charset="0"/>
+              </a:rPr>
+              <a:t>	C Interaction avec la base de données	</a:t>
+            </a:r>
+            <a:endParaRPr lang="fr-FR" sz="1600" dirty="0">
+              <a:latin typeface="Calibri" panose="020F0502020204030204" pitchFamily="34" charset="0"/>
+            </a:endParaRPr>
+          </a:p>
+          <a:p>
+            <a:endParaRPr lang="fr-FR" dirty="0">
+              <a:latin typeface="Calibri" panose="020F0502020204030204" pitchFamily="34" charset="0"/>
+            </a:endParaRPr>
           </a:p>
         </p:txBody>
       </p:sp>
@@ -24481,50 +28054,23 @@
           <a:lstStyle/>
           <a:p>
             <a:fld id="{C992E66A-41E9-4F30-B3C8-2FF86DC5BC5A}" type="slidenum">
-              <a:rPr lang="fr-FR" smtClean="0"/>
+              <a:rPr lang="fr-FR" sz="2000" smtClean="0"/>
               <a:t>5</a:t>
             </a:fld>
-            <a:endParaRPr lang="fr-FR"/>
-          </a:p>
-        </p:txBody>
-      </p:sp>
-      <p:sp>
-        <p:nvSpPr>
-          <p:cNvPr id="4" name="Rectangle 3"/>
-          <p:cNvSpPr/>
-          <p:nvPr/>
-        </p:nvSpPr>
-        <p:spPr>
-          <a:xfrm>
-            <a:off x="251285" y="95125"/>
-            <a:ext cx="2189830" cy="369332"/>
-          </a:xfrm>
-          <a:prstGeom prst="rect">
-            <a:avLst/>
-          </a:prstGeom>
-        </p:spPr>
-        <p:txBody>
-          <a:bodyPr wrap="none">
-            <a:spAutoFit/>
-          </a:bodyPr>
-          <a:lstStyle/>
-          <a:p>
-            <a:r>
-              <a:rPr lang="fr-FR" dirty="0" smtClean="0"/>
-              <a:t>II Cahier des charges </a:t>
-            </a:r>
-            <a:endParaRPr lang="fr-FR" dirty="0"/>
+            <a:endParaRPr lang="fr-FR" sz="2000" dirty="0"/>
           </a:p>
         </p:txBody>
       </p:sp>
       <p:pic>
         <p:nvPicPr>
-          <p:cNvPr id="5" name="Image 4"/>
-          <p:cNvPicPr/>
+          <p:cNvPr id="4" name="Image 3"/>
+          <p:cNvPicPr>
+            <a:picLocks noChangeAspect="1"/>
+          </p:cNvPicPr>
           <p:nvPr/>
         </p:nvPicPr>
         <p:blipFill>
-          <a:blip r:embed="rId2">
+          <a:blip r:embed="rId2" cstate="print">
             <a:extLst>
               <a:ext uri="{28A0092B-C50C-407E-A947-70E740481C1C}">
                 <a14:useLocalDpi xmlns:a14="http://schemas.microsoft.com/office/drawing/2010/main" val="0"/>
@@ -24537,18 +28083,90 @@
         </p:blipFill>
         <p:spPr>
           <a:xfrm>
-            <a:off x="1176867" y="2099733"/>
-            <a:ext cx="10397066" cy="3048000"/>
+            <a:off x="9111077" y="4055533"/>
+            <a:ext cx="2022059" cy="2081021"/>
           </a:xfrm>
           <a:prstGeom prst="rect">
             <a:avLst/>
           </a:prstGeom>
         </p:spPr>
       </p:pic>
+      <p:sp>
+        <p:nvSpPr>
+          <p:cNvPr id="5" name="ZoneTexte 4"/>
+          <p:cNvSpPr txBox="1"/>
+          <p:nvPr/>
+        </p:nvSpPr>
+        <p:spPr>
+          <a:xfrm>
+            <a:off x="5858934" y="956733"/>
+            <a:ext cx="4411133" cy="1477328"/>
+          </a:xfrm>
+          <a:prstGeom prst="rect">
+            <a:avLst/>
+          </a:prstGeom>
+          <a:noFill/>
+        </p:spPr>
+        <p:txBody>
+          <a:bodyPr wrap="square" rtlCol="0">
+            <a:spAutoFit/>
+          </a:bodyPr>
+          <a:lstStyle/>
+          <a:p>
+            <a:r>
+              <a:rPr lang="fr-FR" i="1" dirty="0" smtClean="0"/>
+              <a:t>V Front End</a:t>
+            </a:r>
+          </a:p>
+          <a:p>
+            <a:endParaRPr lang="fr-FR" dirty="0"/>
+          </a:p>
+          <a:p>
+            <a:r>
+              <a:rPr lang="fr-FR" dirty="0" smtClean="0"/>
+              <a:t>	</a:t>
+            </a:r>
+            <a:r>
+              <a:rPr lang="fr-FR" i="1" dirty="0" smtClean="0"/>
+              <a:t>A Maquettage </a:t>
+            </a:r>
+          </a:p>
+          <a:p>
+            <a:r>
+              <a:rPr lang="fr-FR" dirty="0"/>
+              <a:t>	</a:t>
+            </a:r>
+            <a:r>
+              <a:rPr lang="fr-FR" dirty="0" smtClean="0"/>
+              <a:t>B </a:t>
+            </a:r>
+            <a:r>
+              <a:rPr lang="fr-FR" dirty="0"/>
+              <a:t>Html et CSS</a:t>
+            </a:r>
+            <a:endParaRPr lang="fr-FR" dirty="0" smtClean="0"/>
+          </a:p>
+          <a:p>
+            <a:r>
+              <a:rPr lang="fr-FR" dirty="0"/>
+              <a:t>	</a:t>
+            </a:r>
+            <a:r>
+              <a:rPr lang="fr-FR" dirty="0" smtClean="0"/>
+              <a:t>C </a:t>
+            </a:r>
+            <a:r>
+              <a:rPr lang="fr-FR" dirty="0" err="1" smtClean="0"/>
+              <a:t>Javascript</a:t>
+            </a:r>
+            <a:endParaRPr lang="fr-FR" dirty="0"/>
+          </a:p>
+        </p:txBody>
+      </p:sp>
     </p:spTree>
     <p:extLst>
       <p:ext uri="{BB962C8B-B14F-4D97-AF65-F5344CB8AC3E}">
-        <p14:creationId xmlns:p14="http://schemas.microsoft.com/office/powerpoint/2010/main" val="3550469196"/>
+        <p14:creationId xmlns:p14="http://schemas.microsoft.com/office/powerpoint/2010/main" val="2347049473"/>
       </p:ext>
     </p:extLst>
   </p:cSld>
@@ -24590,8 +28208,8 @@
         </p:nvSpPr>
         <p:spPr>
           <a:xfrm>
-            <a:off x="596901" y="421555"/>
-            <a:ext cx="4025900" cy="6186309"/>
+            <a:off x="1473199" y="596900"/>
+            <a:ext cx="5033927" cy="5974071"/>
           </a:xfrm>
           <a:prstGeom prst="rect">
             <a:avLst/>
@@ -24604,204 +28222,384 @@
           </a:bodyPr>
           <a:lstStyle/>
           <a:p>
+            <a:pPr algn="just">
+              <a:lnSpc>
+                <a:spcPct val="107000"/>
+              </a:lnSpc>
+              <a:spcAft>
+                <a:spcPts val="800"/>
+              </a:spcAft>
+            </a:pPr>
+            <a:r>
+              <a:rPr lang="fr-FR" b="1" u="sng" dirty="0" smtClean="0">
+                <a:effectLst/>
+                <a:latin typeface="Times New Roman" panose="02020603050405020304" pitchFamily="18" charset="0"/>
+                <a:ea typeface="Times New Roman" panose="02020603050405020304" pitchFamily="18" charset="0"/>
+                <a:cs typeface="Times New Roman" panose="02020603050405020304" pitchFamily="18" charset="0"/>
+              </a:rPr>
+              <a:t>Partie 1 Présentation du projet</a:t>
+            </a:r>
+            <a:r>
+              <a:rPr lang="fr-FR" b="1" dirty="0" smtClean="0">
+                <a:effectLst/>
+                <a:latin typeface="Times New Roman" panose="02020603050405020304" pitchFamily="18" charset="0"/>
+                <a:ea typeface="Times New Roman" panose="02020603050405020304" pitchFamily="18" charset="0"/>
+                <a:cs typeface="Times New Roman" panose="02020603050405020304" pitchFamily="18" charset="0"/>
+              </a:rPr>
+              <a:t> </a:t>
+            </a:r>
+            <a:endParaRPr lang="fr-FR" dirty="0" smtClean="0">
+              <a:effectLst/>
+              <a:latin typeface="Calibri" panose="020F0502020204030204" pitchFamily="34" charset="0"/>
+              <a:ea typeface="Calibri" panose="020F0502020204030204" pitchFamily="34" charset="0"/>
+              <a:cs typeface="Times New Roman" panose="02020603050405020304" pitchFamily="18" charset="0"/>
+            </a:endParaRPr>
+          </a:p>
+          <a:p>
+            <a:pPr indent="449580" algn="just">
+              <a:lnSpc>
+                <a:spcPct val="107000"/>
+              </a:lnSpc>
+              <a:spcAft>
+                <a:spcPts val="800"/>
+              </a:spcAft>
+            </a:pPr>
+            <a:r>
+              <a:rPr lang="fr-FR" u="sng" dirty="0" smtClean="0">
+                <a:effectLst/>
+                <a:latin typeface="Times New Roman" panose="02020603050405020304" pitchFamily="18" charset="0"/>
+                <a:ea typeface="Times New Roman" panose="02020603050405020304" pitchFamily="18" charset="0"/>
+                <a:cs typeface="Times New Roman" panose="02020603050405020304" pitchFamily="18" charset="0"/>
+              </a:rPr>
+              <a:t>A) Présentation du projet</a:t>
+            </a:r>
+            <a:endParaRPr lang="fr-FR" u="sng" dirty="0" smtClean="0">
+              <a:effectLst/>
+              <a:latin typeface="Calibri" panose="020F0502020204030204" pitchFamily="34" charset="0"/>
+              <a:ea typeface="Calibri" panose="020F0502020204030204" pitchFamily="34" charset="0"/>
+              <a:cs typeface="Times New Roman" panose="02020603050405020304" pitchFamily="18" charset="0"/>
+            </a:endParaRPr>
+          </a:p>
+          <a:p>
+            <a:pPr marL="449580" indent="449580" algn="just">
+              <a:lnSpc>
+                <a:spcPct val="107000"/>
+              </a:lnSpc>
+              <a:spcAft>
+                <a:spcPts val="800"/>
+              </a:spcAft>
+            </a:pPr>
             <a:r>
               <a:rPr lang="fr-FR" dirty="0" smtClean="0">
-                <a:latin typeface="Calibri" panose="020F0502020204030204" pitchFamily="34" charset="0"/>
+                <a:effectLst/>
+                <a:latin typeface="Times New Roman" panose="02020603050405020304" pitchFamily="18" charset="0"/>
+                <a:ea typeface="Times New Roman" panose="02020603050405020304" pitchFamily="18" charset="0"/>
+                <a:cs typeface="Times New Roman" panose="02020603050405020304" pitchFamily="18" charset="0"/>
               </a:rPr>
-              <a:t>SOMMAIRE</a:t>
-            </a:r>
-          </a:p>
-          <a:p>
+              <a:t>1) Projet et objectifs</a:t>
+            </a:r>
+            <a:endParaRPr lang="fr-FR" dirty="0" smtClean="0">
+              <a:effectLst/>
+              <a:latin typeface="Calibri" panose="020F0502020204030204" pitchFamily="34" charset="0"/>
+              <a:ea typeface="Calibri" panose="020F0502020204030204" pitchFamily="34" charset="0"/>
+              <a:cs typeface="Times New Roman" panose="02020603050405020304" pitchFamily="18" charset="0"/>
+            </a:endParaRPr>
+          </a:p>
+          <a:p>
+            <a:pPr marL="899160" indent="449580" algn="just">
+              <a:lnSpc>
+                <a:spcPct val="107000"/>
+              </a:lnSpc>
+              <a:spcAft>
+                <a:spcPts val="800"/>
+              </a:spcAft>
+            </a:pPr>
+            <a:r>
+              <a:rPr lang="fr-FR" dirty="0" smtClean="0">
+                <a:effectLst/>
+                <a:latin typeface="Times New Roman" panose="02020603050405020304" pitchFamily="18" charset="0"/>
+                <a:ea typeface="Times New Roman" panose="02020603050405020304" pitchFamily="18" charset="0"/>
+                <a:cs typeface="Times New Roman" panose="02020603050405020304" pitchFamily="18" charset="0"/>
+              </a:rPr>
+              <a:t>a) statut actuel marque et identité</a:t>
+            </a:r>
+            <a:endParaRPr lang="fr-FR" dirty="0" smtClean="0">
+              <a:effectLst/>
+              <a:latin typeface="Calibri" panose="020F0502020204030204" pitchFamily="34" charset="0"/>
+              <a:ea typeface="Calibri" panose="020F0502020204030204" pitchFamily="34" charset="0"/>
+              <a:cs typeface="Times New Roman" panose="02020603050405020304" pitchFamily="18" charset="0"/>
+            </a:endParaRPr>
+          </a:p>
+          <a:p>
+            <a:pPr marL="899160" indent="449580" algn="just">
+              <a:lnSpc>
+                <a:spcPct val="107000"/>
+              </a:lnSpc>
+              <a:spcAft>
+                <a:spcPts val="800"/>
+              </a:spcAft>
+            </a:pPr>
+            <a:r>
+              <a:rPr lang="fr-FR" dirty="0" smtClean="0">
+                <a:effectLst/>
+                <a:latin typeface="Times New Roman" panose="02020603050405020304" pitchFamily="18" charset="0"/>
+                <a:ea typeface="Times New Roman" panose="02020603050405020304" pitchFamily="18" charset="0"/>
+                <a:cs typeface="Times New Roman" panose="02020603050405020304" pitchFamily="18" charset="0"/>
+              </a:rPr>
+              <a:t>b) histoire</a:t>
+            </a:r>
+            <a:endParaRPr lang="fr-FR" dirty="0" smtClean="0">
+              <a:effectLst/>
+              <a:latin typeface="Calibri" panose="020F0502020204030204" pitchFamily="34" charset="0"/>
+              <a:ea typeface="Calibri" panose="020F0502020204030204" pitchFamily="34" charset="0"/>
+              <a:cs typeface="Times New Roman" panose="02020603050405020304" pitchFamily="18" charset="0"/>
+            </a:endParaRPr>
+          </a:p>
+          <a:p>
+            <a:pPr marL="899160" indent="449580" algn="just">
+              <a:lnSpc>
+                <a:spcPct val="107000"/>
+              </a:lnSpc>
+              <a:spcAft>
+                <a:spcPts val="800"/>
+              </a:spcAft>
+            </a:pPr>
+            <a:r>
+              <a:rPr lang="fr-FR" dirty="0" smtClean="0">
+                <a:effectLst/>
+                <a:latin typeface="Times New Roman" panose="02020603050405020304" pitchFamily="18" charset="0"/>
+                <a:ea typeface="Times New Roman" panose="02020603050405020304" pitchFamily="18" charset="0"/>
+                <a:cs typeface="Times New Roman" panose="02020603050405020304" pitchFamily="18" charset="0"/>
+              </a:rPr>
+              <a:t>c) secteur d’activité</a:t>
+            </a:r>
+            <a:endParaRPr lang="fr-FR" dirty="0" smtClean="0">
+              <a:effectLst/>
+              <a:latin typeface="Calibri" panose="020F0502020204030204" pitchFamily="34" charset="0"/>
+              <a:ea typeface="Calibri" panose="020F0502020204030204" pitchFamily="34" charset="0"/>
+              <a:cs typeface="Times New Roman" panose="02020603050405020304" pitchFamily="18" charset="0"/>
+            </a:endParaRPr>
+          </a:p>
+          <a:p>
+            <a:pPr marL="899160" indent="449580" algn="just">
+              <a:lnSpc>
+                <a:spcPct val="107000"/>
+              </a:lnSpc>
+              <a:spcAft>
+                <a:spcPts val="800"/>
+              </a:spcAft>
+            </a:pPr>
+            <a:r>
+              <a:rPr lang="fr-FR" dirty="0" smtClean="0">
+                <a:effectLst/>
+                <a:latin typeface="Times New Roman" panose="02020603050405020304" pitchFamily="18" charset="0"/>
+                <a:ea typeface="Times New Roman" panose="02020603050405020304" pitchFamily="18" charset="0"/>
+                <a:cs typeface="Times New Roman" panose="02020603050405020304" pitchFamily="18" charset="0"/>
+              </a:rPr>
+              <a:t>d) le projet </a:t>
+            </a:r>
+            <a:endParaRPr lang="fr-FR" dirty="0" smtClean="0">
+              <a:effectLst/>
+              <a:latin typeface="Calibri" panose="020F0502020204030204" pitchFamily="34" charset="0"/>
+              <a:ea typeface="Calibri" panose="020F0502020204030204" pitchFamily="34" charset="0"/>
+              <a:cs typeface="Times New Roman" panose="02020603050405020304" pitchFamily="18" charset="0"/>
+            </a:endParaRPr>
+          </a:p>
+          <a:p>
+            <a:pPr marL="449580" indent="449580" algn="just">
+              <a:lnSpc>
+                <a:spcPct val="107000"/>
+              </a:lnSpc>
+              <a:spcAft>
+                <a:spcPts val="800"/>
+              </a:spcAft>
+            </a:pPr>
+            <a:r>
+              <a:rPr lang="fr-FR" dirty="0" smtClean="0">
+                <a:effectLst/>
+                <a:latin typeface="Times New Roman" panose="02020603050405020304" pitchFamily="18" charset="0"/>
+                <a:ea typeface="Times New Roman" panose="02020603050405020304" pitchFamily="18" charset="0"/>
+                <a:cs typeface="Times New Roman" panose="02020603050405020304" pitchFamily="18" charset="0"/>
+              </a:rPr>
+              <a:t>2) Etude du besoin </a:t>
+            </a:r>
+            <a:endParaRPr lang="fr-FR" dirty="0">
+              <a:latin typeface="Times New Roman" panose="02020603050405020304" pitchFamily="18" charset="0"/>
+              <a:ea typeface="Times New Roman" panose="02020603050405020304" pitchFamily="18" charset="0"/>
+              <a:cs typeface="Times New Roman" panose="02020603050405020304" pitchFamily="18" charset="0"/>
+            </a:endParaRPr>
+          </a:p>
+          <a:p>
+            <a:pPr marL="449580" indent="449580" algn="just">
+              <a:lnSpc>
+                <a:spcPct val="107000"/>
+              </a:lnSpc>
+              <a:spcAft>
+                <a:spcPts val="800"/>
+              </a:spcAft>
+            </a:pPr>
+            <a:r>
+              <a:rPr lang="fr-FR" dirty="0">
+                <a:latin typeface="Times New Roman" panose="02020603050405020304" pitchFamily="18" charset="0"/>
+                <a:ea typeface="Times New Roman" panose="02020603050405020304" pitchFamily="18" charset="0"/>
+                <a:cs typeface="Times New Roman" panose="02020603050405020304" pitchFamily="18" charset="0"/>
+              </a:rPr>
+              <a:t>3) Concurrence</a:t>
+            </a:r>
             <a:endParaRPr lang="fr-FR" dirty="0">
               <a:latin typeface="Calibri" panose="020F0502020204030204" pitchFamily="34" charset="0"/>
+              <a:ea typeface="Calibri" panose="020F0502020204030204" pitchFamily="34" charset="0"/>
+              <a:cs typeface="Times New Roman" panose="02020603050405020304" pitchFamily="18" charset="0"/>
             </a:endParaRPr>
           </a:p>
           <a:p>
-            <a:r>
-              <a:rPr lang="fr-FR" dirty="0" smtClean="0">
-                <a:latin typeface="Calibri" panose="020F0502020204030204" pitchFamily="34" charset="0"/>
+            <a:pPr marL="899160" indent="449580" algn="just">
+              <a:lnSpc>
+                <a:spcPct val="107000"/>
+              </a:lnSpc>
+              <a:spcAft>
+                <a:spcPts val="800"/>
+              </a:spcAft>
+            </a:pPr>
+            <a:r>
+              <a:rPr lang="fr-FR" dirty="0">
+                <a:latin typeface="Times New Roman" panose="02020603050405020304" pitchFamily="18" charset="0"/>
+                <a:ea typeface="Times New Roman" panose="02020603050405020304" pitchFamily="18" charset="0"/>
+                <a:cs typeface="Times New Roman" panose="02020603050405020304" pitchFamily="18" charset="0"/>
               </a:rPr>
-              <a:t>I Présentation du projet </a:t>
-            </a:r>
-          </a:p>
-          <a:p>
+              <a:t>a) contexte et enjeux </a:t>
+            </a:r>
             <a:endParaRPr lang="fr-FR" dirty="0">
               <a:latin typeface="Calibri" panose="020F0502020204030204" pitchFamily="34" charset="0"/>
+              <a:ea typeface="Calibri" panose="020F0502020204030204" pitchFamily="34" charset="0"/>
+              <a:cs typeface="Times New Roman" panose="02020603050405020304" pitchFamily="18" charset="0"/>
             </a:endParaRPr>
           </a:p>
           <a:p>
+            <a:pPr marL="899160" indent="449580" algn="just">
+              <a:lnSpc>
+                <a:spcPct val="107000"/>
+              </a:lnSpc>
+              <a:spcAft>
+                <a:spcPts val="800"/>
+              </a:spcAft>
+            </a:pPr>
             <a:r>
               <a:rPr lang="fr-FR" dirty="0" smtClean="0">
-                <a:latin typeface="Calibri" panose="020F0502020204030204" pitchFamily="34" charset="0"/>
+                <a:latin typeface="Times New Roman" panose="02020603050405020304" pitchFamily="18" charset="0"/>
+                <a:ea typeface="Times New Roman" panose="02020603050405020304" pitchFamily="18" charset="0"/>
+                <a:cs typeface="Times New Roman" panose="02020603050405020304" pitchFamily="18" charset="0"/>
               </a:rPr>
-              <a:t>II Cahier des charges</a:t>
-            </a:r>
-          </a:p>
-          <a:p>
-            <a:endParaRPr lang="fr-FR" dirty="0" smtClean="0">
-              <a:latin typeface="Calibri" panose="020F0502020204030204" pitchFamily="34" charset="0"/>
-            </a:endParaRPr>
-          </a:p>
-          <a:p>
-            <a:r>
-              <a:rPr lang="fr-FR" i="1" dirty="0" smtClean="0">
-                <a:solidFill>
-                  <a:srgbClr val="FF0000"/>
-                </a:solidFill>
-                <a:latin typeface="Calibri" panose="020F0502020204030204" pitchFamily="34" charset="0"/>
+              <a:t>b</a:t>
+            </a:r>
+            <a:r>
+              <a:rPr lang="fr-FR" dirty="0">
+                <a:latin typeface="Times New Roman" panose="02020603050405020304" pitchFamily="18" charset="0"/>
+                <a:ea typeface="Times New Roman" panose="02020603050405020304" pitchFamily="18" charset="0"/>
+                <a:cs typeface="Times New Roman" panose="02020603050405020304" pitchFamily="18" charset="0"/>
               </a:rPr>
-              <a:t>III Analyse fonctionnelle</a:t>
-            </a:r>
-          </a:p>
-          <a:p>
-            <a:r>
-              <a:rPr lang="fr-FR" i="1" dirty="0" smtClean="0">
-                <a:solidFill>
-                  <a:srgbClr val="FF0000"/>
-                </a:solidFill>
-                <a:latin typeface="Calibri" panose="020F0502020204030204" pitchFamily="34" charset="0"/>
-              </a:rPr>
-              <a:t>	A </a:t>
-            </a:r>
-            <a:r>
-              <a:rPr lang="fr-FR" i="1" dirty="0">
-                <a:solidFill>
-                  <a:srgbClr val="FF0000"/>
-                </a:solidFill>
-                <a:latin typeface="Calibri" panose="020F0502020204030204" pitchFamily="34" charset="0"/>
-              </a:rPr>
-              <a:t>Cas d’utilisation</a:t>
-            </a:r>
-          </a:p>
-          <a:p>
-            <a:r>
-              <a:rPr lang="fr-FR" i="1" dirty="0">
-                <a:solidFill>
-                  <a:srgbClr val="FF0000"/>
-                </a:solidFill>
-                <a:latin typeface="Calibri" panose="020F0502020204030204" pitchFamily="34" charset="0"/>
-              </a:rPr>
-              <a:t>	B Diagrammes</a:t>
-            </a:r>
-          </a:p>
-          <a:p>
-            <a:r>
-              <a:rPr lang="fr-FR" i="1" dirty="0">
-                <a:solidFill>
-                  <a:srgbClr val="FF0000"/>
-                </a:solidFill>
-                <a:latin typeface="Calibri" panose="020F0502020204030204" pitchFamily="34" charset="0"/>
-              </a:rPr>
-              <a:t>		1) activité</a:t>
-            </a:r>
-          </a:p>
-          <a:p>
-            <a:r>
-              <a:rPr lang="fr-FR" i="1" dirty="0">
-                <a:solidFill>
-                  <a:srgbClr val="FF0000"/>
-                </a:solidFill>
-                <a:latin typeface="Calibri" panose="020F0502020204030204" pitchFamily="34" charset="0"/>
-              </a:rPr>
-              <a:t>		2) séquence</a:t>
-            </a:r>
-          </a:p>
-          <a:p>
-            <a:r>
-              <a:rPr lang="fr-FR" i="1" dirty="0">
-                <a:solidFill>
-                  <a:srgbClr val="FF0000"/>
-                </a:solidFill>
-                <a:latin typeface="Calibri" panose="020F0502020204030204" pitchFamily="34" charset="0"/>
-              </a:rPr>
-              <a:t>		3) de classe</a:t>
-            </a:r>
-          </a:p>
-          <a:p>
-            <a:r>
-              <a:rPr lang="fr-FR" dirty="0" smtClean="0">
-                <a:latin typeface="Calibri" panose="020F0502020204030204" pitchFamily="34" charset="0"/>
-              </a:rPr>
-              <a:t>IV Conception</a:t>
-            </a:r>
-          </a:p>
-          <a:p>
-            <a:r>
-              <a:rPr lang="fr-FR" dirty="0" smtClean="0">
-                <a:latin typeface="Calibri" panose="020F0502020204030204" pitchFamily="34" charset="0"/>
-              </a:rPr>
-              <a:t>	A </a:t>
-            </a:r>
-            <a:r>
-              <a:rPr lang="fr-FR" dirty="0">
-                <a:latin typeface="Calibri" panose="020F0502020204030204" pitchFamily="34" charset="0"/>
-              </a:rPr>
-              <a:t>MCD MLD</a:t>
-            </a:r>
-          </a:p>
-          <a:p>
-            <a:r>
-              <a:rPr lang="fr-FR" dirty="0">
-                <a:latin typeface="Calibri" panose="020F0502020204030204" pitchFamily="34" charset="0"/>
-              </a:rPr>
-              <a:t>		1) MCD </a:t>
-            </a:r>
-          </a:p>
-          <a:p>
-            <a:r>
-              <a:rPr lang="fr-FR" dirty="0">
-                <a:latin typeface="Calibri" panose="020F0502020204030204" pitchFamily="34" charset="0"/>
-              </a:rPr>
-              <a:t>		2) MLD</a:t>
-            </a:r>
-          </a:p>
-          <a:p>
-            <a:r>
-              <a:rPr lang="fr-FR" dirty="0">
-                <a:latin typeface="Calibri" panose="020F0502020204030204" pitchFamily="34" charset="0"/>
-              </a:rPr>
-              <a:t>		</a:t>
-            </a:r>
-          </a:p>
-          <a:p>
-            <a:r>
-              <a:rPr lang="fr-FR" dirty="0">
-                <a:latin typeface="Calibri" panose="020F0502020204030204" pitchFamily="34" charset="0"/>
-              </a:rPr>
-              <a:t>	</a:t>
-            </a:r>
-            <a:r>
-              <a:rPr lang="fr-FR" dirty="0" smtClean="0">
-                <a:latin typeface="Calibri" panose="020F0502020204030204" pitchFamily="34" charset="0"/>
-              </a:rPr>
-              <a:t>B </a:t>
-            </a:r>
-            <a:r>
-              <a:rPr lang="fr-FR" dirty="0">
-                <a:latin typeface="Calibri" panose="020F0502020204030204" pitchFamily="34" charset="0"/>
-              </a:rPr>
-              <a:t>SQL </a:t>
-            </a:r>
-          </a:p>
-          <a:p>
+              <a:t>) objectifs marketing</a:t>
+            </a:r>
             <a:endParaRPr lang="fr-FR" dirty="0">
               <a:latin typeface="Calibri" panose="020F0502020204030204" pitchFamily="34" charset="0"/>
+              <a:ea typeface="Calibri" panose="020F0502020204030204" pitchFamily="34" charset="0"/>
+              <a:cs typeface="Times New Roman" panose="02020603050405020304" pitchFamily="18" charset="0"/>
             </a:endParaRPr>
           </a:p>
           <a:p>
+            <a:pPr marL="899160" indent="449580" algn="just">
+              <a:lnSpc>
+                <a:spcPct val="107000"/>
+              </a:lnSpc>
+              <a:spcAft>
+                <a:spcPts val="800"/>
+              </a:spcAft>
+            </a:pPr>
             <a:r>
               <a:rPr lang="fr-FR" dirty="0" smtClean="0">
-                <a:latin typeface="Calibri" panose="020F0502020204030204" pitchFamily="34" charset="0"/>
+                <a:latin typeface="Times New Roman" panose="02020603050405020304" pitchFamily="18" charset="0"/>
+                <a:ea typeface="Times New Roman" panose="02020603050405020304" pitchFamily="18" charset="0"/>
+                <a:cs typeface="Times New Roman" panose="02020603050405020304" pitchFamily="18" charset="0"/>
               </a:rPr>
-              <a:t>	C Interaction avec la base de données	</a:t>
-            </a:r>
-            <a:endParaRPr lang="fr-FR" sz="1600" dirty="0">
-              <a:latin typeface="Calibri" panose="020F0502020204030204" pitchFamily="34" charset="0"/>
-            </a:endParaRPr>
-          </a:p>
-          <a:p>
+              <a:t>c) </a:t>
+            </a:r>
+            <a:r>
+              <a:rPr lang="fr-FR" dirty="0">
+                <a:latin typeface="Times New Roman" panose="02020603050405020304" pitchFamily="18" charset="0"/>
+                <a:ea typeface="Times New Roman" panose="02020603050405020304" pitchFamily="18" charset="0"/>
+                <a:cs typeface="Times New Roman" panose="02020603050405020304" pitchFamily="18" charset="0"/>
+              </a:rPr>
+              <a:t>positionnement du futur </a:t>
+            </a:r>
+            <a:r>
+              <a:rPr lang="fr-FR" dirty="0" smtClean="0">
+                <a:latin typeface="Times New Roman" panose="02020603050405020304" pitchFamily="18" charset="0"/>
+                <a:ea typeface="Times New Roman" panose="02020603050405020304" pitchFamily="18" charset="0"/>
+                <a:cs typeface="Times New Roman" panose="02020603050405020304" pitchFamily="18" charset="0"/>
+              </a:rPr>
+              <a:t>produit</a:t>
+            </a:r>
+          </a:p>
+          <a:p>
+            <a:pPr marL="899160" indent="449580" algn="just">
+              <a:lnSpc>
+                <a:spcPct val="107000"/>
+              </a:lnSpc>
+              <a:spcAft>
+                <a:spcPts val="800"/>
+              </a:spcAft>
+            </a:pPr>
+            <a:r>
+              <a:rPr lang="fr-FR" dirty="0">
+                <a:latin typeface="Times New Roman" panose="02020603050405020304" pitchFamily="18" charset="0"/>
+                <a:ea typeface="Times New Roman" panose="02020603050405020304" pitchFamily="18" charset="0"/>
+                <a:cs typeface="Times New Roman" panose="02020603050405020304" pitchFamily="18" charset="0"/>
+              </a:rPr>
+              <a:t>d) analyse SWOT</a:t>
+            </a:r>
             <a:endParaRPr lang="fr-FR" dirty="0">
               <a:latin typeface="Calibri" panose="020F0502020204030204" pitchFamily="34" charset="0"/>
+              <a:ea typeface="Calibri" panose="020F0502020204030204" pitchFamily="34" charset="0"/>
+              <a:cs typeface="Times New Roman" panose="02020603050405020304" pitchFamily="18" charset="0"/>
+            </a:endParaRPr>
+          </a:p>
+          <a:p>
+            <a:pPr marL="899160" indent="449580" algn="just">
+              <a:lnSpc>
+                <a:spcPct val="107000"/>
+              </a:lnSpc>
+              <a:spcAft>
+                <a:spcPts val="800"/>
+              </a:spcAft>
+            </a:pPr>
+            <a:r>
+              <a:rPr lang="fr-FR" dirty="0" smtClean="0">
+                <a:latin typeface="Times New Roman" panose="02020603050405020304" pitchFamily="18" charset="0"/>
+                <a:ea typeface="Times New Roman" panose="02020603050405020304" pitchFamily="18" charset="0"/>
+                <a:cs typeface="Times New Roman" panose="02020603050405020304" pitchFamily="18" charset="0"/>
+              </a:rPr>
+              <a:t> </a:t>
+            </a:r>
+            <a:endParaRPr lang="fr-FR" dirty="0">
+              <a:latin typeface="Calibri" panose="020F0502020204030204" pitchFamily="34" charset="0"/>
+              <a:ea typeface="Calibri" panose="020F0502020204030204" pitchFamily="34" charset="0"/>
+              <a:cs typeface="Times New Roman" panose="02020603050405020304" pitchFamily="18" charset="0"/>
+            </a:endParaRPr>
+          </a:p>
+          <a:p>
+            <a:pPr marL="449580" indent="449580" algn="just">
+              <a:lnSpc>
+                <a:spcPct val="107000"/>
+              </a:lnSpc>
+              <a:spcAft>
+                <a:spcPts val="800"/>
+              </a:spcAft>
+            </a:pPr>
+            <a:endParaRPr lang="fr-FR" dirty="0" smtClean="0">
+              <a:effectLst/>
+              <a:latin typeface="Calibri" panose="020F0502020204030204" pitchFamily="34" charset="0"/>
+              <a:ea typeface="Calibri" panose="020F0502020204030204" pitchFamily="34" charset="0"/>
+              <a:cs typeface="Times New Roman" panose="02020603050405020304" pitchFamily="18" charset="0"/>
             </a:endParaRPr>
           </a:p>
         </p:txBody>
@@ -24822,47 +28620,214 @@
           <a:lstStyle/>
           <a:p>
             <a:fld id="{C992E66A-41E9-4F30-B3C8-2FF86DC5BC5A}" type="slidenum">
-              <a:rPr lang="fr-FR" smtClean="0"/>
+              <a:rPr lang="fr-FR" sz="2000" smtClean="0"/>
               <a:t>6</a:t>
             </a:fld>
-            <a:endParaRPr lang="fr-FR"/>
+            <a:endParaRPr lang="fr-FR" sz="2000" dirty="0"/>
           </a:p>
         </p:txBody>
       </p:sp>
-      <p:pic>
-        <p:nvPicPr>
-          <p:cNvPr id="4" name="Image 3"/>
-          <p:cNvPicPr>
-            <a:picLocks noChangeAspect="1"/>
-          </p:cNvPicPr>
+      <p:sp>
+        <p:nvSpPr>
+          <p:cNvPr id="4" name="ZoneTexte 3"/>
+          <p:cNvSpPr txBox="1"/>
           <p:nvPr/>
-        </p:nvPicPr>
-        <p:blipFill>
-          <a:blip r:embed="rId2">
-            <a:extLst>
-              <a:ext uri="{28A0092B-C50C-407E-A947-70E740481C1C}">
-                <a14:useLocalDpi xmlns:a14="http://schemas.microsoft.com/office/drawing/2010/main" val="0"/>
-              </a:ext>
-            </a:extLst>
-          </a:blip>
-          <a:stretch>
-            <a:fillRect/>
-          </a:stretch>
-        </p:blipFill>
+        </p:nvSpPr>
         <p:spPr>
           <a:xfrm>
-            <a:off x="5580062" y="421555"/>
-            <a:ext cx="5553075" cy="5715000"/>
+            <a:off x="381000" y="177800"/>
+            <a:ext cx="11518900" cy="369332"/>
           </a:xfrm>
           <a:prstGeom prst="rect">
             <a:avLst/>
           </a:prstGeom>
+          <a:noFill/>
         </p:spPr>
-      </p:pic>
+        <p:txBody>
+          <a:bodyPr wrap="square" rtlCol="0">
+            <a:spAutoFit/>
+          </a:bodyPr>
+          <a:lstStyle/>
+          <a:p>
+            <a:r>
+              <a:rPr lang="fr-FR" dirty="0" smtClean="0"/>
+              <a:t>II Cahier des charges </a:t>
+            </a:r>
+            <a:endParaRPr lang="fr-FR" dirty="0"/>
+          </a:p>
+        </p:txBody>
+      </p:sp>
+      <p:sp>
+        <p:nvSpPr>
+          <p:cNvPr id="6" name="ZoneTexte 5"/>
+          <p:cNvSpPr txBox="1"/>
+          <p:nvPr/>
+        </p:nvSpPr>
+        <p:spPr>
+          <a:xfrm>
+            <a:off x="6872472" y="1118582"/>
+            <a:ext cx="5027428" cy="2763064"/>
+          </a:xfrm>
+          <a:prstGeom prst="rect">
+            <a:avLst/>
+          </a:prstGeom>
+          <a:noFill/>
+        </p:spPr>
+        <p:txBody>
+          <a:bodyPr wrap="square" rtlCol="0">
+            <a:spAutoFit/>
+          </a:bodyPr>
+          <a:lstStyle/>
+          <a:p>
+            <a:pPr algn="just">
+              <a:lnSpc>
+                <a:spcPct val="107000"/>
+              </a:lnSpc>
+              <a:spcAft>
+                <a:spcPts val="800"/>
+              </a:spcAft>
+            </a:pPr>
+            <a:r>
+              <a:rPr lang="fr-FR" dirty="0">
+                <a:latin typeface="Times New Roman" panose="02020603050405020304" pitchFamily="18" charset="0"/>
+                <a:ea typeface="Times New Roman" panose="02020603050405020304" pitchFamily="18" charset="0"/>
+                <a:cs typeface="Times New Roman" panose="02020603050405020304" pitchFamily="18" charset="0"/>
+              </a:rPr>
+              <a:t>	</a:t>
+            </a:r>
+            <a:r>
+              <a:rPr lang="fr-FR" u="sng" dirty="0">
+                <a:latin typeface="Times New Roman" panose="02020603050405020304" pitchFamily="18" charset="0"/>
+                <a:ea typeface="Times New Roman" panose="02020603050405020304" pitchFamily="18" charset="0"/>
+                <a:cs typeface="Times New Roman" panose="02020603050405020304" pitchFamily="18" charset="0"/>
+              </a:rPr>
+              <a:t>B) Cible </a:t>
+            </a:r>
+            <a:endParaRPr lang="fr-FR" u="sng" dirty="0">
+              <a:latin typeface="Calibri" panose="020F0502020204030204" pitchFamily="34" charset="0"/>
+              <a:ea typeface="Calibri" panose="020F0502020204030204" pitchFamily="34" charset="0"/>
+              <a:cs typeface="Times New Roman" panose="02020603050405020304" pitchFamily="18" charset="0"/>
+            </a:endParaRPr>
+          </a:p>
+          <a:p>
+            <a:pPr marL="449580" indent="449580" algn="just">
+              <a:lnSpc>
+                <a:spcPct val="107000"/>
+              </a:lnSpc>
+              <a:spcAft>
+                <a:spcPts val="800"/>
+              </a:spcAft>
+            </a:pPr>
+            <a:r>
+              <a:rPr lang="fr-FR" dirty="0">
+                <a:latin typeface="Times New Roman" panose="02020603050405020304" pitchFamily="18" charset="0"/>
+                <a:ea typeface="Times New Roman" panose="02020603050405020304" pitchFamily="18" charset="0"/>
+                <a:cs typeface="Times New Roman" panose="02020603050405020304" pitchFamily="18" charset="0"/>
+              </a:rPr>
+              <a:t>1) public</a:t>
+            </a:r>
+            <a:endParaRPr lang="fr-FR" dirty="0">
+              <a:latin typeface="Calibri" panose="020F0502020204030204" pitchFamily="34" charset="0"/>
+              <a:ea typeface="Calibri" panose="020F0502020204030204" pitchFamily="34" charset="0"/>
+              <a:cs typeface="Times New Roman" panose="02020603050405020304" pitchFamily="18" charset="0"/>
+            </a:endParaRPr>
+          </a:p>
+          <a:p>
+            <a:pPr marL="449580" indent="449580" algn="just">
+              <a:lnSpc>
+                <a:spcPct val="107000"/>
+              </a:lnSpc>
+              <a:spcAft>
+                <a:spcPts val="800"/>
+              </a:spcAft>
+            </a:pPr>
+            <a:r>
+              <a:rPr lang="fr-FR" dirty="0">
+                <a:latin typeface="Times New Roman" panose="02020603050405020304" pitchFamily="18" charset="0"/>
+                <a:ea typeface="Times New Roman" panose="02020603050405020304" pitchFamily="18" charset="0"/>
+                <a:cs typeface="Times New Roman" panose="02020603050405020304" pitchFamily="18" charset="0"/>
+              </a:rPr>
+              <a:t>2) équipements  </a:t>
+            </a:r>
+            <a:endParaRPr lang="fr-FR" dirty="0">
+              <a:latin typeface="Calibri" panose="020F0502020204030204" pitchFamily="34" charset="0"/>
+              <a:ea typeface="Calibri" panose="020F0502020204030204" pitchFamily="34" charset="0"/>
+              <a:cs typeface="Times New Roman" panose="02020603050405020304" pitchFamily="18" charset="0"/>
+            </a:endParaRPr>
+          </a:p>
+          <a:p>
+            <a:pPr indent="449580" algn="just">
+              <a:lnSpc>
+                <a:spcPct val="107000"/>
+              </a:lnSpc>
+              <a:spcAft>
+                <a:spcPts val="800"/>
+              </a:spcAft>
+            </a:pPr>
+            <a:r>
+              <a:rPr lang="fr-FR" u="sng" dirty="0">
+                <a:latin typeface="Times New Roman" panose="02020603050405020304" pitchFamily="18" charset="0"/>
+                <a:ea typeface="Times New Roman" panose="02020603050405020304" pitchFamily="18" charset="0"/>
+                <a:cs typeface="Times New Roman" panose="02020603050405020304" pitchFamily="18" charset="0"/>
+              </a:rPr>
+              <a:t>C) Typologie d’application</a:t>
+            </a:r>
+          </a:p>
+          <a:p>
+            <a:pPr indent="449580" algn="just">
+              <a:lnSpc>
+                <a:spcPct val="107000"/>
+              </a:lnSpc>
+              <a:spcAft>
+                <a:spcPts val="800"/>
+              </a:spcAft>
+            </a:pPr>
+            <a:r>
+              <a:rPr lang="fr-FR" u="sng" dirty="0">
+                <a:latin typeface="Times New Roman" panose="02020603050405020304" pitchFamily="18" charset="0"/>
+                <a:ea typeface="Times New Roman" panose="02020603050405020304" pitchFamily="18" charset="0"/>
+                <a:cs typeface="Times New Roman" panose="02020603050405020304" pitchFamily="18" charset="0"/>
+              </a:rPr>
+              <a:t>D) Périmètre</a:t>
+            </a:r>
+            <a:endParaRPr lang="fr-FR" u="sng" dirty="0">
+              <a:latin typeface="Calibri" panose="020F0502020204030204" pitchFamily="34" charset="0"/>
+              <a:ea typeface="Calibri" panose="020F0502020204030204" pitchFamily="34" charset="0"/>
+              <a:cs typeface="Times New Roman" panose="02020603050405020304" pitchFamily="18" charset="0"/>
+            </a:endParaRPr>
+          </a:p>
+          <a:p>
+            <a:pPr indent="449580" algn="just">
+              <a:lnSpc>
+                <a:spcPct val="107000"/>
+              </a:lnSpc>
+              <a:spcAft>
+                <a:spcPts val="800"/>
+              </a:spcAft>
+            </a:pPr>
+            <a:r>
+              <a:rPr lang="fr-FR" u="sng" dirty="0">
+                <a:latin typeface="Times New Roman" panose="02020603050405020304" pitchFamily="18" charset="0"/>
+                <a:ea typeface="Times New Roman" panose="02020603050405020304" pitchFamily="18" charset="0"/>
+                <a:cs typeface="Times New Roman" panose="02020603050405020304" pitchFamily="18" charset="0"/>
+              </a:rPr>
+              <a:t>E) Intervenants</a:t>
+            </a:r>
+            <a:endParaRPr lang="fr-FR" u="sng" dirty="0">
+              <a:latin typeface="Calibri" panose="020F0502020204030204" pitchFamily="34" charset="0"/>
+              <a:ea typeface="Calibri" panose="020F0502020204030204" pitchFamily="34" charset="0"/>
+              <a:cs typeface="Times New Roman" panose="02020603050405020304" pitchFamily="18" charset="0"/>
+            </a:endParaRPr>
+          </a:p>
+          <a:p>
+            <a:endParaRPr lang="fr-FR" dirty="0"/>
+          </a:p>
+        </p:txBody>
+      </p:sp>
     </p:spTree>
     <p:extLst>
       <p:ext uri="{BB962C8B-B14F-4D97-AF65-F5344CB8AC3E}">
-        <p14:creationId xmlns:p14="http://schemas.microsoft.com/office/powerpoint/2010/main" val="647485589"/>
+        <p14:creationId xmlns:p14="http://schemas.microsoft.com/office/powerpoint/2010/main" val="2542213195"/>
       </p:ext>
     </p:extLst>
   </p:cSld>
@@ -24904,8 +28869,8 @@
         </p:nvSpPr>
         <p:spPr>
           <a:xfrm>
-            <a:off x="299358" y="44426"/>
-            <a:ext cx="5711976" cy="1477328"/>
+            <a:off x="391886" y="464457"/>
+            <a:ext cx="11379200" cy="2158924"/>
           </a:xfrm>
           <a:prstGeom prst="rect">
             <a:avLst/>
@@ -24918,26 +28883,81 @@
           </a:bodyPr>
           <a:lstStyle/>
           <a:p>
-            <a:r>
-              <a:rPr lang="fr-FR" dirty="0" smtClean="0"/>
-              <a:t>III Conception </a:t>
-            </a:r>
-          </a:p>
-          <a:p>
-            <a:r>
-              <a:rPr lang="fr-FR" dirty="0"/>
-              <a:t>	</a:t>
-            </a:r>
-            <a:r>
-              <a:rPr lang="fr-FR" dirty="0" smtClean="0"/>
-              <a:t>A cas d’utilisation</a:t>
-            </a:r>
-          </a:p>
-          <a:p>
-            <a:endParaRPr lang="fr-FR" dirty="0"/>
-          </a:p>
-          <a:p>
-            <a:endParaRPr lang="fr-FR" dirty="0" smtClean="0"/>
+            <a:pPr algn="just">
+              <a:lnSpc>
+                <a:spcPct val="107000"/>
+              </a:lnSpc>
+              <a:spcAft>
+                <a:spcPts val="800"/>
+              </a:spcAft>
+            </a:pPr>
+            <a:endParaRPr lang="fr-FR" dirty="0">
+              <a:latin typeface="Times New Roman" panose="02020603050405020304" pitchFamily="18" charset="0"/>
+              <a:ea typeface="Calibri" panose="020F0502020204030204" pitchFamily="34" charset="0"/>
+              <a:cs typeface="Times New Roman" panose="02020603050405020304" pitchFamily="18" charset="0"/>
+            </a:endParaRPr>
+          </a:p>
+          <a:p>
+            <a:pPr algn="just">
+              <a:lnSpc>
+                <a:spcPct val="107000"/>
+              </a:lnSpc>
+              <a:spcAft>
+                <a:spcPts val="800"/>
+              </a:spcAft>
+            </a:pPr>
+            <a:endParaRPr lang="fr-FR" dirty="0" smtClean="0">
+              <a:effectLst/>
+              <a:latin typeface="Times New Roman" panose="02020603050405020304" pitchFamily="18" charset="0"/>
+              <a:ea typeface="Calibri" panose="020F0502020204030204" pitchFamily="34" charset="0"/>
+              <a:cs typeface="Times New Roman" panose="02020603050405020304" pitchFamily="18" charset="0"/>
+            </a:endParaRPr>
+          </a:p>
+          <a:p>
+            <a:pPr algn="just">
+              <a:lnSpc>
+                <a:spcPct val="107000"/>
+              </a:lnSpc>
+              <a:spcAft>
+                <a:spcPts val="800"/>
+              </a:spcAft>
+            </a:pPr>
+            <a:r>
+              <a:rPr lang="fr-FR" dirty="0" smtClean="0">
+                <a:latin typeface="Times New Roman" panose="02020603050405020304" pitchFamily="18" charset="0"/>
+                <a:ea typeface="Calibri" panose="020F0502020204030204" pitchFamily="34" charset="0"/>
+                <a:cs typeface="Times New Roman" panose="02020603050405020304" pitchFamily="18" charset="0"/>
+              </a:rPr>
+              <a:t>ARBORESCENCE</a:t>
+            </a:r>
+            <a:br>
+              <a:rPr lang="fr-FR" dirty="0" smtClean="0">
+                <a:latin typeface="Times New Roman" panose="02020603050405020304" pitchFamily="18" charset="0"/>
+                <a:ea typeface="Calibri" panose="020F0502020204030204" pitchFamily="34" charset="0"/>
+                <a:cs typeface="Times New Roman" panose="02020603050405020304" pitchFamily="18" charset="0"/>
+              </a:rPr>
+            </a:br>
+            <a:r>
+              <a:rPr lang="fr-FR" dirty="0" smtClean="0">
+                <a:latin typeface="Times New Roman" panose="02020603050405020304" pitchFamily="18" charset="0"/>
+                <a:ea typeface="Calibri" panose="020F0502020204030204" pitchFamily="34" charset="0"/>
+                <a:cs typeface="Times New Roman" panose="02020603050405020304" pitchFamily="18" charset="0"/>
+              </a:rPr>
+              <a:t/>
+            </a:r>
+            <a:br>
+              <a:rPr lang="fr-FR" dirty="0" smtClean="0">
+                <a:latin typeface="Times New Roman" panose="02020603050405020304" pitchFamily="18" charset="0"/>
+                <a:ea typeface="Calibri" panose="020F0502020204030204" pitchFamily="34" charset="0"/>
+                <a:cs typeface="Times New Roman" panose="02020603050405020304" pitchFamily="18" charset="0"/>
+              </a:rPr>
+            </a:br>
+            <a:endParaRPr lang="fr-FR" dirty="0" smtClean="0">
+              <a:effectLst/>
+              <a:latin typeface="Calibri" panose="020F0502020204030204" pitchFamily="34" charset="0"/>
+              <a:ea typeface="Calibri" panose="020F0502020204030204" pitchFamily="34" charset="0"/>
+              <a:cs typeface="Times New Roman" panose="02020603050405020304" pitchFamily="18" charset="0"/>
+            </a:endParaRPr>
           </a:p>
           <a:p>
             <a:endParaRPr lang="fr-FR" dirty="0"/>
@@ -24946,7 +28966,7 @@
       </p:sp>
       <p:sp>
         <p:nvSpPr>
-          <p:cNvPr id="4" name="Espace réservé du numéro de diapositive 3"/>
+          <p:cNvPr id="3" name="Espace réservé du numéro de diapositive 2"/>
           <p:cNvSpPr>
             <a:spLocks noGrp="1"/>
           </p:cNvSpPr>
@@ -24960,31 +28980,64 @@
           <a:lstStyle/>
           <a:p>
             <a:fld id="{C992E66A-41E9-4F30-B3C8-2FF86DC5BC5A}" type="slidenum">
-              <a:rPr lang="fr-FR" smtClean="0"/>
+              <a:rPr lang="fr-FR" sz="2000" smtClean="0"/>
               <a:t>7</a:t>
             </a:fld>
-            <a:endParaRPr lang="fr-FR"/>
+            <a:endParaRPr lang="fr-FR" sz="2000" dirty="0"/>
+          </a:p>
+        </p:txBody>
+      </p:sp>
+      <p:sp>
+        <p:nvSpPr>
+          <p:cNvPr id="4" name="Rectangle 3"/>
+          <p:cNvSpPr/>
+          <p:nvPr/>
+        </p:nvSpPr>
+        <p:spPr>
+          <a:xfrm>
+            <a:off x="251285" y="95125"/>
+            <a:ext cx="2189830" cy="369332"/>
+          </a:xfrm>
+          <a:prstGeom prst="rect">
+            <a:avLst/>
+          </a:prstGeom>
+        </p:spPr>
+        <p:txBody>
+          <a:bodyPr wrap="none">
+            <a:spAutoFit/>
+          </a:bodyPr>
+          <a:lstStyle/>
+          <a:p>
+            <a:r>
+              <a:rPr lang="fr-FR" dirty="0" smtClean="0"/>
+              <a:t>II Cahier des charges </a:t>
+            </a:r>
+            <a:endParaRPr lang="fr-FR" dirty="0"/>
           </a:p>
         </p:txBody>
       </p:sp>
       <p:pic>
         <p:nvPicPr>
-          <p:cNvPr id="3" name="Image 2"/>
-          <p:cNvPicPr>
-            <a:picLocks noChangeAspect="1"/>
-          </p:cNvPicPr>
+          <p:cNvPr id="5" name="Image 4"/>
+          <p:cNvPicPr/>
           <p:nvPr/>
         </p:nvPicPr>
         <p:blipFill>
-          <a:blip r:embed="rId2"/>
+          <a:blip r:embed="rId2">
+            <a:extLst>
+              <a:ext uri="{28A0092B-C50C-407E-A947-70E740481C1C}">
+                <a14:useLocalDpi xmlns:a14="http://schemas.microsoft.com/office/drawing/2010/main" val="0"/>
+              </a:ext>
+            </a:extLst>
+          </a:blip>
           <a:stretch>
             <a:fillRect/>
           </a:stretch>
         </p:blipFill>
         <p:spPr>
           <a:xfrm>
-            <a:off x="1005416" y="783090"/>
-            <a:ext cx="6271435" cy="5308600"/>
+            <a:off x="518470" y="1809946"/>
+            <a:ext cx="11204677" cy="3846136"/>
           </a:xfrm>
           <a:prstGeom prst="rect">
             <a:avLst/>
@@ -24994,7 +29047,7 @@
     </p:spTree>
     <p:extLst>
       <p:ext uri="{BB962C8B-B14F-4D97-AF65-F5344CB8AC3E}">
-        <p14:creationId xmlns:p14="http://schemas.microsoft.com/office/powerpoint/2010/main" val="407375487"/>
+        <p14:creationId xmlns:p14="http://schemas.microsoft.com/office/powerpoint/2010/main" val="3550469196"/>
       </p:ext>
     </p:extLst>
   </p:cSld>
@@ -25030,6 +29083,230 @@
       </p:grpSpPr>
       <p:sp>
         <p:nvSpPr>
+          <p:cNvPr id="2" name="ZoneTexte 1"/>
+          <p:cNvSpPr txBox="1"/>
+          <p:nvPr/>
+        </p:nvSpPr>
+        <p:spPr>
+          <a:xfrm>
+            <a:off x="596901" y="421555"/>
+            <a:ext cx="4025900" cy="6186309"/>
+          </a:xfrm>
+          <a:prstGeom prst="rect">
+            <a:avLst/>
+          </a:prstGeom>
+          <a:noFill/>
+        </p:spPr>
+        <p:txBody>
+          <a:bodyPr wrap="square" rtlCol="0">
+            <a:spAutoFit/>
+          </a:bodyPr>
+          <a:lstStyle/>
+          <a:p>
+            <a:r>
+              <a:rPr lang="fr-FR" dirty="0" smtClean="0">
+                <a:latin typeface="Calibri" panose="020F0502020204030204" pitchFamily="34" charset="0"/>
+              </a:rPr>
+              <a:t>SOMMAIRE</a:t>
+            </a:r>
+          </a:p>
+          <a:p>
+            <a:endParaRPr lang="fr-FR" dirty="0">
+              <a:latin typeface="Calibri" panose="020F0502020204030204" pitchFamily="34" charset="0"/>
+            </a:endParaRPr>
+          </a:p>
+          <a:p>
+            <a:r>
+              <a:rPr lang="fr-FR" dirty="0" smtClean="0">
+                <a:latin typeface="Calibri" panose="020F0502020204030204" pitchFamily="34" charset="0"/>
+              </a:rPr>
+              <a:t>I Présentation du projet </a:t>
+            </a:r>
+          </a:p>
+          <a:p>
+            <a:endParaRPr lang="fr-FR" dirty="0">
+              <a:latin typeface="Calibri" panose="020F0502020204030204" pitchFamily="34" charset="0"/>
+            </a:endParaRPr>
+          </a:p>
+          <a:p>
+            <a:r>
+              <a:rPr lang="fr-FR" dirty="0" smtClean="0">
+                <a:latin typeface="Calibri" panose="020F0502020204030204" pitchFamily="34" charset="0"/>
+              </a:rPr>
+              <a:t>II Cahier des charges</a:t>
+            </a:r>
+          </a:p>
+          <a:p>
+            <a:endParaRPr lang="fr-FR" dirty="0" smtClean="0">
+              <a:latin typeface="Calibri" panose="020F0502020204030204" pitchFamily="34" charset="0"/>
+            </a:endParaRPr>
+          </a:p>
+          <a:p>
+            <a:r>
+              <a:rPr lang="fr-FR" i="1" dirty="0" smtClean="0">
+                <a:solidFill>
+                  <a:srgbClr val="FF0000"/>
+                </a:solidFill>
+                <a:latin typeface="Calibri" panose="020F0502020204030204" pitchFamily="34" charset="0"/>
+              </a:rPr>
+              <a:t>III Analyse fonctionnelle</a:t>
+            </a:r>
+          </a:p>
+          <a:p>
+            <a:r>
+              <a:rPr lang="fr-FR" i="1" dirty="0" smtClean="0">
+                <a:solidFill>
+                  <a:srgbClr val="FF0000"/>
+                </a:solidFill>
+                <a:latin typeface="Calibri" panose="020F0502020204030204" pitchFamily="34" charset="0"/>
+              </a:rPr>
+              <a:t>	A </a:t>
+            </a:r>
+            <a:r>
+              <a:rPr lang="fr-FR" i="1" dirty="0">
+                <a:solidFill>
+                  <a:srgbClr val="FF0000"/>
+                </a:solidFill>
+                <a:latin typeface="Calibri" panose="020F0502020204030204" pitchFamily="34" charset="0"/>
+              </a:rPr>
+              <a:t>Cas d’utilisation</a:t>
+            </a:r>
+          </a:p>
+          <a:p>
+            <a:r>
+              <a:rPr lang="fr-FR" i="1" dirty="0">
+                <a:solidFill>
+                  <a:srgbClr val="FF0000"/>
+                </a:solidFill>
+                <a:latin typeface="Calibri" panose="020F0502020204030204" pitchFamily="34" charset="0"/>
+              </a:rPr>
+              <a:t>	B Diagrammes</a:t>
+            </a:r>
+          </a:p>
+          <a:p>
+            <a:r>
+              <a:rPr lang="fr-FR" i="1" dirty="0">
+                <a:solidFill>
+                  <a:srgbClr val="FF0000"/>
+                </a:solidFill>
+                <a:latin typeface="Calibri" panose="020F0502020204030204" pitchFamily="34" charset="0"/>
+              </a:rPr>
+              <a:t>		1) activité</a:t>
+            </a:r>
+          </a:p>
+          <a:p>
+            <a:r>
+              <a:rPr lang="fr-FR" i="1" dirty="0">
+                <a:solidFill>
+                  <a:srgbClr val="FF0000"/>
+                </a:solidFill>
+                <a:latin typeface="Calibri" panose="020F0502020204030204" pitchFamily="34" charset="0"/>
+              </a:rPr>
+              <a:t>		2) séquence</a:t>
+            </a:r>
+          </a:p>
+          <a:p>
+            <a:r>
+              <a:rPr lang="fr-FR" i="1" dirty="0">
+                <a:solidFill>
+                  <a:srgbClr val="FF0000"/>
+                </a:solidFill>
+                <a:latin typeface="Calibri" panose="020F0502020204030204" pitchFamily="34" charset="0"/>
+              </a:rPr>
+              <a:t>		3) de classe</a:t>
+            </a:r>
+          </a:p>
+          <a:p>
+            <a:r>
+              <a:rPr lang="fr-FR" dirty="0" smtClean="0">
+                <a:latin typeface="Calibri" panose="020F0502020204030204" pitchFamily="34" charset="0"/>
+              </a:rPr>
+              <a:t>IV Conception</a:t>
+            </a:r>
+          </a:p>
+          <a:p>
+            <a:r>
+              <a:rPr lang="fr-FR" dirty="0" smtClean="0">
+                <a:latin typeface="Calibri" panose="020F0502020204030204" pitchFamily="34" charset="0"/>
+              </a:rPr>
+              <a:t>	A </a:t>
+            </a:r>
+            <a:r>
+              <a:rPr lang="fr-FR" dirty="0">
+                <a:latin typeface="Calibri" panose="020F0502020204030204" pitchFamily="34" charset="0"/>
+              </a:rPr>
+              <a:t>MCD MLD</a:t>
+            </a:r>
+          </a:p>
+          <a:p>
+            <a:r>
+              <a:rPr lang="fr-FR" dirty="0">
+                <a:latin typeface="Calibri" panose="020F0502020204030204" pitchFamily="34" charset="0"/>
+              </a:rPr>
+              <a:t>		1) MCD </a:t>
+            </a:r>
+          </a:p>
+          <a:p>
+            <a:r>
+              <a:rPr lang="fr-FR" dirty="0">
+                <a:latin typeface="Calibri" panose="020F0502020204030204" pitchFamily="34" charset="0"/>
+              </a:rPr>
+              <a:t>		2) MLD</a:t>
+            </a:r>
+          </a:p>
+          <a:p>
+            <a:r>
+              <a:rPr lang="fr-FR" dirty="0">
+                <a:latin typeface="Calibri" panose="020F0502020204030204" pitchFamily="34" charset="0"/>
+              </a:rPr>
+              <a:t>		</a:t>
+            </a:r>
+          </a:p>
+          <a:p>
+            <a:r>
+              <a:rPr lang="fr-FR" dirty="0">
+                <a:latin typeface="Calibri" panose="020F0502020204030204" pitchFamily="34" charset="0"/>
+              </a:rPr>
+              <a:t>	</a:t>
+            </a:r>
+            <a:r>
+              <a:rPr lang="fr-FR" dirty="0" smtClean="0">
+                <a:latin typeface="Calibri" panose="020F0502020204030204" pitchFamily="34" charset="0"/>
+              </a:rPr>
+              <a:t>B </a:t>
+            </a:r>
+            <a:r>
+              <a:rPr lang="fr-FR" dirty="0">
+                <a:latin typeface="Calibri" panose="020F0502020204030204" pitchFamily="34" charset="0"/>
+              </a:rPr>
+              <a:t>SQL </a:t>
+            </a:r>
+          </a:p>
+          <a:p>
+            <a:endParaRPr lang="fr-FR" dirty="0">
+              <a:latin typeface="Calibri" panose="020F0502020204030204" pitchFamily="34" charset="0"/>
+            </a:endParaRPr>
+          </a:p>
+          <a:p>
+            <a:r>
+              <a:rPr lang="fr-FR" dirty="0" smtClean="0">
+                <a:latin typeface="Calibri" panose="020F0502020204030204" pitchFamily="34" charset="0"/>
+              </a:rPr>
+              <a:t>	C Interaction avec la base de données	</a:t>
+            </a:r>
+            <a:endParaRPr lang="fr-FR" sz="1600" dirty="0">
+              <a:latin typeface="Calibri" panose="020F0502020204030204" pitchFamily="34" charset="0"/>
+            </a:endParaRPr>
+          </a:p>
+          <a:p>
+            <a:endParaRPr lang="fr-FR" dirty="0">
+              <a:latin typeface="Calibri" panose="020F0502020204030204" pitchFamily="34" charset="0"/>
+            </a:endParaRPr>
+          </a:p>
+        </p:txBody>
+      </p:sp>
+      <p:sp>
+        <p:nvSpPr>
           <p:cNvPr id="3" name="Espace réservé du numéro de diapositive 2"/>
           <p:cNvSpPr>
             <a:spLocks noGrp="1"/>
@@ -25044,89 +29321,119 @@
           <a:lstStyle/>
           <a:p>
             <a:fld id="{C992E66A-41E9-4F30-B3C8-2FF86DC5BC5A}" type="slidenum">
-              <a:rPr lang="fr-FR" smtClean="0"/>
+              <a:rPr lang="fr-FR" sz="2000" smtClean="0"/>
               <a:t>8</a:t>
             </a:fld>
-            <a:endParaRPr lang="fr-FR"/>
-          </a:p>
-        </p:txBody>
-      </p:sp>
-      <p:sp>
-        <p:nvSpPr>
-          <p:cNvPr id="4" name="Rectangle 3"/>
-          <p:cNvSpPr/>
-          <p:nvPr/>
-        </p:nvSpPr>
-        <p:spPr>
-          <a:xfrm>
-            <a:off x="213065" y="157750"/>
-            <a:ext cx="7045574" cy="923330"/>
-          </a:xfrm>
-          <a:prstGeom prst="rect">
-            <a:avLst/>
-          </a:prstGeom>
-        </p:spPr>
-        <p:txBody>
-          <a:bodyPr wrap="square">
-            <a:spAutoFit/>
-          </a:bodyPr>
-          <a:lstStyle/>
-          <a:p>
-            <a:r>
-              <a:rPr lang="fr-FR" dirty="0" smtClean="0"/>
-              <a:t>III Conception </a:t>
-            </a:r>
-          </a:p>
-          <a:p>
-            <a:r>
-              <a:rPr lang="fr-FR" dirty="0"/>
-              <a:t>	</a:t>
-            </a:r>
-            <a:r>
-              <a:rPr lang="fr-FR" dirty="0" smtClean="0"/>
-              <a:t>B Diagrammes </a:t>
-            </a:r>
-          </a:p>
-          <a:p>
-            <a:r>
-              <a:rPr lang="fr-FR" dirty="0"/>
-              <a:t>	</a:t>
-            </a:r>
-            <a:r>
-              <a:rPr lang="fr-FR" dirty="0" smtClean="0"/>
-              <a:t>	1) Activité : recherche de recettes par ingrédients </a:t>
-            </a:r>
+            <a:endParaRPr lang="fr-FR" sz="2000" dirty="0"/>
           </a:p>
         </p:txBody>
       </p:sp>
       <p:pic>
         <p:nvPicPr>
-          <p:cNvPr id="5" name="Image 4"/>
+          <p:cNvPr id="4" name="Image 3"/>
           <p:cNvPicPr>
             <a:picLocks noChangeAspect="1"/>
           </p:cNvPicPr>
           <p:nvPr/>
         </p:nvPicPr>
         <p:blipFill>
-          <a:blip r:embed="rId2"/>
+          <a:blip r:embed="rId2" cstate="print">
+            <a:extLst>
+              <a:ext uri="{28A0092B-C50C-407E-A947-70E740481C1C}">
+                <a14:useLocalDpi xmlns:a14="http://schemas.microsoft.com/office/drawing/2010/main" val="0"/>
+              </a:ext>
+            </a:extLst>
+          </a:blip>
           <a:stretch>
             <a:fillRect/>
           </a:stretch>
         </p:blipFill>
         <p:spPr>
           <a:xfrm>
-            <a:off x="1110029" y="1081080"/>
-            <a:ext cx="9767544" cy="5426413"/>
+            <a:off x="9111077" y="4055533"/>
+            <a:ext cx="2022059" cy="2081021"/>
           </a:xfrm>
           <a:prstGeom prst="rect">
             <a:avLst/>
           </a:prstGeom>
         </p:spPr>
       </p:pic>
+      <p:sp>
+        <p:nvSpPr>
+          <p:cNvPr id="5" name="ZoneTexte 4"/>
+          <p:cNvSpPr txBox="1"/>
+          <p:nvPr/>
+        </p:nvSpPr>
+        <p:spPr>
+          <a:xfrm>
+            <a:off x="5858934" y="956733"/>
+            <a:ext cx="4411133" cy="1477328"/>
+          </a:xfrm>
+          <a:prstGeom prst="rect">
+            <a:avLst/>
+          </a:prstGeom>
+          <a:noFill/>
+        </p:spPr>
+        <p:txBody>
+          <a:bodyPr wrap="square" rtlCol="0">
+            <a:spAutoFit/>
+          </a:bodyPr>
+          <a:lstStyle/>
+          <a:p>
+            <a:r>
+              <a:rPr lang="fr-FR" i="1" dirty="0" smtClean="0"/>
+              <a:t>V Front End</a:t>
+            </a:r>
+          </a:p>
+          <a:p>
+            <a:endParaRPr lang="fr-FR" dirty="0"/>
+          </a:p>
+          <a:p>
+            <a:r>
+              <a:rPr lang="fr-FR" dirty="0" smtClean="0"/>
+              <a:t>	</a:t>
+            </a:r>
+            <a:r>
+              <a:rPr lang="fr-FR" i="1" dirty="0" smtClean="0"/>
+              <a:t>A Maquettage </a:t>
+            </a:r>
+          </a:p>
+          <a:p>
+            <a:r>
+              <a:rPr lang="fr-FR" dirty="0"/>
+              <a:t>	</a:t>
+            </a:r>
+            <a:r>
+              <a:rPr lang="fr-FR" dirty="0" smtClean="0"/>
+              <a:t>B HTML </a:t>
+            </a:r>
+            <a:r>
+              <a:rPr lang="fr-FR" dirty="0"/>
+              <a:t>et CSS</a:t>
+            </a:r>
+            <a:endParaRPr lang="fr-FR" dirty="0" smtClean="0"/>
+          </a:p>
+          <a:p>
+            <a:r>
+              <a:rPr lang="fr-FR" dirty="0"/>
+              <a:t>	</a:t>
+            </a:r>
+            <a:r>
+              <a:rPr lang="fr-FR" dirty="0" smtClean="0"/>
+              <a:t>C </a:t>
+            </a:r>
+            <a:r>
+              <a:rPr lang="fr-FR" dirty="0" err="1" smtClean="0"/>
+              <a:t>Javascript</a:t>
+            </a:r>
+            <a:endParaRPr lang="fr-FR" dirty="0"/>
+          </a:p>
+        </p:txBody>
+      </p:sp>
     </p:spTree>
     <p:extLst>
       <p:ext uri="{BB962C8B-B14F-4D97-AF65-F5344CB8AC3E}">
-        <p14:creationId xmlns:p14="http://schemas.microsoft.com/office/powerpoint/2010/main" val="3850434101"/>
+        <p14:creationId xmlns:p14="http://schemas.microsoft.com/office/powerpoint/2010/main" val="647485589"/>
       </p:ext>
     </p:extLst>
   </p:cSld>
@@ -25160,9 +29467,90 @@
           <a:chExt cx="0" cy="0"/>
         </a:xfrm>
       </p:grpSpPr>
+      <p:sp>
+        <p:nvSpPr>
+          <p:cNvPr id="2" name="ZoneTexte 1"/>
+          <p:cNvSpPr txBox="1"/>
+          <p:nvPr/>
+        </p:nvSpPr>
+        <p:spPr>
+          <a:xfrm>
+            <a:off x="299358" y="44426"/>
+            <a:ext cx="5711976" cy="1477328"/>
+          </a:xfrm>
+          <a:prstGeom prst="rect">
+            <a:avLst/>
+          </a:prstGeom>
+          <a:noFill/>
+        </p:spPr>
+        <p:txBody>
+          <a:bodyPr wrap="square" rtlCol="0">
+            <a:spAutoFit/>
+          </a:bodyPr>
+          <a:lstStyle/>
+          <a:p>
+            <a:r>
+              <a:rPr lang="fr-FR" dirty="0" smtClean="0"/>
+              <a:t>III </a:t>
+            </a:r>
+            <a:r>
+              <a:rPr lang="fr-FR" dirty="0" smtClean="0"/>
+              <a:t>Analyse fonctionnelle </a:t>
+            </a:r>
+            <a:endParaRPr lang="fr-FR" dirty="0" smtClean="0"/>
+          </a:p>
+          <a:p>
+            <a:r>
+              <a:rPr lang="fr-FR" dirty="0"/>
+              <a:t>	</a:t>
+            </a:r>
+            <a:r>
+              <a:rPr lang="fr-FR" dirty="0" smtClean="0"/>
+              <a:t>A cas d’utilisation</a:t>
+            </a:r>
+          </a:p>
+          <a:p>
+            <a:endParaRPr lang="fr-FR" dirty="0"/>
+          </a:p>
+          <a:p>
+            <a:endParaRPr lang="fr-FR" dirty="0" smtClean="0"/>
+          </a:p>
+          <a:p>
+            <a:endParaRPr lang="fr-FR" dirty="0"/>
+          </a:p>
+        </p:txBody>
+      </p:sp>
+      <p:sp>
+        <p:nvSpPr>
+          <p:cNvPr id="4" name="Espace réservé du numéro de diapositive 3"/>
+          <p:cNvSpPr>
+            <a:spLocks noGrp="1"/>
+          </p:cNvSpPr>
+          <p:nvPr>
+            <p:ph type="sldNum" sz="quarter" idx="12"/>
+          </p:nvPr>
+        </p:nvSpPr>
+        <p:spPr>
+          <a:xfrm>
+            <a:off x="10888133" y="6445304"/>
+            <a:ext cx="973667" cy="274320"/>
+          </a:xfrm>
+        </p:spPr>
+        <p:txBody>
+          <a:bodyPr/>
+          <a:lstStyle/>
+          <a:p>
+            <a:fld id="{C992E66A-41E9-4F30-B3C8-2FF86DC5BC5A}" type="slidenum">
+              <a:rPr lang="fr-FR" sz="2000" smtClean="0"/>
+              <a:t>9</a:t>
+            </a:fld>
+            <a:endParaRPr lang="fr-FR" sz="2000" dirty="0"/>
+          </a:p>
+        </p:txBody>
+      </p:sp>
       <p:pic>
         <p:nvPicPr>
-          <p:cNvPr id="2" name="Image 1"/>
+          <p:cNvPr id="3" name="Image 2"/>
           <p:cNvPicPr>
             <a:picLocks noChangeAspect="1"/>
           </p:cNvPicPr>
@@ -25176,85 +29564,18 @@
         </p:blipFill>
         <p:spPr>
           <a:xfrm>
-            <a:off x="214312" y="981849"/>
-            <a:ext cx="11763375" cy="5448300"/>
+            <a:off x="1005416" y="783090"/>
+            <a:ext cx="6271435" cy="5308600"/>
           </a:xfrm>
           <a:prstGeom prst="rect">
             <a:avLst/>
           </a:prstGeom>
         </p:spPr>
       </p:pic>
-      <p:sp>
-        <p:nvSpPr>
-          <p:cNvPr id="3" name="Espace réservé du numéro de diapositive 2"/>
-          <p:cNvSpPr>
-            <a:spLocks noGrp="1"/>
-          </p:cNvSpPr>
-          <p:nvPr>
-            <p:ph type="sldNum" sz="quarter" idx="12"/>
-          </p:nvPr>
-        </p:nvSpPr>
-        <p:spPr/>
-        <p:txBody>
-          <a:bodyPr/>
-          <a:lstStyle/>
-          <a:p>
-            <a:fld id="{C992E66A-41E9-4F30-B3C8-2FF86DC5BC5A}" type="slidenum">
-              <a:rPr lang="fr-FR" smtClean="0"/>
-              <a:t>9</a:t>
-            </a:fld>
-            <a:endParaRPr lang="fr-FR"/>
-          </a:p>
-        </p:txBody>
-      </p:sp>
-      <p:sp>
-        <p:nvSpPr>
-          <p:cNvPr id="4" name="Rectangle 3"/>
-          <p:cNvSpPr/>
-          <p:nvPr/>
-        </p:nvSpPr>
-        <p:spPr>
-          <a:xfrm>
-            <a:off x="214312" y="58519"/>
-            <a:ext cx="6096000" cy="923330"/>
-          </a:xfrm>
-          <a:prstGeom prst="rect">
-            <a:avLst/>
-          </a:prstGeom>
-        </p:spPr>
-        <p:txBody>
-          <a:bodyPr>
-            <a:spAutoFit/>
-          </a:bodyPr>
-          <a:lstStyle/>
-          <a:p>
-            <a:r>
-              <a:rPr lang="fr-FR" dirty="0" smtClean="0"/>
-              <a:t>III Conception </a:t>
-            </a:r>
-          </a:p>
-          <a:p>
-            <a:r>
-              <a:rPr lang="fr-FR" dirty="0" smtClean="0"/>
-              <a:t>	B Diagrammes</a:t>
-            </a:r>
-          </a:p>
-          <a:p>
-            <a:r>
-              <a:rPr lang="fr-FR" dirty="0"/>
-              <a:t>		</a:t>
-            </a:r>
-            <a:r>
-              <a:rPr lang="fr-FR" dirty="0" smtClean="0"/>
-              <a:t>2) Séquence : frigo</a:t>
-            </a:r>
-          </a:p>
-        </p:txBody>
-      </p:sp>
     </p:spTree>
     <p:extLst>
       <p:ext uri="{BB962C8B-B14F-4D97-AF65-F5344CB8AC3E}">
-        <p14:creationId xmlns:p14="http://schemas.microsoft.com/office/powerpoint/2010/main" val="2436053710"/>
+        <p14:creationId xmlns:p14="http://schemas.microsoft.com/office/powerpoint/2010/main" val="407375487"/>
       </p:ext>
     </p:extLst>
   </p:cSld>
